--- a/own-me-pitch.pptx
+++ b/own-me-pitch.pptx
@@ -8,6 +8,12 @@
     <p:sldId id="256" r:id="rId2"/>
     <p:sldId id="257" r:id="rId3"/>
     <p:sldId id="258" r:id="rId4"/>
+    <p:sldId id="259" r:id="rId5"/>
+    <p:sldId id="260" r:id="rId6"/>
+    <p:sldId id="261" r:id="rId7"/>
+    <p:sldId id="262" r:id="rId8"/>
+    <p:sldId id="263" r:id="rId9"/>
+    <p:sldId id="264" r:id="rId10"/>
   </p:sldIdLst>
   <p:sldSz cx="12192000" cy="6858000"/>
   <p:notesSz cx="6858000" cy="9144000"/>
@@ -263,7 +269,7 @@
           <a:p>
             <a:fld id="{6F0444B0-A3CD-4285-B1AE-FEC941C62C7C}" type="datetimeFigureOut">
               <a:rPr lang="en-CA" smtClean="0"/>
-              <a:t>2021-08-21</a:t>
+              <a:t>2021-08-22</a:t>
             </a:fld>
             <a:endParaRPr lang="en-CA"/>
           </a:p>
@@ -463,7 +469,7 @@
           <a:p>
             <a:fld id="{6F0444B0-A3CD-4285-B1AE-FEC941C62C7C}" type="datetimeFigureOut">
               <a:rPr lang="en-CA" smtClean="0"/>
-              <a:t>2021-08-21</a:t>
+              <a:t>2021-08-22</a:t>
             </a:fld>
             <a:endParaRPr lang="en-CA"/>
           </a:p>
@@ -673,7 +679,7 @@
           <a:p>
             <a:fld id="{6F0444B0-A3CD-4285-B1AE-FEC941C62C7C}" type="datetimeFigureOut">
               <a:rPr lang="en-CA" smtClean="0"/>
-              <a:t>2021-08-21</a:t>
+              <a:t>2021-08-22</a:t>
             </a:fld>
             <a:endParaRPr lang="en-CA"/>
           </a:p>
@@ -873,7 +879,7 @@
           <a:p>
             <a:fld id="{6F0444B0-A3CD-4285-B1AE-FEC941C62C7C}" type="datetimeFigureOut">
               <a:rPr lang="en-CA" smtClean="0"/>
-              <a:t>2021-08-21</a:t>
+              <a:t>2021-08-22</a:t>
             </a:fld>
             <a:endParaRPr lang="en-CA"/>
           </a:p>
@@ -1149,7 +1155,7 @@
           <a:p>
             <a:fld id="{6F0444B0-A3CD-4285-B1AE-FEC941C62C7C}" type="datetimeFigureOut">
               <a:rPr lang="en-CA" smtClean="0"/>
-              <a:t>2021-08-21</a:t>
+              <a:t>2021-08-22</a:t>
             </a:fld>
             <a:endParaRPr lang="en-CA"/>
           </a:p>
@@ -1417,7 +1423,7 @@
           <a:p>
             <a:fld id="{6F0444B0-A3CD-4285-B1AE-FEC941C62C7C}" type="datetimeFigureOut">
               <a:rPr lang="en-CA" smtClean="0"/>
-              <a:t>2021-08-21</a:t>
+              <a:t>2021-08-22</a:t>
             </a:fld>
             <a:endParaRPr lang="en-CA"/>
           </a:p>
@@ -1832,7 +1838,7 @@
           <a:p>
             <a:fld id="{6F0444B0-A3CD-4285-B1AE-FEC941C62C7C}" type="datetimeFigureOut">
               <a:rPr lang="en-CA" smtClean="0"/>
-              <a:t>2021-08-21</a:t>
+              <a:t>2021-08-22</a:t>
             </a:fld>
             <a:endParaRPr lang="en-CA"/>
           </a:p>
@@ -1974,7 +1980,7 @@
           <a:p>
             <a:fld id="{6F0444B0-A3CD-4285-B1AE-FEC941C62C7C}" type="datetimeFigureOut">
               <a:rPr lang="en-CA" smtClean="0"/>
-              <a:t>2021-08-21</a:t>
+              <a:t>2021-08-22</a:t>
             </a:fld>
             <a:endParaRPr lang="en-CA"/>
           </a:p>
@@ -2087,7 +2093,7 @@
           <a:p>
             <a:fld id="{6F0444B0-A3CD-4285-B1AE-FEC941C62C7C}" type="datetimeFigureOut">
               <a:rPr lang="en-CA" smtClean="0"/>
-              <a:t>2021-08-21</a:t>
+              <a:t>2021-08-22</a:t>
             </a:fld>
             <a:endParaRPr lang="en-CA"/>
           </a:p>
@@ -2400,7 +2406,7 @@
           <a:p>
             <a:fld id="{6F0444B0-A3CD-4285-B1AE-FEC941C62C7C}" type="datetimeFigureOut">
               <a:rPr lang="en-CA" smtClean="0"/>
-              <a:t>2021-08-21</a:t>
+              <a:t>2021-08-22</a:t>
             </a:fld>
             <a:endParaRPr lang="en-CA"/>
           </a:p>
@@ -2689,7 +2695,7 @@
           <a:p>
             <a:fld id="{6F0444B0-A3CD-4285-B1AE-FEC941C62C7C}" type="datetimeFigureOut">
               <a:rPr lang="en-CA" smtClean="0"/>
-              <a:t>2021-08-21</a:t>
+              <a:t>2021-08-22</a:t>
             </a:fld>
             <a:endParaRPr lang="en-CA"/>
           </a:p>
@@ -2932,7 +2938,7 @@
           <a:p>
             <a:fld id="{6F0444B0-A3CD-4285-B1AE-FEC941C62C7C}" type="datetimeFigureOut">
               <a:rPr lang="en-CA" smtClean="0"/>
-              <a:t>2021-08-21</a:t>
+              <a:t>2021-08-22</a:t>
             </a:fld>
             <a:endParaRPr lang="en-CA"/>
           </a:p>
@@ -3385,60 +3391,6 @@
           </a:prstGeom>
         </p:spPr>
       </p:pic>
-      <p:sp>
-        <p:nvSpPr>
-          <p:cNvPr id="15" name="Rectangle: Rounded Corners 14">
-            <a:extLst>
-              <a:ext uri="{FF2B5EF4-FFF2-40B4-BE49-F238E27FC236}">
-                <a16:creationId xmlns:a16="http://schemas.microsoft.com/office/drawing/2014/main" id="{463398E0-9051-493F-A3D7-E70EA782D1C7}"/>
-              </a:ext>
-            </a:extLst>
-          </p:cNvPr>
-          <p:cNvSpPr/>
-          <p:nvPr/>
-        </p:nvSpPr>
-        <p:spPr>
-          <a:xfrm>
-            <a:off x="838200" y="2910572"/>
-            <a:ext cx="6469380" cy="2987308"/>
-          </a:xfrm>
-          <a:prstGeom prst="roundRect">
-            <a:avLst/>
-          </a:prstGeom>
-          <a:solidFill>
-            <a:schemeClr val="bg1"/>
-          </a:solidFill>
-          <a:ln>
-            <a:solidFill>
-              <a:srgbClr val="7030A0"/>
-            </a:solidFill>
-          </a:ln>
-        </p:spPr>
-        <p:style>
-          <a:lnRef idx="2">
-            <a:schemeClr val="accent1">
-              <a:shade val="50000"/>
-            </a:schemeClr>
-          </a:lnRef>
-          <a:fillRef idx="1">
-            <a:schemeClr val="accent1"/>
-          </a:fillRef>
-          <a:effectRef idx="0">
-            <a:schemeClr val="accent1"/>
-          </a:effectRef>
-          <a:fontRef idx="minor">
-            <a:schemeClr val="lt1"/>
-          </a:fontRef>
-        </p:style>
-        <p:txBody>
-          <a:bodyPr rtlCol="0" anchor="ctr"/>
-          <a:lstStyle/>
-          <a:p>
-            <a:pPr algn="ctr"/>
-            <a:endParaRPr lang="en-CA"/>
-          </a:p>
-        </p:txBody>
-      </p:sp>
       <p:pic>
         <p:nvPicPr>
           <p:cNvPr id="5" name="Picture 4">
@@ -3503,7 +3455,7 @@
         </p:blipFill>
         <p:spPr>
           <a:xfrm>
-            <a:off x="8509507" y="2141220"/>
+            <a:off x="711821" y="2100413"/>
             <a:ext cx="3022622" cy="4297528"/>
           </a:xfrm>
           <a:prstGeom prst="rect">
@@ -3511,78 +3463,275 @@
           </a:prstGeom>
         </p:spPr>
       </p:pic>
-      <p:pic>
-        <p:nvPicPr>
-          <p:cNvPr id="14" name="Picture 13">
-            <a:extLst>
-              <a:ext uri="{FF2B5EF4-FFF2-40B4-BE49-F238E27FC236}">
-                <a16:creationId xmlns:a16="http://schemas.microsoft.com/office/drawing/2014/main" id="{E41761AB-127B-4281-AA31-422CD10C9437}"/>
-              </a:ext>
-            </a:extLst>
-          </p:cNvPr>
-          <p:cNvPicPr>
-            <a:picLocks noChangeAspect="1"/>
-          </p:cNvPicPr>
+      <p:sp>
+        <p:nvSpPr>
+          <p:cNvPr id="3" name="TextBox 2">
+            <a:extLst>
+              <a:ext uri="{FF2B5EF4-FFF2-40B4-BE49-F238E27FC236}">
+                <a16:creationId xmlns:a16="http://schemas.microsoft.com/office/drawing/2014/main" id="{3CC1160A-4330-4430-9C12-A4F4AE65D5AA}"/>
+              </a:ext>
+            </a:extLst>
+          </p:cNvPr>
+          <p:cNvSpPr txBox="1"/>
           <p:nvPr/>
-        </p:nvPicPr>
-        <p:blipFill>
-          <a:blip r:embed="rId5">
-            <a:extLst>
-              <a:ext uri="{28A0092B-C50C-407E-A947-70E740481C1C}">
-                <a14:useLocalDpi xmlns:a14="http://schemas.microsoft.com/office/drawing/2010/main" val="0"/>
-              </a:ext>
-            </a:extLst>
-          </a:blip>
-          <a:stretch>
-            <a:fillRect/>
-          </a:stretch>
-        </p:blipFill>
+        </p:nvSpPr>
         <p:spPr>
           <a:xfrm>
-            <a:off x="1456477" y="3334752"/>
-            <a:ext cx="5092065" cy="1583078"/>
+            <a:off x="10117392" y="153383"/>
+            <a:ext cx="1982183" cy="369332"/>
           </a:xfrm>
           <a:prstGeom prst="rect">
             <a:avLst/>
           </a:prstGeom>
-        </p:spPr>
-      </p:pic>
-      <p:pic>
-        <p:nvPicPr>
-          <p:cNvPr id="17" name="Picture 16">
-            <a:extLst>
-              <a:ext uri="{FF2B5EF4-FFF2-40B4-BE49-F238E27FC236}">
-                <a16:creationId xmlns:a16="http://schemas.microsoft.com/office/drawing/2014/main" id="{30630209-5773-4F56-B3FA-EF2B6C677B88}"/>
-              </a:ext>
-            </a:extLst>
-          </p:cNvPr>
-          <p:cNvPicPr>
-            <a:picLocks noChangeAspect="1"/>
-          </p:cNvPicPr>
+          <a:noFill/>
+        </p:spPr>
+        <p:txBody>
+          <a:bodyPr wrap="square" rtlCol="0">
+            <a:spAutoFit/>
+          </a:bodyPr>
+          <a:lstStyle/>
+          <a:p>
+            <a:r>
+              <a:rPr lang="en-US" dirty="0">
+                <a:latin typeface="Poppins Medium" panose="00000600000000000000" pitchFamily="2" charset="0"/>
+                <a:cs typeface="Poppins Medium" panose="00000600000000000000" pitchFamily="2" charset="0"/>
+              </a:rPr>
+              <a:t>www.ownme.io</a:t>
+            </a:r>
+            <a:endParaRPr lang="en-CA" dirty="0">
+              <a:latin typeface="Poppins Medium" panose="00000600000000000000" pitchFamily="2" charset="0"/>
+              <a:cs typeface="Poppins Medium" panose="00000600000000000000" pitchFamily="2" charset="0"/>
+            </a:endParaRPr>
+          </a:p>
+        </p:txBody>
+      </p:sp>
+      <p:grpSp>
+        <p:nvGrpSpPr>
+          <p:cNvPr id="6" name="Group 5">
+            <a:extLst>
+              <a:ext uri="{FF2B5EF4-FFF2-40B4-BE49-F238E27FC236}">
+                <a16:creationId xmlns:a16="http://schemas.microsoft.com/office/drawing/2014/main" id="{C225D8DF-EEAE-4C54-8599-35B9AF597A6E}"/>
+              </a:ext>
+            </a:extLst>
+          </p:cNvPr>
+          <p:cNvGrpSpPr/>
           <p:nvPr/>
-        </p:nvPicPr>
-        <p:blipFill>
-          <a:blip r:embed="rId6">
-            <a:extLst>
-              <a:ext uri="{28A0092B-C50C-407E-A947-70E740481C1C}">
-                <a14:useLocalDpi xmlns:a14="http://schemas.microsoft.com/office/drawing/2010/main" val="0"/>
-              </a:ext>
-            </a:extLst>
-          </a:blip>
-          <a:stretch>
-            <a:fillRect/>
-          </a:stretch>
-        </p:blipFill>
-        <p:spPr>
+        </p:nvGrpSpPr>
+        <p:grpSpPr>
           <a:xfrm>
-            <a:off x="1456477" y="5221466"/>
-            <a:ext cx="3689985" cy="352847"/>
-          </a:xfrm>
-          <a:prstGeom prst="rect">
-            <a:avLst/>
-          </a:prstGeom>
-        </p:spPr>
-      </p:pic>
+            <a:off x="5068561" y="2259542"/>
+            <a:ext cx="6469380" cy="2987308"/>
+            <a:chOff x="5466126" y="2279420"/>
+            <a:chExt cx="6469380" cy="2987308"/>
+          </a:xfrm>
+        </p:grpSpPr>
+        <p:sp>
+          <p:nvSpPr>
+            <p:cNvPr id="15" name="Rectangle: Rounded Corners 14">
+              <a:extLst>
+                <a:ext uri="{FF2B5EF4-FFF2-40B4-BE49-F238E27FC236}">
+                  <a16:creationId xmlns:a16="http://schemas.microsoft.com/office/drawing/2014/main" id="{463398E0-9051-493F-A3D7-E70EA782D1C7}"/>
+                </a:ext>
+              </a:extLst>
+            </p:cNvPr>
+            <p:cNvSpPr/>
+            <p:nvPr/>
+          </p:nvSpPr>
+          <p:spPr>
+            <a:xfrm>
+              <a:off x="5466126" y="2279420"/>
+              <a:ext cx="6469380" cy="2987308"/>
+            </a:xfrm>
+            <a:prstGeom prst="roundRect">
+              <a:avLst/>
+            </a:prstGeom>
+            <a:solidFill>
+              <a:schemeClr val="bg1"/>
+            </a:solidFill>
+            <a:ln>
+              <a:solidFill>
+                <a:srgbClr val="7030A0"/>
+              </a:solidFill>
+            </a:ln>
+            <a:effectLst>
+              <a:glow rad="304800">
+                <a:srgbClr val="FB33FF">
+                  <a:alpha val="40000"/>
+                </a:srgbClr>
+              </a:glow>
+            </a:effectLst>
+          </p:spPr>
+          <p:style>
+            <a:lnRef idx="2">
+              <a:schemeClr val="accent1">
+                <a:shade val="50000"/>
+              </a:schemeClr>
+            </a:lnRef>
+            <a:fillRef idx="1">
+              <a:schemeClr val="accent1"/>
+            </a:fillRef>
+            <a:effectRef idx="0">
+              <a:schemeClr val="accent1"/>
+            </a:effectRef>
+            <a:fontRef idx="minor">
+              <a:schemeClr val="lt1"/>
+            </a:fontRef>
+          </p:style>
+          <p:txBody>
+            <a:bodyPr rtlCol="0" anchor="ctr"/>
+            <a:lstStyle/>
+            <a:p>
+              <a:pPr algn="ctr"/>
+              <a:endParaRPr lang="en-CA"/>
+            </a:p>
+          </p:txBody>
+        </p:sp>
+        <p:sp>
+          <p:nvSpPr>
+            <p:cNvPr id="2" name="TextBox 1">
+              <a:extLst>
+                <a:ext uri="{FF2B5EF4-FFF2-40B4-BE49-F238E27FC236}">
+                  <a16:creationId xmlns:a16="http://schemas.microsoft.com/office/drawing/2014/main" id="{E079778D-BD47-4394-8DE8-A34595DB0872}"/>
+                </a:ext>
+              </a:extLst>
+            </p:cNvPr>
+            <p:cNvSpPr txBox="1"/>
+            <p:nvPr/>
+          </p:nvSpPr>
+          <p:spPr>
+            <a:xfrm>
+              <a:off x="5820511" y="2502371"/>
+              <a:ext cx="5147801" cy="1977464"/>
+            </a:xfrm>
+            <a:prstGeom prst="rect">
+              <a:avLst/>
+            </a:prstGeom>
+            <a:noFill/>
+          </p:spPr>
+          <p:txBody>
+            <a:bodyPr wrap="square" rtlCol="0">
+              <a:spAutoFit/>
+            </a:bodyPr>
+            <a:lstStyle/>
+            <a:p>
+              <a:pPr>
+                <a:lnSpc>
+                  <a:spcPct val="150000"/>
+                </a:lnSpc>
+              </a:pPr>
+              <a:r>
+                <a:rPr lang="en-US" sz="2800" dirty="0">
+                  <a:latin typeface="Yeseva One" panose="00000500000000000000" pitchFamily="2" charset="0"/>
+                </a:rPr>
+                <a:t>Buy, trade, sell, view and promote your hottest digital “</a:t>
+              </a:r>
+              <a:r>
+                <a:rPr lang="en-US" sz="2800" dirty="0">
+                  <a:solidFill>
+                    <a:srgbClr val="FB33FF"/>
+                  </a:solidFill>
+                  <a:latin typeface="Rock Salt" pitchFamily="2" charset="0"/>
+                </a:rPr>
+                <a:t>Assets</a:t>
+              </a:r>
+              <a:r>
+                <a:rPr lang="en-US" sz="2800" dirty="0">
+                  <a:latin typeface="Yeseva One" panose="00000500000000000000" pitchFamily="2" charset="0"/>
+                </a:rPr>
+                <a:t>” as </a:t>
+              </a:r>
+              <a:r>
+                <a:rPr lang="en-US" sz="2800" dirty="0">
+                  <a:solidFill>
+                    <a:srgbClr val="0029FF"/>
+                  </a:solidFill>
+                  <a:latin typeface="Rock Salt" pitchFamily="2" charset="0"/>
+                </a:rPr>
+                <a:t>NFTs</a:t>
+              </a:r>
+              <a:r>
+                <a:rPr lang="en-US" sz="2800" dirty="0">
+                  <a:latin typeface="Yeseva One" panose="00000500000000000000" pitchFamily="2" charset="0"/>
+                </a:rPr>
+                <a:t>.</a:t>
+              </a:r>
+              <a:endParaRPr lang="en-CA" sz="2800" dirty="0">
+                <a:latin typeface="Yeseva One" panose="00000500000000000000" pitchFamily="2" charset="0"/>
+              </a:endParaRPr>
+            </a:p>
+          </p:txBody>
+        </p:sp>
+        <p:sp>
+          <p:nvSpPr>
+            <p:cNvPr id="4" name="TextBox 3">
+              <a:extLst>
+                <a:ext uri="{FF2B5EF4-FFF2-40B4-BE49-F238E27FC236}">
+                  <a16:creationId xmlns:a16="http://schemas.microsoft.com/office/drawing/2014/main" id="{DFDB71F8-2AA6-4939-9D33-72E0C2123843}"/>
+                </a:ext>
+              </a:extLst>
+            </p:cNvPr>
+            <p:cNvSpPr txBox="1"/>
+            <p:nvPr/>
+          </p:nvSpPr>
+          <p:spPr>
+            <a:xfrm>
+              <a:off x="5909001" y="4702786"/>
+              <a:ext cx="3486519" cy="377559"/>
+            </a:xfrm>
+            <a:prstGeom prst="rect">
+              <a:avLst/>
+            </a:prstGeom>
+            <a:noFill/>
+          </p:spPr>
+          <p:txBody>
+            <a:bodyPr wrap="square" rtlCol="0">
+              <a:spAutoFit/>
+            </a:bodyPr>
+            <a:lstStyle/>
+            <a:p>
+              <a:r>
+                <a:rPr lang="en-US" dirty="0">
+                  <a:latin typeface="Shadows Into Light" panose="02000000000000000000" pitchFamily="2" charset="0"/>
+                </a:rPr>
+                <a:t>Promiscuous </a:t>
+              </a:r>
+              <a:r>
+                <a:rPr lang="en-US" dirty="0">
+                  <a:solidFill>
+                    <a:srgbClr val="FB74FE"/>
+                  </a:solidFill>
+                  <a:latin typeface="Shadows Into Light" panose="02000000000000000000" pitchFamily="2" charset="0"/>
+                </a:rPr>
+                <a:t>*</a:t>
+              </a:r>
+              <a:r>
+                <a:rPr lang="en-US" dirty="0">
+                  <a:latin typeface="Shadows Into Light" panose="02000000000000000000" pitchFamily="2" charset="0"/>
+                </a:rPr>
+                <a:t> Dangerous </a:t>
+              </a:r>
+              <a:r>
+                <a:rPr lang="en-US" dirty="0">
+                  <a:solidFill>
+                    <a:srgbClr val="FB74FE"/>
+                  </a:solidFill>
+                  <a:latin typeface="Shadows Into Light" panose="02000000000000000000" pitchFamily="2" charset="0"/>
+                </a:rPr>
+                <a:t>*</a:t>
+              </a:r>
+              <a:r>
+                <a:rPr lang="en-US" dirty="0">
+                  <a:latin typeface="Shadows Into Light" panose="02000000000000000000" pitchFamily="2" charset="0"/>
+                </a:rPr>
+                <a:t> Lucrative</a:t>
+              </a:r>
+              <a:endParaRPr lang="en-CA" dirty="0">
+                <a:latin typeface="Shadows Into Light" panose="02000000000000000000" pitchFamily="2" charset="0"/>
+              </a:endParaRPr>
+            </a:p>
+          </p:txBody>
+        </p:sp>
+      </p:grpSp>
     </p:spTree>
     <p:extLst>
       <p:ext uri="{BB962C8B-B14F-4D97-AF65-F5344CB8AC3E}">
@@ -3966,15 +4115,7 @@
           <a:p>
             <a:r>
               <a:rPr lang="en-US" sz="2400" dirty="0"/>
-              <a:t>Use the Ethereum blockchain instead of traditional banking solutions like Visa / </a:t>
-            </a:r>
-            <a:r>
-              <a:rPr lang="en-US" sz="2400" dirty="0" err="1"/>
-              <a:t>Paypal</a:t>
-            </a:r>
-            <a:r>
-              <a:rPr lang="en-US" sz="2400" dirty="0"/>
-              <a:t>.</a:t>
+              <a:t>Use the Ethereum blockchain instead of traditional banking solutions like Visa / PayPal.</a:t>
             </a:r>
             <a:endParaRPr lang="en-CA" sz="2400" dirty="0"/>
           </a:p>
@@ -4052,10 +4193,1824 @@
           </a:p>
         </p:txBody>
       </p:sp>
+      <p:pic>
+        <p:nvPicPr>
+          <p:cNvPr id="5" name="Graphic 4">
+            <a:extLst>
+              <a:ext uri="{FF2B5EF4-FFF2-40B4-BE49-F238E27FC236}">
+                <a16:creationId xmlns:a16="http://schemas.microsoft.com/office/drawing/2014/main" id="{B0C250BD-7B7B-4CCE-9F49-8216A3D0EFAB}"/>
+              </a:ext>
+            </a:extLst>
+          </p:cNvPr>
+          <p:cNvPicPr>
+            <a:picLocks noChangeAspect="1"/>
+          </p:cNvPicPr>
+          <p:nvPr/>
+        </p:nvPicPr>
+        <p:blipFill>
+          <a:blip r:embed="rId2">
+            <a:extLst>
+              <a:ext uri="{28A0092B-C50C-407E-A947-70E740481C1C}">
+                <a14:useLocalDpi xmlns:a14="http://schemas.microsoft.com/office/drawing/2010/main" val="0"/>
+              </a:ext>
+              <a:ext uri="{96DAC541-7B7A-43D3-8B79-37D633B846F1}">
+                <asvg:svgBlip xmlns:asvg="http://schemas.microsoft.com/office/drawing/2016/SVG/main" r:embed="rId3"/>
+              </a:ext>
+            </a:extLst>
+          </a:blip>
+          <a:stretch>
+            <a:fillRect/>
+          </a:stretch>
+        </p:blipFill>
+        <p:spPr>
+          <a:xfrm>
+            <a:off x="8817561" y="3094871"/>
+            <a:ext cx="1713104" cy="1713104"/>
+          </a:xfrm>
+          <a:prstGeom prst="rect">
+            <a:avLst/>
+          </a:prstGeom>
+        </p:spPr>
+      </p:pic>
     </p:spTree>
     <p:extLst>
       <p:ext uri="{BB962C8B-B14F-4D97-AF65-F5344CB8AC3E}">
         <p14:creationId xmlns:p14="http://schemas.microsoft.com/office/powerpoint/2010/main" val="2708848991"/>
+      </p:ext>
+    </p:extLst>
+  </p:cSld>
+  <p:clrMapOvr>
+    <a:masterClrMapping/>
+  </p:clrMapOvr>
+</p:sld>
+</file>
+
+<file path=ppt/slides/slide4.xml><?xml version="1.0" encoding="utf-8"?>
+<p:sld xmlns:a="http://schemas.openxmlformats.org/drawingml/2006/main" xmlns:r="http://schemas.openxmlformats.org/officeDocument/2006/relationships" xmlns:p="http://schemas.openxmlformats.org/presentationml/2006/main">
+  <p:cSld>
+    <p:spTree>
+      <p:nvGrpSpPr>
+        <p:cNvPr id="1" name=""/>
+        <p:cNvGrpSpPr/>
+        <p:nvPr/>
+      </p:nvGrpSpPr>
+      <p:grpSpPr>
+        <a:xfrm>
+          <a:off x="0" y="0"/>
+          <a:ext cx="0" cy="0"/>
+          <a:chOff x="0" y="0"/>
+          <a:chExt cx="0" cy="0"/>
+        </a:xfrm>
+      </p:grpSpPr>
+      <p:sp>
+        <p:nvSpPr>
+          <p:cNvPr id="2" name="Title 1">
+            <a:extLst>
+              <a:ext uri="{FF2B5EF4-FFF2-40B4-BE49-F238E27FC236}">
+                <a16:creationId xmlns:a16="http://schemas.microsoft.com/office/drawing/2014/main" id="{33A84F21-F047-4B13-9F69-FDD4F389C7AF}"/>
+              </a:ext>
+            </a:extLst>
+          </p:cNvPr>
+          <p:cNvSpPr>
+            <a:spLocks noGrp="1"/>
+          </p:cNvSpPr>
+          <p:nvPr>
+            <p:ph type="title"/>
+          </p:nvPr>
+        </p:nvSpPr>
+        <p:spPr/>
+        <p:txBody>
+          <a:bodyPr/>
+          <a:lstStyle/>
+          <a:p>
+            <a:r>
+              <a:rPr lang="en-US" dirty="0">
+                <a:latin typeface="Yeseva One" panose="00000500000000000000" pitchFamily="2" charset="0"/>
+              </a:rPr>
+              <a:t>The Market </a:t>
+            </a:r>
+            <a:endParaRPr lang="en-CA" dirty="0"/>
+          </a:p>
+        </p:txBody>
+      </p:sp>
+      <p:sp>
+        <p:nvSpPr>
+          <p:cNvPr id="3" name="Content Placeholder 2">
+            <a:extLst>
+              <a:ext uri="{FF2B5EF4-FFF2-40B4-BE49-F238E27FC236}">
+                <a16:creationId xmlns:a16="http://schemas.microsoft.com/office/drawing/2014/main" id="{3F240F04-9024-4A98-B99C-2538F5F8CCB2}"/>
+              </a:ext>
+            </a:extLst>
+          </p:cNvPr>
+          <p:cNvSpPr>
+            <a:spLocks noGrp="1"/>
+          </p:cNvSpPr>
+          <p:nvPr>
+            <p:ph idx="1"/>
+          </p:nvPr>
+        </p:nvSpPr>
+        <p:spPr>
+          <a:xfrm>
+            <a:off x="5669772" y="226217"/>
+            <a:ext cx="2966884" cy="1257301"/>
+          </a:xfrm>
+        </p:spPr>
+        <p:txBody>
+          <a:bodyPr>
+            <a:normAutofit fontScale="32500" lnSpcReduction="20000"/>
+          </a:bodyPr>
+          <a:lstStyle/>
+          <a:p>
+            <a:pPr marL="0" indent="0">
+              <a:buNone/>
+            </a:pPr>
+            <a:r>
+              <a:rPr lang="en-US" dirty="0"/>
+              <a:t>How much money in the industry.</a:t>
+            </a:r>
+            <a:br>
+              <a:rPr lang="en-US" dirty="0"/>
+            </a:br>
+            <a:br>
+              <a:rPr lang="en-US" dirty="0"/>
+            </a:br>
+            <a:r>
+              <a:rPr lang="en-US" dirty="0"/>
+              <a:t>NFT marketplaces revenue.</a:t>
+            </a:r>
+            <a:br>
+              <a:rPr lang="en-US" dirty="0"/>
+            </a:br>
+            <a:br>
+              <a:rPr lang="en-US" dirty="0"/>
+            </a:br>
+            <a:r>
+              <a:rPr lang="en-US" dirty="0"/>
+              <a:t>Adult content revenue.</a:t>
+            </a:r>
+            <a:br>
+              <a:rPr lang="en-US" dirty="0"/>
+            </a:br>
+            <a:br>
+              <a:rPr lang="en-US" dirty="0"/>
+            </a:br>
+            <a:r>
+              <a:rPr lang="en-US" dirty="0"/>
+              <a:t>Social media revenue.</a:t>
+            </a:r>
+            <a:br>
+              <a:rPr lang="en-US" dirty="0"/>
+            </a:br>
+            <a:br>
+              <a:rPr lang="en-US" dirty="0"/>
+            </a:br>
+            <a:r>
+              <a:rPr lang="en-US" dirty="0"/>
+              <a:t>Promotions / Celebs</a:t>
+            </a:r>
+            <a:br>
+              <a:rPr lang="en-US" dirty="0"/>
+            </a:br>
+            <a:br>
+              <a:rPr lang="en-US" dirty="0"/>
+            </a:br>
+            <a:endParaRPr lang="en-CA" dirty="0"/>
+          </a:p>
+        </p:txBody>
+      </p:sp>
+      <p:pic>
+        <p:nvPicPr>
+          <p:cNvPr id="5" name="Picture 4">
+            <a:extLst>
+              <a:ext uri="{FF2B5EF4-FFF2-40B4-BE49-F238E27FC236}">
+                <a16:creationId xmlns:a16="http://schemas.microsoft.com/office/drawing/2014/main" id="{6BFB6E16-E498-4437-B6F7-C806FDEF0372}"/>
+              </a:ext>
+            </a:extLst>
+          </p:cNvPr>
+          <p:cNvPicPr>
+            <a:picLocks noChangeAspect="1"/>
+          </p:cNvPicPr>
+          <p:nvPr/>
+        </p:nvPicPr>
+        <p:blipFill>
+          <a:blip r:embed="rId2">
+            <a:extLst>
+              <a:ext uri="{28A0092B-C50C-407E-A947-70E740481C1C}">
+                <a14:useLocalDpi xmlns:a14="http://schemas.microsoft.com/office/drawing/2010/main" val="0"/>
+              </a:ext>
+            </a:extLst>
+          </a:blip>
+          <a:stretch>
+            <a:fillRect/>
+          </a:stretch>
+        </p:blipFill>
+        <p:spPr>
+          <a:xfrm>
+            <a:off x="10737543" y="529768"/>
+            <a:ext cx="783898" cy="783898"/>
+          </a:xfrm>
+          <a:prstGeom prst="rect">
+            <a:avLst/>
+          </a:prstGeom>
+        </p:spPr>
+      </p:pic>
+    </p:spTree>
+    <p:extLst>
+      <p:ext uri="{BB962C8B-B14F-4D97-AF65-F5344CB8AC3E}">
+        <p14:creationId xmlns:p14="http://schemas.microsoft.com/office/powerpoint/2010/main" val="2542353455"/>
+      </p:ext>
+    </p:extLst>
+  </p:cSld>
+  <p:clrMapOvr>
+    <a:masterClrMapping/>
+  </p:clrMapOvr>
+</p:sld>
+</file>
+
+<file path=ppt/slides/slide5.xml><?xml version="1.0" encoding="utf-8"?>
+<p:sld xmlns:a="http://schemas.openxmlformats.org/drawingml/2006/main" xmlns:r="http://schemas.openxmlformats.org/officeDocument/2006/relationships" xmlns:p="http://schemas.openxmlformats.org/presentationml/2006/main">
+  <p:cSld>
+    <p:spTree>
+      <p:nvGrpSpPr>
+        <p:cNvPr id="1" name=""/>
+        <p:cNvGrpSpPr/>
+        <p:nvPr/>
+      </p:nvGrpSpPr>
+      <p:grpSpPr>
+        <a:xfrm>
+          <a:off x="0" y="0"/>
+          <a:ext cx="0" cy="0"/>
+          <a:chOff x="0" y="0"/>
+          <a:chExt cx="0" cy="0"/>
+        </a:xfrm>
+      </p:grpSpPr>
+      <p:cxnSp>
+        <p:nvCxnSpPr>
+          <p:cNvPr id="27" name="Straight Connector 26">
+            <a:extLst>
+              <a:ext uri="{FF2B5EF4-FFF2-40B4-BE49-F238E27FC236}">
+                <a16:creationId xmlns:a16="http://schemas.microsoft.com/office/drawing/2014/main" id="{5E824EAC-ADEC-43E9-BD94-ADFF2DFD5F85}"/>
+              </a:ext>
+            </a:extLst>
+          </p:cNvPr>
+          <p:cNvCxnSpPr>
+            <a:cxnSpLocks/>
+          </p:cNvCxnSpPr>
+          <p:nvPr/>
+        </p:nvCxnSpPr>
+        <p:spPr>
+          <a:xfrm flipV="1">
+            <a:off x="4341923" y="2619312"/>
+            <a:ext cx="2601615" cy="24582"/>
+          </a:xfrm>
+          <a:prstGeom prst="line">
+            <a:avLst/>
+          </a:prstGeom>
+          <a:ln>
+            <a:solidFill>
+              <a:srgbClr val="FB74FE"/>
+            </a:solidFill>
+          </a:ln>
+        </p:spPr>
+        <p:style>
+          <a:lnRef idx="1">
+            <a:schemeClr val="accent1"/>
+          </a:lnRef>
+          <a:fillRef idx="0">
+            <a:schemeClr val="accent1"/>
+          </a:fillRef>
+          <a:effectRef idx="0">
+            <a:schemeClr val="accent1"/>
+          </a:effectRef>
+          <a:fontRef idx="minor">
+            <a:schemeClr val="tx1"/>
+          </a:fontRef>
+        </p:style>
+      </p:cxnSp>
+      <p:cxnSp>
+        <p:nvCxnSpPr>
+          <p:cNvPr id="16" name="Straight Connector 15">
+            <a:extLst>
+              <a:ext uri="{FF2B5EF4-FFF2-40B4-BE49-F238E27FC236}">
+                <a16:creationId xmlns:a16="http://schemas.microsoft.com/office/drawing/2014/main" id="{2E784507-2A90-41F4-914A-2E0D3C25F17F}"/>
+              </a:ext>
+            </a:extLst>
+          </p:cNvPr>
+          <p:cNvCxnSpPr>
+            <a:cxnSpLocks/>
+          </p:cNvCxnSpPr>
+          <p:nvPr/>
+        </p:nvCxnSpPr>
+        <p:spPr>
+          <a:xfrm flipV="1">
+            <a:off x="4341925" y="3177194"/>
+            <a:ext cx="2601615" cy="24582"/>
+          </a:xfrm>
+          <a:prstGeom prst="line">
+            <a:avLst/>
+          </a:prstGeom>
+          <a:ln>
+            <a:solidFill>
+              <a:srgbClr val="FB74FE"/>
+            </a:solidFill>
+          </a:ln>
+        </p:spPr>
+        <p:style>
+          <a:lnRef idx="1">
+            <a:schemeClr val="accent1"/>
+          </a:lnRef>
+          <a:fillRef idx="0">
+            <a:schemeClr val="accent1"/>
+          </a:fillRef>
+          <a:effectRef idx="0">
+            <a:schemeClr val="accent1"/>
+          </a:effectRef>
+          <a:fontRef idx="minor">
+            <a:schemeClr val="tx1"/>
+          </a:fontRef>
+        </p:style>
+      </p:cxnSp>
+      <p:sp>
+        <p:nvSpPr>
+          <p:cNvPr id="2" name="Title 1">
+            <a:extLst>
+              <a:ext uri="{FF2B5EF4-FFF2-40B4-BE49-F238E27FC236}">
+                <a16:creationId xmlns:a16="http://schemas.microsoft.com/office/drawing/2014/main" id="{E0F8078E-5BC4-41A6-B505-9FDF374A8BB5}"/>
+              </a:ext>
+            </a:extLst>
+          </p:cNvPr>
+          <p:cNvSpPr>
+            <a:spLocks noGrp="1"/>
+          </p:cNvSpPr>
+          <p:nvPr>
+            <p:ph type="title"/>
+          </p:nvPr>
+        </p:nvSpPr>
+        <p:spPr/>
+        <p:txBody>
+          <a:bodyPr/>
+          <a:lstStyle/>
+          <a:p>
+            <a:r>
+              <a:rPr lang="en-US" dirty="0">
+                <a:latin typeface="Yeseva One" panose="00000500000000000000" pitchFamily="2" charset="0"/>
+              </a:rPr>
+              <a:t>Our Team</a:t>
+            </a:r>
+            <a:endParaRPr lang="en-CA" dirty="0"/>
+          </a:p>
+        </p:txBody>
+      </p:sp>
+      <p:pic>
+        <p:nvPicPr>
+          <p:cNvPr id="5" name="Content Placeholder 4">
+            <a:extLst>
+              <a:ext uri="{FF2B5EF4-FFF2-40B4-BE49-F238E27FC236}">
+                <a16:creationId xmlns:a16="http://schemas.microsoft.com/office/drawing/2014/main" id="{E8B79BEB-C0A3-4987-83FF-C0BD91A1E4E2}"/>
+              </a:ext>
+            </a:extLst>
+          </p:cNvPr>
+          <p:cNvPicPr>
+            <a:picLocks noGrp="1" noChangeAspect="1"/>
+          </p:cNvPicPr>
+          <p:nvPr>
+            <p:ph idx="1"/>
+          </p:nvPr>
+        </p:nvPicPr>
+        <p:blipFill>
+          <a:blip r:embed="rId2">
+            <a:extLst>
+              <a:ext uri="{28A0092B-C50C-407E-A947-70E740481C1C}">
+                <a14:useLocalDpi xmlns:a14="http://schemas.microsoft.com/office/drawing/2010/main" val="0"/>
+              </a:ext>
+            </a:extLst>
+          </a:blip>
+          <a:stretch>
+            <a:fillRect/>
+          </a:stretch>
+        </p:blipFill>
+        <p:spPr>
+          <a:xfrm>
+            <a:off x="10696070" y="699041"/>
+            <a:ext cx="657730" cy="657730"/>
+          </a:xfrm>
+        </p:spPr>
+      </p:pic>
+      <p:sp>
+        <p:nvSpPr>
+          <p:cNvPr id="7" name="TextBox 6">
+            <a:extLst>
+              <a:ext uri="{FF2B5EF4-FFF2-40B4-BE49-F238E27FC236}">
+                <a16:creationId xmlns:a16="http://schemas.microsoft.com/office/drawing/2014/main" id="{9BAE40B2-2CB5-4641-BE9E-9692B92F4B73}"/>
+              </a:ext>
+            </a:extLst>
+          </p:cNvPr>
+          <p:cNvSpPr txBox="1"/>
+          <p:nvPr/>
+        </p:nvSpPr>
+        <p:spPr>
+          <a:xfrm>
+            <a:off x="3048492" y="3245809"/>
+            <a:ext cx="6096982" cy="369332"/>
+          </a:xfrm>
+          <a:prstGeom prst="rect">
+            <a:avLst/>
+          </a:prstGeom>
+          <a:noFill/>
+        </p:spPr>
+        <p:txBody>
+          <a:bodyPr wrap="square">
+            <a:spAutoFit/>
+          </a:bodyPr>
+          <a:lstStyle/>
+          <a:p>
+            <a:endParaRPr lang="en-CA" dirty="0"/>
+          </a:p>
+        </p:txBody>
+      </p:sp>
+      <p:cxnSp>
+        <p:nvCxnSpPr>
+          <p:cNvPr id="14" name="Straight Connector 13">
+            <a:extLst>
+              <a:ext uri="{FF2B5EF4-FFF2-40B4-BE49-F238E27FC236}">
+                <a16:creationId xmlns:a16="http://schemas.microsoft.com/office/drawing/2014/main" id="{CF0A6EC9-05A2-41D5-A4D9-F813EF56724A}"/>
+              </a:ext>
+            </a:extLst>
+          </p:cNvPr>
+          <p:cNvCxnSpPr>
+            <a:cxnSpLocks/>
+          </p:cNvCxnSpPr>
+          <p:nvPr/>
+        </p:nvCxnSpPr>
+        <p:spPr>
+          <a:xfrm>
+            <a:off x="4094153" y="2914280"/>
+            <a:ext cx="3126658" cy="0"/>
+          </a:xfrm>
+          <a:prstGeom prst="line">
+            <a:avLst/>
+          </a:prstGeom>
+          <a:ln>
+            <a:solidFill>
+              <a:srgbClr val="FB74FE"/>
+            </a:solidFill>
+          </a:ln>
+        </p:spPr>
+        <p:style>
+          <a:lnRef idx="1">
+            <a:schemeClr val="accent1"/>
+          </a:lnRef>
+          <a:fillRef idx="0">
+            <a:schemeClr val="accent1"/>
+          </a:fillRef>
+          <a:effectRef idx="0">
+            <a:schemeClr val="accent1"/>
+          </a:effectRef>
+          <a:fontRef idx="minor">
+            <a:schemeClr val="tx1"/>
+          </a:fontRef>
+        </p:style>
+      </p:cxnSp>
+      <p:sp>
+        <p:nvSpPr>
+          <p:cNvPr id="15" name="Oval 14">
+            <a:extLst>
+              <a:ext uri="{FF2B5EF4-FFF2-40B4-BE49-F238E27FC236}">
+                <a16:creationId xmlns:a16="http://schemas.microsoft.com/office/drawing/2014/main" id="{4153D177-BF84-432C-99CC-F8159E5284AA}"/>
+              </a:ext>
+            </a:extLst>
+          </p:cNvPr>
+          <p:cNvSpPr/>
+          <p:nvPr/>
+        </p:nvSpPr>
+        <p:spPr>
+          <a:xfrm>
+            <a:off x="4557252" y="1910784"/>
+            <a:ext cx="2170962" cy="2006993"/>
+          </a:xfrm>
+          <a:prstGeom prst="ellipse">
+            <a:avLst/>
+          </a:prstGeom>
+        </p:spPr>
+        <p:style>
+          <a:lnRef idx="2">
+            <a:schemeClr val="accent1">
+              <a:shade val="50000"/>
+            </a:schemeClr>
+          </a:lnRef>
+          <a:fillRef idx="1">
+            <a:schemeClr val="accent1"/>
+          </a:fillRef>
+          <a:effectRef idx="0">
+            <a:schemeClr val="accent1"/>
+          </a:effectRef>
+          <a:fontRef idx="minor">
+            <a:schemeClr val="lt1"/>
+          </a:fontRef>
+        </p:style>
+        <p:txBody>
+          <a:bodyPr rtlCol="0" anchor="ctr"/>
+          <a:lstStyle/>
+          <a:p>
+            <a:pPr algn="ctr"/>
+            <a:endParaRPr lang="en-CA"/>
+          </a:p>
+        </p:txBody>
+      </p:sp>
+      <p:pic>
+        <p:nvPicPr>
+          <p:cNvPr id="23" name="Picture 22">
+            <a:extLst>
+              <a:ext uri="{FF2B5EF4-FFF2-40B4-BE49-F238E27FC236}">
+                <a16:creationId xmlns:a16="http://schemas.microsoft.com/office/drawing/2014/main" id="{42B44C66-2A8C-4C22-819F-CBD75B0DDCD6}"/>
+              </a:ext>
+            </a:extLst>
+          </p:cNvPr>
+          <p:cNvPicPr>
+            <a:picLocks noChangeAspect="1"/>
+          </p:cNvPicPr>
+          <p:nvPr/>
+        </p:nvPicPr>
+        <p:blipFill>
+          <a:blip r:embed="rId3">
+            <a:extLst>
+              <a:ext uri="{28A0092B-C50C-407E-A947-70E740481C1C}">
+                <a14:useLocalDpi xmlns:a14="http://schemas.microsoft.com/office/drawing/2010/main" val="0"/>
+              </a:ext>
+            </a:extLst>
+          </a:blip>
+          <a:stretch>
+            <a:fillRect/>
+          </a:stretch>
+        </p:blipFill>
+        <p:spPr>
+          <a:xfrm>
+            <a:off x="4637747" y="1956404"/>
+            <a:ext cx="2009969" cy="1915751"/>
+          </a:xfrm>
+          <a:prstGeom prst="rect">
+            <a:avLst/>
+          </a:prstGeom>
+        </p:spPr>
+      </p:pic>
+      <p:sp>
+        <p:nvSpPr>
+          <p:cNvPr id="24" name="TextBox 23">
+            <a:extLst>
+              <a:ext uri="{FF2B5EF4-FFF2-40B4-BE49-F238E27FC236}">
+                <a16:creationId xmlns:a16="http://schemas.microsoft.com/office/drawing/2014/main" id="{D5A321C3-FFC0-4C5F-AC4A-246C9A8E11BB}"/>
+              </a:ext>
+            </a:extLst>
+          </p:cNvPr>
+          <p:cNvSpPr txBox="1"/>
+          <p:nvPr/>
+        </p:nvSpPr>
+        <p:spPr>
+          <a:xfrm>
+            <a:off x="4364666" y="4449656"/>
+            <a:ext cx="2688630" cy="276999"/>
+          </a:xfrm>
+          <a:prstGeom prst="rect">
+            <a:avLst/>
+          </a:prstGeom>
+          <a:noFill/>
+        </p:spPr>
+        <p:txBody>
+          <a:bodyPr wrap="square" rtlCol="0">
+            <a:spAutoFit/>
+          </a:bodyPr>
+          <a:lstStyle/>
+          <a:p>
+            <a:r>
+              <a:rPr lang="en-US" sz="1200" dirty="0">
+                <a:latin typeface="Poppins Medium" panose="00000600000000000000" pitchFamily="2" charset="0"/>
+                <a:cs typeface="Poppins Medium" panose="00000600000000000000" pitchFamily="2" charset="0"/>
+              </a:rPr>
+              <a:t>Founder / CEO / Lead Engineer</a:t>
+            </a:r>
+            <a:endParaRPr lang="en-CA" sz="1200" dirty="0">
+              <a:latin typeface="Poppins Medium" panose="00000600000000000000" pitchFamily="2" charset="0"/>
+              <a:cs typeface="Poppins Medium" panose="00000600000000000000" pitchFamily="2" charset="0"/>
+            </a:endParaRPr>
+          </a:p>
+        </p:txBody>
+      </p:sp>
+      <p:sp>
+        <p:nvSpPr>
+          <p:cNvPr id="26" name="TextBox 25">
+            <a:extLst>
+              <a:ext uri="{FF2B5EF4-FFF2-40B4-BE49-F238E27FC236}">
+                <a16:creationId xmlns:a16="http://schemas.microsoft.com/office/drawing/2014/main" id="{CDE202D1-9ACD-4802-A37B-54804F6CC221}"/>
+              </a:ext>
+            </a:extLst>
+          </p:cNvPr>
+          <p:cNvSpPr txBox="1"/>
+          <p:nvPr/>
+        </p:nvSpPr>
+        <p:spPr>
+          <a:xfrm>
+            <a:off x="4341925" y="4019017"/>
+            <a:ext cx="2662084" cy="369332"/>
+          </a:xfrm>
+          <a:prstGeom prst="rect">
+            <a:avLst/>
+          </a:prstGeom>
+          <a:noFill/>
+        </p:spPr>
+        <p:txBody>
+          <a:bodyPr wrap="square">
+            <a:spAutoFit/>
+          </a:bodyPr>
+          <a:lstStyle/>
+          <a:p>
+            <a:r>
+              <a:rPr lang="en-US" dirty="0">
+                <a:latin typeface="Yeseva One" panose="00000500000000000000" pitchFamily="2" charset="0"/>
+                <a:cs typeface="Poppins Medium" panose="00000600000000000000" pitchFamily="2" charset="0"/>
+              </a:rPr>
+              <a:t>Christopher </a:t>
+            </a:r>
+            <a:r>
+              <a:rPr lang="en-US" dirty="0" err="1">
+                <a:latin typeface="Yeseva One" panose="00000500000000000000" pitchFamily="2" charset="0"/>
+                <a:cs typeface="Poppins Medium" panose="00000600000000000000" pitchFamily="2" charset="0"/>
+              </a:rPr>
+              <a:t>Trimboli</a:t>
+            </a:r>
+            <a:endParaRPr lang="en-CA" dirty="0">
+              <a:latin typeface="Yeseva One" panose="00000500000000000000" pitchFamily="2" charset="0"/>
+              <a:cs typeface="Poppins Medium" panose="00000600000000000000" pitchFamily="2" charset="0"/>
+            </a:endParaRPr>
+          </a:p>
+        </p:txBody>
+      </p:sp>
+      <p:cxnSp>
+        <p:nvCxnSpPr>
+          <p:cNvPr id="28" name="Straight Connector 27">
+            <a:extLst>
+              <a:ext uri="{FF2B5EF4-FFF2-40B4-BE49-F238E27FC236}">
+                <a16:creationId xmlns:a16="http://schemas.microsoft.com/office/drawing/2014/main" id="{9638F59D-7A8A-48BB-8E08-C745C940895B}"/>
+              </a:ext>
+            </a:extLst>
+          </p:cNvPr>
+          <p:cNvCxnSpPr>
+            <a:cxnSpLocks/>
+          </p:cNvCxnSpPr>
+          <p:nvPr/>
+        </p:nvCxnSpPr>
+        <p:spPr>
+          <a:xfrm flipV="1">
+            <a:off x="8329033" y="2573692"/>
+            <a:ext cx="2601615" cy="24582"/>
+          </a:xfrm>
+          <a:prstGeom prst="line">
+            <a:avLst/>
+          </a:prstGeom>
+          <a:ln>
+            <a:solidFill>
+              <a:srgbClr val="FB74FE"/>
+            </a:solidFill>
+          </a:ln>
+        </p:spPr>
+        <p:style>
+          <a:lnRef idx="1">
+            <a:schemeClr val="accent1"/>
+          </a:lnRef>
+          <a:fillRef idx="0">
+            <a:schemeClr val="accent1"/>
+          </a:fillRef>
+          <a:effectRef idx="0">
+            <a:schemeClr val="accent1"/>
+          </a:effectRef>
+          <a:fontRef idx="minor">
+            <a:schemeClr val="tx1"/>
+          </a:fontRef>
+        </p:style>
+      </p:cxnSp>
+      <p:cxnSp>
+        <p:nvCxnSpPr>
+          <p:cNvPr id="29" name="Straight Connector 28">
+            <a:extLst>
+              <a:ext uri="{FF2B5EF4-FFF2-40B4-BE49-F238E27FC236}">
+                <a16:creationId xmlns:a16="http://schemas.microsoft.com/office/drawing/2014/main" id="{30E92CCE-B584-44E7-8A0B-00F4F69CA0E3}"/>
+              </a:ext>
+            </a:extLst>
+          </p:cNvPr>
+          <p:cNvCxnSpPr>
+            <a:cxnSpLocks/>
+          </p:cNvCxnSpPr>
+          <p:nvPr/>
+        </p:nvCxnSpPr>
+        <p:spPr>
+          <a:xfrm flipV="1">
+            <a:off x="8329035" y="3131574"/>
+            <a:ext cx="2601615" cy="24582"/>
+          </a:xfrm>
+          <a:prstGeom prst="line">
+            <a:avLst/>
+          </a:prstGeom>
+          <a:ln>
+            <a:solidFill>
+              <a:srgbClr val="FB74FE"/>
+            </a:solidFill>
+          </a:ln>
+        </p:spPr>
+        <p:style>
+          <a:lnRef idx="1">
+            <a:schemeClr val="accent1"/>
+          </a:lnRef>
+          <a:fillRef idx="0">
+            <a:schemeClr val="accent1"/>
+          </a:fillRef>
+          <a:effectRef idx="0">
+            <a:schemeClr val="accent1"/>
+          </a:effectRef>
+          <a:fontRef idx="minor">
+            <a:schemeClr val="tx1"/>
+          </a:fontRef>
+        </p:style>
+      </p:cxnSp>
+      <p:cxnSp>
+        <p:nvCxnSpPr>
+          <p:cNvPr id="30" name="Straight Connector 29">
+            <a:extLst>
+              <a:ext uri="{FF2B5EF4-FFF2-40B4-BE49-F238E27FC236}">
+                <a16:creationId xmlns:a16="http://schemas.microsoft.com/office/drawing/2014/main" id="{309F7B50-9E58-4267-AE41-4EDB298A690A}"/>
+              </a:ext>
+            </a:extLst>
+          </p:cNvPr>
+          <p:cNvCxnSpPr>
+            <a:cxnSpLocks/>
+          </p:cNvCxnSpPr>
+          <p:nvPr/>
+        </p:nvCxnSpPr>
+        <p:spPr>
+          <a:xfrm>
+            <a:off x="7989204" y="3917777"/>
+            <a:ext cx="3126658" cy="0"/>
+          </a:xfrm>
+          <a:prstGeom prst="line">
+            <a:avLst/>
+          </a:prstGeom>
+          <a:ln>
+            <a:solidFill>
+              <a:srgbClr val="FB74FE"/>
+            </a:solidFill>
+          </a:ln>
+        </p:spPr>
+        <p:style>
+          <a:lnRef idx="1">
+            <a:schemeClr val="accent1"/>
+          </a:lnRef>
+          <a:fillRef idx="0">
+            <a:schemeClr val="accent1"/>
+          </a:fillRef>
+          <a:effectRef idx="0">
+            <a:schemeClr val="accent1"/>
+          </a:effectRef>
+          <a:fontRef idx="minor">
+            <a:schemeClr val="tx1"/>
+          </a:fontRef>
+        </p:style>
+      </p:cxnSp>
+      <p:sp>
+        <p:nvSpPr>
+          <p:cNvPr id="31" name="Oval 30">
+            <a:extLst>
+              <a:ext uri="{FF2B5EF4-FFF2-40B4-BE49-F238E27FC236}">
+                <a16:creationId xmlns:a16="http://schemas.microsoft.com/office/drawing/2014/main" id="{EF7BE01E-7369-4890-A19C-D39D3BB52C62}"/>
+              </a:ext>
+            </a:extLst>
+          </p:cNvPr>
+          <p:cNvSpPr/>
+          <p:nvPr/>
+        </p:nvSpPr>
+        <p:spPr>
+          <a:xfrm>
+            <a:off x="8544362" y="1865164"/>
+            <a:ext cx="2170962" cy="2006993"/>
+          </a:xfrm>
+          <a:prstGeom prst="ellipse">
+            <a:avLst/>
+          </a:prstGeom>
+        </p:spPr>
+        <p:style>
+          <a:lnRef idx="2">
+            <a:schemeClr val="accent1">
+              <a:shade val="50000"/>
+            </a:schemeClr>
+          </a:lnRef>
+          <a:fillRef idx="1">
+            <a:schemeClr val="accent1"/>
+          </a:fillRef>
+          <a:effectRef idx="0">
+            <a:schemeClr val="accent1"/>
+          </a:effectRef>
+          <a:fontRef idx="minor">
+            <a:schemeClr val="lt1"/>
+          </a:fontRef>
+        </p:style>
+        <p:txBody>
+          <a:bodyPr rtlCol="0" anchor="ctr"/>
+          <a:lstStyle/>
+          <a:p>
+            <a:pPr algn="ctr"/>
+            <a:endParaRPr lang="en-CA"/>
+          </a:p>
+        </p:txBody>
+      </p:sp>
+      <p:pic>
+        <p:nvPicPr>
+          <p:cNvPr id="32" name="Picture 31">
+            <a:extLst>
+              <a:ext uri="{FF2B5EF4-FFF2-40B4-BE49-F238E27FC236}">
+                <a16:creationId xmlns:a16="http://schemas.microsoft.com/office/drawing/2014/main" id="{9052A233-CA89-4EB2-B58A-09C81E200AC9}"/>
+              </a:ext>
+            </a:extLst>
+          </p:cNvPr>
+          <p:cNvPicPr>
+            <a:picLocks noChangeAspect="1"/>
+          </p:cNvPicPr>
+          <p:nvPr/>
+        </p:nvPicPr>
+        <p:blipFill>
+          <a:blip r:embed="rId3">
+            <a:extLst>
+              <a:ext uri="{28A0092B-C50C-407E-A947-70E740481C1C}">
+                <a14:useLocalDpi xmlns:a14="http://schemas.microsoft.com/office/drawing/2010/main" val="0"/>
+              </a:ext>
+            </a:extLst>
+          </a:blip>
+          <a:stretch>
+            <a:fillRect/>
+          </a:stretch>
+        </p:blipFill>
+        <p:spPr>
+          <a:xfrm>
+            <a:off x="8624857" y="1910784"/>
+            <a:ext cx="2009969" cy="1915751"/>
+          </a:xfrm>
+          <a:prstGeom prst="rect">
+            <a:avLst/>
+          </a:prstGeom>
+        </p:spPr>
+      </p:pic>
+      <p:sp>
+        <p:nvSpPr>
+          <p:cNvPr id="33" name="TextBox 32">
+            <a:extLst>
+              <a:ext uri="{FF2B5EF4-FFF2-40B4-BE49-F238E27FC236}">
+                <a16:creationId xmlns:a16="http://schemas.microsoft.com/office/drawing/2014/main" id="{688928A4-C147-47E4-8F5C-BEA8F6E0F3F6}"/>
+              </a:ext>
+            </a:extLst>
+          </p:cNvPr>
+          <p:cNvSpPr txBox="1"/>
+          <p:nvPr/>
+        </p:nvSpPr>
+        <p:spPr>
+          <a:xfrm>
+            <a:off x="8351776" y="4404036"/>
+            <a:ext cx="2688630" cy="276999"/>
+          </a:xfrm>
+          <a:prstGeom prst="rect">
+            <a:avLst/>
+          </a:prstGeom>
+          <a:noFill/>
+        </p:spPr>
+        <p:txBody>
+          <a:bodyPr wrap="square" rtlCol="0">
+            <a:spAutoFit/>
+          </a:bodyPr>
+          <a:lstStyle/>
+          <a:p>
+            <a:r>
+              <a:rPr lang="en-US" sz="1200" dirty="0">
+                <a:latin typeface="Poppins Medium" panose="00000600000000000000" pitchFamily="2" charset="0"/>
+                <a:cs typeface="Poppins Medium" panose="00000600000000000000" pitchFamily="2" charset="0"/>
+              </a:rPr>
+              <a:t>Founder / CEO / Lead Engineer</a:t>
+            </a:r>
+            <a:endParaRPr lang="en-CA" sz="1200" dirty="0">
+              <a:latin typeface="Poppins Medium" panose="00000600000000000000" pitchFamily="2" charset="0"/>
+              <a:cs typeface="Poppins Medium" panose="00000600000000000000" pitchFamily="2" charset="0"/>
+            </a:endParaRPr>
+          </a:p>
+        </p:txBody>
+      </p:sp>
+      <p:sp>
+        <p:nvSpPr>
+          <p:cNvPr id="34" name="TextBox 33">
+            <a:extLst>
+              <a:ext uri="{FF2B5EF4-FFF2-40B4-BE49-F238E27FC236}">
+                <a16:creationId xmlns:a16="http://schemas.microsoft.com/office/drawing/2014/main" id="{21180B2D-AF29-40B3-A42A-C4E6999E1461}"/>
+              </a:ext>
+            </a:extLst>
+          </p:cNvPr>
+          <p:cNvSpPr txBox="1"/>
+          <p:nvPr/>
+        </p:nvSpPr>
+        <p:spPr>
+          <a:xfrm>
+            <a:off x="8329035" y="3973397"/>
+            <a:ext cx="2662084" cy="369332"/>
+          </a:xfrm>
+          <a:prstGeom prst="rect">
+            <a:avLst/>
+          </a:prstGeom>
+          <a:noFill/>
+        </p:spPr>
+        <p:txBody>
+          <a:bodyPr wrap="square">
+            <a:spAutoFit/>
+          </a:bodyPr>
+          <a:lstStyle/>
+          <a:p>
+            <a:r>
+              <a:rPr lang="en-US" dirty="0">
+                <a:latin typeface="Yeseva One" panose="00000500000000000000" pitchFamily="2" charset="0"/>
+                <a:cs typeface="Poppins Medium" panose="00000600000000000000" pitchFamily="2" charset="0"/>
+              </a:rPr>
+              <a:t>Christopher </a:t>
+            </a:r>
+            <a:r>
+              <a:rPr lang="en-US" dirty="0" err="1">
+                <a:latin typeface="Yeseva One" panose="00000500000000000000" pitchFamily="2" charset="0"/>
+                <a:cs typeface="Poppins Medium" panose="00000600000000000000" pitchFamily="2" charset="0"/>
+              </a:rPr>
+              <a:t>Trimboli</a:t>
+            </a:r>
+            <a:endParaRPr lang="en-CA" dirty="0">
+              <a:latin typeface="Yeseva One" panose="00000500000000000000" pitchFamily="2" charset="0"/>
+              <a:cs typeface="Poppins Medium" panose="00000600000000000000" pitchFamily="2" charset="0"/>
+            </a:endParaRPr>
+          </a:p>
+        </p:txBody>
+      </p:sp>
+      <p:cxnSp>
+        <p:nvCxnSpPr>
+          <p:cNvPr id="35" name="Straight Connector 34">
+            <a:extLst>
+              <a:ext uri="{FF2B5EF4-FFF2-40B4-BE49-F238E27FC236}">
+                <a16:creationId xmlns:a16="http://schemas.microsoft.com/office/drawing/2014/main" id="{7F3B7412-9A69-4EBB-9F1E-0449CE91F37B}"/>
+              </a:ext>
+            </a:extLst>
+          </p:cNvPr>
+          <p:cNvCxnSpPr>
+            <a:cxnSpLocks/>
+          </p:cNvCxnSpPr>
+          <p:nvPr/>
+        </p:nvCxnSpPr>
+        <p:spPr>
+          <a:xfrm flipV="1">
+            <a:off x="550113" y="2766174"/>
+            <a:ext cx="2601615" cy="24582"/>
+          </a:xfrm>
+          <a:prstGeom prst="line">
+            <a:avLst/>
+          </a:prstGeom>
+          <a:ln>
+            <a:solidFill>
+              <a:srgbClr val="FB74FE"/>
+            </a:solidFill>
+          </a:ln>
+        </p:spPr>
+        <p:style>
+          <a:lnRef idx="1">
+            <a:schemeClr val="accent1"/>
+          </a:lnRef>
+          <a:fillRef idx="0">
+            <a:schemeClr val="accent1"/>
+          </a:fillRef>
+          <a:effectRef idx="0">
+            <a:schemeClr val="accent1"/>
+          </a:effectRef>
+          <a:fontRef idx="minor">
+            <a:schemeClr val="tx1"/>
+          </a:fontRef>
+        </p:style>
+      </p:cxnSp>
+      <p:cxnSp>
+        <p:nvCxnSpPr>
+          <p:cNvPr id="36" name="Straight Connector 35">
+            <a:extLst>
+              <a:ext uri="{FF2B5EF4-FFF2-40B4-BE49-F238E27FC236}">
+                <a16:creationId xmlns:a16="http://schemas.microsoft.com/office/drawing/2014/main" id="{0171B22F-4784-4DB6-92CB-EE00B1FC02F0}"/>
+              </a:ext>
+            </a:extLst>
+          </p:cNvPr>
+          <p:cNvCxnSpPr>
+            <a:cxnSpLocks/>
+          </p:cNvCxnSpPr>
+          <p:nvPr/>
+        </p:nvCxnSpPr>
+        <p:spPr>
+          <a:xfrm flipV="1">
+            <a:off x="550115" y="3324056"/>
+            <a:ext cx="2601615" cy="24582"/>
+          </a:xfrm>
+          <a:prstGeom prst="line">
+            <a:avLst/>
+          </a:prstGeom>
+          <a:ln>
+            <a:solidFill>
+              <a:srgbClr val="FB74FE"/>
+            </a:solidFill>
+          </a:ln>
+        </p:spPr>
+        <p:style>
+          <a:lnRef idx="1">
+            <a:schemeClr val="accent1"/>
+          </a:lnRef>
+          <a:fillRef idx="0">
+            <a:schemeClr val="accent1"/>
+          </a:fillRef>
+          <a:effectRef idx="0">
+            <a:schemeClr val="accent1"/>
+          </a:effectRef>
+          <a:fontRef idx="minor">
+            <a:schemeClr val="tx1"/>
+          </a:fontRef>
+        </p:style>
+      </p:cxnSp>
+      <p:cxnSp>
+        <p:nvCxnSpPr>
+          <p:cNvPr id="37" name="Straight Connector 36">
+            <a:extLst>
+              <a:ext uri="{FF2B5EF4-FFF2-40B4-BE49-F238E27FC236}">
+                <a16:creationId xmlns:a16="http://schemas.microsoft.com/office/drawing/2014/main" id="{58F9B50C-797F-4899-AC70-9D3EB80ED8C2}"/>
+              </a:ext>
+            </a:extLst>
+          </p:cNvPr>
+          <p:cNvCxnSpPr>
+            <a:cxnSpLocks/>
+          </p:cNvCxnSpPr>
+          <p:nvPr/>
+        </p:nvCxnSpPr>
+        <p:spPr>
+          <a:xfrm>
+            <a:off x="302343" y="3061142"/>
+            <a:ext cx="3126658" cy="0"/>
+          </a:xfrm>
+          <a:prstGeom prst="line">
+            <a:avLst/>
+          </a:prstGeom>
+          <a:ln>
+            <a:solidFill>
+              <a:srgbClr val="FB74FE"/>
+            </a:solidFill>
+          </a:ln>
+        </p:spPr>
+        <p:style>
+          <a:lnRef idx="1">
+            <a:schemeClr val="accent1"/>
+          </a:lnRef>
+          <a:fillRef idx="0">
+            <a:schemeClr val="accent1"/>
+          </a:fillRef>
+          <a:effectRef idx="0">
+            <a:schemeClr val="accent1"/>
+          </a:effectRef>
+          <a:fontRef idx="minor">
+            <a:schemeClr val="tx1"/>
+          </a:fontRef>
+        </p:style>
+      </p:cxnSp>
+      <p:sp>
+        <p:nvSpPr>
+          <p:cNvPr id="38" name="Oval 37">
+            <a:extLst>
+              <a:ext uri="{FF2B5EF4-FFF2-40B4-BE49-F238E27FC236}">
+                <a16:creationId xmlns:a16="http://schemas.microsoft.com/office/drawing/2014/main" id="{634F79DC-B5D1-4B64-928C-57A5C7B7210D}"/>
+              </a:ext>
+            </a:extLst>
+          </p:cNvPr>
+          <p:cNvSpPr/>
+          <p:nvPr/>
+        </p:nvSpPr>
+        <p:spPr>
+          <a:xfrm>
+            <a:off x="765442" y="2057646"/>
+            <a:ext cx="2170962" cy="2006993"/>
+          </a:xfrm>
+          <a:prstGeom prst="ellipse">
+            <a:avLst/>
+          </a:prstGeom>
+        </p:spPr>
+        <p:style>
+          <a:lnRef idx="2">
+            <a:schemeClr val="accent1">
+              <a:shade val="50000"/>
+            </a:schemeClr>
+          </a:lnRef>
+          <a:fillRef idx="1">
+            <a:schemeClr val="accent1"/>
+          </a:fillRef>
+          <a:effectRef idx="0">
+            <a:schemeClr val="accent1"/>
+          </a:effectRef>
+          <a:fontRef idx="minor">
+            <a:schemeClr val="lt1"/>
+          </a:fontRef>
+        </p:style>
+        <p:txBody>
+          <a:bodyPr rtlCol="0" anchor="ctr"/>
+          <a:lstStyle/>
+          <a:p>
+            <a:pPr algn="ctr"/>
+            <a:endParaRPr lang="en-CA"/>
+          </a:p>
+        </p:txBody>
+      </p:sp>
+      <p:pic>
+        <p:nvPicPr>
+          <p:cNvPr id="39" name="Picture 38">
+            <a:extLst>
+              <a:ext uri="{FF2B5EF4-FFF2-40B4-BE49-F238E27FC236}">
+                <a16:creationId xmlns:a16="http://schemas.microsoft.com/office/drawing/2014/main" id="{433B3A88-082A-441C-84DA-07759FC410B7}"/>
+              </a:ext>
+            </a:extLst>
+          </p:cNvPr>
+          <p:cNvPicPr>
+            <a:picLocks noChangeAspect="1"/>
+          </p:cNvPicPr>
+          <p:nvPr/>
+        </p:nvPicPr>
+        <p:blipFill>
+          <a:blip r:embed="rId3">
+            <a:extLst>
+              <a:ext uri="{28A0092B-C50C-407E-A947-70E740481C1C}">
+                <a14:useLocalDpi xmlns:a14="http://schemas.microsoft.com/office/drawing/2010/main" val="0"/>
+              </a:ext>
+            </a:extLst>
+          </a:blip>
+          <a:stretch>
+            <a:fillRect/>
+          </a:stretch>
+        </p:blipFill>
+        <p:spPr>
+          <a:xfrm>
+            <a:off x="855952" y="2107592"/>
+            <a:ext cx="2009969" cy="1915751"/>
+          </a:xfrm>
+          <a:prstGeom prst="rect">
+            <a:avLst/>
+          </a:prstGeom>
+        </p:spPr>
+      </p:pic>
+      <p:sp>
+        <p:nvSpPr>
+          <p:cNvPr id="40" name="TextBox 39">
+            <a:extLst>
+              <a:ext uri="{FF2B5EF4-FFF2-40B4-BE49-F238E27FC236}">
+                <a16:creationId xmlns:a16="http://schemas.microsoft.com/office/drawing/2014/main" id="{C694113D-5C2D-406A-B59E-C1C3032553B3}"/>
+              </a:ext>
+            </a:extLst>
+          </p:cNvPr>
+          <p:cNvSpPr txBox="1"/>
+          <p:nvPr/>
+        </p:nvSpPr>
+        <p:spPr>
+          <a:xfrm>
+            <a:off x="572856" y="4596518"/>
+            <a:ext cx="2688630" cy="276999"/>
+          </a:xfrm>
+          <a:prstGeom prst="rect">
+            <a:avLst/>
+          </a:prstGeom>
+          <a:noFill/>
+        </p:spPr>
+        <p:txBody>
+          <a:bodyPr wrap="square" rtlCol="0">
+            <a:spAutoFit/>
+          </a:bodyPr>
+          <a:lstStyle/>
+          <a:p>
+            <a:r>
+              <a:rPr lang="en-US" sz="1200" dirty="0">
+                <a:latin typeface="Poppins Medium" panose="00000600000000000000" pitchFamily="2" charset="0"/>
+                <a:cs typeface="Poppins Medium" panose="00000600000000000000" pitchFamily="2" charset="0"/>
+              </a:rPr>
+              <a:t>Founder / CEO / Lead Engineer</a:t>
+            </a:r>
+            <a:endParaRPr lang="en-CA" sz="1200" dirty="0">
+              <a:latin typeface="Poppins Medium" panose="00000600000000000000" pitchFamily="2" charset="0"/>
+              <a:cs typeface="Poppins Medium" panose="00000600000000000000" pitchFamily="2" charset="0"/>
+            </a:endParaRPr>
+          </a:p>
+        </p:txBody>
+      </p:sp>
+      <p:sp>
+        <p:nvSpPr>
+          <p:cNvPr id="41" name="TextBox 40">
+            <a:extLst>
+              <a:ext uri="{FF2B5EF4-FFF2-40B4-BE49-F238E27FC236}">
+                <a16:creationId xmlns:a16="http://schemas.microsoft.com/office/drawing/2014/main" id="{F5C6AE82-E03A-4703-A726-71EAEC32D873}"/>
+              </a:ext>
+            </a:extLst>
+          </p:cNvPr>
+          <p:cNvSpPr txBox="1"/>
+          <p:nvPr/>
+        </p:nvSpPr>
+        <p:spPr>
+          <a:xfrm>
+            <a:off x="550115" y="4165879"/>
+            <a:ext cx="2662084" cy="369332"/>
+          </a:xfrm>
+          <a:prstGeom prst="rect">
+            <a:avLst/>
+          </a:prstGeom>
+          <a:noFill/>
+        </p:spPr>
+        <p:txBody>
+          <a:bodyPr wrap="square">
+            <a:spAutoFit/>
+          </a:bodyPr>
+          <a:lstStyle/>
+          <a:p>
+            <a:r>
+              <a:rPr lang="en-US" dirty="0">
+                <a:latin typeface="Yeseva One" panose="00000500000000000000" pitchFamily="2" charset="0"/>
+                <a:cs typeface="Poppins Medium" panose="00000600000000000000" pitchFamily="2" charset="0"/>
+              </a:rPr>
+              <a:t>Christopher </a:t>
+            </a:r>
+            <a:r>
+              <a:rPr lang="en-US" dirty="0" err="1">
+                <a:latin typeface="Yeseva One" panose="00000500000000000000" pitchFamily="2" charset="0"/>
+                <a:cs typeface="Poppins Medium" panose="00000600000000000000" pitchFamily="2" charset="0"/>
+              </a:rPr>
+              <a:t>Trimboli</a:t>
+            </a:r>
+            <a:endParaRPr lang="en-CA" dirty="0">
+              <a:latin typeface="Yeseva One" panose="00000500000000000000" pitchFamily="2" charset="0"/>
+              <a:cs typeface="Poppins Medium" panose="00000600000000000000" pitchFamily="2" charset="0"/>
+            </a:endParaRPr>
+          </a:p>
+        </p:txBody>
+      </p:sp>
+    </p:spTree>
+    <p:extLst>
+      <p:ext uri="{BB962C8B-B14F-4D97-AF65-F5344CB8AC3E}">
+        <p14:creationId xmlns:p14="http://schemas.microsoft.com/office/powerpoint/2010/main" val="4070166939"/>
+      </p:ext>
+    </p:extLst>
+  </p:cSld>
+  <p:clrMapOvr>
+    <a:masterClrMapping/>
+  </p:clrMapOvr>
+</p:sld>
+</file>
+
+<file path=ppt/slides/slide6.xml><?xml version="1.0" encoding="utf-8"?>
+<p:sld xmlns:a="http://schemas.openxmlformats.org/drawingml/2006/main" xmlns:r="http://schemas.openxmlformats.org/officeDocument/2006/relationships" xmlns:p="http://schemas.openxmlformats.org/presentationml/2006/main">
+  <p:cSld>
+    <p:spTree>
+      <p:nvGrpSpPr>
+        <p:cNvPr id="1" name=""/>
+        <p:cNvGrpSpPr/>
+        <p:nvPr/>
+      </p:nvGrpSpPr>
+      <p:grpSpPr>
+        <a:xfrm>
+          <a:off x="0" y="0"/>
+          <a:ext cx="0" cy="0"/>
+          <a:chOff x="0" y="0"/>
+          <a:chExt cx="0" cy="0"/>
+        </a:xfrm>
+      </p:grpSpPr>
+      <p:sp>
+        <p:nvSpPr>
+          <p:cNvPr id="2" name="Title 1">
+            <a:extLst>
+              <a:ext uri="{FF2B5EF4-FFF2-40B4-BE49-F238E27FC236}">
+                <a16:creationId xmlns:a16="http://schemas.microsoft.com/office/drawing/2014/main" id="{51946F17-B9A7-44C3-AA12-1D71D446F010}"/>
+              </a:ext>
+            </a:extLst>
+          </p:cNvPr>
+          <p:cNvSpPr>
+            <a:spLocks noGrp="1"/>
+          </p:cNvSpPr>
+          <p:nvPr>
+            <p:ph type="title"/>
+          </p:nvPr>
+        </p:nvSpPr>
+        <p:spPr/>
+        <p:txBody>
+          <a:bodyPr/>
+          <a:lstStyle/>
+          <a:p>
+            <a:r>
+              <a:rPr lang="en-US" dirty="0">
+                <a:latin typeface="Yeseva One" panose="00000500000000000000" pitchFamily="2" charset="0"/>
+              </a:rPr>
+              <a:t>Why we need investment?</a:t>
+            </a:r>
+            <a:endParaRPr lang="en-CA" dirty="0"/>
+          </a:p>
+        </p:txBody>
+      </p:sp>
+      <p:sp>
+        <p:nvSpPr>
+          <p:cNvPr id="3" name="Content Placeholder 2">
+            <a:extLst>
+              <a:ext uri="{FF2B5EF4-FFF2-40B4-BE49-F238E27FC236}">
+                <a16:creationId xmlns:a16="http://schemas.microsoft.com/office/drawing/2014/main" id="{BED8E52F-06EC-423A-B182-0E4F00189AC1}"/>
+              </a:ext>
+            </a:extLst>
+          </p:cNvPr>
+          <p:cNvSpPr>
+            <a:spLocks noGrp="1"/>
+          </p:cNvSpPr>
+          <p:nvPr>
+            <p:ph idx="1"/>
+          </p:nvPr>
+        </p:nvSpPr>
+        <p:spPr/>
+        <p:txBody>
+          <a:bodyPr/>
+          <a:lstStyle/>
+          <a:p>
+            <a:r>
+              <a:rPr lang="en-US" dirty="0"/>
+              <a:t>Influencer promotions.</a:t>
+            </a:r>
+          </a:p>
+          <a:p>
+            <a:r>
+              <a:rPr lang="en-US" dirty="0"/>
+              <a:t>Advertisement / Marketing.</a:t>
+            </a:r>
+          </a:p>
+          <a:p>
+            <a:r>
+              <a:rPr lang="en-US" dirty="0"/>
+              <a:t>Third party security audits of smart contracts and code.</a:t>
+            </a:r>
+          </a:p>
+          <a:p>
+            <a:r>
+              <a:rPr lang="en-US" dirty="0"/>
+              <a:t>Hire software developers.</a:t>
+            </a:r>
+          </a:p>
+          <a:p>
+            <a:r>
+              <a:rPr lang="en-US" dirty="0"/>
+              <a:t>Infrastructure costs.</a:t>
+            </a:r>
+          </a:p>
+          <a:p>
+            <a:r>
+              <a:rPr lang="en-US" dirty="0"/>
+              <a:t>Legal costs.</a:t>
+            </a:r>
+          </a:p>
+          <a:p>
+            <a:r>
+              <a:rPr lang="en-US" dirty="0"/>
+              <a:t>Grow the team and social medias.</a:t>
+            </a:r>
+          </a:p>
+          <a:p>
+            <a:r>
+              <a:rPr lang="en-US" dirty="0"/>
+              <a:t>Content creation.</a:t>
+            </a:r>
+          </a:p>
+          <a:p>
+            <a:endParaRPr lang="en-CA" dirty="0"/>
+          </a:p>
+        </p:txBody>
+      </p:sp>
+      <p:pic>
+        <p:nvPicPr>
+          <p:cNvPr id="5" name="Picture 4">
+            <a:extLst>
+              <a:ext uri="{FF2B5EF4-FFF2-40B4-BE49-F238E27FC236}">
+                <a16:creationId xmlns:a16="http://schemas.microsoft.com/office/drawing/2014/main" id="{B20C5808-1A2C-4FF1-9B30-424D73E4B3A8}"/>
+              </a:ext>
+            </a:extLst>
+          </p:cNvPr>
+          <p:cNvPicPr>
+            <a:picLocks noChangeAspect="1"/>
+          </p:cNvPicPr>
+          <p:nvPr/>
+        </p:nvPicPr>
+        <p:blipFill>
+          <a:blip r:embed="rId2">
+            <a:extLst>
+              <a:ext uri="{28A0092B-C50C-407E-A947-70E740481C1C}">
+                <a14:useLocalDpi xmlns:a14="http://schemas.microsoft.com/office/drawing/2010/main" val="0"/>
+              </a:ext>
+            </a:extLst>
+          </a:blip>
+          <a:stretch>
+            <a:fillRect/>
+          </a:stretch>
+        </p:blipFill>
+        <p:spPr>
+          <a:xfrm>
+            <a:off x="10681578" y="627943"/>
+            <a:ext cx="672222" cy="672222"/>
+          </a:xfrm>
+          <a:prstGeom prst="rect">
+            <a:avLst/>
+          </a:prstGeom>
+        </p:spPr>
+      </p:pic>
+    </p:spTree>
+    <p:extLst>
+      <p:ext uri="{BB962C8B-B14F-4D97-AF65-F5344CB8AC3E}">
+        <p14:creationId xmlns:p14="http://schemas.microsoft.com/office/powerpoint/2010/main" val="1145575828"/>
+      </p:ext>
+    </p:extLst>
+  </p:cSld>
+  <p:clrMapOvr>
+    <a:masterClrMapping/>
+  </p:clrMapOvr>
+</p:sld>
+</file>
+
+<file path=ppt/slides/slide7.xml><?xml version="1.0" encoding="utf-8"?>
+<p:sld xmlns:a="http://schemas.openxmlformats.org/drawingml/2006/main" xmlns:r="http://schemas.openxmlformats.org/officeDocument/2006/relationships" xmlns:p="http://schemas.openxmlformats.org/presentationml/2006/main">
+  <p:cSld>
+    <p:spTree>
+      <p:nvGrpSpPr>
+        <p:cNvPr id="1" name=""/>
+        <p:cNvGrpSpPr/>
+        <p:nvPr/>
+      </p:nvGrpSpPr>
+      <p:grpSpPr>
+        <a:xfrm>
+          <a:off x="0" y="0"/>
+          <a:ext cx="0" cy="0"/>
+          <a:chOff x="0" y="0"/>
+          <a:chExt cx="0" cy="0"/>
+        </a:xfrm>
+      </p:grpSpPr>
+      <p:sp>
+        <p:nvSpPr>
+          <p:cNvPr id="2" name="Title 1">
+            <a:extLst>
+              <a:ext uri="{FF2B5EF4-FFF2-40B4-BE49-F238E27FC236}">
+                <a16:creationId xmlns:a16="http://schemas.microsoft.com/office/drawing/2014/main" id="{73C4E103-203C-4E4F-97B0-23C6EF7FD9F2}"/>
+              </a:ext>
+            </a:extLst>
+          </p:cNvPr>
+          <p:cNvSpPr>
+            <a:spLocks noGrp="1"/>
+          </p:cNvSpPr>
+          <p:nvPr>
+            <p:ph type="title"/>
+          </p:nvPr>
+        </p:nvSpPr>
+        <p:spPr/>
+        <p:txBody>
+          <a:bodyPr/>
+          <a:lstStyle/>
+          <a:p>
+            <a:r>
+              <a:rPr lang="en-US" dirty="0">
+                <a:latin typeface="Yeseva One" panose="00000500000000000000" pitchFamily="2" charset="0"/>
+              </a:rPr>
+              <a:t>How do we make money?</a:t>
+            </a:r>
+            <a:endParaRPr lang="en-CA" dirty="0"/>
+          </a:p>
+        </p:txBody>
+      </p:sp>
+      <p:sp>
+        <p:nvSpPr>
+          <p:cNvPr id="3" name="Content Placeholder 2">
+            <a:extLst>
+              <a:ext uri="{FF2B5EF4-FFF2-40B4-BE49-F238E27FC236}">
+                <a16:creationId xmlns:a16="http://schemas.microsoft.com/office/drawing/2014/main" id="{599A44D3-BED2-4D82-BD38-AC3F2CE02450}"/>
+              </a:ext>
+            </a:extLst>
+          </p:cNvPr>
+          <p:cNvSpPr>
+            <a:spLocks noGrp="1"/>
+          </p:cNvSpPr>
+          <p:nvPr>
+            <p:ph idx="1"/>
+          </p:nvPr>
+        </p:nvSpPr>
+        <p:spPr>
+          <a:xfrm>
+            <a:off x="838200" y="1825625"/>
+            <a:ext cx="10016613" cy="4351338"/>
+          </a:xfrm>
+        </p:spPr>
+        <p:txBody>
+          <a:bodyPr/>
+          <a:lstStyle/>
+          <a:p>
+            <a:r>
+              <a:rPr lang="en-US" dirty="0"/>
+              <a:t>10% on each transaction.</a:t>
+            </a:r>
+          </a:p>
+          <a:p>
+            <a:r>
+              <a:rPr lang="en-CA" dirty="0"/>
+              <a:t>Celebrity promotions. </a:t>
+            </a:r>
+          </a:p>
+          <a:p>
+            <a:r>
+              <a:rPr lang="en-CA" dirty="0"/>
+              <a:t>Company plugs.</a:t>
+            </a:r>
+          </a:p>
+          <a:p>
+            <a:r>
+              <a:rPr lang="en-CA" dirty="0"/>
+              <a:t>Advertisements.</a:t>
+            </a:r>
+          </a:p>
+          <a:p>
+            <a:r>
+              <a:rPr lang="en-CA" dirty="0"/>
+              <a:t>Merch.</a:t>
+            </a:r>
+          </a:p>
+          <a:p>
+            <a:r>
+              <a:rPr lang="en-CA" dirty="0"/>
+              <a:t>Crypto. $NUDE token.</a:t>
+            </a:r>
+          </a:p>
+          <a:p>
+            <a:endParaRPr lang="en-CA" dirty="0"/>
+          </a:p>
+        </p:txBody>
+      </p:sp>
+      <p:pic>
+        <p:nvPicPr>
+          <p:cNvPr id="5" name="Picture 4">
+            <a:extLst>
+              <a:ext uri="{FF2B5EF4-FFF2-40B4-BE49-F238E27FC236}">
+                <a16:creationId xmlns:a16="http://schemas.microsoft.com/office/drawing/2014/main" id="{313110A8-4B4D-43E9-A94D-69FF1E4BE2BB}"/>
+              </a:ext>
+            </a:extLst>
+          </p:cNvPr>
+          <p:cNvPicPr>
+            <a:picLocks noChangeAspect="1"/>
+          </p:cNvPicPr>
+          <p:nvPr/>
+        </p:nvPicPr>
+        <p:blipFill>
+          <a:blip r:embed="rId2">
+            <a:extLst>
+              <a:ext uri="{28A0092B-C50C-407E-A947-70E740481C1C}">
+                <a14:useLocalDpi xmlns:a14="http://schemas.microsoft.com/office/drawing/2010/main" val="0"/>
+              </a:ext>
+            </a:extLst>
+          </a:blip>
+          <a:stretch>
+            <a:fillRect/>
+          </a:stretch>
+        </p:blipFill>
+        <p:spPr>
+          <a:xfrm>
+            <a:off x="10689903" y="695957"/>
+            <a:ext cx="663897" cy="663897"/>
+          </a:xfrm>
+          <a:prstGeom prst="rect">
+            <a:avLst/>
+          </a:prstGeom>
+        </p:spPr>
+      </p:pic>
+    </p:spTree>
+    <p:extLst>
+      <p:ext uri="{BB962C8B-B14F-4D97-AF65-F5344CB8AC3E}">
+        <p14:creationId xmlns:p14="http://schemas.microsoft.com/office/powerpoint/2010/main" val="625031941"/>
+      </p:ext>
+    </p:extLst>
+  </p:cSld>
+  <p:clrMapOvr>
+    <a:masterClrMapping/>
+  </p:clrMapOvr>
+</p:sld>
+</file>
+
+<file path=ppt/slides/slide8.xml><?xml version="1.0" encoding="utf-8"?>
+<p:sld xmlns:a="http://schemas.openxmlformats.org/drawingml/2006/main" xmlns:r="http://schemas.openxmlformats.org/officeDocument/2006/relationships" xmlns:p="http://schemas.openxmlformats.org/presentationml/2006/main">
+  <p:cSld>
+    <p:spTree>
+      <p:nvGrpSpPr>
+        <p:cNvPr id="1" name=""/>
+        <p:cNvGrpSpPr/>
+        <p:nvPr/>
+      </p:nvGrpSpPr>
+      <p:grpSpPr>
+        <a:xfrm>
+          <a:off x="0" y="0"/>
+          <a:ext cx="0" cy="0"/>
+          <a:chOff x="0" y="0"/>
+          <a:chExt cx="0" cy="0"/>
+        </a:xfrm>
+      </p:grpSpPr>
+      <p:sp>
+        <p:nvSpPr>
+          <p:cNvPr id="2" name="Title 1">
+            <a:extLst>
+              <a:ext uri="{FF2B5EF4-FFF2-40B4-BE49-F238E27FC236}">
+                <a16:creationId xmlns:a16="http://schemas.microsoft.com/office/drawing/2014/main" id="{5A7D9E14-614B-4A34-A711-812427B03D19}"/>
+              </a:ext>
+            </a:extLst>
+          </p:cNvPr>
+          <p:cNvSpPr>
+            <a:spLocks noGrp="1"/>
+          </p:cNvSpPr>
+          <p:nvPr>
+            <p:ph type="title"/>
+          </p:nvPr>
+        </p:nvSpPr>
+        <p:spPr/>
+        <p:txBody>
+          <a:bodyPr/>
+          <a:lstStyle/>
+          <a:p>
+            <a:r>
+              <a:rPr lang="en-US" dirty="0">
+                <a:latin typeface="Yeseva One" panose="00000500000000000000" pitchFamily="2" charset="0"/>
+              </a:rPr>
+              <a:t>Our Competition</a:t>
+            </a:r>
+            <a:endParaRPr lang="en-CA" dirty="0"/>
+          </a:p>
+        </p:txBody>
+      </p:sp>
+      <p:sp>
+        <p:nvSpPr>
+          <p:cNvPr id="3" name="Content Placeholder 2">
+            <a:extLst>
+              <a:ext uri="{FF2B5EF4-FFF2-40B4-BE49-F238E27FC236}">
+                <a16:creationId xmlns:a16="http://schemas.microsoft.com/office/drawing/2014/main" id="{2E17DFB3-A905-4A8A-945D-B6C42AF92058}"/>
+              </a:ext>
+            </a:extLst>
+          </p:cNvPr>
+          <p:cNvSpPr>
+            <a:spLocks noGrp="1"/>
+          </p:cNvSpPr>
+          <p:nvPr>
+            <p:ph idx="1"/>
+          </p:nvPr>
+        </p:nvSpPr>
+        <p:spPr/>
+        <p:txBody>
+          <a:bodyPr/>
+          <a:lstStyle/>
+          <a:p>
+            <a:r>
+              <a:rPr lang="en-US" dirty="0" err="1"/>
+              <a:t>Nafter</a:t>
+            </a:r>
+            <a:endParaRPr lang="en-US" dirty="0"/>
+          </a:p>
+          <a:p>
+            <a:r>
+              <a:rPr lang="en-US" dirty="0"/>
+              <a:t>Only Fans</a:t>
+            </a:r>
+          </a:p>
+          <a:p>
+            <a:r>
+              <a:rPr lang="en-US" dirty="0" err="1"/>
+              <a:t>Patreon</a:t>
+            </a:r>
+            <a:endParaRPr lang="en-US" dirty="0"/>
+          </a:p>
+          <a:p>
+            <a:r>
+              <a:rPr lang="en-CA" dirty="0" err="1"/>
+              <a:t>Fanlify</a:t>
+            </a:r>
+            <a:endParaRPr lang="en-CA" dirty="0"/>
+          </a:p>
+        </p:txBody>
+      </p:sp>
+    </p:spTree>
+    <p:extLst>
+      <p:ext uri="{BB962C8B-B14F-4D97-AF65-F5344CB8AC3E}">
+        <p14:creationId xmlns:p14="http://schemas.microsoft.com/office/powerpoint/2010/main" val="1638852775"/>
+      </p:ext>
+    </p:extLst>
+  </p:cSld>
+  <p:clrMapOvr>
+    <a:masterClrMapping/>
+  </p:clrMapOvr>
+</p:sld>
+</file>
+
+<file path=ppt/slides/slide9.xml><?xml version="1.0" encoding="utf-8"?>
+<p:sld xmlns:a="http://schemas.openxmlformats.org/drawingml/2006/main" xmlns:r="http://schemas.openxmlformats.org/officeDocument/2006/relationships" xmlns:p="http://schemas.openxmlformats.org/presentationml/2006/main">
+  <p:cSld>
+    <p:spTree>
+      <p:nvGrpSpPr>
+        <p:cNvPr id="1" name=""/>
+        <p:cNvGrpSpPr/>
+        <p:nvPr/>
+      </p:nvGrpSpPr>
+      <p:grpSpPr>
+        <a:xfrm>
+          <a:off x="0" y="0"/>
+          <a:ext cx="0" cy="0"/>
+          <a:chOff x="0" y="0"/>
+          <a:chExt cx="0" cy="0"/>
+        </a:xfrm>
+      </p:grpSpPr>
+      <p:sp>
+        <p:nvSpPr>
+          <p:cNvPr id="2" name="Title 1">
+            <a:extLst>
+              <a:ext uri="{FF2B5EF4-FFF2-40B4-BE49-F238E27FC236}">
+                <a16:creationId xmlns:a16="http://schemas.microsoft.com/office/drawing/2014/main" id="{A7BE9879-6337-419D-994C-BD4650A6FB10}"/>
+              </a:ext>
+            </a:extLst>
+          </p:cNvPr>
+          <p:cNvSpPr>
+            <a:spLocks noGrp="1"/>
+          </p:cNvSpPr>
+          <p:nvPr>
+            <p:ph type="title"/>
+          </p:nvPr>
+        </p:nvSpPr>
+        <p:spPr/>
+        <p:txBody>
+          <a:bodyPr>
+            <a:normAutofit/>
+          </a:bodyPr>
+          <a:lstStyle/>
+          <a:p>
+            <a:r>
+              <a:rPr lang="en-US" sz="4000" dirty="0">
+                <a:latin typeface="Yeseva One" panose="00000500000000000000" pitchFamily="2" charset="0"/>
+              </a:rPr>
+              <a:t>Why we are better then everyone else?</a:t>
+            </a:r>
+            <a:endParaRPr lang="en-CA" sz="4000" dirty="0"/>
+          </a:p>
+        </p:txBody>
+      </p:sp>
+      <p:sp>
+        <p:nvSpPr>
+          <p:cNvPr id="3" name="Content Placeholder 2">
+            <a:extLst>
+              <a:ext uri="{FF2B5EF4-FFF2-40B4-BE49-F238E27FC236}">
+                <a16:creationId xmlns:a16="http://schemas.microsoft.com/office/drawing/2014/main" id="{2DA3F201-2856-41F8-9404-A21C6063907F}"/>
+              </a:ext>
+            </a:extLst>
+          </p:cNvPr>
+          <p:cNvSpPr>
+            <a:spLocks noGrp="1"/>
+          </p:cNvSpPr>
+          <p:nvPr>
+            <p:ph idx="1"/>
+          </p:nvPr>
+        </p:nvSpPr>
+        <p:spPr/>
+        <p:txBody>
+          <a:bodyPr/>
+          <a:lstStyle/>
+          <a:p>
+            <a:r>
+              <a:rPr lang="en-US" dirty="0"/>
+              <a:t>Lowball transaction fees.</a:t>
+            </a:r>
+          </a:p>
+          <a:p>
+            <a:r>
+              <a:rPr lang="en-US" dirty="0"/>
+              <a:t>Blockchain, not dependent on big banks.</a:t>
+            </a:r>
+          </a:p>
+          <a:p>
+            <a:r>
+              <a:rPr lang="en-US" dirty="0"/>
+              <a:t>Lead founder is a experienced, talented software engineer.</a:t>
+            </a:r>
+          </a:p>
+          <a:p>
+            <a:r>
+              <a:rPr lang="en-US" dirty="0"/>
+              <a:t>We have a niched product design specific for adult content.</a:t>
+            </a:r>
+          </a:p>
+          <a:p>
+            <a:r>
+              <a:rPr lang="en-US" dirty="0"/>
+              <a:t>We have innovative ideas that have never been done before.</a:t>
+            </a:r>
+            <a:endParaRPr lang="en-CA" dirty="0"/>
+          </a:p>
+        </p:txBody>
+      </p:sp>
+    </p:spTree>
+    <p:extLst>
+      <p:ext uri="{BB962C8B-B14F-4D97-AF65-F5344CB8AC3E}">
+        <p14:creationId xmlns:p14="http://schemas.microsoft.com/office/powerpoint/2010/main" val="539992873"/>
       </p:ext>
     </p:extLst>
   </p:cSld>

--- a/own-me-pitch.pptx
+++ b/own-me-pitch.pptx
@@ -9,11 +9,12 @@
     <p:sldId id="257" r:id="rId3"/>
     <p:sldId id="258" r:id="rId4"/>
     <p:sldId id="259" r:id="rId5"/>
-    <p:sldId id="260" r:id="rId6"/>
-    <p:sldId id="261" r:id="rId7"/>
-    <p:sldId id="262" r:id="rId8"/>
-    <p:sldId id="263" r:id="rId9"/>
-    <p:sldId id="264" r:id="rId10"/>
+    <p:sldId id="265" r:id="rId6"/>
+    <p:sldId id="260" r:id="rId7"/>
+    <p:sldId id="261" r:id="rId8"/>
+    <p:sldId id="262" r:id="rId9"/>
+    <p:sldId id="263" r:id="rId10"/>
+    <p:sldId id="264" r:id="rId11"/>
   </p:sldIdLst>
   <p:sldSz cx="12192000" cy="6858000"/>
   <p:notesSz cx="6858000" cy="9144000"/>
@@ -3419,7 +3420,7 @@
         </p:blipFill>
         <p:spPr>
           <a:xfrm>
-            <a:off x="245850" y="108876"/>
+            <a:off x="281246" y="76334"/>
             <a:ext cx="3055620" cy="1889492"/>
           </a:xfrm>
           <a:prstGeom prst="rect">
@@ -3745,6 +3746,122 @@
 </p:sld>
 </file>
 
+<file path=ppt/slides/slide10.xml><?xml version="1.0" encoding="utf-8"?>
+<p:sld xmlns:a="http://schemas.openxmlformats.org/drawingml/2006/main" xmlns:r="http://schemas.openxmlformats.org/officeDocument/2006/relationships" xmlns:p="http://schemas.openxmlformats.org/presentationml/2006/main">
+  <p:cSld>
+    <p:spTree>
+      <p:nvGrpSpPr>
+        <p:cNvPr id="1" name=""/>
+        <p:cNvGrpSpPr/>
+        <p:nvPr/>
+      </p:nvGrpSpPr>
+      <p:grpSpPr>
+        <a:xfrm>
+          <a:off x="0" y="0"/>
+          <a:ext cx="0" cy="0"/>
+          <a:chOff x="0" y="0"/>
+          <a:chExt cx="0" cy="0"/>
+        </a:xfrm>
+      </p:grpSpPr>
+      <p:sp>
+        <p:nvSpPr>
+          <p:cNvPr id="2" name="Title 1">
+            <a:extLst>
+              <a:ext uri="{FF2B5EF4-FFF2-40B4-BE49-F238E27FC236}">
+                <a16:creationId xmlns:a16="http://schemas.microsoft.com/office/drawing/2014/main" id="{A7BE9879-6337-419D-994C-BD4650A6FB10}"/>
+              </a:ext>
+            </a:extLst>
+          </p:cNvPr>
+          <p:cNvSpPr>
+            <a:spLocks noGrp="1"/>
+          </p:cNvSpPr>
+          <p:nvPr>
+            <p:ph type="title"/>
+          </p:nvPr>
+        </p:nvSpPr>
+        <p:spPr/>
+        <p:txBody>
+          <a:bodyPr>
+            <a:normAutofit/>
+          </a:bodyPr>
+          <a:lstStyle/>
+          <a:p>
+            <a:r>
+              <a:rPr lang="en-US" sz="4000" dirty="0">
+                <a:latin typeface="Yeseva One" panose="00000500000000000000" pitchFamily="2" charset="0"/>
+              </a:rPr>
+              <a:t>Why we are better then everyone else?</a:t>
+            </a:r>
+            <a:endParaRPr lang="en-CA" sz="4000" dirty="0"/>
+          </a:p>
+        </p:txBody>
+      </p:sp>
+      <p:sp>
+        <p:nvSpPr>
+          <p:cNvPr id="3" name="Content Placeholder 2">
+            <a:extLst>
+              <a:ext uri="{FF2B5EF4-FFF2-40B4-BE49-F238E27FC236}">
+                <a16:creationId xmlns:a16="http://schemas.microsoft.com/office/drawing/2014/main" id="{2DA3F201-2856-41F8-9404-A21C6063907F}"/>
+              </a:ext>
+            </a:extLst>
+          </p:cNvPr>
+          <p:cNvSpPr>
+            <a:spLocks noGrp="1"/>
+          </p:cNvSpPr>
+          <p:nvPr>
+            <p:ph idx="1"/>
+          </p:nvPr>
+        </p:nvSpPr>
+        <p:spPr/>
+        <p:txBody>
+          <a:bodyPr/>
+          <a:lstStyle/>
+          <a:p>
+            <a:r>
+              <a:rPr lang="en-US" dirty="0"/>
+              <a:t>Lowball transaction fees.</a:t>
+            </a:r>
+          </a:p>
+          <a:p>
+            <a:r>
+              <a:rPr lang="en-US" dirty="0"/>
+              <a:t>Blockchain, not dependent on big banks.</a:t>
+            </a:r>
+          </a:p>
+          <a:p>
+            <a:r>
+              <a:rPr lang="en-US" dirty="0"/>
+              <a:t>Lead founder is a experienced, talented software engineer.</a:t>
+            </a:r>
+          </a:p>
+          <a:p>
+            <a:r>
+              <a:rPr lang="en-US" dirty="0"/>
+              <a:t>We have a niched product design specific for adult content.</a:t>
+            </a:r>
+          </a:p>
+          <a:p>
+            <a:r>
+              <a:rPr lang="en-US" dirty="0"/>
+              <a:t>We have innovative ideas that have never been done before.</a:t>
+            </a:r>
+            <a:endParaRPr lang="en-CA" dirty="0"/>
+          </a:p>
+        </p:txBody>
+      </p:sp>
+    </p:spTree>
+    <p:extLst>
+      <p:ext uri="{BB962C8B-B14F-4D97-AF65-F5344CB8AC3E}">
+        <p14:creationId xmlns:p14="http://schemas.microsoft.com/office/powerpoint/2010/main" val="539992873"/>
+      </p:ext>
+    </p:extLst>
+  </p:cSld>
+  <p:clrMapOvr>
+    <a:masterClrMapping/>
+  </p:clrMapOvr>
+</p:sld>
+</file>
+
 <file path=ppt/slides/slide2.xml><?xml version="1.0" encoding="utf-8"?>
 <p:sld xmlns:a="http://schemas.openxmlformats.org/drawingml/2006/main" xmlns:r="http://schemas.openxmlformats.org/officeDocument/2006/relationships" xmlns:p="http://schemas.openxmlformats.org/presentationml/2006/main">
   <p:cSld>
@@ -4171,7 +4288,7 @@
         </p:nvSpPr>
         <p:spPr>
           <a:xfrm>
-            <a:off x="838200" y="4548422"/>
+            <a:off x="838200" y="4731302"/>
             <a:ext cx="6096982" cy="1200329"/>
           </a:xfrm>
           <a:prstGeom prst="rect">
@@ -4293,91 +4410,6 @@
           </a:p>
         </p:txBody>
       </p:sp>
-      <p:sp>
-        <p:nvSpPr>
-          <p:cNvPr id="3" name="Content Placeholder 2">
-            <a:extLst>
-              <a:ext uri="{FF2B5EF4-FFF2-40B4-BE49-F238E27FC236}">
-                <a16:creationId xmlns:a16="http://schemas.microsoft.com/office/drawing/2014/main" id="{3F240F04-9024-4A98-B99C-2538F5F8CCB2}"/>
-              </a:ext>
-            </a:extLst>
-          </p:cNvPr>
-          <p:cNvSpPr>
-            <a:spLocks noGrp="1"/>
-          </p:cNvSpPr>
-          <p:nvPr>
-            <p:ph idx="1"/>
-          </p:nvPr>
-        </p:nvSpPr>
-        <p:spPr>
-          <a:xfrm>
-            <a:off x="5669772" y="226217"/>
-            <a:ext cx="2966884" cy="1257301"/>
-          </a:xfrm>
-        </p:spPr>
-        <p:txBody>
-          <a:bodyPr>
-            <a:normAutofit fontScale="32500" lnSpcReduction="20000"/>
-          </a:bodyPr>
-          <a:lstStyle/>
-          <a:p>
-            <a:pPr marL="0" indent="0">
-              <a:buNone/>
-            </a:pPr>
-            <a:r>
-              <a:rPr lang="en-US" dirty="0"/>
-              <a:t>How much money in the industry.</a:t>
-            </a:r>
-            <a:br>
-              <a:rPr lang="en-US" dirty="0"/>
-            </a:br>
-            <a:br>
-              <a:rPr lang="en-US" dirty="0"/>
-            </a:br>
-            <a:r>
-              <a:rPr lang="en-US" dirty="0"/>
-              <a:t>NFT marketplaces revenue.</a:t>
-            </a:r>
-            <a:br>
-              <a:rPr lang="en-US" dirty="0"/>
-            </a:br>
-            <a:br>
-              <a:rPr lang="en-US" dirty="0"/>
-            </a:br>
-            <a:r>
-              <a:rPr lang="en-US" dirty="0"/>
-              <a:t>Adult content revenue.</a:t>
-            </a:r>
-            <a:br>
-              <a:rPr lang="en-US" dirty="0"/>
-            </a:br>
-            <a:br>
-              <a:rPr lang="en-US" dirty="0"/>
-            </a:br>
-            <a:r>
-              <a:rPr lang="en-US" dirty="0"/>
-              <a:t>Social media revenue.</a:t>
-            </a:r>
-            <a:br>
-              <a:rPr lang="en-US" dirty="0"/>
-            </a:br>
-            <a:br>
-              <a:rPr lang="en-US" dirty="0"/>
-            </a:br>
-            <a:r>
-              <a:rPr lang="en-US" dirty="0"/>
-              <a:t>Promotions / Celebs</a:t>
-            </a:r>
-            <a:br>
-              <a:rPr lang="en-US" dirty="0"/>
-            </a:br>
-            <a:br>
-              <a:rPr lang="en-US" dirty="0"/>
-            </a:br>
-            <a:endParaRPr lang="en-CA" dirty="0"/>
-          </a:p>
-        </p:txBody>
-      </p:sp>
       <p:pic>
         <p:nvPicPr>
           <p:cNvPr id="5" name="Picture 4">
@@ -4406,7 +4438,7 @@
         </p:blipFill>
         <p:spPr>
           <a:xfrm>
-            <a:off x="10737543" y="529768"/>
+            <a:off x="10638483" y="566199"/>
             <a:ext cx="783898" cy="783898"/>
           </a:xfrm>
           <a:prstGeom prst="rect">
@@ -4414,6 +4446,486 @@
           </a:prstGeom>
         </p:spPr>
       </p:pic>
+      <p:sp>
+        <p:nvSpPr>
+          <p:cNvPr id="4" name="TextBox 3">
+            <a:extLst>
+              <a:ext uri="{FF2B5EF4-FFF2-40B4-BE49-F238E27FC236}">
+                <a16:creationId xmlns:a16="http://schemas.microsoft.com/office/drawing/2014/main" id="{3284D66A-CFB7-4A44-A658-1C51DB439364}"/>
+              </a:ext>
+            </a:extLst>
+          </p:cNvPr>
+          <p:cNvSpPr txBox="1"/>
+          <p:nvPr/>
+        </p:nvSpPr>
+        <p:spPr>
+          <a:xfrm>
+            <a:off x="1958732" y="2904359"/>
+            <a:ext cx="3138455" cy="861774"/>
+          </a:xfrm>
+          <a:prstGeom prst="rect">
+            <a:avLst/>
+          </a:prstGeom>
+          <a:noFill/>
+        </p:spPr>
+        <p:txBody>
+          <a:bodyPr wrap="square" rtlCol="0">
+            <a:spAutoFit/>
+          </a:bodyPr>
+          <a:lstStyle/>
+          <a:p>
+            <a:pPr algn="ctr"/>
+            <a:r>
+              <a:rPr lang="en-US" sz="1400" dirty="0">
+                <a:latin typeface="Yeseva One" panose="00000500000000000000" pitchFamily="2" charset="0"/>
+              </a:rPr>
+              <a:t>Adult Content Industry</a:t>
+            </a:r>
+          </a:p>
+          <a:p>
+            <a:pPr algn="ctr"/>
+            <a:endParaRPr lang="en-US" dirty="0">
+              <a:latin typeface="Yeseva One" panose="00000500000000000000" pitchFamily="2" charset="0"/>
+            </a:endParaRPr>
+          </a:p>
+          <a:p>
+            <a:pPr algn="ctr"/>
+            <a:r>
+              <a:rPr lang="en-US" sz="1600" dirty="0">
+                <a:solidFill>
+                  <a:srgbClr val="FB33FF"/>
+                </a:solidFill>
+                <a:latin typeface="Rock Salt" pitchFamily="2" charset="0"/>
+              </a:rPr>
+              <a:t>$100 Billion</a:t>
+            </a:r>
+            <a:endParaRPr lang="en-CA" sz="1600" dirty="0">
+              <a:solidFill>
+                <a:srgbClr val="FB33FF"/>
+              </a:solidFill>
+              <a:latin typeface="Rock Salt" pitchFamily="2" charset="0"/>
+            </a:endParaRPr>
+          </a:p>
+        </p:txBody>
+      </p:sp>
+      <p:sp>
+        <p:nvSpPr>
+          <p:cNvPr id="8" name="TextBox 7">
+            <a:extLst>
+              <a:ext uri="{FF2B5EF4-FFF2-40B4-BE49-F238E27FC236}">
+                <a16:creationId xmlns:a16="http://schemas.microsoft.com/office/drawing/2014/main" id="{5E4B3039-6DCC-40C5-B116-883358C830DC}"/>
+              </a:ext>
+            </a:extLst>
+          </p:cNvPr>
+          <p:cNvSpPr txBox="1"/>
+          <p:nvPr/>
+        </p:nvSpPr>
+        <p:spPr>
+          <a:xfrm>
+            <a:off x="1843066" y="5404669"/>
+            <a:ext cx="3368530" cy="861774"/>
+          </a:xfrm>
+          <a:prstGeom prst="rect">
+            <a:avLst/>
+          </a:prstGeom>
+          <a:noFill/>
+        </p:spPr>
+        <p:txBody>
+          <a:bodyPr wrap="square" rtlCol="0">
+            <a:spAutoFit/>
+          </a:bodyPr>
+          <a:lstStyle/>
+          <a:p>
+            <a:pPr algn="ctr"/>
+            <a:r>
+              <a:rPr lang="en-US" sz="1400" dirty="0">
+                <a:latin typeface="Yeseva One" panose="00000500000000000000" pitchFamily="2" charset="0"/>
+              </a:rPr>
+              <a:t>Adult Content Industry</a:t>
+            </a:r>
+          </a:p>
+          <a:p>
+            <a:pPr algn="ctr"/>
+            <a:endParaRPr lang="en-US" dirty="0">
+              <a:latin typeface="Yeseva One" panose="00000500000000000000" pitchFamily="2" charset="0"/>
+            </a:endParaRPr>
+          </a:p>
+          <a:p>
+            <a:pPr algn="ctr"/>
+            <a:r>
+              <a:rPr lang="en-US" sz="1600" dirty="0">
+                <a:solidFill>
+                  <a:srgbClr val="FB33FF"/>
+                </a:solidFill>
+                <a:latin typeface="Rock Salt" pitchFamily="2" charset="0"/>
+              </a:rPr>
+              <a:t>$100 Billion</a:t>
+            </a:r>
+            <a:endParaRPr lang="en-CA" sz="1600" dirty="0">
+              <a:solidFill>
+                <a:srgbClr val="FB33FF"/>
+              </a:solidFill>
+              <a:latin typeface="Rock Salt" pitchFamily="2" charset="0"/>
+            </a:endParaRPr>
+          </a:p>
+        </p:txBody>
+      </p:sp>
+      <p:pic>
+        <p:nvPicPr>
+          <p:cNvPr id="12" name="Picture 11">
+            <a:extLst>
+              <a:ext uri="{FF2B5EF4-FFF2-40B4-BE49-F238E27FC236}">
+                <a16:creationId xmlns:a16="http://schemas.microsoft.com/office/drawing/2014/main" id="{48E36F9E-8D1B-42FE-A98C-70E931888C0F}"/>
+              </a:ext>
+            </a:extLst>
+          </p:cNvPr>
+          <p:cNvPicPr>
+            <a:picLocks noChangeAspect="1"/>
+          </p:cNvPicPr>
+          <p:nvPr/>
+        </p:nvPicPr>
+        <p:blipFill>
+          <a:blip r:embed="rId3">
+            <a:extLst>
+              <a:ext uri="{28A0092B-C50C-407E-A947-70E740481C1C}">
+                <a14:useLocalDpi xmlns:a14="http://schemas.microsoft.com/office/drawing/2010/main" val="0"/>
+              </a:ext>
+            </a:extLst>
+          </a:blip>
+          <a:stretch>
+            <a:fillRect/>
+          </a:stretch>
+        </p:blipFill>
+        <p:spPr>
+          <a:xfrm>
+            <a:off x="3076183" y="1829359"/>
+            <a:ext cx="902296" cy="902296"/>
+          </a:xfrm>
+          <a:prstGeom prst="rect">
+            <a:avLst/>
+          </a:prstGeom>
+        </p:spPr>
+      </p:pic>
+      <p:sp>
+        <p:nvSpPr>
+          <p:cNvPr id="14" name="TextBox 13">
+            <a:extLst>
+              <a:ext uri="{FF2B5EF4-FFF2-40B4-BE49-F238E27FC236}">
+                <a16:creationId xmlns:a16="http://schemas.microsoft.com/office/drawing/2014/main" id="{6FD48D7E-1639-4148-A3CC-5F71062CE35B}"/>
+              </a:ext>
+            </a:extLst>
+          </p:cNvPr>
+          <p:cNvSpPr txBox="1"/>
+          <p:nvPr/>
+        </p:nvSpPr>
+        <p:spPr>
+          <a:xfrm>
+            <a:off x="6303945" y="2928091"/>
+            <a:ext cx="3405417" cy="830997"/>
+          </a:xfrm>
+          <a:prstGeom prst="rect">
+            <a:avLst/>
+          </a:prstGeom>
+          <a:noFill/>
+        </p:spPr>
+        <p:txBody>
+          <a:bodyPr wrap="square" rtlCol="0">
+            <a:spAutoFit/>
+          </a:bodyPr>
+          <a:lstStyle/>
+          <a:p>
+            <a:pPr algn="ctr"/>
+            <a:r>
+              <a:rPr lang="en-US" sz="1400" dirty="0">
+                <a:latin typeface="Yeseva One" panose="00000500000000000000" pitchFamily="2" charset="0"/>
+              </a:rPr>
+              <a:t>NFT Marketplace Industry</a:t>
+            </a:r>
+          </a:p>
+          <a:p>
+            <a:pPr algn="ctr"/>
+            <a:endParaRPr lang="en-US" dirty="0">
+              <a:latin typeface="Yeseva One" panose="00000500000000000000" pitchFamily="2" charset="0"/>
+            </a:endParaRPr>
+          </a:p>
+          <a:p>
+            <a:pPr algn="ctr"/>
+            <a:r>
+              <a:rPr lang="en-US" sz="1600" dirty="0">
+                <a:solidFill>
+                  <a:srgbClr val="FB33FF"/>
+                </a:solidFill>
+                <a:latin typeface="Rock Salt" pitchFamily="2" charset="0"/>
+              </a:rPr>
+              <a:t>$5 Billion</a:t>
+            </a:r>
+            <a:endParaRPr lang="en-CA" sz="1600" dirty="0">
+              <a:solidFill>
+                <a:srgbClr val="FB33FF"/>
+              </a:solidFill>
+              <a:latin typeface="Rock Salt" pitchFamily="2" charset="0"/>
+            </a:endParaRPr>
+          </a:p>
+        </p:txBody>
+      </p:sp>
+      <p:pic>
+        <p:nvPicPr>
+          <p:cNvPr id="16" name="Picture 15">
+            <a:extLst>
+              <a:ext uri="{FF2B5EF4-FFF2-40B4-BE49-F238E27FC236}">
+                <a16:creationId xmlns:a16="http://schemas.microsoft.com/office/drawing/2014/main" id="{63A3DEF3-6E8B-43B3-9180-18CC27862842}"/>
+              </a:ext>
+            </a:extLst>
+          </p:cNvPr>
+          <p:cNvPicPr>
+            <a:picLocks noChangeAspect="1"/>
+          </p:cNvPicPr>
+          <p:nvPr/>
+        </p:nvPicPr>
+        <p:blipFill>
+          <a:blip r:embed="rId4">
+            <a:extLst>
+              <a:ext uri="{28A0092B-C50C-407E-A947-70E740481C1C}">
+                <a14:useLocalDpi xmlns:a14="http://schemas.microsoft.com/office/drawing/2010/main" val="0"/>
+              </a:ext>
+            </a:extLst>
+          </a:blip>
+          <a:stretch>
+            <a:fillRect/>
+          </a:stretch>
+        </p:blipFill>
+        <p:spPr>
+          <a:xfrm>
+            <a:off x="7279374" y="1524123"/>
+            <a:ext cx="1380236" cy="1380236"/>
+          </a:xfrm>
+          <a:prstGeom prst="rect">
+            <a:avLst/>
+          </a:prstGeom>
+        </p:spPr>
+      </p:pic>
+      <p:pic>
+        <p:nvPicPr>
+          <p:cNvPr id="18" name="Picture 17">
+            <a:extLst>
+              <a:ext uri="{FF2B5EF4-FFF2-40B4-BE49-F238E27FC236}">
+                <a16:creationId xmlns:a16="http://schemas.microsoft.com/office/drawing/2014/main" id="{3BFB3DF8-7334-4655-90F4-F9A95C48619D}"/>
+              </a:ext>
+            </a:extLst>
+          </p:cNvPr>
+          <p:cNvPicPr>
+            <a:picLocks noChangeAspect="1"/>
+          </p:cNvPicPr>
+          <p:nvPr/>
+        </p:nvPicPr>
+        <p:blipFill>
+          <a:blip r:embed="rId5">
+            <a:extLst>
+              <a:ext uri="{28A0092B-C50C-407E-A947-70E740481C1C}">
+                <a14:useLocalDpi xmlns:a14="http://schemas.microsoft.com/office/drawing/2010/main" val="0"/>
+              </a:ext>
+            </a:extLst>
+          </a:blip>
+          <a:stretch>
+            <a:fillRect/>
+          </a:stretch>
+        </p:blipFill>
+        <p:spPr>
+          <a:xfrm>
+            <a:off x="3076183" y="4431581"/>
+            <a:ext cx="902296" cy="902296"/>
+          </a:xfrm>
+          <a:prstGeom prst="rect">
+            <a:avLst/>
+          </a:prstGeom>
+        </p:spPr>
+      </p:pic>
+      <p:sp>
+        <p:nvSpPr>
+          <p:cNvPr id="19" name="TextBox 18">
+            <a:extLst>
+              <a:ext uri="{FF2B5EF4-FFF2-40B4-BE49-F238E27FC236}">
+                <a16:creationId xmlns:a16="http://schemas.microsoft.com/office/drawing/2014/main" id="{58EBE691-8262-4F3B-9530-076F2FEB2AFF}"/>
+              </a:ext>
+            </a:extLst>
+          </p:cNvPr>
+          <p:cNvSpPr txBox="1"/>
+          <p:nvPr/>
+        </p:nvSpPr>
+        <p:spPr>
+          <a:xfrm>
+            <a:off x="6303945" y="5404669"/>
+            <a:ext cx="3368530" cy="861774"/>
+          </a:xfrm>
+          <a:prstGeom prst="rect">
+            <a:avLst/>
+          </a:prstGeom>
+          <a:noFill/>
+        </p:spPr>
+        <p:txBody>
+          <a:bodyPr wrap="square" rtlCol="0">
+            <a:spAutoFit/>
+          </a:bodyPr>
+          <a:lstStyle/>
+          <a:p>
+            <a:pPr algn="ctr"/>
+            <a:r>
+              <a:rPr lang="en-US" sz="1400" dirty="0">
+                <a:latin typeface="Yeseva One" panose="00000500000000000000" pitchFamily="2" charset="0"/>
+              </a:rPr>
+              <a:t>Social Media Industry</a:t>
+            </a:r>
+          </a:p>
+          <a:p>
+            <a:pPr algn="ctr"/>
+            <a:endParaRPr lang="en-US" dirty="0">
+              <a:latin typeface="Yeseva One" panose="00000500000000000000" pitchFamily="2" charset="0"/>
+            </a:endParaRPr>
+          </a:p>
+          <a:p>
+            <a:pPr algn="ctr"/>
+            <a:r>
+              <a:rPr lang="en-US" sz="1600" dirty="0">
+                <a:solidFill>
+                  <a:srgbClr val="FB33FF"/>
+                </a:solidFill>
+                <a:latin typeface="Rock Salt" pitchFamily="2" charset="0"/>
+              </a:rPr>
+              <a:t>$60 Billion</a:t>
+            </a:r>
+            <a:endParaRPr lang="en-CA" sz="1600" dirty="0">
+              <a:solidFill>
+                <a:srgbClr val="FB33FF"/>
+              </a:solidFill>
+              <a:latin typeface="Rock Salt" pitchFamily="2" charset="0"/>
+            </a:endParaRPr>
+          </a:p>
+        </p:txBody>
+      </p:sp>
+      <p:pic>
+        <p:nvPicPr>
+          <p:cNvPr id="21" name="Picture 20">
+            <a:extLst>
+              <a:ext uri="{FF2B5EF4-FFF2-40B4-BE49-F238E27FC236}">
+                <a16:creationId xmlns:a16="http://schemas.microsoft.com/office/drawing/2014/main" id="{ECDE12B5-BAA2-4777-988E-D7D1C67B0AEA}"/>
+              </a:ext>
+            </a:extLst>
+          </p:cNvPr>
+          <p:cNvPicPr>
+            <a:picLocks noChangeAspect="1"/>
+          </p:cNvPicPr>
+          <p:nvPr/>
+        </p:nvPicPr>
+        <p:blipFill>
+          <a:blip r:embed="rId6">
+            <a:extLst>
+              <a:ext uri="{28A0092B-C50C-407E-A947-70E740481C1C}">
+                <a14:useLocalDpi xmlns:a14="http://schemas.microsoft.com/office/drawing/2010/main" val="0"/>
+              </a:ext>
+            </a:extLst>
+          </a:blip>
+          <a:stretch>
+            <a:fillRect/>
+          </a:stretch>
+        </p:blipFill>
+        <p:spPr>
+          <a:xfrm>
+            <a:off x="7535442" y="4465778"/>
+            <a:ext cx="868099" cy="868099"/>
+          </a:xfrm>
+          <a:prstGeom prst="rect">
+            <a:avLst/>
+          </a:prstGeom>
+        </p:spPr>
+      </p:pic>
+      <p:cxnSp>
+        <p:nvCxnSpPr>
+          <p:cNvPr id="23" name="Straight Connector 22">
+            <a:extLst>
+              <a:ext uri="{FF2B5EF4-FFF2-40B4-BE49-F238E27FC236}">
+                <a16:creationId xmlns:a16="http://schemas.microsoft.com/office/drawing/2014/main" id="{83427D39-7ABC-49CF-8BE5-BEB403D6201E}"/>
+              </a:ext>
+            </a:extLst>
+          </p:cNvPr>
+          <p:cNvCxnSpPr/>
+          <p:nvPr/>
+        </p:nvCxnSpPr>
+        <p:spPr>
+          <a:xfrm>
+            <a:off x="5757770" y="1793404"/>
+            <a:ext cx="0" cy="4536604"/>
+          </a:xfrm>
+          <a:prstGeom prst="line">
+            <a:avLst/>
+          </a:prstGeom>
+          <a:ln>
+            <a:solidFill>
+              <a:schemeClr val="bg2">
+                <a:lumMod val="90000"/>
+              </a:schemeClr>
+            </a:solidFill>
+          </a:ln>
+        </p:spPr>
+        <p:style>
+          <a:lnRef idx="1">
+            <a:schemeClr val="accent1"/>
+          </a:lnRef>
+          <a:fillRef idx="0">
+            <a:schemeClr val="accent1"/>
+          </a:fillRef>
+          <a:effectRef idx="0">
+            <a:schemeClr val="accent1"/>
+          </a:effectRef>
+          <a:fontRef idx="minor">
+            <a:schemeClr val="tx1"/>
+          </a:fontRef>
+        </p:style>
+      </p:cxnSp>
+      <p:cxnSp>
+        <p:nvCxnSpPr>
+          <p:cNvPr id="24" name="Straight Connector 23">
+            <a:extLst>
+              <a:ext uri="{FF2B5EF4-FFF2-40B4-BE49-F238E27FC236}">
+                <a16:creationId xmlns:a16="http://schemas.microsoft.com/office/drawing/2014/main" id="{C72BB216-6CAE-41A6-8955-F29014667AD6}"/>
+              </a:ext>
+            </a:extLst>
+          </p:cNvPr>
+          <p:cNvCxnSpPr>
+            <a:cxnSpLocks/>
+          </p:cNvCxnSpPr>
+          <p:nvPr/>
+        </p:nvCxnSpPr>
+        <p:spPr>
+          <a:xfrm>
+            <a:off x="1766757" y="4034755"/>
+            <a:ext cx="8501928" cy="64893"/>
+          </a:xfrm>
+          <a:prstGeom prst="line">
+            <a:avLst/>
+          </a:prstGeom>
+          <a:ln>
+            <a:solidFill>
+              <a:schemeClr val="bg2">
+                <a:lumMod val="90000"/>
+              </a:schemeClr>
+            </a:solidFill>
+          </a:ln>
+        </p:spPr>
+        <p:style>
+          <a:lnRef idx="1">
+            <a:schemeClr val="accent1"/>
+          </a:lnRef>
+          <a:fillRef idx="0">
+            <a:schemeClr val="accent1"/>
+          </a:fillRef>
+          <a:effectRef idx="0">
+            <a:schemeClr val="accent1"/>
+          </a:effectRef>
+          <a:fontRef idx="minor">
+            <a:schemeClr val="tx1"/>
+          </a:fontRef>
+        </p:style>
+      </p:cxnSp>
     </p:spTree>
     <p:extLst>
       <p:ext uri="{BB962C8B-B14F-4D97-AF65-F5344CB8AC3E}">
@@ -4444,98 +4956,12 @@
           <a:chExt cx="0" cy="0"/>
         </a:xfrm>
       </p:grpSpPr>
-      <p:cxnSp>
-        <p:nvCxnSpPr>
-          <p:cNvPr id="27" name="Straight Connector 26">
-            <a:extLst>
-              <a:ext uri="{FF2B5EF4-FFF2-40B4-BE49-F238E27FC236}">
-                <a16:creationId xmlns:a16="http://schemas.microsoft.com/office/drawing/2014/main" id="{5E824EAC-ADEC-43E9-BD94-ADFF2DFD5F85}"/>
-              </a:ext>
-            </a:extLst>
-          </p:cNvPr>
-          <p:cNvCxnSpPr>
-            <a:cxnSpLocks/>
-          </p:cNvCxnSpPr>
-          <p:nvPr/>
-        </p:nvCxnSpPr>
-        <p:spPr>
-          <a:xfrm flipV="1">
-            <a:off x="4341923" y="2619312"/>
-            <a:ext cx="2601615" cy="24582"/>
-          </a:xfrm>
-          <a:prstGeom prst="line">
-            <a:avLst/>
-          </a:prstGeom>
-          <a:ln>
-            <a:solidFill>
-              <a:srgbClr val="FB74FE"/>
-            </a:solidFill>
-          </a:ln>
-        </p:spPr>
-        <p:style>
-          <a:lnRef idx="1">
-            <a:schemeClr val="accent1"/>
-          </a:lnRef>
-          <a:fillRef idx="0">
-            <a:schemeClr val="accent1"/>
-          </a:fillRef>
-          <a:effectRef idx="0">
-            <a:schemeClr val="accent1"/>
-          </a:effectRef>
-          <a:fontRef idx="minor">
-            <a:schemeClr val="tx1"/>
-          </a:fontRef>
-        </p:style>
-      </p:cxnSp>
-      <p:cxnSp>
-        <p:nvCxnSpPr>
-          <p:cNvPr id="16" name="Straight Connector 15">
-            <a:extLst>
-              <a:ext uri="{FF2B5EF4-FFF2-40B4-BE49-F238E27FC236}">
-                <a16:creationId xmlns:a16="http://schemas.microsoft.com/office/drawing/2014/main" id="{2E784507-2A90-41F4-914A-2E0D3C25F17F}"/>
-              </a:ext>
-            </a:extLst>
-          </p:cNvPr>
-          <p:cNvCxnSpPr>
-            <a:cxnSpLocks/>
-          </p:cNvCxnSpPr>
-          <p:nvPr/>
-        </p:nvCxnSpPr>
-        <p:spPr>
-          <a:xfrm flipV="1">
-            <a:off x="4341925" y="3177194"/>
-            <a:ext cx="2601615" cy="24582"/>
-          </a:xfrm>
-          <a:prstGeom prst="line">
-            <a:avLst/>
-          </a:prstGeom>
-          <a:ln>
-            <a:solidFill>
-              <a:srgbClr val="FB74FE"/>
-            </a:solidFill>
-          </a:ln>
-        </p:spPr>
-        <p:style>
-          <a:lnRef idx="1">
-            <a:schemeClr val="accent1"/>
-          </a:lnRef>
-          <a:fillRef idx="0">
-            <a:schemeClr val="accent1"/>
-          </a:fillRef>
-          <a:effectRef idx="0">
-            <a:schemeClr val="accent1"/>
-          </a:effectRef>
-          <a:fontRef idx="minor">
-            <a:schemeClr val="tx1"/>
-          </a:fontRef>
-        </p:style>
-      </p:cxnSp>
       <p:sp>
         <p:nvSpPr>
           <p:cNvPr id="2" name="Title 1">
             <a:extLst>
               <a:ext uri="{FF2B5EF4-FFF2-40B4-BE49-F238E27FC236}">
-                <a16:creationId xmlns:a16="http://schemas.microsoft.com/office/drawing/2014/main" id="{E0F8078E-5BC4-41A6-B505-9FDF374A8BB5}"/>
+                <a16:creationId xmlns:a16="http://schemas.microsoft.com/office/drawing/2014/main" id="{50E6B888-B4F2-4BF3-B77A-D23ABAB00712}"/>
               </a:ext>
             </a:extLst>
           </p:cNvPr>
@@ -4555,903 +4981,67 @@
               <a:rPr lang="en-US" dirty="0">
                 <a:latin typeface="Yeseva One" panose="00000500000000000000" pitchFamily="2" charset="0"/>
               </a:rPr>
-              <a:t>Our Team</a:t>
+              <a:t>Market Validation</a:t>
             </a:r>
             <a:endParaRPr lang="en-CA" dirty="0"/>
           </a:p>
         </p:txBody>
       </p:sp>
-      <p:pic>
-        <p:nvPicPr>
-          <p:cNvPr id="5" name="Content Placeholder 4">
-            <a:extLst>
-              <a:ext uri="{FF2B5EF4-FFF2-40B4-BE49-F238E27FC236}">
-                <a16:creationId xmlns:a16="http://schemas.microsoft.com/office/drawing/2014/main" id="{E8B79BEB-C0A3-4987-83FF-C0BD91A1E4E2}"/>
-              </a:ext>
-            </a:extLst>
-          </p:cNvPr>
-          <p:cNvPicPr>
-            <a:picLocks noGrp="1" noChangeAspect="1"/>
-          </p:cNvPicPr>
+      <p:sp>
+        <p:nvSpPr>
+          <p:cNvPr id="3" name="Content Placeholder 2">
+            <a:extLst>
+              <a:ext uri="{FF2B5EF4-FFF2-40B4-BE49-F238E27FC236}">
+                <a16:creationId xmlns:a16="http://schemas.microsoft.com/office/drawing/2014/main" id="{2644EF32-DACF-4591-B44D-B81E24A9EFEC}"/>
+              </a:ext>
+            </a:extLst>
+          </p:cNvPr>
+          <p:cNvSpPr>
+            <a:spLocks noGrp="1"/>
+          </p:cNvSpPr>
           <p:nvPr>
             <p:ph idx="1"/>
           </p:nvPr>
-        </p:nvPicPr>
-        <p:blipFill>
-          <a:blip r:embed="rId2">
-            <a:extLst>
-              <a:ext uri="{28A0092B-C50C-407E-A947-70E740481C1C}">
-                <a14:useLocalDpi xmlns:a14="http://schemas.microsoft.com/office/drawing/2010/main" val="0"/>
-              </a:ext>
-            </a:extLst>
-          </a:blip>
-          <a:stretch>
-            <a:fillRect/>
-          </a:stretch>
-        </p:blipFill>
-        <p:spPr>
-          <a:xfrm>
-            <a:off x="10696070" y="699041"/>
-            <a:ext cx="657730" cy="657730"/>
-          </a:xfrm>
-        </p:spPr>
-      </p:pic>
-      <p:sp>
-        <p:nvSpPr>
-          <p:cNvPr id="7" name="TextBox 6">
-            <a:extLst>
-              <a:ext uri="{FF2B5EF4-FFF2-40B4-BE49-F238E27FC236}">
-                <a16:creationId xmlns:a16="http://schemas.microsoft.com/office/drawing/2014/main" id="{9BAE40B2-2CB5-4641-BE9E-9692B92F4B73}"/>
-              </a:ext>
-            </a:extLst>
-          </p:cNvPr>
-          <p:cNvSpPr txBox="1"/>
-          <p:nvPr/>
-        </p:nvSpPr>
-        <p:spPr>
-          <a:xfrm>
-            <a:off x="3048492" y="3245809"/>
-            <a:ext cx="6096982" cy="369332"/>
-          </a:xfrm>
-          <a:prstGeom prst="rect">
-            <a:avLst/>
-          </a:prstGeom>
-          <a:noFill/>
-        </p:spPr>
-        <p:txBody>
-          <a:bodyPr wrap="square">
-            <a:spAutoFit/>
-          </a:bodyPr>
-          <a:lstStyle/>
-          <a:p>
+        </p:nvSpPr>
+        <p:spPr/>
+        <p:txBody>
+          <a:bodyPr/>
+          <a:lstStyle/>
+          <a:p>
+            <a:r>
+              <a:rPr lang="en-US" dirty="0" err="1"/>
+              <a:t>Beeples</a:t>
+            </a:r>
+            <a:r>
+              <a:rPr lang="en-US" dirty="0"/>
+              <a:t> 69 million NFT</a:t>
+            </a:r>
+          </a:p>
+          <a:p>
+            <a:r>
+              <a:rPr lang="en-US" dirty="0"/>
+              <a:t>Top only fans creators</a:t>
+            </a:r>
+          </a:p>
+          <a:p>
+            <a:r>
+              <a:rPr lang="en-US" dirty="0"/>
+              <a:t>Pump n dumps</a:t>
+            </a:r>
             <a:endParaRPr lang="en-CA" dirty="0"/>
           </a:p>
-        </p:txBody>
-      </p:sp>
-      <p:cxnSp>
-        <p:nvCxnSpPr>
-          <p:cNvPr id="14" name="Straight Connector 13">
-            <a:extLst>
-              <a:ext uri="{FF2B5EF4-FFF2-40B4-BE49-F238E27FC236}">
-                <a16:creationId xmlns:a16="http://schemas.microsoft.com/office/drawing/2014/main" id="{CF0A6EC9-05A2-41D5-A4D9-F813EF56724A}"/>
-              </a:ext>
-            </a:extLst>
-          </p:cNvPr>
-          <p:cNvCxnSpPr>
-            <a:cxnSpLocks/>
-          </p:cNvCxnSpPr>
-          <p:nvPr/>
-        </p:nvCxnSpPr>
-        <p:spPr>
-          <a:xfrm>
-            <a:off x="4094153" y="2914280"/>
-            <a:ext cx="3126658" cy="0"/>
-          </a:xfrm>
-          <a:prstGeom prst="line">
-            <a:avLst/>
-          </a:prstGeom>
-          <a:ln>
-            <a:solidFill>
-              <a:srgbClr val="FB74FE"/>
-            </a:solidFill>
-          </a:ln>
-        </p:spPr>
-        <p:style>
-          <a:lnRef idx="1">
-            <a:schemeClr val="accent1"/>
-          </a:lnRef>
-          <a:fillRef idx="0">
-            <a:schemeClr val="accent1"/>
-          </a:fillRef>
-          <a:effectRef idx="0">
-            <a:schemeClr val="accent1"/>
-          </a:effectRef>
-          <a:fontRef idx="minor">
-            <a:schemeClr val="tx1"/>
-          </a:fontRef>
-        </p:style>
-      </p:cxnSp>
-      <p:sp>
-        <p:nvSpPr>
-          <p:cNvPr id="15" name="Oval 14">
-            <a:extLst>
-              <a:ext uri="{FF2B5EF4-FFF2-40B4-BE49-F238E27FC236}">
-                <a16:creationId xmlns:a16="http://schemas.microsoft.com/office/drawing/2014/main" id="{4153D177-BF84-432C-99CC-F8159E5284AA}"/>
-              </a:ext>
-            </a:extLst>
-          </p:cNvPr>
-          <p:cNvSpPr/>
-          <p:nvPr/>
-        </p:nvSpPr>
-        <p:spPr>
-          <a:xfrm>
-            <a:off x="4557252" y="1910784"/>
-            <a:ext cx="2170962" cy="2006993"/>
-          </a:xfrm>
-          <a:prstGeom prst="ellipse">
-            <a:avLst/>
-          </a:prstGeom>
-        </p:spPr>
-        <p:style>
-          <a:lnRef idx="2">
-            <a:schemeClr val="accent1">
-              <a:shade val="50000"/>
-            </a:schemeClr>
-          </a:lnRef>
-          <a:fillRef idx="1">
-            <a:schemeClr val="accent1"/>
-          </a:fillRef>
-          <a:effectRef idx="0">
-            <a:schemeClr val="accent1"/>
-          </a:effectRef>
-          <a:fontRef idx="minor">
-            <a:schemeClr val="lt1"/>
-          </a:fontRef>
-        </p:style>
-        <p:txBody>
-          <a:bodyPr rtlCol="0" anchor="ctr"/>
-          <a:lstStyle/>
-          <a:p>
-            <a:pPr algn="ctr"/>
-            <a:endParaRPr lang="en-CA"/>
-          </a:p>
-        </p:txBody>
-      </p:sp>
-      <p:pic>
-        <p:nvPicPr>
-          <p:cNvPr id="23" name="Picture 22">
-            <a:extLst>
-              <a:ext uri="{FF2B5EF4-FFF2-40B4-BE49-F238E27FC236}">
-                <a16:creationId xmlns:a16="http://schemas.microsoft.com/office/drawing/2014/main" id="{42B44C66-2A8C-4C22-819F-CBD75B0DDCD6}"/>
-              </a:ext>
-            </a:extLst>
-          </p:cNvPr>
-          <p:cNvPicPr>
-            <a:picLocks noChangeAspect="1"/>
-          </p:cNvPicPr>
-          <p:nvPr/>
-        </p:nvPicPr>
-        <p:blipFill>
-          <a:blip r:embed="rId3">
-            <a:extLst>
-              <a:ext uri="{28A0092B-C50C-407E-A947-70E740481C1C}">
-                <a14:useLocalDpi xmlns:a14="http://schemas.microsoft.com/office/drawing/2010/main" val="0"/>
-              </a:ext>
-            </a:extLst>
-          </a:blip>
-          <a:stretch>
-            <a:fillRect/>
-          </a:stretch>
-        </p:blipFill>
-        <p:spPr>
-          <a:xfrm>
-            <a:off x="4637747" y="1956404"/>
-            <a:ext cx="2009969" cy="1915751"/>
-          </a:xfrm>
-          <a:prstGeom prst="rect">
-            <a:avLst/>
-          </a:prstGeom>
-        </p:spPr>
-      </p:pic>
-      <p:sp>
-        <p:nvSpPr>
-          <p:cNvPr id="24" name="TextBox 23">
-            <a:extLst>
-              <a:ext uri="{FF2B5EF4-FFF2-40B4-BE49-F238E27FC236}">
-                <a16:creationId xmlns:a16="http://schemas.microsoft.com/office/drawing/2014/main" id="{D5A321C3-FFC0-4C5F-AC4A-246C9A8E11BB}"/>
-              </a:ext>
-            </a:extLst>
-          </p:cNvPr>
-          <p:cNvSpPr txBox="1"/>
-          <p:nvPr/>
-        </p:nvSpPr>
-        <p:spPr>
-          <a:xfrm>
-            <a:off x="4364666" y="4449656"/>
-            <a:ext cx="2688630" cy="276999"/>
-          </a:xfrm>
-          <a:prstGeom prst="rect">
-            <a:avLst/>
-          </a:prstGeom>
-          <a:noFill/>
-        </p:spPr>
-        <p:txBody>
-          <a:bodyPr wrap="square" rtlCol="0">
-            <a:spAutoFit/>
-          </a:bodyPr>
-          <a:lstStyle/>
-          <a:p>
-            <a:r>
-              <a:rPr lang="en-US" sz="1200" dirty="0">
-                <a:latin typeface="Poppins Medium" panose="00000600000000000000" pitchFamily="2" charset="0"/>
-                <a:cs typeface="Poppins Medium" panose="00000600000000000000" pitchFamily="2" charset="0"/>
-              </a:rPr>
-              <a:t>Founder / CEO / Lead Engineer</a:t>
-            </a:r>
-            <a:endParaRPr lang="en-CA" sz="1200" dirty="0">
-              <a:latin typeface="Poppins Medium" panose="00000600000000000000" pitchFamily="2" charset="0"/>
-              <a:cs typeface="Poppins Medium" panose="00000600000000000000" pitchFamily="2" charset="0"/>
-            </a:endParaRPr>
-          </a:p>
-        </p:txBody>
-      </p:sp>
-      <p:sp>
-        <p:nvSpPr>
-          <p:cNvPr id="26" name="TextBox 25">
-            <a:extLst>
-              <a:ext uri="{FF2B5EF4-FFF2-40B4-BE49-F238E27FC236}">
-                <a16:creationId xmlns:a16="http://schemas.microsoft.com/office/drawing/2014/main" id="{CDE202D1-9ACD-4802-A37B-54804F6CC221}"/>
-              </a:ext>
-            </a:extLst>
-          </p:cNvPr>
-          <p:cNvSpPr txBox="1"/>
-          <p:nvPr/>
-        </p:nvSpPr>
-        <p:spPr>
-          <a:xfrm>
-            <a:off x="4341925" y="4019017"/>
-            <a:ext cx="2662084" cy="369332"/>
-          </a:xfrm>
-          <a:prstGeom prst="rect">
-            <a:avLst/>
-          </a:prstGeom>
-          <a:noFill/>
-        </p:spPr>
-        <p:txBody>
-          <a:bodyPr wrap="square">
-            <a:spAutoFit/>
-          </a:bodyPr>
-          <a:lstStyle/>
-          <a:p>
-            <a:r>
-              <a:rPr lang="en-US" dirty="0">
-                <a:latin typeface="Yeseva One" panose="00000500000000000000" pitchFamily="2" charset="0"/>
-                <a:cs typeface="Poppins Medium" panose="00000600000000000000" pitchFamily="2" charset="0"/>
-              </a:rPr>
-              <a:t>Christopher </a:t>
-            </a:r>
-            <a:r>
-              <a:rPr lang="en-US" dirty="0" err="1">
-                <a:latin typeface="Yeseva One" panose="00000500000000000000" pitchFamily="2" charset="0"/>
-                <a:cs typeface="Poppins Medium" panose="00000600000000000000" pitchFamily="2" charset="0"/>
-              </a:rPr>
-              <a:t>Trimboli</a:t>
-            </a:r>
-            <a:endParaRPr lang="en-CA" dirty="0">
-              <a:latin typeface="Yeseva One" panose="00000500000000000000" pitchFamily="2" charset="0"/>
-              <a:cs typeface="Poppins Medium" panose="00000600000000000000" pitchFamily="2" charset="0"/>
-            </a:endParaRPr>
-          </a:p>
-        </p:txBody>
-      </p:sp>
-      <p:cxnSp>
-        <p:nvCxnSpPr>
-          <p:cNvPr id="28" name="Straight Connector 27">
-            <a:extLst>
-              <a:ext uri="{FF2B5EF4-FFF2-40B4-BE49-F238E27FC236}">
-                <a16:creationId xmlns:a16="http://schemas.microsoft.com/office/drawing/2014/main" id="{9638F59D-7A8A-48BB-8E08-C745C940895B}"/>
-              </a:ext>
-            </a:extLst>
-          </p:cNvPr>
-          <p:cNvCxnSpPr>
-            <a:cxnSpLocks/>
-          </p:cNvCxnSpPr>
-          <p:nvPr/>
-        </p:nvCxnSpPr>
-        <p:spPr>
-          <a:xfrm flipV="1">
-            <a:off x="8329033" y="2573692"/>
-            <a:ext cx="2601615" cy="24582"/>
-          </a:xfrm>
-          <a:prstGeom prst="line">
-            <a:avLst/>
-          </a:prstGeom>
-          <a:ln>
-            <a:solidFill>
-              <a:srgbClr val="FB74FE"/>
-            </a:solidFill>
-          </a:ln>
-        </p:spPr>
-        <p:style>
-          <a:lnRef idx="1">
-            <a:schemeClr val="accent1"/>
-          </a:lnRef>
-          <a:fillRef idx="0">
-            <a:schemeClr val="accent1"/>
-          </a:fillRef>
-          <a:effectRef idx="0">
-            <a:schemeClr val="accent1"/>
-          </a:effectRef>
-          <a:fontRef idx="minor">
-            <a:schemeClr val="tx1"/>
-          </a:fontRef>
-        </p:style>
-      </p:cxnSp>
-      <p:cxnSp>
-        <p:nvCxnSpPr>
-          <p:cNvPr id="29" name="Straight Connector 28">
-            <a:extLst>
-              <a:ext uri="{FF2B5EF4-FFF2-40B4-BE49-F238E27FC236}">
-                <a16:creationId xmlns:a16="http://schemas.microsoft.com/office/drawing/2014/main" id="{30E92CCE-B584-44E7-8A0B-00F4F69CA0E3}"/>
-              </a:ext>
-            </a:extLst>
-          </p:cNvPr>
-          <p:cNvCxnSpPr>
-            <a:cxnSpLocks/>
-          </p:cNvCxnSpPr>
-          <p:nvPr/>
-        </p:nvCxnSpPr>
-        <p:spPr>
-          <a:xfrm flipV="1">
-            <a:off x="8329035" y="3131574"/>
-            <a:ext cx="2601615" cy="24582"/>
-          </a:xfrm>
-          <a:prstGeom prst="line">
-            <a:avLst/>
-          </a:prstGeom>
-          <a:ln>
-            <a:solidFill>
-              <a:srgbClr val="FB74FE"/>
-            </a:solidFill>
-          </a:ln>
-        </p:spPr>
-        <p:style>
-          <a:lnRef idx="1">
-            <a:schemeClr val="accent1"/>
-          </a:lnRef>
-          <a:fillRef idx="0">
-            <a:schemeClr val="accent1"/>
-          </a:fillRef>
-          <a:effectRef idx="0">
-            <a:schemeClr val="accent1"/>
-          </a:effectRef>
-          <a:fontRef idx="minor">
-            <a:schemeClr val="tx1"/>
-          </a:fontRef>
-        </p:style>
-      </p:cxnSp>
-      <p:cxnSp>
-        <p:nvCxnSpPr>
-          <p:cNvPr id="30" name="Straight Connector 29">
-            <a:extLst>
-              <a:ext uri="{FF2B5EF4-FFF2-40B4-BE49-F238E27FC236}">
-                <a16:creationId xmlns:a16="http://schemas.microsoft.com/office/drawing/2014/main" id="{309F7B50-9E58-4267-AE41-4EDB298A690A}"/>
-              </a:ext>
-            </a:extLst>
-          </p:cNvPr>
-          <p:cNvCxnSpPr>
-            <a:cxnSpLocks/>
-          </p:cNvCxnSpPr>
-          <p:nvPr/>
-        </p:nvCxnSpPr>
-        <p:spPr>
-          <a:xfrm>
-            <a:off x="7989204" y="3917777"/>
-            <a:ext cx="3126658" cy="0"/>
-          </a:xfrm>
-          <a:prstGeom prst="line">
-            <a:avLst/>
-          </a:prstGeom>
-          <a:ln>
-            <a:solidFill>
-              <a:srgbClr val="FB74FE"/>
-            </a:solidFill>
-          </a:ln>
-        </p:spPr>
-        <p:style>
-          <a:lnRef idx="1">
-            <a:schemeClr val="accent1"/>
-          </a:lnRef>
-          <a:fillRef idx="0">
-            <a:schemeClr val="accent1"/>
-          </a:fillRef>
-          <a:effectRef idx="0">
-            <a:schemeClr val="accent1"/>
-          </a:effectRef>
-          <a:fontRef idx="minor">
-            <a:schemeClr val="tx1"/>
-          </a:fontRef>
-        </p:style>
-      </p:cxnSp>
-      <p:sp>
-        <p:nvSpPr>
-          <p:cNvPr id="31" name="Oval 30">
-            <a:extLst>
-              <a:ext uri="{FF2B5EF4-FFF2-40B4-BE49-F238E27FC236}">
-                <a16:creationId xmlns:a16="http://schemas.microsoft.com/office/drawing/2014/main" id="{EF7BE01E-7369-4890-A19C-D39D3BB52C62}"/>
-              </a:ext>
-            </a:extLst>
-          </p:cNvPr>
-          <p:cNvSpPr/>
-          <p:nvPr/>
-        </p:nvSpPr>
-        <p:spPr>
-          <a:xfrm>
-            <a:off x="8544362" y="1865164"/>
-            <a:ext cx="2170962" cy="2006993"/>
-          </a:xfrm>
-          <a:prstGeom prst="ellipse">
-            <a:avLst/>
-          </a:prstGeom>
-        </p:spPr>
-        <p:style>
-          <a:lnRef idx="2">
-            <a:schemeClr val="accent1">
-              <a:shade val="50000"/>
-            </a:schemeClr>
-          </a:lnRef>
-          <a:fillRef idx="1">
-            <a:schemeClr val="accent1"/>
-          </a:fillRef>
-          <a:effectRef idx="0">
-            <a:schemeClr val="accent1"/>
-          </a:effectRef>
-          <a:fontRef idx="minor">
-            <a:schemeClr val="lt1"/>
-          </a:fontRef>
-        </p:style>
-        <p:txBody>
-          <a:bodyPr rtlCol="0" anchor="ctr"/>
-          <a:lstStyle/>
-          <a:p>
-            <a:pPr algn="ctr"/>
-            <a:endParaRPr lang="en-CA"/>
-          </a:p>
-        </p:txBody>
-      </p:sp>
-      <p:pic>
-        <p:nvPicPr>
-          <p:cNvPr id="32" name="Picture 31">
-            <a:extLst>
-              <a:ext uri="{FF2B5EF4-FFF2-40B4-BE49-F238E27FC236}">
-                <a16:creationId xmlns:a16="http://schemas.microsoft.com/office/drawing/2014/main" id="{9052A233-CA89-4EB2-B58A-09C81E200AC9}"/>
-              </a:ext>
-            </a:extLst>
-          </p:cNvPr>
-          <p:cNvPicPr>
-            <a:picLocks noChangeAspect="1"/>
-          </p:cNvPicPr>
-          <p:nvPr/>
-        </p:nvPicPr>
-        <p:blipFill>
-          <a:blip r:embed="rId3">
-            <a:extLst>
-              <a:ext uri="{28A0092B-C50C-407E-A947-70E740481C1C}">
-                <a14:useLocalDpi xmlns:a14="http://schemas.microsoft.com/office/drawing/2010/main" val="0"/>
-              </a:ext>
-            </a:extLst>
-          </a:blip>
-          <a:stretch>
-            <a:fillRect/>
-          </a:stretch>
-        </p:blipFill>
-        <p:spPr>
-          <a:xfrm>
-            <a:off x="8624857" y="1910784"/>
-            <a:ext cx="2009969" cy="1915751"/>
-          </a:xfrm>
-          <a:prstGeom prst="rect">
-            <a:avLst/>
-          </a:prstGeom>
-        </p:spPr>
-      </p:pic>
-      <p:sp>
-        <p:nvSpPr>
-          <p:cNvPr id="33" name="TextBox 32">
-            <a:extLst>
-              <a:ext uri="{FF2B5EF4-FFF2-40B4-BE49-F238E27FC236}">
-                <a16:creationId xmlns:a16="http://schemas.microsoft.com/office/drawing/2014/main" id="{688928A4-C147-47E4-8F5C-BEA8F6E0F3F6}"/>
-              </a:ext>
-            </a:extLst>
-          </p:cNvPr>
-          <p:cNvSpPr txBox="1"/>
-          <p:nvPr/>
-        </p:nvSpPr>
-        <p:spPr>
-          <a:xfrm>
-            <a:off x="8351776" y="4404036"/>
-            <a:ext cx="2688630" cy="276999"/>
-          </a:xfrm>
-          <a:prstGeom prst="rect">
-            <a:avLst/>
-          </a:prstGeom>
-          <a:noFill/>
-        </p:spPr>
-        <p:txBody>
-          <a:bodyPr wrap="square" rtlCol="0">
-            <a:spAutoFit/>
-          </a:bodyPr>
-          <a:lstStyle/>
-          <a:p>
-            <a:r>
-              <a:rPr lang="en-US" sz="1200" dirty="0">
-                <a:latin typeface="Poppins Medium" panose="00000600000000000000" pitchFamily="2" charset="0"/>
-                <a:cs typeface="Poppins Medium" panose="00000600000000000000" pitchFamily="2" charset="0"/>
-              </a:rPr>
-              <a:t>Founder / CEO / Lead Engineer</a:t>
-            </a:r>
-            <a:endParaRPr lang="en-CA" sz="1200" dirty="0">
-              <a:latin typeface="Poppins Medium" panose="00000600000000000000" pitchFamily="2" charset="0"/>
-              <a:cs typeface="Poppins Medium" panose="00000600000000000000" pitchFamily="2" charset="0"/>
-            </a:endParaRPr>
-          </a:p>
-        </p:txBody>
-      </p:sp>
-      <p:sp>
-        <p:nvSpPr>
-          <p:cNvPr id="34" name="TextBox 33">
-            <a:extLst>
-              <a:ext uri="{FF2B5EF4-FFF2-40B4-BE49-F238E27FC236}">
-                <a16:creationId xmlns:a16="http://schemas.microsoft.com/office/drawing/2014/main" id="{21180B2D-AF29-40B3-A42A-C4E6999E1461}"/>
-              </a:ext>
-            </a:extLst>
-          </p:cNvPr>
-          <p:cNvSpPr txBox="1"/>
-          <p:nvPr/>
-        </p:nvSpPr>
-        <p:spPr>
-          <a:xfrm>
-            <a:off x="8329035" y="3973397"/>
-            <a:ext cx="2662084" cy="369332"/>
-          </a:xfrm>
-          <a:prstGeom prst="rect">
-            <a:avLst/>
-          </a:prstGeom>
-          <a:noFill/>
-        </p:spPr>
-        <p:txBody>
-          <a:bodyPr wrap="square">
-            <a:spAutoFit/>
-          </a:bodyPr>
-          <a:lstStyle/>
-          <a:p>
-            <a:r>
-              <a:rPr lang="en-US" dirty="0">
-                <a:latin typeface="Yeseva One" panose="00000500000000000000" pitchFamily="2" charset="0"/>
-                <a:cs typeface="Poppins Medium" panose="00000600000000000000" pitchFamily="2" charset="0"/>
-              </a:rPr>
-              <a:t>Christopher </a:t>
-            </a:r>
-            <a:r>
-              <a:rPr lang="en-US" dirty="0" err="1">
-                <a:latin typeface="Yeseva One" panose="00000500000000000000" pitchFamily="2" charset="0"/>
-                <a:cs typeface="Poppins Medium" panose="00000600000000000000" pitchFamily="2" charset="0"/>
-              </a:rPr>
-              <a:t>Trimboli</a:t>
-            </a:r>
-            <a:endParaRPr lang="en-CA" dirty="0">
-              <a:latin typeface="Yeseva One" panose="00000500000000000000" pitchFamily="2" charset="0"/>
-              <a:cs typeface="Poppins Medium" panose="00000600000000000000" pitchFamily="2" charset="0"/>
-            </a:endParaRPr>
-          </a:p>
-        </p:txBody>
-      </p:sp>
-      <p:cxnSp>
-        <p:nvCxnSpPr>
-          <p:cNvPr id="35" name="Straight Connector 34">
-            <a:extLst>
-              <a:ext uri="{FF2B5EF4-FFF2-40B4-BE49-F238E27FC236}">
-                <a16:creationId xmlns:a16="http://schemas.microsoft.com/office/drawing/2014/main" id="{7F3B7412-9A69-4EBB-9F1E-0449CE91F37B}"/>
-              </a:ext>
-            </a:extLst>
-          </p:cNvPr>
-          <p:cNvCxnSpPr>
-            <a:cxnSpLocks/>
-          </p:cNvCxnSpPr>
-          <p:nvPr/>
-        </p:nvCxnSpPr>
-        <p:spPr>
-          <a:xfrm flipV="1">
-            <a:off x="550113" y="2766174"/>
-            <a:ext cx="2601615" cy="24582"/>
-          </a:xfrm>
-          <a:prstGeom prst="line">
-            <a:avLst/>
-          </a:prstGeom>
-          <a:ln>
-            <a:solidFill>
-              <a:srgbClr val="FB74FE"/>
-            </a:solidFill>
-          </a:ln>
-        </p:spPr>
-        <p:style>
-          <a:lnRef idx="1">
-            <a:schemeClr val="accent1"/>
-          </a:lnRef>
-          <a:fillRef idx="0">
-            <a:schemeClr val="accent1"/>
-          </a:fillRef>
-          <a:effectRef idx="0">
-            <a:schemeClr val="accent1"/>
-          </a:effectRef>
-          <a:fontRef idx="minor">
-            <a:schemeClr val="tx1"/>
-          </a:fontRef>
-        </p:style>
-      </p:cxnSp>
-      <p:cxnSp>
-        <p:nvCxnSpPr>
-          <p:cNvPr id="36" name="Straight Connector 35">
-            <a:extLst>
-              <a:ext uri="{FF2B5EF4-FFF2-40B4-BE49-F238E27FC236}">
-                <a16:creationId xmlns:a16="http://schemas.microsoft.com/office/drawing/2014/main" id="{0171B22F-4784-4DB6-92CB-EE00B1FC02F0}"/>
-              </a:ext>
-            </a:extLst>
-          </p:cNvPr>
-          <p:cNvCxnSpPr>
-            <a:cxnSpLocks/>
-          </p:cNvCxnSpPr>
-          <p:nvPr/>
-        </p:nvCxnSpPr>
-        <p:spPr>
-          <a:xfrm flipV="1">
-            <a:off x="550115" y="3324056"/>
-            <a:ext cx="2601615" cy="24582"/>
-          </a:xfrm>
-          <a:prstGeom prst="line">
-            <a:avLst/>
-          </a:prstGeom>
-          <a:ln>
-            <a:solidFill>
-              <a:srgbClr val="FB74FE"/>
-            </a:solidFill>
-          </a:ln>
-        </p:spPr>
-        <p:style>
-          <a:lnRef idx="1">
-            <a:schemeClr val="accent1"/>
-          </a:lnRef>
-          <a:fillRef idx="0">
-            <a:schemeClr val="accent1"/>
-          </a:fillRef>
-          <a:effectRef idx="0">
-            <a:schemeClr val="accent1"/>
-          </a:effectRef>
-          <a:fontRef idx="minor">
-            <a:schemeClr val="tx1"/>
-          </a:fontRef>
-        </p:style>
-      </p:cxnSp>
-      <p:cxnSp>
-        <p:nvCxnSpPr>
-          <p:cNvPr id="37" name="Straight Connector 36">
-            <a:extLst>
-              <a:ext uri="{FF2B5EF4-FFF2-40B4-BE49-F238E27FC236}">
-                <a16:creationId xmlns:a16="http://schemas.microsoft.com/office/drawing/2014/main" id="{58F9B50C-797F-4899-AC70-9D3EB80ED8C2}"/>
-              </a:ext>
-            </a:extLst>
-          </p:cNvPr>
-          <p:cNvCxnSpPr>
-            <a:cxnSpLocks/>
-          </p:cNvCxnSpPr>
-          <p:nvPr/>
-        </p:nvCxnSpPr>
-        <p:spPr>
-          <a:xfrm>
-            <a:off x="302343" y="3061142"/>
-            <a:ext cx="3126658" cy="0"/>
-          </a:xfrm>
-          <a:prstGeom prst="line">
-            <a:avLst/>
-          </a:prstGeom>
-          <a:ln>
-            <a:solidFill>
-              <a:srgbClr val="FB74FE"/>
-            </a:solidFill>
-          </a:ln>
-        </p:spPr>
-        <p:style>
-          <a:lnRef idx="1">
-            <a:schemeClr val="accent1"/>
-          </a:lnRef>
-          <a:fillRef idx="0">
-            <a:schemeClr val="accent1"/>
-          </a:fillRef>
-          <a:effectRef idx="0">
-            <a:schemeClr val="accent1"/>
-          </a:effectRef>
-          <a:fontRef idx="minor">
-            <a:schemeClr val="tx1"/>
-          </a:fontRef>
-        </p:style>
-      </p:cxnSp>
-      <p:sp>
-        <p:nvSpPr>
-          <p:cNvPr id="38" name="Oval 37">
-            <a:extLst>
-              <a:ext uri="{FF2B5EF4-FFF2-40B4-BE49-F238E27FC236}">
-                <a16:creationId xmlns:a16="http://schemas.microsoft.com/office/drawing/2014/main" id="{634F79DC-B5D1-4B64-928C-57A5C7B7210D}"/>
-              </a:ext>
-            </a:extLst>
-          </p:cNvPr>
-          <p:cNvSpPr/>
-          <p:nvPr/>
-        </p:nvSpPr>
-        <p:spPr>
-          <a:xfrm>
-            <a:off x="765442" y="2057646"/>
-            <a:ext cx="2170962" cy="2006993"/>
-          </a:xfrm>
-          <a:prstGeom prst="ellipse">
-            <a:avLst/>
-          </a:prstGeom>
-        </p:spPr>
-        <p:style>
-          <a:lnRef idx="2">
-            <a:schemeClr val="accent1">
-              <a:shade val="50000"/>
-            </a:schemeClr>
-          </a:lnRef>
-          <a:fillRef idx="1">
-            <a:schemeClr val="accent1"/>
-          </a:fillRef>
-          <a:effectRef idx="0">
-            <a:schemeClr val="accent1"/>
-          </a:effectRef>
-          <a:fontRef idx="minor">
-            <a:schemeClr val="lt1"/>
-          </a:fontRef>
-        </p:style>
-        <p:txBody>
-          <a:bodyPr rtlCol="0" anchor="ctr"/>
-          <a:lstStyle/>
-          <a:p>
-            <a:pPr algn="ctr"/>
-            <a:endParaRPr lang="en-CA"/>
-          </a:p>
-        </p:txBody>
-      </p:sp>
-      <p:pic>
-        <p:nvPicPr>
-          <p:cNvPr id="39" name="Picture 38">
-            <a:extLst>
-              <a:ext uri="{FF2B5EF4-FFF2-40B4-BE49-F238E27FC236}">
-                <a16:creationId xmlns:a16="http://schemas.microsoft.com/office/drawing/2014/main" id="{433B3A88-082A-441C-84DA-07759FC410B7}"/>
-              </a:ext>
-            </a:extLst>
-          </p:cNvPr>
-          <p:cNvPicPr>
-            <a:picLocks noChangeAspect="1"/>
-          </p:cNvPicPr>
-          <p:nvPr/>
-        </p:nvPicPr>
-        <p:blipFill>
-          <a:blip r:embed="rId3">
-            <a:extLst>
-              <a:ext uri="{28A0092B-C50C-407E-A947-70E740481C1C}">
-                <a14:useLocalDpi xmlns:a14="http://schemas.microsoft.com/office/drawing/2010/main" val="0"/>
-              </a:ext>
-            </a:extLst>
-          </a:blip>
-          <a:stretch>
-            <a:fillRect/>
-          </a:stretch>
-        </p:blipFill>
-        <p:spPr>
-          <a:xfrm>
-            <a:off x="855952" y="2107592"/>
-            <a:ext cx="2009969" cy="1915751"/>
-          </a:xfrm>
-          <a:prstGeom prst="rect">
-            <a:avLst/>
-          </a:prstGeom>
-        </p:spPr>
-      </p:pic>
-      <p:sp>
-        <p:nvSpPr>
-          <p:cNvPr id="40" name="TextBox 39">
-            <a:extLst>
-              <a:ext uri="{FF2B5EF4-FFF2-40B4-BE49-F238E27FC236}">
-                <a16:creationId xmlns:a16="http://schemas.microsoft.com/office/drawing/2014/main" id="{C694113D-5C2D-406A-B59E-C1C3032553B3}"/>
-              </a:ext>
-            </a:extLst>
-          </p:cNvPr>
-          <p:cNvSpPr txBox="1"/>
-          <p:nvPr/>
-        </p:nvSpPr>
-        <p:spPr>
-          <a:xfrm>
-            <a:off x="572856" y="4596518"/>
-            <a:ext cx="2688630" cy="276999"/>
-          </a:xfrm>
-          <a:prstGeom prst="rect">
-            <a:avLst/>
-          </a:prstGeom>
-          <a:noFill/>
-        </p:spPr>
-        <p:txBody>
-          <a:bodyPr wrap="square" rtlCol="0">
-            <a:spAutoFit/>
-          </a:bodyPr>
-          <a:lstStyle/>
-          <a:p>
-            <a:r>
-              <a:rPr lang="en-US" sz="1200" dirty="0">
-                <a:latin typeface="Poppins Medium" panose="00000600000000000000" pitchFamily="2" charset="0"/>
-                <a:cs typeface="Poppins Medium" panose="00000600000000000000" pitchFamily="2" charset="0"/>
-              </a:rPr>
-              <a:t>Founder / CEO / Lead Engineer</a:t>
-            </a:r>
-            <a:endParaRPr lang="en-CA" sz="1200" dirty="0">
-              <a:latin typeface="Poppins Medium" panose="00000600000000000000" pitchFamily="2" charset="0"/>
-              <a:cs typeface="Poppins Medium" panose="00000600000000000000" pitchFamily="2" charset="0"/>
-            </a:endParaRPr>
-          </a:p>
-        </p:txBody>
-      </p:sp>
-      <p:sp>
-        <p:nvSpPr>
-          <p:cNvPr id="41" name="TextBox 40">
-            <a:extLst>
-              <a:ext uri="{FF2B5EF4-FFF2-40B4-BE49-F238E27FC236}">
-                <a16:creationId xmlns:a16="http://schemas.microsoft.com/office/drawing/2014/main" id="{F5C6AE82-E03A-4703-A726-71EAEC32D873}"/>
-              </a:ext>
-            </a:extLst>
-          </p:cNvPr>
-          <p:cNvSpPr txBox="1"/>
-          <p:nvPr/>
-        </p:nvSpPr>
-        <p:spPr>
-          <a:xfrm>
-            <a:off x="550115" y="4165879"/>
-            <a:ext cx="2662084" cy="369332"/>
-          </a:xfrm>
-          <a:prstGeom prst="rect">
-            <a:avLst/>
-          </a:prstGeom>
-          <a:noFill/>
-        </p:spPr>
-        <p:txBody>
-          <a:bodyPr wrap="square">
-            <a:spAutoFit/>
-          </a:bodyPr>
-          <a:lstStyle/>
-          <a:p>
-            <a:r>
-              <a:rPr lang="en-US" dirty="0">
-                <a:latin typeface="Yeseva One" panose="00000500000000000000" pitchFamily="2" charset="0"/>
-                <a:cs typeface="Poppins Medium" panose="00000600000000000000" pitchFamily="2" charset="0"/>
-              </a:rPr>
-              <a:t>Christopher </a:t>
-            </a:r>
-            <a:r>
-              <a:rPr lang="en-US" dirty="0" err="1">
-                <a:latin typeface="Yeseva One" panose="00000500000000000000" pitchFamily="2" charset="0"/>
-                <a:cs typeface="Poppins Medium" panose="00000600000000000000" pitchFamily="2" charset="0"/>
-              </a:rPr>
-              <a:t>Trimboli</a:t>
-            </a:r>
-            <a:endParaRPr lang="en-CA" dirty="0">
-              <a:latin typeface="Yeseva One" panose="00000500000000000000" pitchFamily="2" charset="0"/>
-              <a:cs typeface="Poppins Medium" panose="00000600000000000000" pitchFamily="2" charset="0"/>
-            </a:endParaRPr>
+          <a:p>
+            <a:r>
+              <a:rPr lang="en-CA" dirty="0"/>
+              <a:t>Only fans revenue</a:t>
+            </a:r>
           </a:p>
         </p:txBody>
       </p:sp>
     </p:spTree>
     <p:extLst>
       <p:ext uri="{BB962C8B-B14F-4D97-AF65-F5344CB8AC3E}">
-        <p14:creationId xmlns:p14="http://schemas.microsoft.com/office/powerpoint/2010/main" val="4070166939"/>
+        <p14:creationId xmlns:p14="http://schemas.microsoft.com/office/powerpoint/2010/main" val="1189025676"/>
       </p:ext>
     </p:extLst>
   </p:cSld>
@@ -5478,12 +5068,98 @@
           <a:chExt cx="0" cy="0"/>
         </a:xfrm>
       </p:grpSpPr>
+      <p:cxnSp>
+        <p:nvCxnSpPr>
+          <p:cNvPr id="27" name="Straight Connector 26">
+            <a:extLst>
+              <a:ext uri="{FF2B5EF4-FFF2-40B4-BE49-F238E27FC236}">
+                <a16:creationId xmlns:a16="http://schemas.microsoft.com/office/drawing/2014/main" id="{5E824EAC-ADEC-43E9-BD94-ADFF2DFD5F85}"/>
+              </a:ext>
+            </a:extLst>
+          </p:cNvPr>
+          <p:cNvCxnSpPr>
+            <a:cxnSpLocks/>
+          </p:cNvCxnSpPr>
+          <p:nvPr/>
+        </p:nvCxnSpPr>
+        <p:spPr>
+          <a:xfrm flipV="1">
+            <a:off x="4341923" y="2619312"/>
+            <a:ext cx="2601615" cy="24582"/>
+          </a:xfrm>
+          <a:prstGeom prst="line">
+            <a:avLst/>
+          </a:prstGeom>
+          <a:ln>
+            <a:solidFill>
+              <a:srgbClr val="FB74FE"/>
+            </a:solidFill>
+          </a:ln>
+        </p:spPr>
+        <p:style>
+          <a:lnRef idx="1">
+            <a:schemeClr val="accent1"/>
+          </a:lnRef>
+          <a:fillRef idx="0">
+            <a:schemeClr val="accent1"/>
+          </a:fillRef>
+          <a:effectRef idx="0">
+            <a:schemeClr val="accent1"/>
+          </a:effectRef>
+          <a:fontRef idx="minor">
+            <a:schemeClr val="tx1"/>
+          </a:fontRef>
+        </p:style>
+      </p:cxnSp>
+      <p:cxnSp>
+        <p:nvCxnSpPr>
+          <p:cNvPr id="16" name="Straight Connector 15">
+            <a:extLst>
+              <a:ext uri="{FF2B5EF4-FFF2-40B4-BE49-F238E27FC236}">
+                <a16:creationId xmlns:a16="http://schemas.microsoft.com/office/drawing/2014/main" id="{2E784507-2A90-41F4-914A-2E0D3C25F17F}"/>
+              </a:ext>
+            </a:extLst>
+          </p:cNvPr>
+          <p:cNvCxnSpPr>
+            <a:cxnSpLocks/>
+          </p:cNvCxnSpPr>
+          <p:nvPr/>
+        </p:nvCxnSpPr>
+        <p:spPr>
+          <a:xfrm flipV="1">
+            <a:off x="4341925" y="3177194"/>
+            <a:ext cx="2601615" cy="24582"/>
+          </a:xfrm>
+          <a:prstGeom prst="line">
+            <a:avLst/>
+          </a:prstGeom>
+          <a:ln>
+            <a:solidFill>
+              <a:srgbClr val="FB74FE"/>
+            </a:solidFill>
+          </a:ln>
+        </p:spPr>
+        <p:style>
+          <a:lnRef idx="1">
+            <a:schemeClr val="accent1"/>
+          </a:lnRef>
+          <a:fillRef idx="0">
+            <a:schemeClr val="accent1"/>
+          </a:fillRef>
+          <a:effectRef idx="0">
+            <a:schemeClr val="accent1"/>
+          </a:effectRef>
+          <a:fontRef idx="minor">
+            <a:schemeClr val="tx1"/>
+          </a:fontRef>
+        </p:style>
+      </p:cxnSp>
       <p:sp>
         <p:nvSpPr>
           <p:cNvPr id="2" name="Title 1">
             <a:extLst>
               <a:ext uri="{FF2B5EF4-FFF2-40B4-BE49-F238E27FC236}">
-                <a16:creationId xmlns:a16="http://schemas.microsoft.com/office/drawing/2014/main" id="{51946F17-B9A7-44C3-AA12-1D71D446F010}"/>
+                <a16:creationId xmlns:a16="http://schemas.microsoft.com/office/drawing/2014/main" id="{E0F8078E-5BC4-41A6-B505-9FDF374A8BB5}"/>
               </a:ext>
             </a:extLst>
           </p:cNvPr>
@@ -5503,91 +5179,174 @@
               <a:rPr lang="en-US" dirty="0">
                 <a:latin typeface="Yeseva One" panose="00000500000000000000" pitchFamily="2" charset="0"/>
               </a:rPr>
-              <a:t>Why we need investment?</a:t>
-            </a:r>
-            <a:endParaRPr lang="en-CA" dirty="0"/>
-          </a:p>
-        </p:txBody>
-      </p:sp>
-      <p:sp>
-        <p:nvSpPr>
-          <p:cNvPr id="3" name="Content Placeholder 2">
-            <a:extLst>
-              <a:ext uri="{FF2B5EF4-FFF2-40B4-BE49-F238E27FC236}">
-                <a16:creationId xmlns:a16="http://schemas.microsoft.com/office/drawing/2014/main" id="{BED8E52F-06EC-423A-B182-0E4F00189AC1}"/>
-              </a:ext>
-            </a:extLst>
-          </p:cNvPr>
-          <p:cNvSpPr>
-            <a:spLocks noGrp="1"/>
-          </p:cNvSpPr>
-          <p:nvPr>
-            <p:ph idx="1"/>
-          </p:nvPr>
-        </p:nvSpPr>
-        <p:spPr/>
-        <p:txBody>
-          <a:bodyPr/>
-          <a:lstStyle/>
-          <a:p>
-            <a:r>
-              <a:rPr lang="en-US" dirty="0"/>
-              <a:t>Influencer promotions.</a:t>
-            </a:r>
-          </a:p>
-          <a:p>
-            <a:r>
-              <a:rPr lang="en-US" dirty="0"/>
-              <a:t>Advertisement / Marketing.</a:t>
-            </a:r>
-          </a:p>
-          <a:p>
-            <a:r>
-              <a:rPr lang="en-US" dirty="0"/>
-              <a:t>Third party security audits of smart contracts and code.</a:t>
-            </a:r>
-          </a:p>
-          <a:p>
-            <a:r>
-              <a:rPr lang="en-US" dirty="0"/>
-              <a:t>Hire software developers.</a:t>
-            </a:r>
-          </a:p>
-          <a:p>
-            <a:r>
-              <a:rPr lang="en-US" dirty="0"/>
-              <a:t>Infrastructure costs.</a:t>
-            </a:r>
-          </a:p>
-          <a:p>
-            <a:r>
-              <a:rPr lang="en-US" dirty="0"/>
-              <a:t>Legal costs.</a:t>
-            </a:r>
-          </a:p>
-          <a:p>
-            <a:r>
-              <a:rPr lang="en-US" dirty="0"/>
-              <a:t>Grow the team and social medias.</a:t>
-            </a:r>
-          </a:p>
-          <a:p>
-            <a:r>
-              <a:rPr lang="en-US" dirty="0"/>
-              <a:t>Content creation.</a:t>
-            </a:r>
-          </a:p>
-          <a:p>
+              <a:t>Our Team</a:t>
+            </a:r>
             <a:endParaRPr lang="en-CA" dirty="0"/>
           </a:p>
         </p:txBody>
       </p:sp>
       <p:pic>
         <p:nvPicPr>
-          <p:cNvPr id="5" name="Picture 4">
-            <a:extLst>
-              <a:ext uri="{FF2B5EF4-FFF2-40B4-BE49-F238E27FC236}">
-                <a16:creationId xmlns:a16="http://schemas.microsoft.com/office/drawing/2014/main" id="{B20C5808-1A2C-4FF1-9B30-424D73E4B3A8}"/>
+          <p:cNvPr id="5" name="Content Placeholder 4">
+            <a:extLst>
+              <a:ext uri="{FF2B5EF4-FFF2-40B4-BE49-F238E27FC236}">
+                <a16:creationId xmlns:a16="http://schemas.microsoft.com/office/drawing/2014/main" id="{E8B79BEB-C0A3-4987-83FF-C0BD91A1E4E2}"/>
+              </a:ext>
+            </a:extLst>
+          </p:cNvPr>
+          <p:cNvPicPr>
+            <a:picLocks noGrp="1" noChangeAspect="1"/>
+          </p:cNvPicPr>
+          <p:nvPr>
+            <p:ph idx="1"/>
+          </p:nvPr>
+        </p:nvPicPr>
+        <p:blipFill>
+          <a:blip r:embed="rId2">
+            <a:extLst>
+              <a:ext uri="{28A0092B-C50C-407E-A947-70E740481C1C}">
+                <a14:useLocalDpi xmlns:a14="http://schemas.microsoft.com/office/drawing/2010/main" val="0"/>
+              </a:ext>
+            </a:extLst>
+          </a:blip>
+          <a:stretch>
+            <a:fillRect/>
+          </a:stretch>
+        </p:blipFill>
+        <p:spPr>
+          <a:xfrm>
+            <a:off x="10696070" y="699041"/>
+            <a:ext cx="657730" cy="657730"/>
+          </a:xfrm>
+        </p:spPr>
+      </p:pic>
+      <p:sp>
+        <p:nvSpPr>
+          <p:cNvPr id="7" name="TextBox 6">
+            <a:extLst>
+              <a:ext uri="{FF2B5EF4-FFF2-40B4-BE49-F238E27FC236}">
+                <a16:creationId xmlns:a16="http://schemas.microsoft.com/office/drawing/2014/main" id="{9BAE40B2-2CB5-4641-BE9E-9692B92F4B73}"/>
+              </a:ext>
+            </a:extLst>
+          </p:cNvPr>
+          <p:cNvSpPr txBox="1"/>
+          <p:nvPr/>
+        </p:nvSpPr>
+        <p:spPr>
+          <a:xfrm>
+            <a:off x="3048492" y="3245809"/>
+            <a:ext cx="6096982" cy="369332"/>
+          </a:xfrm>
+          <a:prstGeom prst="rect">
+            <a:avLst/>
+          </a:prstGeom>
+          <a:noFill/>
+        </p:spPr>
+        <p:txBody>
+          <a:bodyPr wrap="square">
+            <a:spAutoFit/>
+          </a:bodyPr>
+          <a:lstStyle/>
+          <a:p>
+            <a:endParaRPr lang="en-CA" dirty="0"/>
+          </a:p>
+        </p:txBody>
+      </p:sp>
+      <p:cxnSp>
+        <p:nvCxnSpPr>
+          <p:cNvPr id="14" name="Straight Connector 13">
+            <a:extLst>
+              <a:ext uri="{FF2B5EF4-FFF2-40B4-BE49-F238E27FC236}">
+                <a16:creationId xmlns:a16="http://schemas.microsoft.com/office/drawing/2014/main" id="{CF0A6EC9-05A2-41D5-A4D9-F813EF56724A}"/>
+              </a:ext>
+            </a:extLst>
+          </p:cNvPr>
+          <p:cNvCxnSpPr>
+            <a:cxnSpLocks/>
+          </p:cNvCxnSpPr>
+          <p:nvPr/>
+        </p:nvCxnSpPr>
+        <p:spPr>
+          <a:xfrm>
+            <a:off x="4094153" y="2914280"/>
+            <a:ext cx="3126658" cy="0"/>
+          </a:xfrm>
+          <a:prstGeom prst="line">
+            <a:avLst/>
+          </a:prstGeom>
+          <a:ln>
+            <a:solidFill>
+              <a:srgbClr val="FB74FE"/>
+            </a:solidFill>
+          </a:ln>
+        </p:spPr>
+        <p:style>
+          <a:lnRef idx="1">
+            <a:schemeClr val="accent1"/>
+          </a:lnRef>
+          <a:fillRef idx="0">
+            <a:schemeClr val="accent1"/>
+          </a:fillRef>
+          <a:effectRef idx="0">
+            <a:schemeClr val="accent1"/>
+          </a:effectRef>
+          <a:fontRef idx="minor">
+            <a:schemeClr val="tx1"/>
+          </a:fontRef>
+        </p:style>
+      </p:cxnSp>
+      <p:sp>
+        <p:nvSpPr>
+          <p:cNvPr id="15" name="Oval 14">
+            <a:extLst>
+              <a:ext uri="{FF2B5EF4-FFF2-40B4-BE49-F238E27FC236}">
+                <a16:creationId xmlns:a16="http://schemas.microsoft.com/office/drawing/2014/main" id="{4153D177-BF84-432C-99CC-F8159E5284AA}"/>
+              </a:ext>
+            </a:extLst>
+          </p:cNvPr>
+          <p:cNvSpPr/>
+          <p:nvPr/>
+        </p:nvSpPr>
+        <p:spPr>
+          <a:xfrm>
+            <a:off x="4557252" y="1910784"/>
+            <a:ext cx="2170962" cy="2006993"/>
+          </a:xfrm>
+          <a:prstGeom prst="ellipse">
+            <a:avLst/>
+          </a:prstGeom>
+        </p:spPr>
+        <p:style>
+          <a:lnRef idx="2">
+            <a:schemeClr val="accent1">
+              <a:shade val="50000"/>
+            </a:schemeClr>
+          </a:lnRef>
+          <a:fillRef idx="1">
+            <a:schemeClr val="accent1"/>
+          </a:fillRef>
+          <a:effectRef idx="0">
+            <a:schemeClr val="accent1"/>
+          </a:effectRef>
+          <a:fontRef idx="minor">
+            <a:schemeClr val="lt1"/>
+          </a:fontRef>
+        </p:style>
+        <p:txBody>
+          <a:bodyPr rtlCol="0" anchor="ctr"/>
+          <a:lstStyle/>
+          <a:p>
+            <a:pPr algn="ctr"/>
+            <a:endParaRPr lang="en-CA"/>
+          </a:p>
+        </p:txBody>
+      </p:sp>
+      <p:pic>
+        <p:nvPicPr>
+          <p:cNvPr id="23" name="Picture 22">
+            <a:extLst>
+              <a:ext uri="{FF2B5EF4-FFF2-40B4-BE49-F238E27FC236}">
+                <a16:creationId xmlns:a16="http://schemas.microsoft.com/office/drawing/2014/main" id="{42B44C66-2A8C-4C22-819F-CBD75B0DDCD6}"/>
               </a:ext>
             </a:extLst>
           </p:cNvPr>
@@ -5597,7 +5356,7 @@
           <p:nvPr/>
         </p:nvPicPr>
         <p:blipFill>
-          <a:blip r:embed="rId2">
+          <a:blip r:embed="rId3">
             <a:extLst>
               <a:ext uri="{28A0092B-C50C-407E-A947-70E740481C1C}">
                 <a14:useLocalDpi xmlns:a14="http://schemas.microsoft.com/office/drawing/2010/main" val="0"/>
@@ -5610,18 +5369,713 @@
         </p:blipFill>
         <p:spPr>
           <a:xfrm>
-            <a:off x="10681578" y="627943"/>
-            <a:ext cx="672222" cy="672222"/>
+            <a:off x="4637747" y="1956404"/>
+            <a:ext cx="2009969" cy="1915751"/>
           </a:xfrm>
           <a:prstGeom prst="rect">
             <a:avLst/>
           </a:prstGeom>
         </p:spPr>
       </p:pic>
+      <p:sp>
+        <p:nvSpPr>
+          <p:cNvPr id="24" name="TextBox 23">
+            <a:extLst>
+              <a:ext uri="{FF2B5EF4-FFF2-40B4-BE49-F238E27FC236}">
+                <a16:creationId xmlns:a16="http://schemas.microsoft.com/office/drawing/2014/main" id="{D5A321C3-FFC0-4C5F-AC4A-246C9A8E11BB}"/>
+              </a:ext>
+            </a:extLst>
+          </p:cNvPr>
+          <p:cNvSpPr txBox="1"/>
+          <p:nvPr/>
+        </p:nvSpPr>
+        <p:spPr>
+          <a:xfrm>
+            <a:off x="4364666" y="4449656"/>
+            <a:ext cx="2688630" cy="276999"/>
+          </a:xfrm>
+          <a:prstGeom prst="rect">
+            <a:avLst/>
+          </a:prstGeom>
+          <a:noFill/>
+        </p:spPr>
+        <p:txBody>
+          <a:bodyPr wrap="square" rtlCol="0">
+            <a:spAutoFit/>
+          </a:bodyPr>
+          <a:lstStyle/>
+          <a:p>
+            <a:r>
+              <a:rPr lang="en-US" sz="1200" dirty="0">
+                <a:latin typeface="Poppins Medium" panose="00000600000000000000" pitchFamily="2" charset="0"/>
+                <a:cs typeface="Poppins Medium" panose="00000600000000000000" pitchFamily="2" charset="0"/>
+              </a:rPr>
+              <a:t>Founder / CEO / Lead Engineer</a:t>
+            </a:r>
+            <a:endParaRPr lang="en-CA" sz="1200" dirty="0">
+              <a:latin typeface="Poppins Medium" panose="00000600000000000000" pitchFamily="2" charset="0"/>
+              <a:cs typeface="Poppins Medium" panose="00000600000000000000" pitchFamily="2" charset="0"/>
+            </a:endParaRPr>
+          </a:p>
+        </p:txBody>
+      </p:sp>
+      <p:sp>
+        <p:nvSpPr>
+          <p:cNvPr id="26" name="TextBox 25">
+            <a:extLst>
+              <a:ext uri="{FF2B5EF4-FFF2-40B4-BE49-F238E27FC236}">
+                <a16:creationId xmlns:a16="http://schemas.microsoft.com/office/drawing/2014/main" id="{CDE202D1-9ACD-4802-A37B-54804F6CC221}"/>
+              </a:ext>
+            </a:extLst>
+          </p:cNvPr>
+          <p:cNvSpPr txBox="1"/>
+          <p:nvPr/>
+        </p:nvSpPr>
+        <p:spPr>
+          <a:xfrm>
+            <a:off x="4341925" y="4019017"/>
+            <a:ext cx="2662084" cy="369332"/>
+          </a:xfrm>
+          <a:prstGeom prst="rect">
+            <a:avLst/>
+          </a:prstGeom>
+          <a:noFill/>
+        </p:spPr>
+        <p:txBody>
+          <a:bodyPr wrap="square">
+            <a:spAutoFit/>
+          </a:bodyPr>
+          <a:lstStyle/>
+          <a:p>
+            <a:r>
+              <a:rPr lang="en-US" dirty="0">
+                <a:latin typeface="Yeseva One" panose="00000500000000000000" pitchFamily="2" charset="0"/>
+                <a:cs typeface="Poppins Medium" panose="00000600000000000000" pitchFamily="2" charset="0"/>
+              </a:rPr>
+              <a:t>Christopher </a:t>
+            </a:r>
+            <a:r>
+              <a:rPr lang="en-US" dirty="0" err="1">
+                <a:latin typeface="Yeseva One" panose="00000500000000000000" pitchFamily="2" charset="0"/>
+                <a:cs typeface="Poppins Medium" panose="00000600000000000000" pitchFamily="2" charset="0"/>
+              </a:rPr>
+              <a:t>Trimboli</a:t>
+            </a:r>
+            <a:endParaRPr lang="en-CA" dirty="0">
+              <a:latin typeface="Yeseva One" panose="00000500000000000000" pitchFamily="2" charset="0"/>
+              <a:cs typeface="Poppins Medium" panose="00000600000000000000" pitchFamily="2" charset="0"/>
+            </a:endParaRPr>
+          </a:p>
+        </p:txBody>
+      </p:sp>
+      <p:cxnSp>
+        <p:nvCxnSpPr>
+          <p:cNvPr id="28" name="Straight Connector 27">
+            <a:extLst>
+              <a:ext uri="{FF2B5EF4-FFF2-40B4-BE49-F238E27FC236}">
+                <a16:creationId xmlns:a16="http://schemas.microsoft.com/office/drawing/2014/main" id="{9638F59D-7A8A-48BB-8E08-C745C940895B}"/>
+              </a:ext>
+            </a:extLst>
+          </p:cNvPr>
+          <p:cNvCxnSpPr>
+            <a:cxnSpLocks/>
+          </p:cNvCxnSpPr>
+          <p:nvPr/>
+        </p:nvCxnSpPr>
+        <p:spPr>
+          <a:xfrm flipV="1">
+            <a:off x="8329033" y="2573692"/>
+            <a:ext cx="2601615" cy="24582"/>
+          </a:xfrm>
+          <a:prstGeom prst="line">
+            <a:avLst/>
+          </a:prstGeom>
+          <a:ln>
+            <a:solidFill>
+              <a:srgbClr val="FB74FE"/>
+            </a:solidFill>
+          </a:ln>
+        </p:spPr>
+        <p:style>
+          <a:lnRef idx="1">
+            <a:schemeClr val="accent1"/>
+          </a:lnRef>
+          <a:fillRef idx="0">
+            <a:schemeClr val="accent1"/>
+          </a:fillRef>
+          <a:effectRef idx="0">
+            <a:schemeClr val="accent1"/>
+          </a:effectRef>
+          <a:fontRef idx="minor">
+            <a:schemeClr val="tx1"/>
+          </a:fontRef>
+        </p:style>
+      </p:cxnSp>
+      <p:cxnSp>
+        <p:nvCxnSpPr>
+          <p:cNvPr id="29" name="Straight Connector 28">
+            <a:extLst>
+              <a:ext uri="{FF2B5EF4-FFF2-40B4-BE49-F238E27FC236}">
+                <a16:creationId xmlns:a16="http://schemas.microsoft.com/office/drawing/2014/main" id="{30E92CCE-B584-44E7-8A0B-00F4F69CA0E3}"/>
+              </a:ext>
+            </a:extLst>
+          </p:cNvPr>
+          <p:cNvCxnSpPr>
+            <a:cxnSpLocks/>
+          </p:cNvCxnSpPr>
+          <p:nvPr/>
+        </p:nvCxnSpPr>
+        <p:spPr>
+          <a:xfrm flipV="1">
+            <a:off x="8329035" y="3131574"/>
+            <a:ext cx="2601615" cy="24582"/>
+          </a:xfrm>
+          <a:prstGeom prst="line">
+            <a:avLst/>
+          </a:prstGeom>
+          <a:ln>
+            <a:solidFill>
+              <a:srgbClr val="FB74FE"/>
+            </a:solidFill>
+          </a:ln>
+        </p:spPr>
+        <p:style>
+          <a:lnRef idx="1">
+            <a:schemeClr val="accent1"/>
+          </a:lnRef>
+          <a:fillRef idx="0">
+            <a:schemeClr val="accent1"/>
+          </a:fillRef>
+          <a:effectRef idx="0">
+            <a:schemeClr val="accent1"/>
+          </a:effectRef>
+          <a:fontRef idx="minor">
+            <a:schemeClr val="tx1"/>
+          </a:fontRef>
+        </p:style>
+      </p:cxnSp>
+      <p:cxnSp>
+        <p:nvCxnSpPr>
+          <p:cNvPr id="30" name="Straight Connector 29">
+            <a:extLst>
+              <a:ext uri="{FF2B5EF4-FFF2-40B4-BE49-F238E27FC236}">
+                <a16:creationId xmlns:a16="http://schemas.microsoft.com/office/drawing/2014/main" id="{309F7B50-9E58-4267-AE41-4EDB298A690A}"/>
+              </a:ext>
+            </a:extLst>
+          </p:cNvPr>
+          <p:cNvCxnSpPr>
+            <a:cxnSpLocks/>
+          </p:cNvCxnSpPr>
+          <p:nvPr/>
+        </p:nvCxnSpPr>
+        <p:spPr>
+          <a:xfrm>
+            <a:off x="7989204" y="3917777"/>
+            <a:ext cx="3126658" cy="0"/>
+          </a:xfrm>
+          <a:prstGeom prst="line">
+            <a:avLst/>
+          </a:prstGeom>
+          <a:ln>
+            <a:solidFill>
+              <a:srgbClr val="FB74FE"/>
+            </a:solidFill>
+          </a:ln>
+        </p:spPr>
+        <p:style>
+          <a:lnRef idx="1">
+            <a:schemeClr val="accent1"/>
+          </a:lnRef>
+          <a:fillRef idx="0">
+            <a:schemeClr val="accent1"/>
+          </a:fillRef>
+          <a:effectRef idx="0">
+            <a:schemeClr val="accent1"/>
+          </a:effectRef>
+          <a:fontRef idx="minor">
+            <a:schemeClr val="tx1"/>
+          </a:fontRef>
+        </p:style>
+      </p:cxnSp>
+      <p:sp>
+        <p:nvSpPr>
+          <p:cNvPr id="31" name="Oval 30">
+            <a:extLst>
+              <a:ext uri="{FF2B5EF4-FFF2-40B4-BE49-F238E27FC236}">
+                <a16:creationId xmlns:a16="http://schemas.microsoft.com/office/drawing/2014/main" id="{EF7BE01E-7369-4890-A19C-D39D3BB52C62}"/>
+              </a:ext>
+            </a:extLst>
+          </p:cNvPr>
+          <p:cNvSpPr/>
+          <p:nvPr/>
+        </p:nvSpPr>
+        <p:spPr>
+          <a:xfrm>
+            <a:off x="8544362" y="1865164"/>
+            <a:ext cx="2170962" cy="2006993"/>
+          </a:xfrm>
+          <a:prstGeom prst="ellipse">
+            <a:avLst/>
+          </a:prstGeom>
+        </p:spPr>
+        <p:style>
+          <a:lnRef idx="2">
+            <a:schemeClr val="accent1">
+              <a:shade val="50000"/>
+            </a:schemeClr>
+          </a:lnRef>
+          <a:fillRef idx="1">
+            <a:schemeClr val="accent1"/>
+          </a:fillRef>
+          <a:effectRef idx="0">
+            <a:schemeClr val="accent1"/>
+          </a:effectRef>
+          <a:fontRef idx="minor">
+            <a:schemeClr val="lt1"/>
+          </a:fontRef>
+        </p:style>
+        <p:txBody>
+          <a:bodyPr rtlCol="0" anchor="ctr"/>
+          <a:lstStyle/>
+          <a:p>
+            <a:pPr algn="ctr"/>
+            <a:endParaRPr lang="en-CA"/>
+          </a:p>
+        </p:txBody>
+      </p:sp>
+      <p:pic>
+        <p:nvPicPr>
+          <p:cNvPr id="32" name="Picture 31">
+            <a:extLst>
+              <a:ext uri="{FF2B5EF4-FFF2-40B4-BE49-F238E27FC236}">
+                <a16:creationId xmlns:a16="http://schemas.microsoft.com/office/drawing/2014/main" id="{9052A233-CA89-4EB2-B58A-09C81E200AC9}"/>
+              </a:ext>
+            </a:extLst>
+          </p:cNvPr>
+          <p:cNvPicPr>
+            <a:picLocks noChangeAspect="1"/>
+          </p:cNvPicPr>
+          <p:nvPr/>
+        </p:nvPicPr>
+        <p:blipFill>
+          <a:blip r:embed="rId3">
+            <a:extLst>
+              <a:ext uri="{28A0092B-C50C-407E-A947-70E740481C1C}">
+                <a14:useLocalDpi xmlns:a14="http://schemas.microsoft.com/office/drawing/2010/main" val="0"/>
+              </a:ext>
+            </a:extLst>
+          </a:blip>
+          <a:stretch>
+            <a:fillRect/>
+          </a:stretch>
+        </p:blipFill>
+        <p:spPr>
+          <a:xfrm>
+            <a:off x="8624857" y="1910784"/>
+            <a:ext cx="2009969" cy="1915751"/>
+          </a:xfrm>
+          <a:prstGeom prst="rect">
+            <a:avLst/>
+          </a:prstGeom>
+        </p:spPr>
+      </p:pic>
+      <p:sp>
+        <p:nvSpPr>
+          <p:cNvPr id="33" name="TextBox 32">
+            <a:extLst>
+              <a:ext uri="{FF2B5EF4-FFF2-40B4-BE49-F238E27FC236}">
+                <a16:creationId xmlns:a16="http://schemas.microsoft.com/office/drawing/2014/main" id="{688928A4-C147-47E4-8F5C-BEA8F6E0F3F6}"/>
+              </a:ext>
+            </a:extLst>
+          </p:cNvPr>
+          <p:cNvSpPr txBox="1"/>
+          <p:nvPr/>
+        </p:nvSpPr>
+        <p:spPr>
+          <a:xfrm>
+            <a:off x="8351776" y="4404036"/>
+            <a:ext cx="2688630" cy="276999"/>
+          </a:xfrm>
+          <a:prstGeom prst="rect">
+            <a:avLst/>
+          </a:prstGeom>
+          <a:noFill/>
+        </p:spPr>
+        <p:txBody>
+          <a:bodyPr wrap="square" rtlCol="0">
+            <a:spAutoFit/>
+          </a:bodyPr>
+          <a:lstStyle/>
+          <a:p>
+            <a:r>
+              <a:rPr lang="en-US" sz="1200" dirty="0">
+                <a:latin typeface="Poppins Medium" panose="00000600000000000000" pitchFamily="2" charset="0"/>
+                <a:cs typeface="Poppins Medium" panose="00000600000000000000" pitchFamily="2" charset="0"/>
+              </a:rPr>
+              <a:t>Founder / CEO / Lead Engineer</a:t>
+            </a:r>
+            <a:endParaRPr lang="en-CA" sz="1200" dirty="0">
+              <a:latin typeface="Poppins Medium" panose="00000600000000000000" pitchFamily="2" charset="0"/>
+              <a:cs typeface="Poppins Medium" panose="00000600000000000000" pitchFamily="2" charset="0"/>
+            </a:endParaRPr>
+          </a:p>
+        </p:txBody>
+      </p:sp>
+      <p:sp>
+        <p:nvSpPr>
+          <p:cNvPr id="34" name="TextBox 33">
+            <a:extLst>
+              <a:ext uri="{FF2B5EF4-FFF2-40B4-BE49-F238E27FC236}">
+                <a16:creationId xmlns:a16="http://schemas.microsoft.com/office/drawing/2014/main" id="{21180B2D-AF29-40B3-A42A-C4E6999E1461}"/>
+              </a:ext>
+            </a:extLst>
+          </p:cNvPr>
+          <p:cNvSpPr txBox="1"/>
+          <p:nvPr/>
+        </p:nvSpPr>
+        <p:spPr>
+          <a:xfrm>
+            <a:off x="8329035" y="3973397"/>
+            <a:ext cx="2662084" cy="369332"/>
+          </a:xfrm>
+          <a:prstGeom prst="rect">
+            <a:avLst/>
+          </a:prstGeom>
+          <a:noFill/>
+        </p:spPr>
+        <p:txBody>
+          <a:bodyPr wrap="square">
+            <a:spAutoFit/>
+          </a:bodyPr>
+          <a:lstStyle/>
+          <a:p>
+            <a:r>
+              <a:rPr lang="en-US" dirty="0">
+                <a:latin typeface="Yeseva One" panose="00000500000000000000" pitchFamily="2" charset="0"/>
+                <a:cs typeface="Poppins Medium" panose="00000600000000000000" pitchFamily="2" charset="0"/>
+              </a:rPr>
+              <a:t>Christopher </a:t>
+            </a:r>
+            <a:r>
+              <a:rPr lang="en-US" dirty="0" err="1">
+                <a:latin typeface="Yeseva One" panose="00000500000000000000" pitchFamily="2" charset="0"/>
+                <a:cs typeface="Poppins Medium" panose="00000600000000000000" pitchFamily="2" charset="0"/>
+              </a:rPr>
+              <a:t>Trimboli</a:t>
+            </a:r>
+            <a:endParaRPr lang="en-CA" dirty="0">
+              <a:latin typeface="Yeseva One" panose="00000500000000000000" pitchFamily="2" charset="0"/>
+              <a:cs typeface="Poppins Medium" panose="00000600000000000000" pitchFamily="2" charset="0"/>
+            </a:endParaRPr>
+          </a:p>
+        </p:txBody>
+      </p:sp>
+      <p:cxnSp>
+        <p:nvCxnSpPr>
+          <p:cNvPr id="35" name="Straight Connector 34">
+            <a:extLst>
+              <a:ext uri="{FF2B5EF4-FFF2-40B4-BE49-F238E27FC236}">
+                <a16:creationId xmlns:a16="http://schemas.microsoft.com/office/drawing/2014/main" id="{7F3B7412-9A69-4EBB-9F1E-0449CE91F37B}"/>
+              </a:ext>
+            </a:extLst>
+          </p:cNvPr>
+          <p:cNvCxnSpPr>
+            <a:cxnSpLocks/>
+          </p:cNvCxnSpPr>
+          <p:nvPr/>
+        </p:nvCxnSpPr>
+        <p:spPr>
+          <a:xfrm flipV="1">
+            <a:off x="550113" y="2766174"/>
+            <a:ext cx="2601615" cy="24582"/>
+          </a:xfrm>
+          <a:prstGeom prst="line">
+            <a:avLst/>
+          </a:prstGeom>
+          <a:ln>
+            <a:solidFill>
+              <a:srgbClr val="FB74FE"/>
+            </a:solidFill>
+          </a:ln>
+        </p:spPr>
+        <p:style>
+          <a:lnRef idx="1">
+            <a:schemeClr val="accent1"/>
+          </a:lnRef>
+          <a:fillRef idx="0">
+            <a:schemeClr val="accent1"/>
+          </a:fillRef>
+          <a:effectRef idx="0">
+            <a:schemeClr val="accent1"/>
+          </a:effectRef>
+          <a:fontRef idx="minor">
+            <a:schemeClr val="tx1"/>
+          </a:fontRef>
+        </p:style>
+      </p:cxnSp>
+      <p:cxnSp>
+        <p:nvCxnSpPr>
+          <p:cNvPr id="36" name="Straight Connector 35">
+            <a:extLst>
+              <a:ext uri="{FF2B5EF4-FFF2-40B4-BE49-F238E27FC236}">
+                <a16:creationId xmlns:a16="http://schemas.microsoft.com/office/drawing/2014/main" id="{0171B22F-4784-4DB6-92CB-EE00B1FC02F0}"/>
+              </a:ext>
+            </a:extLst>
+          </p:cNvPr>
+          <p:cNvCxnSpPr>
+            <a:cxnSpLocks/>
+          </p:cNvCxnSpPr>
+          <p:nvPr/>
+        </p:nvCxnSpPr>
+        <p:spPr>
+          <a:xfrm flipV="1">
+            <a:off x="550115" y="3324056"/>
+            <a:ext cx="2601615" cy="24582"/>
+          </a:xfrm>
+          <a:prstGeom prst="line">
+            <a:avLst/>
+          </a:prstGeom>
+          <a:ln>
+            <a:solidFill>
+              <a:srgbClr val="FB74FE"/>
+            </a:solidFill>
+          </a:ln>
+        </p:spPr>
+        <p:style>
+          <a:lnRef idx="1">
+            <a:schemeClr val="accent1"/>
+          </a:lnRef>
+          <a:fillRef idx="0">
+            <a:schemeClr val="accent1"/>
+          </a:fillRef>
+          <a:effectRef idx="0">
+            <a:schemeClr val="accent1"/>
+          </a:effectRef>
+          <a:fontRef idx="minor">
+            <a:schemeClr val="tx1"/>
+          </a:fontRef>
+        </p:style>
+      </p:cxnSp>
+      <p:cxnSp>
+        <p:nvCxnSpPr>
+          <p:cNvPr id="37" name="Straight Connector 36">
+            <a:extLst>
+              <a:ext uri="{FF2B5EF4-FFF2-40B4-BE49-F238E27FC236}">
+                <a16:creationId xmlns:a16="http://schemas.microsoft.com/office/drawing/2014/main" id="{58F9B50C-797F-4899-AC70-9D3EB80ED8C2}"/>
+              </a:ext>
+            </a:extLst>
+          </p:cNvPr>
+          <p:cNvCxnSpPr>
+            <a:cxnSpLocks/>
+          </p:cNvCxnSpPr>
+          <p:nvPr/>
+        </p:nvCxnSpPr>
+        <p:spPr>
+          <a:xfrm>
+            <a:off x="302343" y="3061142"/>
+            <a:ext cx="3126658" cy="0"/>
+          </a:xfrm>
+          <a:prstGeom prst="line">
+            <a:avLst/>
+          </a:prstGeom>
+          <a:ln>
+            <a:solidFill>
+              <a:srgbClr val="FB74FE"/>
+            </a:solidFill>
+          </a:ln>
+        </p:spPr>
+        <p:style>
+          <a:lnRef idx="1">
+            <a:schemeClr val="accent1"/>
+          </a:lnRef>
+          <a:fillRef idx="0">
+            <a:schemeClr val="accent1"/>
+          </a:fillRef>
+          <a:effectRef idx="0">
+            <a:schemeClr val="accent1"/>
+          </a:effectRef>
+          <a:fontRef idx="minor">
+            <a:schemeClr val="tx1"/>
+          </a:fontRef>
+        </p:style>
+      </p:cxnSp>
+      <p:sp>
+        <p:nvSpPr>
+          <p:cNvPr id="38" name="Oval 37">
+            <a:extLst>
+              <a:ext uri="{FF2B5EF4-FFF2-40B4-BE49-F238E27FC236}">
+                <a16:creationId xmlns:a16="http://schemas.microsoft.com/office/drawing/2014/main" id="{634F79DC-B5D1-4B64-928C-57A5C7B7210D}"/>
+              </a:ext>
+            </a:extLst>
+          </p:cNvPr>
+          <p:cNvSpPr/>
+          <p:nvPr/>
+        </p:nvSpPr>
+        <p:spPr>
+          <a:xfrm>
+            <a:off x="765442" y="2057646"/>
+            <a:ext cx="2170962" cy="2006993"/>
+          </a:xfrm>
+          <a:prstGeom prst="ellipse">
+            <a:avLst/>
+          </a:prstGeom>
+        </p:spPr>
+        <p:style>
+          <a:lnRef idx="2">
+            <a:schemeClr val="accent1">
+              <a:shade val="50000"/>
+            </a:schemeClr>
+          </a:lnRef>
+          <a:fillRef idx="1">
+            <a:schemeClr val="accent1"/>
+          </a:fillRef>
+          <a:effectRef idx="0">
+            <a:schemeClr val="accent1"/>
+          </a:effectRef>
+          <a:fontRef idx="minor">
+            <a:schemeClr val="lt1"/>
+          </a:fontRef>
+        </p:style>
+        <p:txBody>
+          <a:bodyPr rtlCol="0" anchor="ctr"/>
+          <a:lstStyle/>
+          <a:p>
+            <a:pPr algn="ctr"/>
+            <a:endParaRPr lang="en-CA"/>
+          </a:p>
+        </p:txBody>
+      </p:sp>
+      <p:pic>
+        <p:nvPicPr>
+          <p:cNvPr id="39" name="Picture 38">
+            <a:extLst>
+              <a:ext uri="{FF2B5EF4-FFF2-40B4-BE49-F238E27FC236}">
+                <a16:creationId xmlns:a16="http://schemas.microsoft.com/office/drawing/2014/main" id="{433B3A88-082A-441C-84DA-07759FC410B7}"/>
+              </a:ext>
+            </a:extLst>
+          </p:cNvPr>
+          <p:cNvPicPr>
+            <a:picLocks noChangeAspect="1"/>
+          </p:cNvPicPr>
+          <p:nvPr/>
+        </p:nvPicPr>
+        <p:blipFill>
+          <a:blip r:embed="rId3">
+            <a:extLst>
+              <a:ext uri="{28A0092B-C50C-407E-A947-70E740481C1C}">
+                <a14:useLocalDpi xmlns:a14="http://schemas.microsoft.com/office/drawing/2010/main" val="0"/>
+              </a:ext>
+            </a:extLst>
+          </a:blip>
+          <a:stretch>
+            <a:fillRect/>
+          </a:stretch>
+        </p:blipFill>
+        <p:spPr>
+          <a:xfrm>
+            <a:off x="855952" y="2107592"/>
+            <a:ext cx="2009969" cy="1915751"/>
+          </a:xfrm>
+          <a:prstGeom prst="rect">
+            <a:avLst/>
+          </a:prstGeom>
+        </p:spPr>
+      </p:pic>
+      <p:sp>
+        <p:nvSpPr>
+          <p:cNvPr id="40" name="TextBox 39">
+            <a:extLst>
+              <a:ext uri="{FF2B5EF4-FFF2-40B4-BE49-F238E27FC236}">
+                <a16:creationId xmlns:a16="http://schemas.microsoft.com/office/drawing/2014/main" id="{C694113D-5C2D-406A-B59E-C1C3032553B3}"/>
+              </a:ext>
+            </a:extLst>
+          </p:cNvPr>
+          <p:cNvSpPr txBox="1"/>
+          <p:nvPr/>
+        </p:nvSpPr>
+        <p:spPr>
+          <a:xfrm>
+            <a:off x="572856" y="4596518"/>
+            <a:ext cx="2688630" cy="276999"/>
+          </a:xfrm>
+          <a:prstGeom prst="rect">
+            <a:avLst/>
+          </a:prstGeom>
+          <a:noFill/>
+        </p:spPr>
+        <p:txBody>
+          <a:bodyPr wrap="square" rtlCol="0">
+            <a:spAutoFit/>
+          </a:bodyPr>
+          <a:lstStyle/>
+          <a:p>
+            <a:r>
+              <a:rPr lang="en-US" sz="1200" dirty="0">
+                <a:latin typeface="Poppins Medium" panose="00000600000000000000" pitchFamily="2" charset="0"/>
+                <a:cs typeface="Poppins Medium" panose="00000600000000000000" pitchFamily="2" charset="0"/>
+              </a:rPr>
+              <a:t>Founder / CEO / Lead Engineer</a:t>
+            </a:r>
+            <a:endParaRPr lang="en-CA" sz="1200" dirty="0">
+              <a:latin typeface="Poppins Medium" panose="00000600000000000000" pitchFamily="2" charset="0"/>
+              <a:cs typeface="Poppins Medium" panose="00000600000000000000" pitchFamily="2" charset="0"/>
+            </a:endParaRPr>
+          </a:p>
+        </p:txBody>
+      </p:sp>
+      <p:sp>
+        <p:nvSpPr>
+          <p:cNvPr id="41" name="TextBox 40">
+            <a:extLst>
+              <a:ext uri="{FF2B5EF4-FFF2-40B4-BE49-F238E27FC236}">
+                <a16:creationId xmlns:a16="http://schemas.microsoft.com/office/drawing/2014/main" id="{F5C6AE82-E03A-4703-A726-71EAEC32D873}"/>
+              </a:ext>
+            </a:extLst>
+          </p:cNvPr>
+          <p:cNvSpPr txBox="1"/>
+          <p:nvPr/>
+        </p:nvSpPr>
+        <p:spPr>
+          <a:xfrm>
+            <a:off x="550115" y="4165879"/>
+            <a:ext cx="2662084" cy="369332"/>
+          </a:xfrm>
+          <a:prstGeom prst="rect">
+            <a:avLst/>
+          </a:prstGeom>
+          <a:noFill/>
+        </p:spPr>
+        <p:txBody>
+          <a:bodyPr wrap="square">
+            <a:spAutoFit/>
+          </a:bodyPr>
+          <a:lstStyle/>
+          <a:p>
+            <a:r>
+              <a:rPr lang="en-US" dirty="0">
+                <a:latin typeface="Yeseva One" panose="00000500000000000000" pitchFamily="2" charset="0"/>
+                <a:cs typeface="Poppins Medium" panose="00000600000000000000" pitchFamily="2" charset="0"/>
+              </a:rPr>
+              <a:t>Christopher </a:t>
+            </a:r>
+            <a:r>
+              <a:rPr lang="en-US" dirty="0" err="1">
+                <a:latin typeface="Yeseva One" panose="00000500000000000000" pitchFamily="2" charset="0"/>
+                <a:cs typeface="Poppins Medium" panose="00000600000000000000" pitchFamily="2" charset="0"/>
+              </a:rPr>
+              <a:t>Trimboli</a:t>
+            </a:r>
+            <a:endParaRPr lang="en-CA" dirty="0">
+              <a:latin typeface="Yeseva One" panose="00000500000000000000" pitchFamily="2" charset="0"/>
+              <a:cs typeface="Poppins Medium" panose="00000600000000000000" pitchFamily="2" charset="0"/>
+            </a:endParaRPr>
+          </a:p>
+        </p:txBody>
+      </p:sp>
     </p:spTree>
     <p:extLst>
       <p:ext uri="{BB962C8B-B14F-4D97-AF65-F5344CB8AC3E}">
-        <p14:creationId xmlns:p14="http://schemas.microsoft.com/office/powerpoint/2010/main" val="1145575828"/>
+        <p14:creationId xmlns:p14="http://schemas.microsoft.com/office/powerpoint/2010/main" val="4070166939"/>
       </p:ext>
     </p:extLst>
   </p:cSld>
@@ -5653,7 +6107,7 @@
           <p:cNvPr id="2" name="Title 1">
             <a:extLst>
               <a:ext uri="{FF2B5EF4-FFF2-40B4-BE49-F238E27FC236}">
-                <a16:creationId xmlns:a16="http://schemas.microsoft.com/office/drawing/2014/main" id="{73C4E103-203C-4E4F-97B0-23C6EF7FD9F2}"/>
+                <a16:creationId xmlns:a16="http://schemas.microsoft.com/office/drawing/2014/main" id="{51946F17-B9A7-44C3-AA12-1D71D446F010}"/>
               </a:ext>
             </a:extLst>
           </p:cNvPr>
@@ -5673,7 +6127,7 @@
               <a:rPr lang="en-US" dirty="0">
                 <a:latin typeface="Yeseva One" panose="00000500000000000000" pitchFamily="2" charset="0"/>
               </a:rPr>
-              <a:t>How do we make money?</a:t>
+              <a:t>Why we need investment?</a:t>
             </a:r>
             <a:endParaRPr lang="en-CA" dirty="0"/>
           </a:p>
@@ -5684,7 +6138,7 @@
           <p:cNvPr id="3" name="Content Placeholder 2">
             <a:extLst>
               <a:ext uri="{FF2B5EF4-FFF2-40B4-BE49-F238E27FC236}">
-                <a16:creationId xmlns:a16="http://schemas.microsoft.com/office/drawing/2014/main" id="{599A44D3-BED2-4D82-BD38-AC3F2CE02450}"/>
+                <a16:creationId xmlns:a16="http://schemas.microsoft.com/office/drawing/2014/main" id="{BED8E52F-06EC-423A-B182-0E4F00189AC1}"/>
               </a:ext>
             </a:extLst>
           </p:cNvPr>
@@ -5695,49 +6149,56 @@
             <p:ph idx="1"/>
           </p:nvPr>
         </p:nvSpPr>
-        <p:spPr>
-          <a:xfrm>
-            <a:off x="838200" y="1825625"/>
-            <a:ext cx="10016613" cy="4351338"/>
-          </a:xfrm>
-        </p:spPr>
+        <p:spPr/>
         <p:txBody>
           <a:bodyPr/>
           <a:lstStyle/>
           <a:p>
             <a:r>
               <a:rPr lang="en-US" dirty="0"/>
-              <a:t>10% on each transaction.</a:t>
-            </a:r>
-          </a:p>
-          <a:p>
-            <a:r>
-              <a:rPr lang="en-CA" dirty="0"/>
-              <a:t>Celebrity promotions. </a:t>
-            </a:r>
-          </a:p>
-          <a:p>
-            <a:r>
-              <a:rPr lang="en-CA" dirty="0"/>
-              <a:t>Company plugs.</a:t>
-            </a:r>
-          </a:p>
-          <a:p>
-            <a:r>
-              <a:rPr lang="en-CA" dirty="0"/>
-              <a:t>Advertisements.</a:t>
-            </a:r>
-          </a:p>
-          <a:p>
-            <a:r>
-              <a:rPr lang="en-CA" dirty="0"/>
-              <a:t>Merch.</a:t>
-            </a:r>
-          </a:p>
-          <a:p>
-            <a:r>
-              <a:rPr lang="en-CA" dirty="0"/>
-              <a:t>Crypto. $NUDE token.</a:t>
+              <a:t>Influencer promotions.</a:t>
+            </a:r>
+          </a:p>
+          <a:p>
+            <a:r>
+              <a:rPr lang="en-US" dirty="0"/>
+              <a:t>Advertisement / Marketing.</a:t>
+            </a:r>
+          </a:p>
+          <a:p>
+            <a:r>
+              <a:rPr lang="en-US" dirty="0"/>
+              <a:t>Third party security audits of smart contracts and code.</a:t>
+            </a:r>
+          </a:p>
+          <a:p>
+            <a:r>
+              <a:rPr lang="en-US" dirty="0"/>
+              <a:t>Hire software developers.</a:t>
+            </a:r>
+          </a:p>
+          <a:p>
+            <a:r>
+              <a:rPr lang="en-US" dirty="0"/>
+              <a:t>Infrastructure costs.</a:t>
+            </a:r>
+          </a:p>
+          <a:p>
+            <a:r>
+              <a:rPr lang="en-US" dirty="0"/>
+              <a:t>Legal costs.</a:t>
+            </a:r>
+          </a:p>
+          <a:p>
+            <a:r>
+              <a:rPr lang="en-US" dirty="0"/>
+              <a:t>Grow the team and social medias.</a:t>
+            </a:r>
+          </a:p>
+          <a:p>
+            <a:r>
+              <a:rPr lang="en-US" dirty="0"/>
+              <a:t>Content creation.</a:t>
             </a:r>
           </a:p>
           <a:p>
@@ -5750,7 +6211,7 @@
           <p:cNvPr id="5" name="Picture 4">
             <a:extLst>
               <a:ext uri="{FF2B5EF4-FFF2-40B4-BE49-F238E27FC236}">
-                <a16:creationId xmlns:a16="http://schemas.microsoft.com/office/drawing/2014/main" id="{313110A8-4B4D-43E9-A94D-69FF1E4BE2BB}"/>
+                <a16:creationId xmlns:a16="http://schemas.microsoft.com/office/drawing/2014/main" id="{B20C5808-1A2C-4FF1-9B30-424D73E4B3A8}"/>
               </a:ext>
             </a:extLst>
           </p:cNvPr>
@@ -5773,8 +6234,8 @@
         </p:blipFill>
         <p:spPr>
           <a:xfrm>
-            <a:off x="10689903" y="695957"/>
-            <a:ext cx="663897" cy="663897"/>
+            <a:off x="10681578" y="627943"/>
+            <a:ext cx="672222" cy="672222"/>
           </a:xfrm>
           <a:prstGeom prst="rect">
             <a:avLst/>
@@ -5784,7 +6245,7 @@
     </p:spTree>
     <p:extLst>
       <p:ext uri="{BB962C8B-B14F-4D97-AF65-F5344CB8AC3E}">
-        <p14:creationId xmlns:p14="http://schemas.microsoft.com/office/powerpoint/2010/main" val="625031941"/>
+        <p14:creationId xmlns:p14="http://schemas.microsoft.com/office/powerpoint/2010/main" val="1145575828"/>
       </p:ext>
     </p:extLst>
   </p:cSld>
@@ -5816,7 +6277,7 @@
           <p:cNvPr id="2" name="Title 1">
             <a:extLst>
               <a:ext uri="{FF2B5EF4-FFF2-40B4-BE49-F238E27FC236}">
-                <a16:creationId xmlns:a16="http://schemas.microsoft.com/office/drawing/2014/main" id="{5A7D9E14-614B-4A34-A711-812427B03D19}"/>
+                <a16:creationId xmlns:a16="http://schemas.microsoft.com/office/drawing/2014/main" id="{73C4E103-203C-4E4F-97B0-23C6EF7FD9F2}"/>
               </a:ext>
             </a:extLst>
           </p:cNvPr>
@@ -5836,7 +6297,7 @@
               <a:rPr lang="en-US" dirty="0">
                 <a:latin typeface="Yeseva One" panose="00000500000000000000" pitchFamily="2" charset="0"/>
               </a:rPr>
-              <a:t>Our Competition</a:t>
+              <a:t>How do we make money?</a:t>
             </a:r>
             <a:endParaRPr lang="en-CA" dirty="0"/>
           </a:p>
@@ -5847,7 +6308,7 @@
           <p:cNvPr id="3" name="Content Placeholder 2">
             <a:extLst>
               <a:ext uri="{FF2B5EF4-FFF2-40B4-BE49-F238E27FC236}">
-                <a16:creationId xmlns:a16="http://schemas.microsoft.com/office/drawing/2014/main" id="{2E17DFB3-A905-4A8A-945D-B6C42AF92058}"/>
+                <a16:creationId xmlns:a16="http://schemas.microsoft.com/office/drawing/2014/main" id="{599A44D3-BED2-4D82-BD38-AC3F2CE02450}"/>
               </a:ext>
             </a:extLst>
           </p:cNvPr>
@@ -5858,43 +6319,96 @@
             <p:ph idx="1"/>
           </p:nvPr>
         </p:nvSpPr>
-        <p:spPr/>
+        <p:spPr>
+          <a:xfrm>
+            <a:off x="838200" y="1825625"/>
+            <a:ext cx="10016613" cy="4351338"/>
+          </a:xfrm>
+        </p:spPr>
         <p:txBody>
           <a:bodyPr/>
           <a:lstStyle/>
           <a:p>
             <a:r>
-              <a:rPr lang="en-US" dirty="0" err="1"/>
-              <a:t>Nafter</a:t>
-            </a:r>
-            <a:endParaRPr lang="en-US" dirty="0"/>
-          </a:p>
-          <a:p>
-            <a:r>
               <a:rPr lang="en-US" dirty="0"/>
-              <a:t>Only Fans</a:t>
-            </a:r>
-          </a:p>
-          <a:p>
-            <a:r>
-              <a:rPr lang="en-US" dirty="0" err="1"/>
-              <a:t>Patreon</a:t>
-            </a:r>
-            <a:endParaRPr lang="en-US" dirty="0"/>
-          </a:p>
-          <a:p>
-            <a:r>
-              <a:rPr lang="en-CA" dirty="0" err="1"/>
-              <a:t>Fanlify</a:t>
-            </a:r>
+              <a:t>10% on each transaction.</a:t>
+            </a:r>
+          </a:p>
+          <a:p>
+            <a:r>
+              <a:rPr lang="en-CA" dirty="0"/>
+              <a:t>Celebrity promotions. </a:t>
+            </a:r>
+          </a:p>
+          <a:p>
+            <a:r>
+              <a:rPr lang="en-CA" dirty="0"/>
+              <a:t>Company plugs.</a:t>
+            </a:r>
+          </a:p>
+          <a:p>
+            <a:r>
+              <a:rPr lang="en-CA" dirty="0"/>
+              <a:t>Advertisements.</a:t>
+            </a:r>
+          </a:p>
+          <a:p>
+            <a:r>
+              <a:rPr lang="en-CA" dirty="0"/>
+              <a:t>Merch.</a:t>
+            </a:r>
+          </a:p>
+          <a:p>
+            <a:r>
+              <a:rPr lang="en-CA" dirty="0"/>
+              <a:t>Crypto. $NUDE token.</a:t>
+            </a:r>
+          </a:p>
+          <a:p>
             <a:endParaRPr lang="en-CA" dirty="0"/>
           </a:p>
         </p:txBody>
       </p:sp>
+      <p:pic>
+        <p:nvPicPr>
+          <p:cNvPr id="5" name="Picture 4">
+            <a:extLst>
+              <a:ext uri="{FF2B5EF4-FFF2-40B4-BE49-F238E27FC236}">
+                <a16:creationId xmlns:a16="http://schemas.microsoft.com/office/drawing/2014/main" id="{313110A8-4B4D-43E9-A94D-69FF1E4BE2BB}"/>
+              </a:ext>
+            </a:extLst>
+          </p:cNvPr>
+          <p:cNvPicPr>
+            <a:picLocks noChangeAspect="1"/>
+          </p:cNvPicPr>
+          <p:nvPr/>
+        </p:nvPicPr>
+        <p:blipFill>
+          <a:blip r:embed="rId2">
+            <a:extLst>
+              <a:ext uri="{28A0092B-C50C-407E-A947-70E740481C1C}">
+                <a14:useLocalDpi xmlns:a14="http://schemas.microsoft.com/office/drawing/2010/main" val="0"/>
+              </a:ext>
+            </a:extLst>
+          </a:blip>
+          <a:stretch>
+            <a:fillRect/>
+          </a:stretch>
+        </p:blipFill>
+        <p:spPr>
+          <a:xfrm>
+            <a:off x="10689903" y="695957"/>
+            <a:ext cx="663897" cy="663897"/>
+          </a:xfrm>
+          <a:prstGeom prst="rect">
+            <a:avLst/>
+          </a:prstGeom>
+        </p:spPr>
+      </p:pic>
     </p:spTree>
     <p:extLst>
       <p:ext uri="{BB962C8B-B14F-4D97-AF65-F5344CB8AC3E}">
-        <p14:creationId xmlns:p14="http://schemas.microsoft.com/office/powerpoint/2010/main" val="1638852775"/>
+        <p14:creationId xmlns:p14="http://schemas.microsoft.com/office/powerpoint/2010/main" val="625031941"/>
       </p:ext>
     </p:extLst>
   </p:cSld>
@@ -5926,7 +6440,7 @@
           <p:cNvPr id="2" name="Title 1">
             <a:extLst>
               <a:ext uri="{FF2B5EF4-FFF2-40B4-BE49-F238E27FC236}">
-                <a16:creationId xmlns:a16="http://schemas.microsoft.com/office/drawing/2014/main" id="{A7BE9879-6337-419D-994C-BD4650A6FB10}"/>
+                <a16:creationId xmlns:a16="http://schemas.microsoft.com/office/drawing/2014/main" id="{5A7D9E14-614B-4A34-A711-812427B03D19}"/>
               </a:ext>
             </a:extLst>
           </p:cNvPr>
@@ -5939,18 +6453,16 @@
         </p:nvSpPr>
         <p:spPr/>
         <p:txBody>
-          <a:bodyPr>
-            <a:normAutofit/>
-          </a:bodyPr>
-          <a:lstStyle/>
-          <a:p>
-            <a:r>
-              <a:rPr lang="en-US" sz="4000" dirty="0">
+          <a:bodyPr/>
+          <a:lstStyle/>
+          <a:p>
+            <a:r>
+              <a:rPr lang="en-US" dirty="0">
                 <a:latin typeface="Yeseva One" panose="00000500000000000000" pitchFamily="2" charset="0"/>
               </a:rPr>
-              <a:t>Why we are better then everyone else?</a:t>
-            </a:r>
-            <a:endParaRPr lang="en-CA" sz="4000" dirty="0"/>
+              <a:t>Our Competition</a:t>
+            </a:r>
+            <a:endParaRPr lang="en-CA" dirty="0"/>
           </a:p>
         </p:txBody>
       </p:sp>
@@ -5959,7 +6471,7 @@
           <p:cNvPr id="3" name="Content Placeholder 2">
             <a:extLst>
               <a:ext uri="{FF2B5EF4-FFF2-40B4-BE49-F238E27FC236}">
-                <a16:creationId xmlns:a16="http://schemas.microsoft.com/office/drawing/2014/main" id="{2DA3F201-2856-41F8-9404-A21C6063907F}"/>
+                <a16:creationId xmlns:a16="http://schemas.microsoft.com/office/drawing/2014/main" id="{2E17DFB3-A905-4A8A-945D-B6C42AF92058}"/>
               </a:ext>
             </a:extLst>
           </p:cNvPr>
@@ -5976,32 +6488,28 @@
           <a:lstStyle/>
           <a:p>
             <a:r>
+              <a:rPr lang="en-US" dirty="0" err="1"/>
+              <a:t>Nafter</a:t>
+            </a:r>
+            <a:endParaRPr lang="en-US" dirty="0"/>
+          </a:p>
+          <a:p>
+            <a:r>
               <a:rPr lang="en-US" dirty="0"/>
-              <a:t>Lowball transaction fees.</a:t>
-            </a:r>
-          </a:p>
-          <a:p>
-            <a:r>
-              <a:rPr lang="en-US" dirty="0"/>
-              <a:t>Blockchain, not dependent on big banks.</a:t>
-            </a:r>
-          </a:p>
-          <a:p>
-            <a:r>
-              <a:rPr lang="en-US" dirty="0"/>
-              <a:t>Lead founder is a experienced, talented software engineer.</a:t>
-            </a:r>
-          </a:p>
-          <a:p>
-            <a:r>
-              <a:rPr lang="en-US" dirty="0"/>
-              <a:t>We have a niched product design specific for adult content.</a:t>
-            </a:r>
-          </a:p>
-          <a:p>
-            <a:r>
-              <a:rPr lang="en-US" dirty="0"/>
-              <a:t>We have innovative ideas that have never been done before.</a:t>
+              <a:t>Only Fans</a:t>
+            </a:r>
+          </a:p>
+          <a:p>
+            <a:r>
+              <a:rPr lang="en-US" dirty="0" err="1"/>
+              <a:t>Patreon</a:t>
+            </a:r>
+            <a:endParaRPr lang="en-US" dirty="0"/>
+          </a:p>
+          <a:p>
+            <a:r>
+              <a:rPr lang="en-CA" dirty="0" err="1"/>
+              <a:t>Fanlify</a:t>
             </a:r>
             <a:endParaRPr lang="en-CA" dirty="0"/>
           </a:p>
@@ -6010,7 +6518,7 @@
     </p:spTree>
     <p:extLst>
       <p:ext uri="{BB962C8B-B14F-4D97-AF65-F5344CB8AC3E}">
-        <p14:creationId xmlns:p14="http://schemas.microsoft.com/office/powerpoint/2010/main" val="539992873"/>
+        <p14:creationId xmlns:p14="http://schemas.microsoft.com/office/powerpoint/2010/main" val="1638852775"/>
       </p:ext>
     </p:extLst>
   </p:cSld>

--- a/own-me-pitch.pptx
+++ b/own-me-pitch.pptx
@@ -15,6 +15,7 @@
     <p:sldId id="262" r:id="rId9"/>
     <p:sldId id="263" r:id="rId10"/>
     <p:sldId id="264" r:id="rId11"/>
+    <p:sldId id="266" r:id="rId12"/>
   </p:sldIdLst>
   <p:sldSz cx="12192000" cy="6858000"/>
   <p:notesSz cx="6858000" cy="9144000"/>
@@ -3862,6 +3863,90 @@
 </p:sld>
 </file>
 
+<file path=ppt/slides/slide11.xml><?xml version="1.0" encoding="utf-8"?>
+<p:sld xmlns:a="http://schemas.openxmlformats.org/drawingml/2006/main" xmlns:r="http://schemas.openxmlformats.org/officeDocument/2006/relationships" xmlns:p="http://schemas.openxmlformats.org/presentationml/2006/main">
+  <p:cSld>
+    <p:spTree>
+      <p:nvGrpSpPr>
+        <p:cNvPr id="1" name=""/>
+        <p:cNvGrpSpPr/>
+        <p:nvPr/>
+      </p:nvGrpSpPr>
+      <p:grpSpPr>
+        <a:xfrm>
+          <a:off x="0" y="0"/>
+          <a:ext cx="0" cy="0"/>
+          <a:chOff x="0" y="0"/>
+          <a:chExt cx="0" cy="0"/>
+        </a:xfrm>
+      </p:grpSpPr>
+      <p:sp>
+        <p:nvSpPr>
+          <p:cNvPr id="2" name="Title 1">
+            <a:extLst>
+              <a:ext uri="{FF2B5EF4-FFF2-40B4-BE49-F238E27FC236}">
+                <a16:creationId xmlns:a16="http://schemas.microsoft.com/office/drawing/2014/main" id="{9764E327-F01A-4B64-B8BE-0F5EA70B2BBA}"/>
+              </a:ext>
+            </a:extLst>
+          </p:cNvPr>
+          <p:cNvSpPr>
+            <a:spLocks noGrp="1"/>
+          </p:cNvSpPr>
+          <p:nvPr>
+            <p:ph type="title"/>
+          </p:nvPr>
+        </p:nvSpPr>
+        <p:spPr/>
+        <p:txBody>
+          <a:bodyPr/>
+          <a:lstStyle/>
+          <a:p>
+            <a:r>
+              <a:rPr lang="en-US" dirty="0" err="1"/>
+              <a:t>Conlclusion</a:t>
+            </a:r>
+            <a:endParaRPr lang="en-CA" dirty="0"/>
+          </a:p>
+        </p:txBody>
+      </p:sp>
+      <p:sp>
+        <p:nvSpPr>
+          <p:cNvPr id="3" name="Content Placeholder 2">
+            <a:extLst>
+              <a:ext uri="{FF2B5EF4-FFF2-40B4-BE49-F238E27FC236}">
+                <a16:creationId xmlns:a16="http://schemas.microsoft.com/office/drawing/2014/main" id="{9AE310D3-98D1-4584-B481-12741089C721}"/>
+              </a:ext>
+            </a:extLst>
+          </p:cNvPr>
+          <p:cNvSpPr>
+            <a:spLocks noGrp="1"/>
+          </p:cNvSpPr>
+          <p:nvPr>
+            <p:ph idx="1"/>
+          </p:nvPr>
+        </p:nvSpPr>
+        <p:spPr/>
+        <p:txBody>
+          <a:bodyPr/>
+          <a:lstStyle/>
+          <a:p>
+            <a:endParaRPr lang="en-CA" dirty="0"/>
+          </a:p>
+        </p:txBody>
+      </p:sp>
+    </p:spTree>
+    <p:extLst>
+      <p:ext uri="{BB962C8B-B14F-4D97-AF65-F5344CB8AC3E}">
+        <p14:creationId xmlns:p14="http://schemas.microsoft.com/office/powerpoint/2010/main" val="3318940678"/>
+      </p:ext>
+    </p:extLst>
+  </p:cSld>
+  <p:clrMapOvr>
+    <a:masterClrMapping/>
+  </p:clrMapOvr>
+</p:sld>
+</file>
+
 <file path=ppt/slides/slide2.xml><?xml version="1.0" encoding="utf-8"?>
 <p:sld xmlns:a="http://schemas.openxmlformats.org/drawingml/2006/main" xmlns:r="http://schemas.openxmlformats.org/officeDocument/2006/relationships" xmlns:p="http://schemas.openxmlformats.org/presentationml/2006/main">
   <p:cSld>
@@ -4216,8 +4301,8 @@
         </p:nvSpPr>
         <p:spPr>
           <a:xfrm>
-            <a:off x="838200" y="1964486"/>
-            <a:ext cx="6453896" cy="830997"/>
+            <a:off x="771826" y="2480527"/>
+            <a:ext cx="3033989" cy="1631216"/>
           </a:xfrm>
           <a:prstGeom prst="rect">
             <a:avLst/>
@@ -4231,10 +4316,16 @@
           <a:lstStyle/>
           <a:p>
             <a:r>
-              <a:rPr lang="en-US" sz="2400" dirty="0"/>
-              <a:t>Use the Ethereum blockchain instead of traditional banking solutions like Visa / PayPal.</a:t>
-            </a:r>
-            <a:endParaRPr lang="en-CA" sz="2400" dirty="0"/>
+              <a:rPr lang="en-US" sz="2000" dirty="0">
+                <a:latin typeface="Poppins Medium" panose="00000600000000000000" pitchFamily="2" charset="0"/>
+                <a:cs typeface="Poppins Medium" panose="00000600000000000000" pitchFamily="2" charset="0"/>
+              </a:rPr>
+              <a:t>1.) Use the Ethereum blockchain instead of traditional banking solutions like Visa / PayPal.</a:t>
+            </a:r>
+            <a:endParaRPr lang="en-CA" sz="2000" dirty="0">
+              <a:latin typeface="Poppins Medium" panose="00000600000000000000" pitchFamily="2" charset="0"/>
+              <a:cs typeface="Poppins Medium" panose="00000600000000000000" pitchFamily="2" charset="0"/>
+            </a:endParaRPr>
           </a:p>
         </p:txBody>
       </p:sp>
@@ -4252,8 +4343,8 @@
         </p:nvSpPr>
         <p:spPr>
           <a:xfrm>
-            <a:off x="838200" y="3304221"/>
-            <a:ext cx="6854559" cy="830997"/>
+            <a:off x="4252381" y="2666972"/>
+            <a:ext cx="3376331" cy="1015663"/>
           </a:xfrm>
           <a:prstGeom prst="rect">
             <a:avLst/>
@@ -4267,10 +4358,16 @@
           <a:lstStyle/>
           <a:p>
             <a:r>
-              <a:rPr lang="en-US" sz="2400" dirty="0"/>
-              <a:t>Use decentralized NFT technology to store creators content.</a:t>
-            </a:r>
-            <a:endParaRPr lang="en-CA" sz="2400" dirty="0"/>
+              <a:rPr lang="en-US" sz="2000" dirty="0">
+                <a:latin typeface="Poppins Medium" panose="00000600000000000000" pitchFamily="2" charset="0"/>
+                <a:cs typeface="Poppins Medium" panose="00000600000000000000" pitchFamily="2" charset="0"/>
+              </a:rPr>
+              <a:t>2.) Use decentralized NFT technology to store creators content.</a:t>
+            </a:r>
+            <a:endParaRPr lang="en-CA" sz="2000" dirty="0">
+              <a:latin typeface="Poppins Medium" panose="00000600000000000000" pitchFamily="2" charset="0"/>
+              <a:cs typeface="Poppins Medium" panose="00000600000000000000" pitchFamily="2" charset="0"/>
+            </a:endParaRPr>
           </a:p>
         </p:txBody>
       </p:sp>
@@ -4288,8 +4385,8 @@
         </p:nvSpPr>
         <p:spPr>
           <a:xfrm>
-            <a:off x="838200" y="4731302"/>
-            <a:ext cx="6096982" cy="1200329"/>
+            <a:off x="8154629" y="2513084"/>
+            <a:ext cx="3720772" cy="1323439"/>
           </a:xfrm>
           <a:prstGeom prst="rect">
             <a:avLst/>
@@ -4303,10 +4400,16 @@
           <a:lstStyle/>
           <a:p>
             <a:r>
-              <a:rPr lang="en-US" sz="2400" dirty="0"/>
-              <a:t>Create a trendy designed app experience tailored specifically for the adult content industry.</a:t>
-            </a:r>
-            <a:endParaRPr lang="en-CA" sz="2400" dirty="0"/>
+              <a:rPr lang="en-US" sz="2000" dirty="0">
+                <a:latin typeface="Poppins Medium" panose="00000600000000000000" pitchFamily="2" charset="0"/>
+                <a:cs typeface="Poppins Medium" panose="00000600000000000000" pitchFamily="2" charset="0"/>
+              </a:rPr>
+              <a:t>3.) Create a trendy designed app experience tailored specifically for the adult content industry.</a:t>
+            </a:r>
+            <a:endParaRPr lang="en-CA" sz="2000" dirty="0">
+              <a:latin typeface="Poppins Medium" panose="00000600000000000000" pitchFamily="2" charset="0"/>
+              <a:cs typeface="Poppins Medium" panose="00000600000000000000" pitchFamily="2" charset="0"/>
+            </a:endParaRPr>
           </a:p>
         </p:txBody>
       </p:sp>
@@ -4341,8 +4444,188 @@
         </p:blipFill>
         <p:spPr>
           <a:xfrm>
-            <a:off x="8817561" y="3094871"/>
-            <a:ext cx="1713104" cy="1713104"/>
+            <a:off x="1405692" y="4358287"/>
+            <a:ext cx="1301235" cy="1301235"/>
+          </a:xfrm>
+          <a:prstGeom prst="rect">
+            <a:avLst/>
+          </a:prstGeom>
+        </p:spPr>
+      </p:pic>
+      <p:sp>
+        <p:nvSpPr>
+          <p:cNvPr id="3" name="TextBox 2">
+            <a:extLst>
+              <a:ext uri="{FF2B5EF4-FFF2-40B4-BE49-F238E27FC236}">
+                <a16:creationId xmlns:a16="http://schemas.microsoft.com/office/drawing/2014/main" id="{44FF521A-C5D7-492D-8EC7-038227528EEC}"/>
+              </a:ext>
+            </a:extLst>
+          </p:cNvPr>
+          <p:cNvSpPr txBox="1"/>
+          <p:nvPr/>
+        </p:nvSpPr>
+        <p:spPr>
+          <a:xfrm>
+            <a:off x="3754946" y="4582024"/>
+            <a:ext cx="459385" cy="707886"/>
+          </a:xfrm>
+          <a:prstGeom prst="rect">
+            <a:avLst/>
+          </a:prstGeom>
+          <a:noFill/>
+        </p:spPr>
+        <p:txBody>
+          <a:bodyPr wrap="square" rtlCol="0">
+            <a:spAutoFit/>
+          </a:bodyPr>
+          <a:lstStyle/>
+          <a:p>
+            <a:r>
+              <a:rPr lang="en-US" sz="4000" dirty="0"/>
+              <a:t>+</a:t>
+            </a:r>
+            <a:endParaRPr lang="en-CA" sz="4000" dirty="0"/>
+          </a:p>
+        </p:txBody>
+      </p:sp>
+      <p:pic>
+        <p:nvPicPr>
+          <p:cNvPr id="10" name="Picture 9">
+            <a:extLst>
+              <a:ext uri="{FF2B5EF4-FFF2-40B4-BE49-F238E27FC236}">
+                <a16:creationId xmlns:a16="http://schemas.microsoft.com/office/drawing/2014/main" id="{41E887D5-3999-43F2-8899-9E4987328C9B}"/>
+              </a:ext>
+            </a:extLst>
+          </p:cNvPr>
+          <p:cNvPicPr>
+            <a:picLocks noChangeAspect="1"/>
+          </p:cNvPicPr>
+          <p:nvPr/>
+        </p:nvPicPr>
+        <p:blipFill>
+          <a:blip r:embed="rId4">
+            <a:extLst>
+              <a:ext uri="{28A0092B-C50C-407E-A947-70E740481C1C}">
+                <a14:useLocalDpi xmlns:a14="http://schemas.microsoft.com/office/drawing/2010/main" val="0"/>
+              </a:ext>
+            </a:extLst>
+          </a:blip>
+          <a:stretch>
+            <a:fillRect/>
+          </a:stretch>
+        </p:blipFill>
+        <p:spPr>
+          <a:xfrm>
+            <a:off x="4901510" y="4078290"/>
+            <a:ext cx="1869144" cy="1869144"/>
+          </a:xfrm>
+          <a:prstGeom prst="rect">
+            <a:avLst/>
+          </a:prstGeom>
+        </p:spPr>
+      </p:pic>
+      <p:pic>
+        <p:nvPicPr>
+          <p:cNvPr id="13" name="Picture 12">
+            <a:extLst>
+              <a:ext uri="{FF2B5EF4-FFF2-40B4-BE49-F238E27FC236}">
+                <a16:creationId xmlns:a16="http://schemas.microsoft.com/office/drawing/2014/main" id="{7FC079CB-79A3-4B3D-8363-726BD546CEA2}"/>
+              </a:ext>
+            </a:extLst>
+          </p:cNvPr>
+          <p:cNvPicPr>
+            <a:picLocks noChangeAspect="1"/>
+          </p:cNvPicPr>
+          <p:nvPr/>
+        </p:nvPicPr>
+        <p:blipFill>
+          <a:blip r:embed="rId5">
+            <a:extLst>
+              <a:ext uri="{28A0092B-C50C-407E-A947-70E740481C1C}">
+                <a14:useLocalDpi xmlns:a14="http://schemas.microsoft.com/office/drawing/2010/main" val="0"/>
+              </a:ext>
+            </a:extLst>
+          </a:blip>
+          <a:stretch>
+            <a:fillRect/>
+          </a:stretch>
+        </p:blipFill>
+        <p:spPr>
+          <a:xfrm>
+            <a:off x="9023923" y="4326485"/>
+            <a:ext cx="1364841" cy="1364841"/>
+          </a:xfrm>
+          <a:prstGeom prst="rect">
+            <a:avLst/>
+          </a:prstGeom>
+        </p:spPr>
+      </p:pic>
+      <p:sp>
+        <p:nvSpPr>
+          <p:cNvPr id="14" name="TextBox 13">
+            <a:extLst>
+              <a:ext uri="{FF2B5EF4-FFF2-40B4-BE49-F238E27FC236}">
+                <a16:creationId xmlns:a16="http://schemas.microsoft.com/office/drawing/2014/main" id="{DA5230B7-12E4-4A68-A92F-ED3CAF40CFF6}"/>
+              </a:ext>
+            </a:extLst>
+          </p:cNvPr>
+          <p:cNvSpPr txBox="1"/>
+          <p:nvPr/>
+        </p:nvSpPr>
+        <p:spPr>
+          <a:xfrm>
+            <a:off x="7565457" y="4658919"/>
+            <a:ext cx="459385" cy="707886"/>
+          </a:xfrm>
+          <a:prstGeom prst="rect">
+            <a:avLst/>
+          </a:prstGeom>
+          <a:noFill/>
+        </p:spPr>
+        <p:txBody>
+          <a:bodyPr wrap="square" rtlCol="0">
+            <a:spAutoFit/>
+          </a:bodyPr>
+          <a:lstStyle/>
+          <a:p>
+            <a:r>
+              <a:rPr lang="en-US" sz="4000" dirty="0"/>
+              <a:t>+</a:t>
+            </a:r>
+            <a:endParaRPr lang="en-CA" sz="4000" dirty="0"/>
+          </a:p>
+        </p:txBody>
+      </p:sp>
+      <p:pic>
+        <p:nvPicPr>
+          <p:cNvPr id="16" name="Picture 15">
+            <a:extLst>
+              <a:ext uri="{FF2B5EF4-FFF2-40B4-BE49-F238E27FC236}">
+                <a16:creationId xmlns:a16="http://schemas.microsoft.com/office/drawing/2014/main" id="{A0C97DA6-9436-4539-BCB5-69ACBBAA8B66}"/>
+              </a:ext>
+            </a:extLst>
+          </p:cNvPr>
+          <p:cNvPicPr>
+            <a:picLocks noChangeAspect="1"/>
+          </p:cNvPicPr>
+          <p:nvPr/>
+        </p:nvPicPr>
+        <p:blipFill>
+          <a:blip r:embed="rId6">
+            <a:extLst>
+              <a:ext uri="{28A0092B-C50C-407E-A947-70E740481C1C}">
+                <a14:useLocalDpi xmlns:a14="http://schemas.microsoft.com/office/drawing/2010/main" val="0"/>
+              </a:ext>
+            </a:extLst>
+          </a:blip>
+          <a:stretch>
+            <a:fillRect/>
+          </a:stretch>
+        </p:blipFill>
+        <p:spPr>
+          <a:xfrm>
+            <a:off x="10589647" y="789255"/>
+            <a:ext cx="477301" cy="477301"/>
           </a:xfrm>
           <a:prstGeom prst="rect">
             <a:avLst/>
@@ -4987,57 +5270,317 @@
           </a:p>
         </p:txBody>
       </p:sp>
-      <p:sp>
-        <p:nvSpPr>
-          <p:cNvPr id="3" name="Content Placeholder 2">
-            <a:extLst>
-              <a:ext uri="{FF2B5EF4-FFF2-40B4-BE49-F238E27FC236}">
-                <a16:creationId xmlns:a16="http://schemas.microsoft.com/office/drawing/2014/main" id="{2644EF32-DACF-4591-B44D-B81E24A9EFEC}"/>
-              </a:ext>
-            </a:extLst>
-          </p:cNvPr>
-          <p:cNvSpPr>
-            <a:spLocks noGrp="1"/>
-          </p:cNvSpPr>
-          <p:nvPr>
-            <p:ph idx="1"/>
-          </p:nvPr>
-        </p:nvSpPr>
-        <p:spPr/>
-        <p:txBody>
-          <a:bodyPr/>
-          <a:lstStyle/>
-          <a:p>
-            <a:r>
-              <a:rPr lang="en-US" dirty="0" err="1"/>
-              <a:t>Beeples</a:t>
-            </a:r>
-            <a:r>
-              <a:rPr lang="en-US" dirty="0"/>
-              <a:t> 69 million NFT</a:t>
-            </a:r>
-          </a:p>
-          <a:p>
-            <a:r>
-              <a:rPr lang="en-US" dirty="0"/>
-              <a:t>Top only fans creators</a:t>
-            </a:r>
-          </a:p>
-          <a:p>
-            <a:r>
-              <a:rPr lang="en-US" dirty="0"/>
-              <a:t>Pump n dumps</a:t>
-            </a:r>
-            <a:endParaRPr lang="en-CA" dirty="0"/>
-          </a:p>
-          <a:p>
-            <a:r>
-              <a:rPr lang="en-CA" dirty="0"/>
-              <a:t>Only fans revenue</a:t>
-            </a:r>
-          </a:p>
-        </p:txBody>
-      </p:sp>
+      <p:pic>
+        <p:nvPicPr>
+          <p:cNvPr id="5" name="Picture 4">
+            <a:extLst>
+              <a:ext uri="{FF2B5EF4-FFF2-40B4-BE49-F238E27FC236}">
+                <a16:creationId xmlns:a16="http://schemas.microsoft.com/office/drawing/2014/main" id="{27B68817-2064-4DC5-A397-6D96717B7FD0}"/>
+              </a:ext>
+            </a:extLst>
+          </p:cNvPr>
+          <p:cNvPicPr>
+            <a:picLocks noChangeAspect="1"/>
+          </p:cNvPicPr>
+          <p:nvPr/>
+        </p:nvPicPr>
+        <p:blipFill>
+          <a:blip r:embed="rId2">
+            <a:extLst>
+              <a:ext uri="{28A0092B-C50C-407E-A947-70E740481C1C}">
+                <a14:useLocalDpi xmlns:a14="http://schemas.microsoft.com/office/drawing/2010/main" val="0"/>
+              </a:ext>
+            </a:extLst>
+          </a:blip>
+          <a:stretch>
+            <a:fillRect/>
+          </a:stretch>
+        </p:blipFill>
+        <p:spPr>
+          <a:xfrm>
+            <a:off x="1600161" y="1970325"/>
+            <a:ext cx="2187226" cy="1458675"/>
+          </a:xfrm>
+          <a:prstGeom prst="rect">
+            <a:avLst/>
+          </a:prstGeom>
+        </p:spPr>
+      </p:pic>
+      <p:sp>
+        <p:nvSpPr>
+          <p:cNvPr id="7" name="TextBox 6">
+            <a:extLst>
+              <a:ext uri="{FF2B5EF4-FFF2-40B4-BE49-F238E27FC236}">
+                <a16:creationId xmlns:a16="http://schemas.microsoft.com/office/drawing/2014/main" id="{E89F74A1-C791-4549-A715-EFDAB4161597}"/>
+              </a:ext>
+            </a:extLst>
+          </p:cNvPr>
+          <p:cNvSpPr txBox="1"/>
+          <p:nvPr/>
+        </p:nvSpPr>
+        <p:spPr>
+          <a:xfrm>
+            <a:off x="4079651" y="2185634"/>
+            <a:ext cx="6096982" cy="923330"/>
+          </a:xfrm>
+          <a:prstGeom prst="rect">
+            <a:avLst/>
+          </a:prstGeom>
+          <a:noFill/>
+        </p:spPr>
+        <p:txBody>
+          <a:bodyPr wrap="square">
+            <a:spAutoFit/>
+          </a:bodyPr>
+          <a:lstStyle/>
+          <a:p>
+            <a:r>
+              <a:rPr lang="en-US" b="0" i="0" dirty="0">
+                <a:effectLst/>
+                <a:latin typeface="Poppins Light" panose="00000400000000000000" pitchFamily="2" charset="0"/>
+                <a:cs typeface="Poppins Light" panose="00000400000000000000" pitchFamily="2" charset="0"/>
+              </a:rPr>
+              <a:t>'The First 5000 Days', the 1st purely digital NFT based artwork offered by a major auction house has sold for $69,346,250.</a:t>
+            </a:r>
+            <a:endParaRPr lang="en-CA" dirty="0">
+              <a:latin typeface="Poppins Light" panose="00000400000000000000" pitchFamily="2" charset="0"/>
+              <a:cs typeface="Poppins Light" panose="00000400000000000000" pitchFamily="2" charset="0"/>
+            </a:endParaRPr>
+          </a:p>
+        </p:txBody>
+      </p:sp>
+      <p:pic>
+        <p:nvPicPr>
+          <p:cNvPr id="11" name="Picture 10">
+            <a:extLst>
+              <a:ext uri="{FF2B5EF4-FFF2-40B4-BE49-F238E27FC236}">
+                <a16:creationId xmlns:a16="http://schemas.microsoft.com/office/drawing/2014/main" id="{EC9F9DA1-6B92-4384-9331-E563A56A35E6}"/>
+              </a:ext>
+            </a:extLst>
+          </p:cNvPr>
+          <p:cNvPicPr>
+            <a:picLocks noChangeAspect="1"/>
+          </p:cNvPicPr>
+          <p:nvPr/>
+        </p:nvPicPr>
+        <p:blipFill>
+          <a:blip r:embed="rId3">
+            <a:extLst>
+              <a:ext uri="{28A0092B-C50C-407E-A947-70E740481C1C}">
+                <a14:useLocalDpi xmlns:a14="http://schemas.microsoft.com/office/drawing/2010/main" val="0"/>
+              </a:ext>
+            </a:extLst>
+          </a:blip>
+          <a:stretch>
+            <a:fillRect/>
+          </a:stretch>
+        </p:blipFill>
+        <p:spPr>
+          <a:xfrm>
+            <a:off x="1600161" y="3906039"/>
+            <a:ext cx="2201294" cy="616916"/>
+          </a:xfrm>
+          <a:prstGeom prst="rect">
+            <a:avLst/>
+          </a:prstGeom>
+        </p:spPr>
+      </p:pic>
+      <p:sp>
+        <p:nvSpPr>
+          <p:cNvPr id="15" name="TextBox 14">
+            <a:extLst>
+              <a:ext uri="{FF2B5EF4-FFF2-40B4-BE49-F238E27FC236}">
+                <a16:creationId xmlns:a16="http://schemas.microsoft.com/office/drawing/2014/main" id="{A55A48C8-7949-4E6E-BA11-39FE24CCE133}"/>
+              </a:ext>
+            </a:extLst>
+          </p:cNvPr>
+          <p:cNvSpPr txBox="1"/>
+          <p:nvPr/>
+        </p:nvSpPr>
+        <p:spPr>
+          <a:xfrm>
+            <a:off x="4079651" y="3712612"/>
+            <a:ext cx="5978749" cy="923330"/>
+          </a:xfrm>
+          <a:prstGeom prst="rect">
+            <a:avLst/>
+          </a:prstGeom>
+          <a:noFill/>
+        </p:spPr>
+        <p:txBody>
+          <a:bodyPr wrap="square">
+            <a:spAutoFit/>
+          </a:bodyPr>
+          <a:lstStyle/>
+          <a:p>
+            <a:r>
+              <a:rPr lang="en-US" b="0" i="0" dirty="0">
+                <a:effectLst/>
+                <a:latin typeface="Poppins Light" panose="00000400000000000000" pitchFamily="2" charset="0"/>
+                <a:cs typeface="Poppins Light" panose="00000400000000000000" pitchFamily="2" charset="0"/>
+              </a:rPr>
+              <a:t>Revenue at </a:t>
+            </a:r>
+            <a:r>
+              <a:rPr lang="en-US" b="0" i="0" dirty="0" err="1">
+                <a:effectLst/>
+                <a:latin typeface="Poppins Light" panose="00000400000000000000" pitchFamily="2" charset="0"/>
+                <a:cs typeface="Poppins Light" panose="00000400000000000000" pitchFamily="2" charset="0"/>
+              </a:rPr>
+              <a:t>OnlyFans</a:t>
+            </a:r>
+            <a:r>
+              <a:rPr lang="en-US" dirty="0">
+                <a:latin typeface="Poppins Light" panose="00000400000000000000" pitchFamily="2" charset="0"/>
+                <a:cs typeface="Poppins Light" panose="00000400000000000000" pitchFamily="2" charset="0"/>
+              </a:rPr>
+              <a:t> </a:t>
+            </a:r>
+            <a:r>
+              <a:rPr lang="en-US" b="0" i="0" dirty="0">
+                <a:effectLst/>
+                <a:latin typeface="Poppins Light" panose="00000400000000000000" pitchFamily="2" charset="0"/>
+                <a:cs typeface="Poppins Light" panose="00000400000000000000" pitchFamily="2" charset="0"/>
+              </a:rPr>
+              <a:t>grew by 553% in the year 2019 to November 2020, and users spent $2.36 billion on the adult </a:t>
+            </a:r>
+            <a:r>
+              <a:rPr lang="en-US" dirty="0">
+                <a:latin typeface="Poppins Light" panose="00000400000000000000" pitchFamily="2" charset="0"/>
+                <a:cs typeface="Poppins Light" panose="00000400000000000000" pitchFamily="2" charset="0"/>
+              </a:rPr>
+              <a:t>creator web</a:t>
+            </a:r>
+            <a:r>
+              <a:rPr lang="en-US" b="0" i="0" dirty="0">
+                <a:effectLst/>
+                <a:latin typeface="Poppins Light" panose="00000400000000000000" pitchFamily="2" charset="0"/>
+                <a:cs typeface="Poppins Light" panose="00000400000000000000" pitchFamily="2" charset="0"/>
+              </a:rPr>
+              <a:t>site.</a:t>
+            </a:r>
+            <a:endParaRPr lang="en-CA" dirty="0">
+              <a:latin typeface="Poppins Light" panose="00000400000000000000" pitchFamily="2" charset="0"/>
+              <a:cs typeface="Poppins Light" panose="00000400000000000000" pitchFamily="2" charset="0"/>
+            </a:endParaRPr>
+          </a:p>
+        </p:txBody>
+      </p:sp>
+      <p:sp>
+        <p:nvSpPr>
+          <p:cNvPr id="17" name="TextBox 16">
+            <a:extLst>
+              <a:ext uri="{FF2B5EF4-FFF2-40B4-BE49-F238E27FC236}">
+                <a16:creationId xmlns:a16="http://schemas.microsoft.com/office/drawing/2014/main" id="{C432161A-4D66-4E4F-B06D-46F2185B0106}"/>
+              </a:ext>
+            </a:extLst>
+          </p:cNvPr>
+          <p:cNvSpPr txBox="1"/>
+          <p:nvPr/>
+        </p:nvSpPr>
+        <p:spPr>
+          <a:xfrm>
+            <a:off x="4079651" y="5286833"/>
+            <a:ext cx="6096982" cy="923330"/>
+          </a:xfrm>
+          <a:prstGeom prst="rect">
+            <a:avLst/>
+          </a:prstGeom>
+          <a:noFill/>
+        </p:spPr>
+        <p:txBody>
+          <a:bodyPr wrap="square">
+            <a:spAutoFit/>
+          </a:bodyPr>
+          <a:lstStyle/>
+          <a:p>
+            <a:pPr algn="l"/>
+            <a:r>
+              <a:rPr lang="en-US" b="0" i="0" dirty="0">
+                <a:solidFill>
+                  <a:srgbClr val="000000"/>
+                </a:solidFill>
+                <a:effectLst/>
+                <a:latin typeface="Poppins Light" panose="00000400000000000000" pitchFamily="2" charset="0"/>
+                <a:cs typeface="Poppins Light" panose="00000400000000000000" pitchFamily="2" charset="0"/>
+              </a:rPr>
+              <a:t>NFTs have a nearly $28 billion market cap with sports-related NFTs — such as the NBA’s Top Shots trading cards — being the most popular.</a:t>
+            </a:r>
+          </a:p>
+        </p:txBody>
+      </p:sp>
+      <p:pic>
+        <p:nvPicPr>
+          <p:cNvPr id="23" name="Picture 22">
+            <a:extLst>
+              <a:ext uri="{FF2B5EF4-FFF2-40B4-BE49-F238E27FC236}">
+                <a16:creationId xmlns:a16="http://schemas.microsoft.com/office/drawing/2014/main" id="{2562D219-4DA8-47D6-BC1D-4A969DEEAE2F}"/>
+              </a:ext>
+            </a:extLst>
+          </p:cNvPr>
+          <p:cNvPicPr>
+            <a:picLocks noChangeAspect="1"/>
+          </p:cNvPicPr>
+          <p:nvPr/>
+        </p:nvPicPr>
+        <p:blipFill>
+          <a:blip r:embed="rId4">
+            <a:extLst>
+              <a:ext uri="{28A0092B-C50C-407E-A947-70E740481C1C}">
+                <a14:useLocalDpi xmlns:a14="http://schemas.microsoft.com/office/drawing/2010/main" val="0"/>
+              </a:ext>
+            </a:extLst>
+          </a:blip>
+          <a:stretch>
+            <a:fillRect/>
+          </a:stretch>
+        </p:blipFill>
+        <p:spPr>
+          <a:xfrm>
+            <a:off x="1666270" y="4945052"/>
+            <a:ext cx="1996010" cy="1497008"/>
+          </a:xfrm>
+          <a:prstGeom prst="rect">
+            <a:avLst/>
+          </a:prstGeom>
+        </p:spPr>
+      </p:pic>
+      <p:pic>
+        <p:nvPicPr>
+          <p:cNvPr id="4" name="Picture 3">
+            <a:extLst>
+              <a:ext uri="{FF2B5EF4-FFF2-40B4-BE49-F238E27FC236}">
+                <a16:creationId xmlns:a16="http://schemas.microsoft.com/office/drawing/2014/main" id="{71978409-092D-423E-9CD8-7F608256DD57}"/>
+              </a:ext>
+            </a:extLst>
+          </p:cNvPr>
+          <p:cNvPicPr>
+            <a:picLocks noChangeAspect="1"/>
+          </p:cNvPicPr>
+          <p:nvPr/>
+        </p:nvPicPr>
+        <p:blipFill>
+          <a:blip r:embed="rId5">
+            <a:extLst>
+              <a:ext uri="{28A0092B-C50C-407E-A947-70E740481C1C}">
+                <a14:useLocalDpi xmlns:a14="http://schemas.microsoft.com/office/drawing/2010/main" val="0"/>
+              </a:ext>
+            </a:extLst>
+          </a:blip>
+          <a:stretch>
+            <a:fillRect/>
+          </a:stretch>
+        </p:blipFill>
+        <p:spPr>
+          <a:xfrm>
+            <a:off x="10821814" y="660728"/>
+            <a:ext cx="531986" cy="531986"/>
+          </a:xfrm>
+          <a:prstGeom prst="rect">
+            <a:avLst/>
+          </a:prstGeom>
+        </p:spPr>
+      </p:pic>
     </p:spTree>
     <p:extLst>
       <p:ext uri="{BB962C8B-B14F-4D97-AF65-F5344CB8AC3E}">

--- a/own-me-pitch.pptx
+++ b/own-me-pitch.pptx
@@ -3902,8 +3902,8 @@
           <a:lstStyle/>
           <a:p>
             <a:r>
-              <a:rPr lang="en-US" dirty="0" err="1"/>
-              <a:t>Conlclusion</a:t>
+              <a:rPr lang="en-US" dirty="0"/>
+              <a:t>Conclusion</a:t>
             </a:r>
             <a:endParaRPr lang="en-CA" dirty="0"/>
           </a:p>
@@ -4320,11 +4320,18 @@
                 <a:latin typeface="Poppins Medium" panose="00000600000000000000" pitchFamily="2" charset="0"/>
                 <a:cs typeface="Poppins Medium" panose="00000600000000000000" pitchFamily="2" charset="0"/>
               </a:rPr>
-              <a:t>1.) Use the Ethereum blockchain instead of traditional banking solutions like Visa / PayPal.</a:t>
+              <a:t>1.) </a:t>
+            </a:r>
+            <a:r>
+              <a:rPr lang="en-US" sz="2000" dirty="0">
+                <a:latin typeface="Poppins Light" panose="00000400000000000000" pitchFamily="2" charset="0"/>
+                <a:cs typeface="Poppins Light" panose="00000400000000000000" pitchFamily="2" charset="0"/>
+              </a:rPr>
+              <a:t>Use the Ethereum blockchain instead of traditional banking solutions like Visa / PayPal.</a:t>
             </a:r>
             <a:endParaRPr lang="en-CA" sz="2000" dirty="0">
-              <a:latin typeface="Poppins Medium" panose="00000600000000000000" pitchFamily="2" charset="0"/>
-              <a:cs typeface="Poppins Medium" panose="00000600000000000000" pitchFamily="2" charset="0"/>
+              <a:latin typeface="Poppins Light" panose="00000400000000000000" pitchFamily="2" charset="0"/>
+              <a:cs typeface="Poppins Light" panose="00000400000000000000" pitchFamily="2" charset="0"/>
             </a:endParaRPr>
           </a:p>
         </p:txBody>
@@ -4343,7 +4350,7 @@
         </p:nvSpPr>
         <p:spPr>
           <a:xfrm>
-            <a:off x="4252381" y="2666972"/>
+            <a:off x="4292056" y="2522294"/>
             <a:ext cx="3376331" cy="1015663"/>
           </a:xfrm>
           <a:prstGeom prst="rect">
@@ -4362,11 +4369,18 @@
                 <a:latin typeface="Poppins Medium" panose="00000600000000000000" pitchFamily="2" charset="0"/>
                 <a:cs typeface="Poppins Medium" panose="00000600000000000000" pitchFamily="2" charset="0"/>
               </a:rPr>
-              <a:t>2.) Use decentralized NFT technology to store creators content.</a:t>
+              <a:t>2.) </a:t>
+            </a:r>
+            <a:r>
+              <a:rPr lang="en-US" sz="2000" dirty="0">
+                <a:latin typeface="Poppins Light" panose="00000400000000000000" pitchFamily="2" charset="0"/>
+                <a:cs typeface="Poppins Light" panose="00000400000000000000" pitchFamily="2" charset="0"/>
+              </a:rPr>
+              <a:t>Use decentralized NFT technology to store creators content.</a:t>
             </a:r>
             <a:endParaRPr lang="en-CA" sz="2000" dirty="0">
-              <a:latin typeface="Poppins Medium" panose="00000600000000000000" pitchFamily="2" charset="0"/>
-              <a:cs typeface="Poppins Medium" panose="00000600000000000000" pitchFamily="2" charset="0"/>
+              <a:latin typeface="Poppins Light" panose="00000400000000000000" pitchFamily="2" charset="0"/>
+              <a:cs typeface="Poppins Light" panose="00000400000000000000" pitchFamily="2" charset="0"/>
             </a:endParaRPr>
           </a:p>
         </p:txBody>
@@ -4385,8 +4399,8 @@
         </p:nvSpPr>
         <p:spPr>
           <a:xfrm>
-            <a:off x="8154629" y="2513084"/>
-            <a:ext cx="3720772" cy="1323439"/>
+            <a:off x="8095634" y="2474636"/>
+            <a:ext cx="3862358" cy="1323439"/>
           </a:xfrm>
           <a:prstGeom prst="rect">
             <a:avLst/>
@@ -4404,11 +4418,18 @@
                 <a:latin typeface="Poppins Medium" panose="00000600000000000000" pitchFamily="2" charset="0"/>
                 <a:cs typeface="Poppins Medium" panose="00000600000000000000" pitchFamily="2" charset="0"/>
               </a:rPr>
-              <a:t>3.) Create a trendy designed app experience tailored specifically for the adult content industry.</a:t>
+              <a:t>3.) </a:t>
+            </a:r>
+            <a:r>
+              <a:rPr lang="en-US" sz="2000" dirty="0">
+                <a:latin typeface="Poppins Light" panose="00000400000000000000" pitchFamily="2" charset="0"/>
+                <a:cs typeface="Poppins Light" panose="00000400000000000000" pitchFamily="2" charset="0"/>
+              </a:rPr>
+              <a:t>Create a trendy designed social app experience tailored specifically for the adult content industry.</a:t>
             </a:r>
             <a:endParaRPr lang="en-CA" sz="2000" dirty="0">
-              <a:latin typeface="Poppins Medium" panose="00000600000000000000" pitchFamily="2" charset="0"/>
-              <a:cs typeface="Poppins Medium" panose="00000600000000000000" pitchFamily="2" charset="0"/>
+              <a:latin typeface="Poppins Light" panose="00000400000000000000" pitchFamily="2" charset="0"/>
+              <a:cs typeface="Poppins Light" panose="00000400000000000000" pitchFamily="2" charset="0"/>
             </a:endParaRPr>
           </a:p>
         </p:txBody>
@@ -4552,7 +4573,7 @@
         </p:blipFill>
         <p:spPr>
           <a:xfrm>
-            <a:off x="9023923" y="4326485"/>
+            <a:off x="9124212" y="4326483"/>
             <a:ext cx="1364841" cy="1364841"/>
           </a:xfrm>
           <a:prstGeom prst="rect">
@@ -4824,7 +4845,7 @@
               <a:rPr lang="en-US" sz="1400" dirty="0">
                 <a:latin typeface="Yeseva One" panose="00000500000000000000" pitchFamily="2" charset="0"/>
               </a:rPr>
-              <a:t>Adult Content Industry</a:t>
+              <a:t>Ethereum Market Cap</a:t>
             </a:r>
           </a:p>
           <a:p>
@@ -5627,7 +5648,7 @@
         </p:nvCxnSpPr>
         <p:spPr>
           <a:xfrm flipV="1">
-            <a:off x="4341923" y="2619312"/>
+            <a:off x="973029" y="2799795"/>
             <a:ext cx="2601615" cy="24582"/>
           </a:xfrm>
           <a:prstGeom prst="line">
@@ -5635,7 +5656,10 @@
           </a:prstGeom>
           <a:ln>
             <a:solidFill>
-              <a:srgbClr val="FB74FE"/>
+              <a:schemeClr val="accent3">
+                <a:lumMod val="60000"/>
+                <a:lumOff val="40000"/>
+              </a:schemeClr>
             </a:solidFill>
           </a:ln>
         </p:spPr>
@@ -5670,7 +5694,7 @@
         </p:nvCxnSpPr>
         <p:spPr>
           <a:xfrm flipV="1">
-            <a:off x="4341925" y="3177194"/>
+            <a:off x="973031" y="3357677"/>
             <a:ext cx="2601615" cy="24582"/>
           </a:xfrm>
           <a:prstGeom prst="line">
@@ -5678,7 +5702,10 @@
           </a:prstGeom>
           <a:ln>
             <a:solidFill>
-              <a:srgbClr val="FB74FE"/>
+              <a:schemeClr val="accent3">
+                <a:lumMod val="60000"/>
+                <a:lumOff val="40000"/>
+              </a:schemeClr>
             </a:solidFill>
           </a:ln>
         </p:spPr>
@@ -5758,43 +5785,11 @@
         </p:blipFill>
         <p:spPr>
           <a:xfrm>
-            <a:off x="10696070" y="699041"/>
-            <a:ext cx="657730" cy="657730"/>
+            <a:off x="10870593" y="786302"/>
+            <a:ext cx="483207" cy="483207"/>
           </a:xfrm>
         </p:spPr>
       </p:pic>
-      <p:sp>
-        <p:nvSpPr>
-          <p:cNvPr id="7" name="TextBox 6">
-            <a:extLst>
-              <a:ext uri="{FF2B5EF4-FFF2-40B4-BE49-F238E27FC236}">
-                <a16:creationId xmlns:a16="http://schemas.microsoft.com/office/drawing/2014/main" id="{9BAE40B2-2CB5-4641-BE9E-9692B92F4B73}"/>
-              </a:ext>
-            </a:extLst>
-          </p:cNvPr>
-          <p:cNvSpPr txBox="1"/>
-          <p:nvPr/>
-        </p:nvSpPr>
-        <p:spPr>
-          <a:xfrm>
-            <a:off x="3048492" y="3245809"/>
-            <a:ext cx="6096982" cy="369332"/>
-          </a:xfrm>
-          <a:prstGeom prst="rect">
-            <a:avLst/>
-          </a:prstGeom>
-          <a:noFill/>
-        </p:spPr>
-        <p:txBody>
-          <a:bodyPr wrap="square">
-            <a:spAutoFit/>
-          </a:bodyPr>
-          <a:lstStyle/>
-          <a:p>
-            <a:endParaRPr lang="en-CA" dirty="0"/>
-          </a:p>
-        </p:txBody>
-      </p:sp>
       <p:cxnSp>
         <p:nvCxnSpPr>
           <p:cNvPr id="14" name="Straight Connector 13">
@@ -5811,7 +5806,7 @@
         </p:nvCxnSpPr>
         <p:spPr>
           <a:xfrm>
-            <a:off x="4094153" y="2914280"/>
+            <a:off x="725259" y="3094763"/>
             <a:ext cx="3126658" cy="0"/>
           </a:xfrm>
           <a:prstGeom prst="line">
@@ -5819,19 +5814,19 @@
           </a:prstGeom>
           <a:ln>
             <a:solidFill>
-              <a:srgbClr val="FB74FE"/>
+              <a:srgbClr val="FFC000"/>
             </a:solidFill>
           </a:ln>
         </p:spPr>
         <p:style>
-          <a:lnRef idx="1">
-            <a:schemeClr val="accent1"/>
+          <a:lnRef idx="2">
+            <a:schemeClr val="accent3"/>
           </a:lnRef>
           <a:fillRef idx="0">
-            <a:schemeClr val="accent1"/>
+            <a:schemeClr val="accent3"/>
           </a:fillRef>
-          <a:effectRef idx="0">
-            <a:schemeClr val="accent1"/>
+          <a:effectRef idx="1">
+            <a:schemeClr val="accent3"/>
           </a:effectRef>
           <a:fontRef idx="minor">
             <a:schemeClr val="tx1"/>
@@ -5852,12 +5847,15 @@
         </p:nvSpPr>
         <p:spPr>
           <a:xfrm>
-            <a:off x="4557252" y="1910784"/>
+            <a:off x="1188358" y="2091267"/>
             <a:ext cx="2170962" cy="2006993"/>
           </a:xfrm>
           <a:prstGeom prst="ellipse">
             <a:avLst/>
           </a:prstGeom>
+          <a:solidFill>
+            <a:schemeClr val="accent2"/>
+          </a:solidFill>
         </p:spPr>
         <p:style>
           <a:lnRef idx="2">
@@ -5912,7 +5910,7 @@
         </p:blipFill>
         <p:spPr>
           <a:xfrm>
-            <a:off x="4637747" y="1956404"/>
+            <a:off x="1268853" y="2136887"/>
             <a:ext cx="2009969" cy="1915751"/>
           </a:xfrm>
           <a:prstGeom prst="rect">
@@ -5934,7 +5932,7 @@
         </p:nvSpPr>
         <p:spPr>
           <a:xfrm>
-            <a:off x="4364666" y="4449656"/>
+            <a:off x="995772" y="4630139"/>
             <a:ext cx="2688630" cy="276999"/>
           </a:xfrm>
           <a:prstGeom prst="rect">
@@ -5976,8 +5974,8 @@
         </p:nvSpPr>
         <p:spPr>
           <a:xfrm>
-            <a:off x="4341925" y="4019017"/>
-            <a:ext cx="2662084" cy="369332"/>
+            <a:off x="973030" y="4199500"/>
+            <a:ext cx="2711371" cy="369332"/>
           </a:xfrm>
           <a:prstGeom prst="rect">
             <a:avLst/>
@@ -6013,10 +6011,10 @@
       </p:sp>
       <p:cxnSp>
         <p:nvCxnSpPr>
-          <p:cNvPr id="28" name="Straight Connector 27">
-            <a:extLst>
-              <a:ext uri="{FF2B5EF4-FFF2-40B4-BE49-F238E27FC236}">
-                <a16:creationId xmlns:a16="http://schemas.microsoft.com/office/drawing/2014/main" id="{9638F59D-7A8A-48BB-8E08-C745C940895B}"/>
+          <p:cNvPr id="42" name="Straight Connector 41">
+            <a:extLst>
+              <a:ext uri="{FF2B5EF4-FFF2-40B4-BE49-F238E27FC236}">
+                <a16:creationId xmlns:a16="http://schemas.microsoft.com/office/drawing/2014/main" id="{C7FEB43B-6C76-41DC-8609-A6E9B07F2357}"/>
               </a:ext>
             </a:extLst>
           </p:cNvPr>
@@ -6027,7 +6025,7 @@
         </p:nvCxnSpPr>
         <p:spPr>
           <a:xfrm flipV="1">
-            <a:off x="8329033" y="2573692"/>
+            <a:off x="4795191" y="2799795"/>
             <a:ext cx="2601615" cy="24582"/>
           </a:xfrm>
           <a:prstGeom prst="line">
@@ -6035,7 +6033,10 @@
           </a:prstGeom>
           <a:ln>
             <a:solidFill>
-              <a:srgbClr val="FB74FE"/>
+              <a:schemeClr val="accent3">
+                <a:lumMod val="60000"/>
+                <a:lumOff val="40000"/>
+              </a:schemeClr>
             </a:solidFill>
           </a:ln>
         </p:spPr>
@@ -6056,10 +6057,10 @@
       </p:cxnSp>
       <p:cxnSp>
         <p:nvCxnSpPr>
-          <p:cNvPr id="29" name="Straight Connector 28">
-            <a:extLst>
-              <a:ext uri="{FF2B5EF4-FFF2-40B4-BE49-F238E27FC236}">
-                <a16:creationId xmlns:a16="http://schemas.microsoft.com/office/drawing/2014/main" id="{30E92CCE-B584-44E7-8A0B-00F4F69CA0E3}"/>
+          <p:cNvPr id="43" name="Straight Connector 42">
+            <a:extLst>
+              <a:ext uri="{FF2B5EF4-FFF2-40B4-BE49-F238E27FC236}">
+                <a16:creationId xmlns:a16="http://schemas.microsoft.com/office/drawing/2014/main" id="{8A0CA6D1-065B-4201-9574-0BDA1EEC0952}"/>
               </a:ext>
             </a:extLst>
           </p:cNvPr>
@@ -6070,7 +6071,7 @@
         </p:nvCxnSpPr>
         <p:spPr>
           <a:xfrm flipV="1">
-            <a:off x="8329035" y="3131574"/>
+            <a:off x="4795193" y="3357677"/>
             <a:ext cx="2601615" cy="24582"/>
           </a:xfrm>
           <a:prstGeom prst="line">
@@ -6078,7 +6079,10 @@
           </a:prstGeom>
           <a:ln>
             <a:solidFill>
-              <a:srgbClr val="FB74FE"/>
+              <a:schemeClr val="accent3">
+                <a:lumMod val="60000"/>
+                <a:lumOff val="40000"/>
+              </a:schemeClr>
             </a:solidFill>
           </a:ln>
         </p:spPr>
@@ -6099,10 +6103,10 @@
       </p:cxnSp>
       <p:cxnSp>
         <p:nvCxnSpPr>
-          <p:cNvPr id="30" name="Straight Connector 29">
-            <a:extLst>
-              <a:ext uri="{FF2B5EF4-FFF2-40B4-BE49-F238E27FC236}">
-                <a16:creationId xmlns:a16="http://schemas.microsoft.com/office/drawing/2014/main" id="{309F7B50-9E58-4267-AE41-4EDB298A690A}"/>
+          <p:cNvPr id="44" name="Straight Connector 43">
+            <a:extLst>
+              <a:ext uri="{FF2B5EF4-FFF2-40B4-BE49-F238E27FC236}">
+                <a16:creationId xmlns:a16="http://schemas.microsoft.com/office/drawing/2014/main" id="{55D905D5-597F-4FCB-AD16-B031C1764589}"/>
               </a:ext>
             </a:extLst>
           </p:cNvPr>
@@ -6113,7 +6117,7 @@
         </p:nvCxnSpPr>
         <p:spPr>
           <a:xfrm>
-            <a:off x="7989204" y="3917777"/>
+            <a:off x="4547421" y="3094763"/>
             <a:ext cx="3126658" cy="0"/>
           </a:xfrm>
           <a:prstGeom prst="line">
@@ -6126,14 +6130,14 @@
           </a:ln>
         </p:spPr>
         <p:style>
-          <a:lnRef idx="1">
-            <a:schemeClr val="accent1"/>
+          <a:lnRef idx="2">
+            <a:schemeClr val="accent3"/>
           </a:lnRef>
           <a:fillRef idx="0">
-            <a:schemeClr val="accent1"/>
+            <a:schemeClr val="accent3"/>
           </a:fillRef>
-          <a:effectRef idx="0">
-            <a:schemeClr val="accent1"/>
+          <a:effectRef idx="1">
+            <a:schemeClr val="accent3"/>
           </a:effectRef>
           <a:fontRef idx="minor">
             <a:schemeClr val="tx1"/>
@@ -6142,10 +6146,10 @@
       </p:cxnSp>
       <p:sp>
         <p:nvSpPr>
-          <p:cNvPr id="31" name="Oval 30">
-            <a:extLst>
-              <a:ext uri="{FF2B5EF4-FFF2-40B4-BE49-F238E27FC236}">
-                <a16:creationId xmlns:a16="http://schemas.microsoft.com/office/drawing/2014/main" id="{EF7BE01E-7369-4890-A19C-D39D3BB52C62}"/>
+          <p:cNvPr id="45" name="Oval 44">
+            <a:extLst>
+              <a:ext uri="{FF2B5EF4-FFF2-40B4-BE49-F238E27FC236}">
+                <a16:creationId xmlns:a16="http://schemas.microsoft.com/office/drawing/2014/main" id="{7E1B78C5-F887-491D-8D3F-1315B786C1C8}"/>
               </a:ext>
             </a:extLst>
           </p:cNvPr>
@@ -6154,12 +6158,15 @@
         </p:nvSpPr>
         <p:spPr>
           <a:xfrm>
-            <a:off x="8544362" y="1865164"/>
+            <a:off x="5010520" y="2091267"/>
             <a:ext cx="2170962" cy="2006993"/>
           </a:xfrm>
           <a:prstGeom prst="ellipse">
             <a:avLst/>
           </a:prstGeom>
+          <a:solidFill>
+            <a:srgbClr val="FB74FE"/>
+          </a:solidFill>
         </p:spPr>
         <p:style>
           <a:lnRef idx="2">
@@ -6186,12 +6193,104 @@
           </a:p>
         </p:txBody>
       </p:sp>
+      <p:sp>
+        <p:nvSpPr>
+          <p:cNvPr id="47" name="TextBox 46">
+            <a:extLst>
+              <a:ext uri="{FF2B5EF4-FFF2-40B4-BE49-F238E27FC236}">
+                <a16:creationId xmlns:a16="http://schemas.microsoft.com/office/drawing/2014/main" id="{B1E60453-717B-4F8A-92F4-81315775A76D}"/>
+              </a:ext>
+            </a:extLst>
+          </p:cNvPr>
+          <p:cNvSpPr txBox="1"/>
+          <p:nvPr/>
+        </p:nvSpPr>
+        <p:spPr>
+          <a:xfrm>
+            <a:off x="5010520" y="4622666"/>
+            <a:ext cx="2780435" cy="276999"/>
+          </a:xfrm>
+          <a:prstGeom prst="rect">
+            <a:avLst/>
+          </a:prstGeom>
+          <a:noFill/>
+        </p:spPr>
+        <p:txBody>
+          <a:bodyPr wrap="square" rtlCol="0">
+            <a:spAutoFit/>
+          </a:bodyPr>
+          <a:lstStyle/>
+          <a:p>
+            <a:r>
+              <a:rPr lang="en-US" sz="1200" dirty="0">
+                <a:latin typeface="Poppins Medium" panose="00000600000000000000" pitchFamily="2" charset="0"/>
+                <a:cs typeface="Poppins Medium" panose="00000600000000000000" pitchFamily="2" charset="0"/>
+              </a:rPr>
+              <a:t>Lead Designer / Digital Artist</a:t>
+            </a:r>
+            <a:endParaRPr lang="en-CA" sz="1200" dirty="0">
+              <a:latin typeface="Poppins Medium" panose="00000600000000000000" pitchFamily="2" charset="0"/>
+              <a:cs typeface="Poppins Medium" panose="00000600000000000000" pitchFamily="2" charset="0"/>
+            </a:endParaRPr>
+          </a:p>
+        </p:txBody>
+      </p:sp>
+      <p:sp>
+        <p:nvSpPr>
+          <p:cNvPr id="48" name="TextBox 47">
+            <a:extLst>
+              <a:ext uri="{FF2B5EF4-FFF2-40B4-BE49-F238E27FC236}">
+                <a16:creationId xmlns:a16="http://schemas.microsoft.com/office/drawing/2014/main" id="{50A24164-1B87-458B-B9BF-66EF8DE0310D}"/>
+              </a:ext>
+            </a:extLst>
+          </p:cNvPr>
+          <p:cNvSpPr txBox="1"/>
+          <p:nvPr/>
+        </p:nvSpPr>
+        <p:spPr>
+          <a:xfrm>
+            <a:off x="4795192" y="4199500"/>
+            <a:ext cx="2711371" cy="369332"/>
+          </a:xfrm>
+          <a:prstGeom prst="rect">
+            <a:avLst/>
+          </a:prstGeom>
+          <a:noFill/>
+        </p:spPr>
+        <p:txBody>
+          <a:bodyPr wrap="square">
+            <a:spAutoFit/>
+          </a:bodyPr>
+          <a:lstStyle/>
+          <a:p>
+            <a:pPr algn="ctr"/>
+            <a:r>
+              <a:rPr lang="en-US" dirty="0">
+                <a:latin typeface="Yeseva One" panose="00000500000000000000" pitchFamily="2" charset="0"/>
+                <a:cs typeface="Poppins Medium" panose="00000600000000000000" pitchFamily="2" charset="0"/>
+              </a:rPr>
+              <a:t>Sylvia </a:t>
+            </a:r>
+            <a:r>
+              <a:rPr lang="en-US" dirty="0" err="1">
+                <a:latin typeface="Yeseva One" panose="00000500000000000000" pitchFamily="2" charset="0"/>
+                <a:cs typeface="Poppins Medium" panose="00000600000000000000" pitchFamily="2" charset="0"/>
+              </a:rPr>
+              <a:t>Makuch</a:t>
+            </a:r>
+            <a:endParaRPr lang="en-CA" dirty="0">
+              <a:latin typeface="Yeseva One" panose="00000500000000000000" pitchFamily="2" charset="0"/>
+              <a:cs typeface="Poppins Medium" panose="00000600000000000000" pitchFamily="2" charset="0"/>
+            </a:endParaRPr>
+          </a:p>
+        </p:txBody>
+      </p:sp>
       <p:pic>
         <p:nvPicPr>
-          <p:cNvPr id="32" name="Picture 31">
-            <a:extLst>
-              <a:ext uri="{FF2B5EF4-FFF2-40B4-BE49-F238E27FC236}">
-                <a16:creationId xmlns:a16="http://schemas.microsoft.com/office/drawing/2014/main" id="{9052A233-CA89-4EB2-B58A-09C81E200AC9}"/>
+          <p:cNvPr id="4" name="Picture 3">
+            <a:extLst>
+              <a:ext uri="{FF2B5EF4-FFF2-40B4-BE49-F238E27FC236}">
+                <a16:creationId xmlns:a16="http://schemas.microsoft.com/office/drawing/2014/main" id="{0A812C7D-57E2-4A7C-AF75-550ADB94F130}"/>
               </a:ext>
             </a:extLst>
           </p:cNvPr>
@@ -6201,7 +6300,7 @@
           <p:nvPr/>
         </p:nvPicPr>
         <p:blipFill>
-          <a:blip r:embed="rId3">
+          <a:blip r:embed="rId4">
             <a:extLst>
               <a:ext uri="{28A0092B-C50C-407E-A947-70E740481C1C}">
                 <a14:useLocalDpi xmlns:a14="http://schemas.microsoft.com/office/drawing/2010/main" val="0"/>
@@ -6214,407 +6313,14 @@
         </p:blipFill>
         <p:spPr>
           <a:xfrm>
-            <a:off x="8624857" y="1910784"/>
-            <a:ext cx="2009969" cy="1915751"/>
+            <a:off x="5102975" y="2163003"/>
+            <a:ext cx="1986045" cy="1889635"/>
           </a:xfrm>
           <a:prstGeom prst="rect">
             <a:avLst/>
           </a:prstGeom>
         </p:spPr>
       </p:pic>
-      <p:sp>
-        <p:nvSpPr>
-          <p:cNvPr id="33" name="TextBox 32">
-            <a:extLst>
-              <a:ext uri="{FF2B5EF4-FFF2-40B4-BE49-F238E27FC236}">
-                <a16:creationId xmlns:a16="http://schemas.microsoft.com/office/drawing/2014/main" id="{688928A4-C147-47E4-8F5C-BEA8F6E0F3F6}"/>
-              </a:ext>
-            </a:extLst>
-          </p:cNvPr>
-          <p:cNvSpPr txBox="1"/>
-          <p:nvPr/>
-        </p:nvSpPr>
-        <p:spPr>
-          <a:xfrm>
-            <a:off x="8351776" y="4404036"/>
-            <a:ext cx="2688630" cy="276999"/>
-          </a:xfrm>
-          <a:prstGeom prst="rect">
-            <a:avLst/>
-          </a:prstGeom>
-          <a:noFill/>
-        </p:spPr>
-        <p:txBody>
-          <a:bodyPr wrap="square" rtlCol="0">
-            <a:spAutoFit/>
-          </a:bodyPr>
-          <a:lstStyle/>
-          <a:p>
-            <a:r>
-              <a:rPr lang="en-US" sz="1200" dirty="0">
-                <a:latin typeface="Poppins Medium" panose="00000600000000000000" pitchFamily="2" charset="0"/>
-                <a:cs typeface="Poppins Medium" panose="00000600000000000000" pitchFamily="2" charset="0"/>
-              </a:rPr>
-              <a:t>Founder / CEO / Lead Engineer</a:t>
-            </a:r>
-            <a:endParaRPr lang="en-CA" sz="1200" dirty="0">
-              <a:latin typeface="Poppins Medium" panose="00000600000000000000" pitchFamily="2" charset="0"/>
-              <a:cs typeface="Poppins Medium" panose="00000600000000000000" pitchFamily="2" charset="0"/>
-            </a:endParaRPr>
-          </a:p>
-        </p:txBody>
-      </p:sp>
-      <p:sp>
-        <p:nvSpPr>
-          <p:cNvPr id="34" name="TextBox 33">
-            <a:extLst>
-              <a:ext uri="{FF2B5EF4-FFF2-40B4-BE49-F238E27FC236}">
-                <a16:creationId xmlns:a16="http://schemas.microsoft.com/office/drawing/2014/main" id="{21180B2D-AF29-40B3-A42A-C4E6999E1461}"/>
-              </a:ext>
-            </a:extLst>
-          </p:cNvPr>
-          <p:cNvSpPr txBox="1"/>
-          <p:nvPr/>
-        </p:nvSpPr>
-        <p:spPr>
-          <a:xfrm>
-            <a:off x="8329035" y="3973397"/>
-            <a:ext cx="2662084" cy="369332"/>
-          </a:xfrm>
-          <a:prstGeom prst="rect">
-            <a:avLst/>
-          </a:prstGeom>
-          <a:noFill/>
-        </p:spPr>
-        <p:txBody>
-          <a:bodyPr wrap="square">
-            <a:spAutoFit/>
-          </a:bodyPr>
-          <a:lstStyle/>
-          <a:p>
-            <a:r>
-              <a:rPr lang="en-US" dirty="0">
-                <a:latin typeface="Yeseva One" panose="00000500000000000000" pitchFamily="2" charset="0"/>
-                <a:cs typeface="Poppins Medium" panose="00000600000000000000" pitchFamily="2" charset="0"/>
-              </a:rPr>
-              <a:t>Christopher </a:t>
-            </a:r>
-            <a:r>
-              <a:rPr lang="en-US" dirty="0" err="1">
-                <a:latin typeface="Yeseva One" panose="00000500000000000000" pitchFamily="2" charset="0"/>
-                <a:cs typeface="Poppins Medium" panose="00000600000000000000" pitchFamily="2" charset="0"/>
-              </a:rPr>
-              <a:t>Trimboli</a:t>
-            </a:r>
-            <a:endParaRPr lang="en-CA" dirty="0">
-              <a:latin typeface="Yeseva One" panose="00000500000000000000" pitchFamily="2" charset="0"/>
-              <a:cs typeface="Poppins Medium" panose="00000600000000000000" pitchFamily="2" charset="0"/>
-            </a:endParaRPr>
-          </a:p>
-        </p:txBody>
-      </p:sp>
-      <p:cxnSp>
-        <p:nvCxnSpPr>
-          <p:cNvPr id="35" name="Straight Connector 34">
-            <a:extLst>
-              <a:ext uri="{FF2B5EF4-FFF2-40B4-BE49-F238E27FC236}">
-                <a16:creationId xmlns:a16="http://schemas.microsoft.com/office/drawing/2014/main" id="{7F3B7412-9A69-4EBB-9F1E-0449CE91F37B}"/>
-              </a:ext>
-            </a:extLst>
-          </p:cNvPr>
-          <p:cNvCxnSpPr>
-            <a:cxnSpLocks/>
-          </p:cNvCxnSpPr>
-          <p:nvPr/>
-        </p:nvCxnSpPr>
-        <p:spPr>
-          <a:xfrm flipV="1">
-            <a:off x="550113" y="2766174"/>
-            <a:ext cx="2601615" cy="24582"/>
-          </a:xfrm>
-          <a:prstGeom prst="line">
-            <a:avLst/>
-          </a:prstGeom>
-          <a:ln>
-            <a:solidFill>
-              <a:srgbClr val="FB74FE"/>
-            </a:solidFill>
-          </a:ln>
-        </p:spPr>
-        <p:style>
-          <a:lnRef idx="1">
-            <a:schemeClr val="accent1"/>
-          </a:lnRef>
-          <a:fillRef idx="0">
-            <a:schemeClr val="accent1"/>
-          </a:fillRef>
-          <a:effectRef idx="0">
-            <a:schemeClr val="accent1"/>
-          </a:effectRef>
-          <a:fontRef idx="minor">
-            <a:schemeClr val="tx1"/>
-          </a:fontRef>
-        </p:style>
-      </p:cxnSp>
-      <p:cxnSp>
-        <p:nvCxnSpPr>
-          <p:cNvPr id="36" name="Straight Connector 35">
-            <a:extLst>
-              <a:ext uri="{FF2B5EF4-FFF2-40B4-BE49-F238E27FC236}">
-                <a16:creationId xmlns:a16="http://schemas.microsoft.com/office/drawing/2014/main" id="{0171B22F-4784-4DB6-92CB-EE00B1FC02F0}"/>
-              </a:ext>
-            </a:extLst>
-          </p:cNvPr>
-          <p:cNvCxnSpPr>
-            <a:cxnSpLocks/>
-          </p:cNvCxnSpPr>
-          <p:nvPr/>
-        </p:nvCxnSpPr>
-        <p:spPr>
-          <a:xfrm flipV="1">
-            <a:off x="550115" y="3324056"/>
-            <a:ext cx="2601615" cy="24582"/>
-          </a:xfrm>
-          <a:prstGeom prst="line">
-            <a:avLst/>
-          </a:prstGeom>
-          <a:ln>
-            <a:solidFill>
-              <a:srgbClr val="FB74FE"/>
-            </a:solidFill>
-          </a:ln>
-        </p:spPr>
-        <p:style>
-          <a:lnRef idx="1">
-            <a:schemeClr val="accent1"/>
-          </a:lnRef>
-          <a:fillRef idx="0">
-            <a:schemeClr val="accent1"/>
-          </a:fillRef>
-          <a:effectRef idx="0">
-            <a:schemeClr val="accent1"/>
-          </a:effectRef>
-          <a:fontRef idx="minor">
-            <a:schemeClr val="tx1"/>
-          </a:fontRef>
-        </p:style>
-      </p:cxnSp>
-      <p:cxnSp>
-        <p:nvCxnSpPr>
-          <p:cNvPr id="37" name="Straight Connector 36">
-            <a:extLst>
-              <a:ext uri="{FF2B5EF4-FFF2-40B4-BE49-F238E27FC236}">
-                <a16:creationId xmlns:a16="http://schemas.microsoft.com/office/drawing/2014/main" id="{58F9B50C-797F-4899-AC70-9D3EB80ED8C2}"/>
-              </a:ext>
-            </a:extLst>
-          </p:cNvPr>
-          <p:cNvCxnSpPr>
-            <a:cxnSpLocks/>
-          </p:cNvCxnSpPr>
-          <p:nvPr/>
-        </p:nvCxnSpPr>
-        <p:spPr>
-          <a:xfrm>
-            <a:off x="302343" y="3061142"/>
-            <a:ext cx="3126658" cy="0"/>
-          </a:xfrm>
-          <a:prstGeom prst="line">
-            <a:avLst/>
-          </a:prstGeom>
-          <a:ln>
-            <a:solidFill>
-              <a:srgbClr val="FB74FE"/>
-            </a:solidFill>
-          </a:ln>
-        </p:spPr>
-        <p:style>
-          <a:lnRef idx="1">
-            <a:schemeClr val="accent1"/>
-          </a:lnRef>
-          <a:fillRef idx="0">
-            <a:schemeClr val="accent1"/>
-          </a:fillRef>
-          <a:effectRef idx="0">
-            <a:schemeClr val="accent1"/>
-          </a:effectRef>
-          <a:fontRef idx="minor">
-            <a:schemeClr val="tx1"/>
-          </a:fontRef>
-        </p:style>
-      </p:cxnSp>
-      <p:sp>
-        <p:nvSpPr>
-          <p:cNvPr id="38" name="Oval 37">
-            <a:extLst>
-              <a:ext uri="{FF2B5EF4-FFF2-40B4-BE49-F238E27FC236}">
-                <a16:creationId xmlns:a16="http://schemas.microsoft.com/office/drawing/2014/main" id="{634F79DC-B5D1-4B64-928C-57A5C7B7210D}"/>
-              </a:ext>
-            </a:extLst>
-          </p:cNvPr>
-          <p:cNvSpPr/>
-          <p:nvPr/>
-        </p:nvSpPr>
-        <p:spPr>
-          <a:xfrm>
-            <a:off x="765442" y="2057646"/>
-            <a:ext cx="2170962" cy="2006993"/>
-          </a:xfrm>
-          <a:prstGeom prst="ellipse">
-            <a:avLst/>
-          </a:prstGeom>
-        </p:spPr>
-        <p:style>
-          <a:lnRef idx="2">
-            <a:schemeClr val="accent1">
-              <a:shade val="50000"/>
-            </a:schemeClr>
-          </a:lnRef>
-          <a:fillRef idx="1">
-            <a:schemeClr val="accent1"/>
-          </a:fillRef>
-          <a:effectRef idx="0">
-            <a:schemeClr val="accent1"/>
-          </a:effectRef>
-          <a:fontRef idx="minor">
-            <a:schemeClr val="lt1"/>
-          </a:fontRef>
-        </p:style>
-        <p:txBody>
-          <a:bodyPr rtlCol="0" anchor="ctr"/>
-          <a:lstStyle/>
-          <a:p>
-            <a:pPr algn="ctr"/>
-            <a:endParaRPr lang="en-CA"/>
-          </a:p>
-        </p:txBody>
-      </p:sp>
-      <p:pic>
-        <p:nvPicPr>
-          <p:cNvPr id="39" name="Picture 38">
-            <a:extLst>
-              <a:ext uri="{FF2B5EF4-FFF2-40B4-BE49-F238E27FC236}">
-                <a16:creationId xmlns:a16="http://schemas.microsoft.com/office/drawing/2014/main" id="{433B3A88-082A-441C-84DA-07759FC410B7}"/>
-              </a:ext>
-            </a:extLst>
-          </p:cNvPr>
-          <p:cNvPicPr>
-            <a:picLocks noChangeAspect="1"/>
-          </p:cNvPicPr>
-          <p:nvPr/>
-        </p:nvPicPr>
-        <p:blipFill>
-          <a:blip r:embed="rId3">
-            <a:extLst>
-              <a:ext uri="{28A0092B-C50C-407E-A947-70E740481C1C}">
-                <a14:useLocalDpi xmlns:a14="http://schemas.microsoft.com/office/drawing/2010/main" val="0"/>
-              </a:ext>
-            </a:extLst>
-          </a:blip>
-          <a:stretch>
-            <a:fillRect/>
-          </a:stretch>
-        </p:blipFill>
-        <p:spPr>
-          <a:xfrm>
-            <a:off x="855952" y="2107592"/>
-            <a:ext cx="2009969" cy="1915751"/>
-          </a:xfrm>
-          <a:prstGeom prst="rect">
-            <a:avLst/>
-          </a:prstGeom>
-        </p:spPr>
-      </p:pic>
-      <p:sp>
-        <p:nvSpPr>
-          <p:cNvPr id="40" name="TextBox 39">
-            <a:extLst>
-              <a:ext uri="{FF2B5EF4-FFF2-40B4-BE49-F238E27FC236}">
-                <a16:creationId xmlns:a16="http://schemas.microsoft.com/office/drawing/2014/main" id="{C694113D-5C2D-406A-B59E-C1C3032553B3}"/>
-              </a:ext>
-            </a:extLst>
-          </p:cNvPr>
-          <p:cNvSpPr txBox="1"/>
-          <p:nvPr/>
-        </p:nvSpPr>
-        <p:spPr>
-          <a:xfrm>
-            <a:off x="572856" y="4596518"/>
-            <a:ext cx="2688630" cy="276999"/>
-          </a:xfrm>
-          <a:prstGeom prst="rect">
-            <a:avLst/>
-          </a:prstGeom>
-          <a:noFill/>
-        </p:spPr>
-        <p:txBody>
-          <a:bodyPr wrap="square" rtlCol="0">
-            <a:spAutoFit/>
-          </a:bodyPr>
-          <a:lstStyle/>
-          <a:p>
-            <a:r>
-              <a:rPr lang="en-US" sz="1200" dirty="0">
-                <a:latin typeface="Poppins Medium" panose="00000600000000000000" pitchFamily="2" charset="0"/>
-                <a:cs typeface="Poppins Medium" panose="00000600000000000000" pitchFamily="2" charset="0"/>
-              </a:rPr>
-              <a:t>Founder / CEO / Lead Engineer</a:t>
-            </a:r>
-            <a:endParaRPr lang="en-CA" sz="1200" dirty="0">
-              <a:latin typeface="Poppins Medium" panose="00000600000000000000" pitchFamily="2" charset="0"/>
-              <a:cs typeface="Poppins Medium" panose="00000600000000000000" pitchFamily="2" charset="0"/>
-            </a:endParaRPr>
-          </a:p>
-        </p:txBody>
-      </p:sp>
-      <p:sp>
-        <p:nvSpPr>
-          <p:cNvPr id="41" name="TextBox 40">
-            <a:extLst>
-              <a:ext uri="{FF2B5EF4-FFF2-40B4-BE49-F238E27FC236}">
-                <a16:creationId xmlns:a16="http://schemas.microsoft.com/office/drawing/2014/main" id="{F5C6AE82-E03A-4703-A726-71EAEC32D873}"/>
-              </a:ext>
-            </a:extLst>
-          </p:cNvPr>
-          <p:cNvSpPr txBox="1"/>
-          <p:nvPr/>
-        </p:nvSpPr>
-        <p:spPr>
-          <a:xfrm>
-            <a:off x="550115" y="4165879"/>
-            <a:ext cx="2662084" cy="369332"/>
-          </a:xfrm>
-          <a:prstGeom prst="rect">
-            <a:avLst/>
-          </a:prstGeom>
-          <a:noFill/>
-        </p:spPr>
-        <p:txBody>
-          <a:bodyPr wrap="square">
-            <a:spAutoFit/>
-          </a:bodyPr>
-          <a:lstStyle/>
-          <a:p>
-            <a:r>
-              <a:rPr lang="en-US" dirty="0">
-                <a:latin typeface="Yeseva One" panose="00000500000000000000" pitchFamily="2" charset="0"/>
-                <a:cs typeface="Poppins Medium" panose="00000600000000000000" pitchFamily="2" charset="0"/>
-              </a:rPr>
-              <a:t>Christopher </a:t>
-            </a:r>
-            <a:r>
-              <a:rPr lang="en-US" dirty="0" err="1">
-                <a:latin typeface="Yeseva One" panose="00000500000000000000" pitchFamily="2" charset="0"/>
-                <a:cs typeface="Poppins Medium" panose="00000600000000000000" pitchFamily="2" charset="0"/>
-              </a:rPr>
-              <a:t>Trimboli</a:t>
-            </a:r>
-            <a:endParaRPr lang="en-CA" dirty="0">
-              <a:latin typeface="Yeseva One" panose="00000500000000000000" pitchFamily="2" charset="0"/>
-              <a:cs typeface="Poppins Medium" panose="00000600000000000000" pitchFamily="2" charset="0"/>
-            </a:endParaRPr>
-          </a:p>
-        </p:txBody>
-      </p:sp>
     </p:spTree>
     <p:extLst>
       <p:ext uri="{BB962C8B-B14F-4D97-AF65-F5344CB8AC3E}">
@@ -7009,50 +6715,241 @@
           </a:p>
         </p:txBody>
       </p:sp>
-      <p:sp>
-        <p:nvSpPr>
-          <p:cNvPr id="3" name="Content Placeholder 2">
-            <a:extLst>
-              <a:ext uri="{FF2B5EF4-FFF2-40B4-BE49-F238E27FC236}">
-                <a16:creationId xmlns:a16="http://schemas.microsoft.com/office/drawing/2014/main" id="{2E17DFB3-A905-4A8A-945D-B6C42AF92058}"/>
-              </a:ext>
-            </a:extLst>
-          </p:cNvPr>
-          <p:cNvSpPr>
-            <a:spLocks noGrp="1"/>
-          </p:cNvSpPr>
-          <p:nvPr>
-            <p:ph idx="1"/>
-          </p:nvPr>
-        </p:nvSpPr>
-        <p:spPr/>
-        <p:txBody>
-          <a:bodyPr/>
+      <p:pic>
+        <p:nvPicPr>
+          <p:cNvPr id="5" name="Picture 4">
+            <a:extLst>
+              <a:ext uri="{FF2B5EF4-FFF2-40B4-BE49-F238E27FC236}">
+                <a16:creationId xmlns:a16="http://schemas.microsoft.com/office/drawing/2014/main" id="{0D8AA00E-2FA8-436C-93AF-81D3B677D479}"/>
+              </a:ext>
+            </a:extLst>
+          </p:cNvPr>
+          <p:cNvPicPr>
+            <a:picLocks noChangeAspect="1"/>
+          </p:cNvPicPr>
+          <p:nvPr/>
+        </p:nvPicPr>
+        <p:blipFill>
+          <a:blip r:embed="rId2">
+            <a:extLst>
+              <a:ext uri="{28A0092B-C50C-407E-A947-70E740481C1C}">
+                <a14:useLocalDpi xmlns:a14="http://schemas.microsoft.com/office/drawing/2010/main" val="0"/>
+              </a:ext>
+            </a:extLst>
+          </a:blip>
+          <a:stretch>
+            <a:fillRect/>
+          </a:stretch>
+        </p:blipFill>
+        <p:spPr>
+          <a:xfrm>
+            <a:off x="7145747" y="1714589"/>
+            <a:ext cx="2600325" cy="638175"/>
+          </a:xfrm>
+          <a:prstGeom prst="rect">
+            <a:avLst/>
+          </a:prstGeom>
+        </p:spPr>
+      </p:pic>
+      <p:pic>
+        <p:nvPicPr>
+          <p:cNvPr id="7" name="Picture 6">
+            <a:extLst>
+              <a:ext uri="{FF2B5EF4-FFF2-40B4-BE49-F238E27FC236}">
+                <a16:creationId xmlns:a16="http://schemas.microsoft.com/office/drawing/2014/main" id="{95D5B2F7-E7EA-4F59-9EBB-DBD901D8A269}"/>
+              </a:ext>
+            </a:extLst>
+          </p:cNvPr>
+          <p:cNvPicPr>
+            <a:picLocks noChangeAspect="1"/>
+          </p:cNvPicPr>
+          <p:nvPr/>
+        </p:nvPicPr>
+        <p:blipFill>
+          <a:blip r:embed="rId3">
+            <a:extLst>
+              <a:ext uri="{28A0092B-C50C-407E-A947-70E740481C1C}">
+                <a14:useLocalDpi xmlns:a14="http://schemas.microsoft.com/office/drawing/2010/main" val="0"/>
+              </a:ext>
+            </a:extLst>
+          </a:blip>
+          <a:stretch>
+            <a:fillRect/>
+          </a:stretch>
+        </p:blipFill>
+        <p:spPr>
+          <a:xfrm>
+            <a:off x="1911391" y="1855117"/>
+            <a:ext cx="2438400" cy="609600"/>
+          </a:xfrm>
+          <a:prstGeom prst="rect">
+            <a:avLst/>
+          </a:prstGeom>
+        </p:spPr>
+      </p:pic>
+      <p:pic>
+        <p:nvPicPr>
+          <p:cNvPr id="9" name="Picture 8">
+            <a:extLst>
+              <a:ext uri="{FF2B5EF4-FFF2-40B4-BE49-F238E27FC236}">
+                <a16:creationId xmlns:a16="http://schemas.microsoft.com/office/drawing/2014/main" id="{30C5F91F-6535-4CAC-83CB-8DFD72912499}"/>
+              </a:ext>
+            </a:extLst>
+          </p:cNvPr>
+          <p:cNvPicPr>
+            <a:picLocks noChangeAspect="1"/>
+          </p:cNvPicPr>
+          <p:nvPr/>
+        </p:nvPicPr>
+        <p:blipFill>
+          <a:blip r:embed="rId4">
+            <a:extLst>
+              <a:ext uri="{28A0092B-C50C-407E-A947-70E740481C1C}">
+                <a14:useLocalDpi xmlns:a14="http://schemas.microsoft.com/office/drawing/2010/main" val="0"/>
+              </a:ext>
+            </a:extLst>
+          </a:blip>
+          <a:stretch>
+            <a:fillRect/>
+          </a:stretch>
+        </p:blipFill>
+        <p:spPr>
+          <a:xfrm>
+            <a:off x="1628222" y="4282774"/>
+            <a:ext cx="2456096" cy="559333"/>
+          </a:xfrm>
+          <a:prstGeom prst="rect">
+            <a:avLst/>
+          </a:prstGeom>
+        </p:spPr>
+      </p:pic>
+      <p:sp>
+        <p:nvSpPr>
+          <p:cNvPr id="12" name="TextBox 11">
+            <a:extLst>
+              <a:ext uri="{FF2B5EF4-FFF2-40B4-BE49-F238E27FC236}">
+                <a16:creationId xmlns:a16="http://schemas.microsoft.com/office/drawing/2014/main" id="{1C3F524C-586F-47FA-AC6B-343DD406BACC}"/>
+              </a:ext>
+            </a:extLst>
+          </p:cNvPr>
+          <p:cNvSpPr txBox="1"/>
+          <p:nvPr/>
+        </p:nvSpPr>
+        <p:spPr>
+          <a:xfrm>
+            <a:off x="1575128" y="2721371"/>
+            <a:ext cx="3516016" cy="1200329"/>
+          </a:xfrm>
+          <a:prstGeom prst="rect">
+            <a:avLst/>
+          </a:prstGeom>
+          <a:noFill/>
+        </p:spPr>
+        <p:txBody>
+          <a:bodyPr wrap="square" rtlCol="0">
+            <a:spAutoFit/>
+          </a:bodyPr>
+          <a:lstStyle/>
+          <a:p>
+            <a:r>
+              <a:rPr lang="en-US" dirty="0" err="1"/>
+              <a:t>OnyFans</a:t>
+            </a:r>
+            <a:r>
+              <a:rPr lang="en-US" dirty="0"/>
+              <a:t> suffers majorly by using traditional banking solutions. We are using the blockchain and do not have the same concerns.</a:t>
+            </a:r>
+            <a:endParaRPr lang="en-CA" dirty="0"/>
+          </a:p>
+        </p:txBody>
+      </p:sp>
+      <p:sp>
+        <p:nvSpPr>
+          <p:cNvPr id="13" name="TextBox 12">
+            <a:extLst>
+              <a:ext uri="{FF2B5EF4-FFF2-40B4-BE49-F238E27FC236}">
+                <a16:creationId xmlns:a16="http://schemas.microsoft.com/office/drawing/2014/main" id="{AE78E4DA-87B6-444E-8B28-3D20637E3824}"/>
+              </a:ext>
+            </a:extLst>
+          </p:cNvPr>
+          <p:cNvSpPr txBox="1"/>
+          <p:nvPr/>
+        </p:nvSpPr>
+        <p:spPr>
+          <a:xfrm>
+            <a:off x="6764593" y="2556324"/>
+            <a:ext cx="3516016" cy="1477328"/>
+          </a:xfrm>
+          <a:prstGeom prst="rect">
+            <a:avLst/>
+          </a:prstGeom>
+          <a:noFill/>
+        </p:spPr>
+        <p:txBody>
+          <a:bodyPr wrap="square" rtlCol="0">
+            <a:spAutoFit/>
+          </a:bodyPr>
           <a:lstStyle/>
           <a:p>
             <a:r>
               <a:rPr lang="en-US" dirty="0" err="1"/>
               <a:t>Nafter</a:t>
             </a:r>
-            <a:endParaRPr lang="en-US" dirty="0"/>
-          </a:p>
-          <a:p>
             <a:r>
               <a:rPr lang="en-US" dirty="0"/>
-              <a:t>Only Fans</a:t>
-            </a:r>
-          </a:p>
-          <a:p>
+              <a:t> is using the </a:t>
+            </a:r>
             <a:r>
               <a:rPr lang="en-US" dirty="0" err="1"/>
-              <a:t>Patreon</a:t>
-            </a:r>
-            <a:endParaRPr lang="en-US" dirty="0"/>
-          </a:p>
-          <a:p>
-            <a:r>
-              <a:rPr lang="en-CA" dirty="0" err="1"/>
-              <a:t>Fanlify</a:t>
+              <a:t>Binance</a:t>
+            </a:r>
+            <a:r>
+              <a:rPr lang="en-US" dirty="0"/>
+              <a:t> smart chain for their tokens. </a:t>
+            </a:r>
+            <a:r>
+              <a:rPr lang="en-US" dirty="0" err="1"/>
+              <a:t>Binance</a:t>
+            </a:r>
+            <a:r>
+              <a:rPr lang="en-US" dirty="0"/>
+              <a:t> has many centralized concerns and is in deep with controversial Tether. We just use regular Ethereum.</a:t>
+            </a:r>
+            <a:endParaRPr lang="en-CA" dirty="0"/>
+          </a:p>
+        </p:txBody>
+      </p:sp>
+      <p:sp>
+        <p:nvSpPr>
+          <p:cNvPr id="14" name="TextBox 13">
+            <a:extLst>
+              <a:ext uri="{FF2B5EF4-FFF2-40B4-BE49-F238E27FC236}">
+                <a16:creationId xmlns:a16="http://schemas.microsoft.com/office/drawing/2014/main" id="{E242F2EA-3E63-4B2A-B9DA-0E6BF3894027}"/>
+              </a:ext>
+            </a:extLst>
+          </p:cNvPr>
+          <p:cNvSpPr txBox="1"/>
+          <p:nvPr/>
+        </p:nvSpPr>
+        <p:spPr>
+          <a:xfrm>
+            <a:off x="1522033" y="5043949"/>
+            <a:ext cx="3516016" cy="369332"/>
+          </a:xfrm>
+          <a:prstGeom prst="rect">
+            <a:avLst/>
+          </a:prstGeom>
+          <a:noFill/>
+        </p:spPr>
+        <p:txBody>
+          <a:bodyPr wrap="square" rtlCol="0">
+            <a:spAutoFit/>
+          </a:bodyPr>
+          <a:lstStyle/>
+          <a:p>
+            <a:r>
+              <a:rPr lang="en-US" dirty="0"/>
+              <a:t>…</a:t>
             </a:r>
             <a:endParaRPr lang="en-CA" dirty="0"/>
           </a:p>

--- a/own-me-pitch.pptx
+++ b/own-me-pitch.pptx
@@ -271,7 +271,7 @@
           <a:p>
             <a:fld id="{6F0444B0-A3CD-4285-B1AE-FEC941C62C7C}" type="datetimeFigureOut">
               <a:rPr lang="en-CA" smtClean="0"/>
-              <a:t>2021-08-22</a:t>
+              <a:t>2021-08-23</a:t>
             </a:fld>
             <a:endParaRPr lang="en-CA"/>
           </a:p>
@@ -471,7 +471,7 @@
           <a:p>
             <a:fld id="{6F0444B0-A3CD-4285-B1AE-FEC941C62C7C}" type="datetimeFigureOut">
               <a:rPr lang="en-CA" smtClean="0"/>
-              <a:t>2021-08-22</a:t>
+              <a:t>2021-08-23</a:t>
             </a:fld>
             <a:endParaRPr lang="en-CA"/>
           </a:p>
@@ -681,7 +681,7 @@
           <a:p>
             <a:fld id="{6F0444B0-A3CD-4285-B1AE-FEC941C62C7C}" type="datetimeFigureOut">
               <a:rPr lang="en-CA" smtClean="0"/>
-              <a:t>2021-08-22</a:t>
+              <a:t>2021-08-23</a:t>
             </a:fld>
             <a:endParaRPr lang="en-CA"/>
           </a:p>
@@ -881,7 +881,7 @@
           <a:p>
             <a:fld id="{6F0444B0-A3CD-4285-B1AE-FEC941C62C7C}" type="datetimeFigureOut">
               <a:rPr lang="en-CA" smtClean="0"/>
-              <a:t>2021-08-22</a:t>
+              <a:t>2021-08-23</a:t>
             </a:fld>
             <a:endParaRPr lang="en-CA"/>
           </a:p>
@@ -1157,7 +1157,7 @@
           <a:p>
             <a:fld id="{6F0444B0-A3CD-4285-B1AE-FEC941C62C7C}" type="datetimeFigureOut">
               <a:rPr lang="en-CA" smtClean="0"/>
-              <a:t>2021-08-22</a:t>
+              <a:t>2021-08-23</a:t>
             </a:fld>
             <a:endParaRPr lang="en-CA"/>
           </a:p>
@@ -1425,7 +1425,7 @@
           <a:p>
             <a:fld id="{6F0444B0-A3CD-4285-B1AE-FEC941C62C7C}" type="datetimeFigureOut">
               <a:rPr lang="en-CA" smtClean="0"/>
-              <a:t>2021-08-22</a:t>
+              <a:t>2021-08-23</a:t>
             </a:fld>
             <a:endParaRPr lang="en-CA"/>
           </a:p>
@@ -1840,7 +1840,7 @@
           <a:p>
             <a:fld id="{6F0444B0-A3CD-4285-B1AE-FEC941C62C7C}" type="datetimeFigureOut">
               <a:rPr lang="en-CA" smtClean="0"/>
-              <a:t>2021-08-22</a:t>
+              <a:t>2021-08-23</a:t>
             </a:fld>
             <a:endParaRPr lang="en-CA"/>
           </a:p>
@@ -1982,7 +1982,7 @@
           <a:p>
             <a:fld id="{6F0444B0-A3CD-4285-B1AE-FEC941C62C7C}" type="datetimeFigureOut">
               <a:rPr lang="en-CA" smtClean="0"/>
-              <a:t>2021-08-22</a:t>
+              <a:t>2021-08-23</a:t>
             </a:fld>
             <a:endParaRPr lang="en-CA"/>
           </a:p>
@@ -2095,7 +2095,7 @@
           <a:p>
             <a:fld id="{6F0444B0-A3CD-4285-B1AE-FEC941C62C7C}" type="datetimeFigureOut">
               <a:rPr lang="en-CA" smtClean="0"/>
-              <a:t>2021-08-22</a:t>
+              <a:t>2021-08-23</a:t>
             </a:fld>
             <a:endParaRPr lang="en-CA"/>
           </a:p>
@@ -2408,7 +2408,7 @@
           <a:p>
             <a:fld id="{6F0444B0-A3CD-4285-B1AE-FEC941C62C7C}" type="datetimeFigureOut">
               <a:rPr lang="en-CA" smtClean="0"/>
-              <a:t>2021-08-22</a:t>
+              <a:t>2021-08-23</a:t>
             </a:fld>
             <a:endParaRPr lang="en-CA"/>
           </a:p>
@@ -2697,7 +2697,7 @@
           <a:p>
             <a:fld id="{6F0444B0-A3CD-4285-B1AE-FEC941C62C7C}" type="datetimeFigureOut">
               <a:rPr lang="en-CA" smtClean="0"/>
-              <a:t>2021-08-22</a:t>
+              <a:t>2021-08-23</a:t>
             </a:fld>
             <a:endParaRPr lang="en-CA"/>
           </a:p>
@@ -2940,7 +2940,7 @@
           <a:p>
             <a:fld id="{6F0444B0-A3CD-4285-B1AE-FEC941C62C7C}" type="datetimeFigureOut">
               <a:rPr lang="en-CA" smtClean="0"/>
-              <a:t>2021-08-22</a:t>
+              <a:t>2021-08-23</a:t>
             </a:fld>
             <a:endParaRPr lang="en-CA"/>
           </a:p>
@@ -3780,7 +3780,12 @@
             <p:ph type="title"/>
           </p:nvPr>
         </p:nvSpPr>
-        <p:spPr/>
+        <p:spPr>
+          <a:xfrm>
+            <a:off x="838200" y="395257"/>
+            <a:ext cx="10246688" cy="1295431"/>
+          </a:xfrm>
+        </p:spPr>
         <p:txBody>
           <a:bodyPr>
             <a:normAutofit/>
@@ -3791,7 +3796,7 @@
               <a:rPr lang="en-US" sz="4000" dirty="0">
                 <a:latin typeface="Yeseva One" panose="00000500000000000000" pitchFamily="2" charset="0"/>
               </a:rPr>
-              <a:t>Why we are better then everyone else?</a:t>
+              <a:t>Why are we better then everyone else?</a:t>
             </a:r>
             <a:endParaRPr lang="en-CA" sz="4000" dirty="0"/>
           </a:p>
@@ -3815,38 +3820,121 @@
         </p:nvSpPr>
         <p:spPr/>
         <p:txBody>
-          <a:bodyPr/>
-          <a:lstStyle/>
-          <a:p>
-            <a:r>
-              <a:rPr lang="en-US" dirty="0"/>
-              <a:t>Lowball transaction fees.</a:t>
-            </a:r>
-          </a:p>
-          <a:p>
-            <a:r>
-              <a:rPr lang="en-US" dirty="0"/>
-              <a:t>Blockchain, not dependent on big banks.</a:t>
-            </a:r>
-          </a:p>
-          <a:p>
-            <a:r>
-              <a:rPr lang="en-US" dirty="0"/>
-              <a:t>Lead founder is a experienced, talented software engineer.</a:t>
-            </a:r>
-          </a:p>
-          <a:p>
-            <a:r>
-              <a:rPr lang="en-US" dirty="0"/>
+          <a:bodyPr>
+            <a:normAutofit fontScale="85000" lnSpcReduction="10000"/>
+          </a:bodyPr>
+          <a:lstStyle/>
+          <a:p>
+            <a:pPr>
+              <a:lnSpc>
+                <a:spcPct val="110000"/>
+              </a:lnSpc>
+            </a:pPr>
+            <a:r>
+              <a:rPr lang="en-US" dirty="0">
+                <a:latin typeface="Poppins Light" panose="00000400000000000000" pitchFamily="2" charset="0"/>
+                <a:cs typeface="Poppins Light" panose="00000400000000000000" pitchFamily="2" charset="0"/>
+              </a:rPr>
+              <a:t>Lowball transaction fees. They charge 20%, we charge 10%.</a:t>
+            </a:r>
+          </a:p>
+          <a:p>
+            <a:pPr>
+              <a:lnSpc>
+                <a:spcPct val="110000"/>
+              </a:lnSpc>
+            </a:pPr>
+            <a:r>
+              <a:rPr lang="en-US" dirty="0">
+                <a:latin typeface="Poppins Light" panose="00000400000000000000" pitchFamily="2" charset="0"/>
+                <a:cs typeface="Poppins Light" panose="00000400000000000000" pitchFamily="2" charset="0"/>
+              </a:rPr>
+              <a:t>Blockchain, not dependent on big banks, hard to cancel.</a:t>
+            </a:r>
+          </a:p>
+          <a:p>
+            <a:pPr>
+              <a:lnSpc>
+                <a:spcPct val="110000"/>
+              </a:lnSpc>
+            </a:pPr>
+            <a:r>
+              <a:rPr lang="en-US" dirty="0">
+                <a:latin typeface="Poppins Light" panose="00000400000000000000" pitchFamily="2" charset="0"/>
+                <a:cs typeface="Poppins Light" panose="00000400000000000000" pitchFamily="2" charset="0"/>
+              </a:rPr>
+              <a:t>Lead founder / CEO is an experienced, talented, software engineer.</a:t>
+            </a:r>
+          </a:p>
+          <a:p>
+            <a:pPr>
+              <a:lnSpc>
+                <a:spcPct val="110000"/>
+              </a:lnSpc>
+            </a:pPr>
+            <a:r>
+              <a:rPr lang="en-US" dirty="0">
+                <a:latin typeface="Poppins Light" panose="00000400000000000000" pitchFamily="2" charset="0"/>
+                <a:cs typeface="Poppins Light" panose="00000400000000000000" pitchFamily="2" charset="0"/>
+              </a:rPr>
               <a:t>We have a niched product design specific for adult content.</a:t>
             </a:r>
           </a:p>
           <a:p>
-            <a:r>
-              <a:rPr lang="en-US" dirty="0"/>
+            <a:pPr>
+              <a:lnSpc>
+                <a:spcPct val="110000"/>
+              </a:lnSpc>
+            </a:pPr>
+            <a:r>
+              <a:rPr lang="en-US" dirty="0">
+                <a:latin typeface="Poppins Light" panose="00000400000000000000" pitchFamily="2" charset="0"/>
+                <a:cs typeface="Poppins Light" panose="00000400000000000000" pitchFamily="2" charset="0"/>
+              </a:rPr>
               <a:t>We have innovative ideas that have never been done before.</a:t>
             </a:r>
-            <a:endParaRPr lang="en-CA" dirty="0"/>
+          </a:p>
+          <a:p>
+            <a:pPr>
+              <a:lnSpc>
+                <a:spcPct val="110000"/>
+              </a:lnSpc>
+            </a:pPr>
+            <a:r>
+              <a:rPr lang="en-US" dirty="0">
+                <a:latin typeface="Poppins Light" panose="00000400000000000000" pitchFamily="2" charset="0"/>
+                <a:cs typeface="Poppins Light" panose="00000400000000000000" pitchFamily="2" charset="0"/>
+              </a:rPr>
+              <a:t>We are smaller, fresher, can pivot, adapt quicker.</a:t>
+            </a:r>
+          </a:p>
+          <a:p>
+            <a:pPr>
+              <a:lnSpc>
+                <a:spcPct val="110000"/>
+              </a:lnSpc>
+            </a:pPr>
+            <a:r>
+              <a:rPr lang="en-CA" dirty="0">
+                <a:latin typeface="Poppins Light" panose="00000400000000000000" pitchFamily="2" charset="0"/>
+                <a:cs typeface="Poppins Light" panose="00000400000000000000" pitchFamily="2" charset="0"/>
+              </a:rPr>
+              <a:t>We combine the crypto, social media and adult content industries.</a:t>
+            </a:r>
+          </a:p>
+          <a:p>
+            <a:pPr>
+              <a:lnSpc>
+                <a:spcPct val="110000"/>
+              </a:lnSpc>
+            </a:pPr>
+            <a:r>
+              <a:rPr lang="en-CA" dirty="0">
+                <a:latin typeface="Poppins Light" panose="00000400000000000000" pitchFamily="2" charset="0"/>
+                <a:cs typeface="Poppins Light" panose="00000400000000000000" pitchFamily="2" charset="0"/>
+              </a:rPr>
+              <a:t>We are not rich yet and are more hungry then the fat cats.</a:t>
+            </a:r>
           </a:p>
         </p:txBody>
       </p:sp>
@@ -4015,43 +4103,83 @@
         </p:nvSpPr>
         <p:spPr>
           <a:xfrm>
-            <a:off x="928283" y="1737883"/>
-            <a:ext cx="10515600" cy="811387"/>
+            <a:off x="928284" y="1586415"/>
+            <a:ext cx="9761347" cy="1923702"/>
           </a:xfrm>
         </p:spPr>
         <p:txBody>
           <a:bodyPr>
-            <a:normAutofit fontScale="77500" lnSpcReduction="20000"/>
+            <a:normAutofit fontScale="62500" lnSpcReduction="20000"/>
           </a:bodyPr>
           <a:lstStyle/>
           <a:p>
             <a:pPr marL="0" indent="0">
+              <a:lnSpc>
+                <a:spcPct val="120000"/>
+              </a:lnSpc>
               <a:buNone/>
             </a:pPr>
             <a:r>
-              <a:rPr lang="en-US" dirty="0"/>
+              <a:rPr lang="en-US" dirty="0">
+                <a:latin typeface="Poppins Light" panose="00000400000000000000" pitchFamily="2" charset="0"/>
+                <a:cs typeface="Poppins Light" panose="00000400000000000000" pitchFamily="2" charset="0"/>
+              </a:rPr>
               <a:t>Traditional payment processors are denying adult content creators.</a:t>
             </a:r>
-            <a:br>
-              <a:rPr lang="en-US" dirty="0"/>
-            </a:br>
-            <a:br>
-              <a:rPr lang="en-US" dirty="0"/>
-            </a:br>
-            <a:r>
-              <a:rPr lang="en-US" dirty="0"/>
+          </a:p>
+          <a:p>
+            <a:pPr marL="0" indent="0">
+              <a:lnSpc>
+                <a:spcPct val="120000"/>
+              </a:lnSpc>
+              <a:buNone/>
+            </a:pPr>
+            <a:r>
+              <a:rPr lang="en-US" dirty="0">
+                <a:latin typeface="Poppins Light" panose="00000400000000000000" pitchFamily="2" charset="0"/>
+                <a:cs typeface="Poppins Light" panose="00000400000000000000" pitchFamily="2" charset="0"/>
+              </a:rPr>
               <a:t>Demand has not disappeared. Creators and consumers are looking for alternatives.</a:t>
             </a:r>
-            <a:endParaRPr lang="en-CA" dirty="0"/>
+          </a:p>
+          <a:p>
+            <a:pPr marL="0" indent="0">
+              <a:lnSpc>
+                <a:spcPct val="120000"/>
+              </a:lnSpc>
+              <a:buNone/>
+            </a:pPr>
+            <a:r>
+              <a:rPr lang="en-US" dirty="0">
+                <a:latin typeface="Poppins Light" panose="00000400000000000000" pitchFamily="2" charset="0"/>
+                <a:cs typeface="Poppins Light" panose="00000400000000000000" pitchFamily="2" charset="0"/>
+              </a:rPr>
+              <a:t>NFTs and Crypto are continuing to explode and grow market capital.</a:t>
+            </a:r>
+          </a:p>
+          <a:p>
+            <a:pPr marL="0" indent="0">
+              <a:lnSpc>
+                <a:spcPct val="120000"/>
+              </a:lnSpc>
+              <a:buNone/>
+            </a:pPr>
+            <a:r>
+              <a:rPr lang="en-CA" dirty="0">
+                <a:latin typeface="Poppins Light" panose="00000400000000000000" pitchFamily="2" charset="0"/>
+                <a:cs typeface="Poppins Light" panose="00000400000000000000" pitchFamily="2" charset="0"/>
+              </a:rPr>
+              <a:t>Adult content is always in demand. Covid-19 has changed the game.</a:t>
+            </a:r>
           </a:p>
         </p:txBody>
       </p:sp>
       <p:pic>
         <p:nvPicPr>
-          <p:cNvPr id="6" name="Picture 5">
-            <a:extLst>
-              <a:ext uri="{FF2B5EF4-FFF2-40B4-BE49-F238E27FC236}">
-                <a16:creationId xmlns:a16="http://schemas.microsoft.com/office/drawing/2014/main" id="{BF1E78EF-FB42-42A9-BD22-DDD31380C4BA}"/>
+          <p:cNvPr id="8" name="Picture 7">
+            <a:extLst>
+              <a:ext uri="{FF2B5EF4-FFF2-40B4-BE49-F238E27FC236}">
+                <a16:creationId xmlns:a16="http://schemas.microsoft.com/office/drawing/2014/main" id="{8C6AE7E7-7C88-49FD-A3B6-2342D4A8EB0D}"/>
               </a:ext>
             </a:extLst>
           </p:cNvPr>
@@ -4074,8 +4202,8 @@
         </p:blipFill>
         <p:spPr>
           <a:xfrm>
-            <a:off x="928283" y="3041478"/>
-            <a:ext cx="2800110" cy="3271826"/>
+            <a:off x="678663" y="3637605"/>
+            <a:ext cx="3222480" cy="1327795"/>
           </a:xfrm>
           <a:prstGeom prst="rect">
             <a:avLst/>
@@ -4084,10 +4212,10 @@
       </p:pic>
       <p:pic>
         <p:nvPicPr>
-          <p:cNvPr id="8" name="Picture 7">
-            <a:extLst>
-              <a:ext uri="{FF2B5EF4-FFF2-40B4-BE49-F238E27FC236}">
-                <a16:creationId xmlns:a16="http://schemas.microsoft.com/office/drawing/2014/main" id="{8C6AE7E7-7C88-49FD-A3B6-2342D4A8EB0D}"/>
+          <p:cNvPr id="12" name="Picture 11">
+            <a:extLst>
+              <a:ext uri="{FF2B5EF4-FFF2-40B4-BE49-F238E27FC236}">
+                <a16:creationId xmlns:a16="http://schemas.microsoft.com/office/drawing/2014/main" id="{06A1658A-BEF5-445E-B356-60531CCB8805}"/>
               </a:ext>
             </a:extLst>
           </p:cNvPr>
@@ -4110,8 +4238,8 @@
         </p:blipFill>
         <p:spPr>
           <a:xfrm>
-            <a:off x="3798187" y="3041478"/>
-            <a:ext cx="3873530" cy="1596055"/>
+            <a:off x="667118" y="5069556"/>
+            <a:ext cx="3751853" cy="1200723"/>
           </a:xfrm>
           <a:prstGeom prst="rect">
             <a:avLst/>
@@ -4120,10 +4248,10 @@
       </p:pic>
       <p:pic>
         <p:nvPicPr>
-          <p:cNvPr id="10" name="Picture 9">
-            <a:extLst>
-              <a:ext uri="{FF2B5EF4-FFF2-40B4-BE49-F238E27FC236}">
-                <a16:creationId xmlns:a16="http://schemas.microsoft.com/office/drawing/2014/main" id="{E1D944CE-4A85-4040-B756-3CBF016F9336}"/>
+          <p:cNvPr id="14" name="Picture 13">
+            <a:extLst>
+              <a:ext uri="{FF2B5EF4-FFF2-40B4-BE49-F238E27FC236}">
+                <a16:creationId xmlns:a16="http://schemas.microsoft.com/office/drawing/2014/main" id="{8C9B93A7-FBAB-4FBC-A9E0-07B17331E3F6}"/>
               </a:ext>
             </a:extLst>
           </p:cNvPr>
@@ -4146,8 +4274,8 @@
         </p:blipFill>
         <p:spPr>
           <a:xfrm>
-            <a:off x="7833371" y="3016251"/>
-            <a:ext cx="3166587" cy="3152408"/>
+            <a:off x="11291364" y="317930"/>
+            <a:ext cx="563395" cy="563395"/>
           </a:xfrm>
           <a:prstGeom prst="rect">
             <a:avLst/>
@@ -4156,10 +4284,10 @@
       </p:pic>
       <p:pic>
         <p:nvPicPr>
-          <p:cNvPr id="12" name="Picture 11">
-            <a:extLst>
-              <a:ext uri="{FF2B5EF4-FFF2-40B4-BE49-F238E27FC236}">
-                <a16:creationId xmlns:a16="http://schemas.microsoft.com/office/drawing/2014/main" id="{06A1658A-BEF5-445E-B356-60531CCB8805}"/>
+          <p:cNvPr id="5" name="Picture 4">
+            <a:extLst>
+              <a:ext uri="{FF2B5EF4-FFF2-40B4-BE49-F238E27FC236}">
+                <a16:creationId xmlns:a16="http://schemas.microsoft.com/office/drawing/2014/main" id="{70D0B9DD-CB9F-4676-AC9E-4B5394B3C48B}"/>
               </a:ext>
             </a:extLst>
           </p:cNvPr>
@@ -4182,8 +4310,8 @@
         </p:blipFill>
         <p:spPr>
           <a:xfrm>
-            <a:off x="3798187" y="4944255"/>
-            <a:ext cx="4035184" cy="1291399"/>
+            <a:off x="4013109" y="3701141"/>
+            <a:ext cx="3618507" cy="1200724"/>
           </a:xfrm>
           <a:prstGeom prst="rect">
             <a:avLst/>
@@ -4192,10 +4320,10 @@
       </p:pic>
       <p:pic>
         <p:nvPicPr>
-          <p:cNvPr id="14" name="Picture 13">
-            <a:extLst>
-              <a:ext uri="{FF2B5EF4-FFF2-40B4-BE49-F238E27FC236}">
-                <a16:creationId xmlns:a16="http://schemas.microsoft.com/office/drawing/2014/main" id="{8C9B93A7-FBAB-4FBC-A9E0-07B17331E3F6}"/>
+          <p:cNvPr id="9" name="Picture 8">
+            <a:extLst>
+              <a:ext uri="{FF2B5EF4-FFF2-40B4-BE49-F238E27FC236}">
+                <a16:creationId xmlns:a16="http://schemas.microsoft.com/office/drawing/2014/main" id="{7C95C04D-F67B-4645-8865-48941DB2B323}"/>
               </a:ext>
             </a:extLst>
           </p:cNvPr>
@@ -4218,8 +4346,80 @@
         </p:blipFill>
         <p:spPr>
           <a:xfrm>
-            <a:off x="10162273" y="689007"/>
-            <a:ext cx="677798" cy="677798"/>
+            <a:off x="4552819" y="5007135"/>
+            <a:ext cx="4735344" cy="1325563"/>
+          </a:xfrm>
+          <a:prstGeom prst="rect">
+            <a:avLst/>
+          </a:prstGeom>
+        </p:spPr>
+      </p:pic>
+      <p:pic>
+        <p:nvPicPr>
+          <p:cNvPr id="13" name="Picture 12">
+            <a:extLst>
+              <a:ext uri="{FF2B5EF4-FFF2-40B4-BE49-F238E27FC236}">
+                <a16:creationId xmlns:a16="http://schemas.microsoft.com/office/drawing/2014/main" id="{6E2431DE-B3A9-4479-943C-118DE352D0AC}"/>
+              </a:ext>
+            </a:extLst>
+          </p:cNvPr>
+          <p:cNvPicPr>
+            <a:picLocks noChangeAspect="1"/>
+          </p:cNvPicPr>
+          <p:nvPr/>
+        </p:nvPicPr>
+        <p:blipFill>
+          <a:blip r:embed="rId7">
+            <a:extLst>
+              <a:ext uri="{28A0092B-C50C-407E-A947-70E740481C1C}">
+                <a14:useLocalDpi xmlns:a14="http://schemas.microsoft.com/office/drawing/2010/main" val="0"/>
+              </a:ext>
+            </a:extLst>
+          </a:blip>
+          <a:stretch>
+            <a:fillRect/>
+          </a:stretch>
+        </p:blipFill>
+        <p:spPr>
+          <a:xfrm>
+            <a:off x="9150059" y="5294918"/>
+            <a:ext cx="2559398" cy="779970"/>
+          </a:xfrm>
+          <a:prstGeom prst="rect">
+            <a:avLst/>
+          </a:prstGeom>
+        </p:spPr>
+      </p:pic>
+      <p:pic>
+        <p:nvPicPr>
+          <p:cNvPr id="16" name="Picture 15">
+            <a:extLst>
+              <a:ext uri="{FF2B5EF4-FFF2-40B4-BE49-F238E27FC236}">
+                <a16:creationId xmlns:a16="http://schemas.microsoft.com/office/drawing/2014/main" id="{4FD47F44-DEC4-4710-AF5D-924D52571079}"/>
+              </a:ext>
+            </a:extLst>
+          </p:cNvPr>
+          <p:cNvPicPr>
+            <a:picLocks noChangeAspect="1"/>
+          </p:cNvPicPr>
+          <p:nvPr/>
+        </p:nvPicPr>
+        <p:blipFill>
+          <a:blip r:embed="rId8">
+            <a:extLst>
+              <a:ext uri="{28A0092B-C50C-407E-A947-70E740481C1C}">
+                <a14:useLocalDpi xmlns:a14="http://schemas.microsoft.com/office/drawing/2010/main" val="0"/>
+              </a:ext>
+            </a:extLst>
+          </a:blip>
+          <a:stretch>
+            <a:fillRect/>
+          </a:stretch>
+        </p:blipFill>
+        <p:spPr>
+          <a:xfrm>
+            <a:off x="7743582" y="3510117"/>
+            <a:ext cx="3684086" cy="1520352"/>
           </a:xfrm>
           <a:prstGeom prst="rect">
             <a:avLst/>
@@ -4301,8 +4501,8 @@
         </p:nvSpPr>
         <p:spPr>
           <a:xfrm>
-            <a:off x="771826" y="2480527"/>
-            <a:ext cx="3033989" cy="1631216"/>
+            <a:off x="838200" y="4362209"/>
+            <a:ext cx="2689614" cy="1508105"/>
           </a:xfrm>
           <a:prstGeom prst="rect">
             <a:avLst/>
@@ -4323,11 +4523,11 @@
               <a:t>1.) </a:t>
             </a:r>
             <a:r>
-              <a:rPr lang="en-US" sz="2000" dirty="0">
+              <a:rPr lang="en-US" dirty="0">
                 <a:latin typeface="Poppins Light" panose="00000400000000000000" pitchFamily="2" charset="0"/>
                 <a:cs typeface="Poppins Light" panose="00000400000000000000" pitchFamily="2" charset="0"/>
               </a:rPr>
-              <a:t>Use the Ethereum blockchain instead of traditional banking solutions like Visa / PayPal.</a:t>
+              <a:t>Use the Ethereum blockchain instead of traditional banking solutions. Create the $NUDE token.</a:t>
             </a:r>
             <a:endParaRPr lang="en-CA" sz="2000" dirty="0">
               <a:latin typeface="Poppins Light" panose="00000400000000000000" pitchFamily="2" charset="0"/>
@@ -4350,8 +4550,8 @@
         </p:nvSpPr>
         <p:spPr>
           <a:xfrm>
-            <a:off x="4292056" y="2522294"/>
-            <a:ext cx="3376331" cy="1015663"/>
+            <a:off x="4487532" y="4362210"/>
+            <a:ext cx="2775372" cy="1231106"/>
           </a:xfrm>
           <a:prstGeom prst="rect">
             <a:avLst/>
@@ -4372,13 +4572,13 @@
               <a:t>2.) </a:t>
             </a:r>
             <a:r>
-              <a:rPr lang="en-US" sz="2000" dirty="0">
+              <a:rPr lang="en-US" dirty="0">
                 <a:latin typeface="Poppins Light" panose="00000400000000000000" pitchFamily="2" charset="0"/>
                 <a:cs typeface="Poppins Light" panose="00000400000000000000" pitchFamily="2" charset="0"/>
               </a:rPr>
-              <a:t>Use decentralized NFT technology to store creators content.</a:t>
-            </a:r>
-            <a:endParaRPr lang="en-CA" sz="2000" dirty="0">
+              <a:t>Use decentralized blockchain NFT technology to store adult creators content.</a:t>
+            </a:r>
+            <a:endParaRPr lang="en-CA" dirty="0">
               <a:latin typeface="Poppins Light" panose="00000400000000000000" pitchFamily="2" charset="0"/>
               <a:cs typeface="Poppins Light" panose="00000400000000000000" pitchFamily="2" charset="0"/>
             </a:endParaRPr>
@@ -4399,8 +4599,8 @@
         </p:nvSpPr>
         <p:spPr>
           <a:xfrm>
-            <a:off x="8095634" y="2474636"/>
-            <a:ext cx="3862358" cy="1323439"/>
+            <a:off x="8416994" y="4362209"/>
+            <a:ext cx="3171157" cy="1508105"/>
           </a:xfrm>
           <a:prstGeom prst="rect">
             <a:avLst/>
@@ -4421,7 +4621,7 @@
               <a:t>3.) </a:t>
             </a:r>
             <a:r>
-              <a:rPr lang="en-US" sz="2000" dirty="0">
+              <a:rPr lang="en-US" dirty="0">
                 <a:latin typeface="Poppins Light" panose="00000400000000000000" pitchFamily="2" charset="0"/>
                 <a:cs typeface="Poppins Light" panose="00000400000000000000" pitchFamily="2" charset="0"/>
               </a:rPr>
@@ -4434,189 +4634,210 @@
           </a:p>
         </p:txBody>
       </p:sp>
-      <p:pic>
-        <p:nvPicPr>
-          <p:cNvPr id="5" name="Graphic 4">
-            <a:extLst>
-              <a:ext uri="{FF2B5EF4-FFF2-40B4-BE49-F238E27FC236}">
-                <a16:creationId xmlns:a16="http://schemas.microsoft.com/office/drawing/2014/main" id="{B0C250BD-7B7B-4CCE-9F49-8216A3D0EFAB}"/>
-              </a:ext>
-            </a:extLst>
-          </p:cNvPr>
-          <p:cNvPicPr>
-            <a:picLocks noChangeAspect="1"/>
-          </p:cNvPicPr>
+      <p:grpSp>
+        <p:nvGrpSpPr>
+          <p:cNvPr id="6" name="Group 5">
+            <a:extLst>
+              <a:ext uri="{FF2B5EF4-FFF2-40B4-BE49-F238E27FC236}">
+                <a16:creationId xmlns:a16="http://schemas.microsoft.com/office/drawing/2014/main" id="{423690FA-0184-4192-ADEF-D0BC1BBE78A6}"/>
+              </a:ext>
+            </a:extLst>
+          </p:cNvPr>
+          <p:cNvGrpSpPr/>
           <p:nvPr/>
-        </p:nvPicPr>
-        <p:blipFill>
-          <a:blip r:embed="rId2">
-            <a:extLst>
-              <a:ext uri="{28A0092B-C50C-407E-A947-70E740481C1C}">
-                <a14:useLocalDpi xmlns:a14="http://schemas.microsoft.com/office/drawing/2010/main" val="0"/>
-              </a:ext>
-              <a:ext uri="{96DAC541-7B7A-43D3-8B79-37D633B846F1}">
-                <asvg:svgBlip xmlns:asvg="http://schemas.microsoft.com/office/drawing/2016/SVG/main" r:embed="rId3"/>
-              </a:ext>
-            </a:extLst>
-          </a:blip>
-          <a:stretch>
-            <a:fillRect/>
-          </a:stretch>
-        </p:blipFill>
-        <p:spPr>
-          <a:xfrm>
-            <a:off x="1405692" y="4358287"/>
-            <a:ext cx="1301235" cy="1301235"/>
-          </a:xfrm>
-          <a:prstGeom prst="rect">
-            <a:avLst/>
-          </a:prstGeom>
-        </p:spPr>
-      </p:pic>
-      <p:sp>
-        <p:nvSpPr>
-          <p:cNvPr id="3" name="TextBox 2">
-            <a:extLst>
-              <a:ext uri="{FF2B5EF4-FFF2-40B4-BE49-F238E27FC236}">
-                <a16:creationId xmlns:a16="http://schemas.microsoft.com/office/drawing/2014/main" id="{44FF521A-C5D7-492D-8EC7-038227528EEC}"/>
-              </a:ext>
-            </a:extLst>
-          </p:cNvPr>
-          <p:cNvSpPr txBox="1"/>
-          <p:nvPr/>
-        </p:nvSpPr>
-        <p:spPr>
-          <a:xfrm>
-            <a:off x="3754946" y="4582024"/>
-            <a:ext cx="459385" cy="707886"/>
-          </a:xfrm>
-          <a:prstGeom prst="rect">
-            <a:avLst/>
-          </a:prstGeom>
-          <a:noFill/>
-        </p:spPr>
-        <p:txBody>
-          <a:bodyPr wrap="square" rtlCol="0">
-            <a:spAutoFit/>
-          </a:bodyPr>
-          <a:lstStyle/>
-          <a:p>
-            <a:r>
-              <a:rPr lang="en-US" sz="4000" dirty="0"/>
-              <a:t>+</a:t>
-            </a:r>
-            <a:endParaRPr lang="en-CA" sz="4000" dirty="0"/>
-          </a:p>
-        </p:txBody>
-      </p:sp>
-      <p:pic>
-        <p:nvPicPr>
-          <p:cNvPr id="10" name="Picture 9">
-            <a:extLst>
-              <a:ext uri="{FF2B5EF4-FFF2-40B4-BE49-F238E27FC236}">
-                <a16:creationId xmlns:a16="http://schemas.microsoft.com/office/drawing/2014/main" id="{41E887D5-3999-43F2-8899-9E4987328C9B}"/>
-              </a:ext>
-            </a:extLst>
-          </p:cNvPr>
-          <p:cNvPicPr>
-            <a:picLocks noChangeAspect="1"/>
-          </p:cNvPicPr>
-          <p:nvPr/>
-        </p:nvPicPr>
-        <p:blipFill>
-          <a:blip r:embed="rId4">
-            <a:extLst>
-              <a:ext uri="{28A0092B-C50C-407E-A947-70E740481C1C}">
-                <a14:useLocalDpi xmlns:a14="http://schemas.microsoft.com/office/drawing/2010/main" val="0"/>
-              </a:ext>
-            </a:extLst>
-          </a:blip>
-          <a:stretch>
-            <a:fillRect/>
-          </a:stretch>
-        </p:blipFill>
-        <p:spPr>
-          <a:xfrm>
-            <a:off x="4901510" y="4078290"/>
-            <a:ext cx="1869144" cy="1869144"/>
-          </a:xfrm>
-          <a:prstGeom prst="rect">
-            <a:avLst/>
-          </a:prstGeom>
-        </p:spPr>
-      </p:pic>
-      <p:pic>
-        <p:nvPicPr>
-          <p:cNvPr id="13" name="Picture 12">
-            <a:extLst>
-              <a:ext uri="{FF2B5EF4-FFF2-40B4-BE49-F238E27FC236}">
-                <a16:creationId xmlns:a16="http://schemas.microsoft.com/office/drawing/2014/main" id="{7FC079CB-79A3-4B3D-8363-726BD546CEA2}"/>
-              </a:ext>
-            </a:extLst>
-          </p:cNvPr>
-          <p:cNvPicPr>
-            <a:picLocks noChangeAspect="1"/>
-          </p:cNvPicPr>
-          <p:nvPr/>
-        </p:nvPicPr>
-        <p:blipFill>
-          <a:blip r:embed="rId5">
-            <a:extLst>
-              <a:ext uri="{28A0092B-C50C-407E-A947-70E740481C1C}">
-                <a14:useLocalDpi xmlns:a14="http://schemas.microsoft.com/office/drawing/2010/main" val="0"/>
-              </a:ext>
-            </a:extLst>
-          </a:blip>
-          <a:stretch>
-            <a:fillRect/>
-          </a:stretch>
-        </p:blipFill>
-        <p:spPr>
-          <a:xfrm>
-            <a:off x="9124212" y="4326483"/>
-            <a:ext cx="1364841" cy="1364841"/>
-          </a:xfrm>
-          <a:prstGeom prst="rect">
-            <a:avLst/>
-          </a:prstGeom>
-        </p:spPr>
-      </p:pic>
-      <p:sp>
-        <p:nvSpPr>
-          <p:cNvPr id="14" name="TextBox 13">
-            <a:extLst>
-              <a:ext uri="{FF2B5EF4-FFF2-40B4-BE49-F238E27FC236}">
-                <a16:creationId xmlns:a16="http://schemas.microsoft.com/office/drawing/2014/main" id="{DA5230B7-12E4-4A68-A92F-ED3CAF40CFF6}"/>
-              </a:ext>
-            </a:extLst>
-          </p:cNvPr>
-          <p:cNvSpPr txBox="1"/>
-          <p:nvPr/>
-        </p:nvSpPr>
-        <p:spPr>
-          <a:xfrm>
-            <a:off x="7565457" y="4658919"/>
-            <a:ext cx="459385" cy="707886"/>
-          </a:xfrm>
-          <a:prstGeom prst="rect">
-            <a:avLst/>
-          </a:prstGeom>
-          <a:noFill/>
-        </p:spPr>
-        <p:txBody>
-          <a:bodyPr wrap="square" rtlCol="0">
-            <a:spAutoFit/>
-          </a:bodyPr>
-          <a:lstStyle/>
-          <a:p>
-            <a:r>
-              <a:rPr lang="en-US" sz="4000" dirty="0"/>
-              <a:t>+</a:t>
-            </a:r>
-            <a:endParaRPr lang="en-CA" sz="4000" dirty="0"/>
-          </a:p>
-        </p:txBody>
-      </p:sp>
+        </p:nvGrpSpPr>
+        <p:grpSpPr>
+          <a:xfrm>
+            <a:off x="1444828" y="2295405"/>
+            <a:ext cx="9083361" cy="1869144"/>
+            <a:chOff x="1234611" y="4455849"/>
+            <a:chExt cx="9083361" cy="1869144"/>
+          </a:xfrm>
+        </p:grpSpPr>
+        <p:pic>
+          <p:nvPicPr>
+            <p:cNvPr id="5" name="Graphic 4">
+              <a:extLst>
+                <a:ext uri="{FF2B5EF4-FFF2-40B4-BE49-F238E27FC236}">
+                  <a16:creationId xmlns:a16="http://schemas.microsoft.com/office/drawing/2014/main" id="{B0C250BD-7B7B-4CCE-9F49-8216A3D0EFAB}"/>
+                </a:ext>
+              </a:extLst>
+            </p:cNvPr>
+            <p:cNvPicPr>
+              <a:picLocks noChangeAspect="1"/>
+            </p:cNvPicPr>
+            <p:nvPr/>
+          </p:nvPicPr>
+          <p:blipFill>
+            <a:blip r:embed="rId2">
+              <a:extLst>
+                <a:ext uri="{28A0092B-C50C-407E-A947-70E740481C1C}">
+                  <a14:useLocalDpi xmlns:a14="http://schemas.microsoft.com/office/drawing/2010/main" val="0"/>
+                </a:ext>
+                <a:ext uri="{96DAC541-7B7A-43D3-8B79-37D633B846F1}">
+                  <asvg:svgBlip xmlns:asvg="http://schemas.microsoft.com/office/drawing/2016/SVG/main" r:embed="rId3"/>
+                </a:ext>
+              </a:extLst>
+            </a:blip>
+            <a:stretch>
+              <a:fillRect/>
+            </a:stretch>
+          </p:blipFill>
+          <p:spPr>
+            <a:xfrm>
+              <a:off x="1234611" y="4735846"/>
+              <a:ext cx="1301235" cy="1301235"/>
+            </a:xfrm>
+            <a:prstGeom prst="rect">
+              <a:avLst/>
+            </a:prstGeom>
+          </p:spPr>
+        </p:pic>
+        <p:sp>
+          <p:nvSpPr>
+            <p:cNvPr id="3" name="TextBox 2">
+              <a:extLst>
+                <a:ext uri="{FF2B5EF4-FFF2-40B4-BE49-F238E27FC236}">
+                  <a16:creationId xmlns:a16="http://schemas.microsoft.com/office/drawing/2014/main" id="{44FF521A-C5D7-492D-8EC7-038227528EEC}"/>
+                </a:ext>
+              </a:extLst>
+            </p:cNvPr>
+            <p:cNvSpPr txBox="1"/>
+            <p:nvPr/>
+          </p:nvSpPr>
+          <p:spPr>
+            <a:xfrm>
+              <a:off x="3583865" y="4959583"/>
+              <a:ext cx="459385" cy="707886"/>
+            </a:xfrm>
+            <a:prstGeom prst="rect">
+              <a:avLst/>
+            </a:prstGeom>
+            <a:noFill/>
+          </p:spPr>
+          <p:txBody>
+            <a:bodyPr wrap="square" rtlCol="0">
+              <a:spAutoFit/>
+            </a:bodyPr>
+            <a:lstStyle/>
+            <a:p>
+              <a:r>
+                <a:rPr lang="en-US" sz="4000" dirty="0"/>
+                <a:t>+</a:t>
+              </a:r>
+              <a:endParaRPr lang="en-CA" sz="4000" dirty="0"/>
+            </a:p>
+          </p:txBody>
+        </p:sp>
+        <p:pic>
+          <p:nvPicPr>
+            <p:cNvPr id="10" name="Picture 9">
+              <a:extLst>
+                <a:ext uri="{FF2B5EF4-FFF2-40B4-BE49-F238E27FC236}">
+                  <a16:creationId xmlns:a16="http://schemas.microsoft.com/office/drawing/2014/main" id="{41E887D5-3999-43F2-8899-9E4987328C9B}"/>
+                </a:ext>
+              </a:extLst>
+            </p:cNvPr>
+            <p:cNvPicPr>
+              <a:picLocks noChangeAspect="1"/>
+            </p:cNvPicPr>
+            <p:nvPr/>
+          </p:nvPicPr>
+          <p:blipFill>
+            <a:blip r:embed="rId4">
+              <a:extLst>
+                <a:ext uri="{28A0092B-C50C-407E-A947-70E740481C1C}">
+                  <a14:useLocalDpi xmlns:a14="http://schemas.microsoft.com/office/drawing/2010/main" val="0"/>
+                </a:ext>
+              </a:extLst>
+            </a:blip>
+            <a:stretch>
+              <a:fillRect/>
+            </a:stretch>
+          </p:blipFill>
+          <p:spPr>
+            <a:xfrm>
+              <a:off x="4730429" y="4455849"/>
+              <a:ext cx="1869144" cy="1869144"/>
+            </a:xfrm>
+            <a:prstGeom prst="rect">
+              <a:avLst/>
+            </a:prstGeom>
+          </p:spPr>
+        </p:pic>
+        <p:pic>
+          <p:nvPicPr>
+            <p:cNvPr id="13" name="Picture 12">
+              <a:extLst>
+                <a:ext uri="{FF2B5EF4-FFF2-40B4-BE49-F238E27FC236}">
+                  <a16:creationId xmlns:a16="http://schemas.microsoft.com/office/drawing/2014/main" id="{7FC079CB-79A3-4B3D-8363-726BD546CEA2}"/>
+                </a:ext>
+              </a:extLst>
+            </p:cNvPr>
+            <p:cNvPicPr>
+              <a:picLocks noChangeAspect="1"/>
+            </p:cNvPicPr>
+            <p:nvPr/>
+          </p:nvPicPr>
+          <p:blipFill>
+            <a:blip r:embed="rId5">
+              <a:extLst>
+                <a:ext uri="{28A0092B-C50C-407E-A947-70E740481C1C}">
+                  <a14:useLocalDpi xmlns:a14="http://schemas.microsoft.com/office/drawing/2010/main" val="0"/>
+                </a:ext>
+              </a:extLst>
+            </a:blip>
+            <a:stretch>
+              <a:fillRect/>
+            </a:stretch>
+          </p:blipFill>
+          <p:spPr>
+            <a:xfrm>
+              <a:off x="8953131" y="4704042"/>
+              <a:ext cx="1364841" cy="1364841"/>
+            </a:xfrm>
+            <a:prstGeom prst="rect">
+              <a:avLst/>
+            </a:prstGeom>
+          </p:spPr>
+        </p:pic>
+        <p:sp>
+          <p:nvSpPr>
+            <p:cNvPr id="14" name="TextBox 13">
+              <a:extLst>
+                <a:ext uri="{FF2B5EF4-FFF2-40B4-BE49-F238E27FC236}">
+                  <a16:creationId xmlns:a16="http://schemas.microsoft.com/office/drawing/2014/main" id="{DA5230B7-12E4-4A68-A92F-ED3CAF40CFF6}"/>
+                </a:ext>
+              </a:extLst>
+            </p:cNvPr>
+            <p:cNvSpPr txBox="1"/>
+            <p:nvPr/>
+          </p:nvSpPr>
+          <p:spPr>
+            <a:xfrm>
+              <a:off x="7394376" y="5036478"/>
+              <a:ext cx="459385" cy="707886"/>
+            </a:xfrm>
+            <a:prstGeom prst="rect">
+              <a:avLst/>
+            </a:prstGeom>
+            <a:noFill/>
+          </p:spPr>
+          <p:txBody>
+            <a:bodyPr wrap="square" rtlCol="0">
+              <a:spAutoFit/>
+            </a:bodyPr>
+            <a:lstStyle/>
+            <a:p>
+              <a:r>
+                <a:rPr lang="en-US" sz="4000" dirty="0"/>
+                <a:t>+</a:t>
+              </a:r>
+              <a:endParaRPr lang="en-CA" sz="4000" dirty="0"/>
+            </a:p>
+          </p:txBody>
+        </p:sp>
+      </p:grpSp>
       <p:pic>
         <p:nvPicPr>
           <p:cNvPr id="16" name="Picture 15">
@@ -4645,7 +4866,7 @@
         </p:blipFill>
         <p:spPr>
           <a:xfrm>
-            <a:off x="10589647" y="789255"/>
+            <a:off x="11250374" y="385317"/>
             <a:ext cx="477301" cy="477301"/>
           </a:xfrm>
           <a:prstGeom prst="rect">
@@ -4742,8 +4963,8 @@
         </p:blipFill>
         <p:spPr>
           <a:xfrm>
-            <a:off x="10638483" y="566199"/>
-            <a:ext cx="783898" cy="783898"/>
+            <a:off x="11273668" y="265339"/>
+            <a:ext cx="585266" cy="585266"/>
           </a:xfrm>
           <a:prstGeom prst="rect">
             <a:avLst/>
@@ -5341,7 +5562,7 @@
         </p:nvSpPr>
         <p:spPr>
           <a:xfrm>
-            <a:off x="4079651" y="2185634"/>
+            <a:off x="4079651" y="2221998"/>
             <a:ext cx="6096982" cy="923330"/>
           </a:xfrm>
           <a:prstGeom prst="rect">
@@ -5361,7 +5582,23 @@
                 <a:latin typeface="Poppins Light" panose="00000400000000000000" pitchFamily="2" charset="0"/>
                 <a:cs typeface="Poppins Light" panose="00000400000000000000" pitchFamily="2" charset="0"/>
               </a:rPr>
-              <a:t>'The First 5000 Days', the 1st purely digital NFT based artwork offered by a major auction house has sold for $69,346,250.</a:t>
+              <a:t>'The First 5000 Days', the 1st purely digital NFT based artwork offered by a major auction house has sold for </a:t>
+            </a:r>
+            <a:r>
+              <a:rPr lang="en-US" b="1" i="0" dirty="0">
+                <a:effectLst/>
+                <a:latin typeface="Poppins Light" panose="00000400000000000000" pitchFamily="2" charset="0"/>
+                <a:cs typeface="Poppins Light" panose="00000400000000000000" pitchFamily="2" charset="0"/>
+              </a:rPr>
+              <a:t>$69,346,250</a:t>
+            </a:r>
+            <a:r>
+              <a:rPr lang="en-US" b="0" i="0" dirty="0">
+                <a:effectLst/>
+                <a:latin typeface="Poppins Light" panose="00000400000000000000" pitchFamily="2" charset="0"/>
+                <a:cs typeface="Poppins Light" panose="00000400000000000000" pitchFamily="2" charset="0"/>
+              </a:rPr>
+              <a:t>.</a:t>
             </a:r>
             <a:endParaRPr lang="en-CA" dirty="0">
               <a:latin typeface="Poppins Light" panose="00000400000000000000" pitchFamily="2" charset="0"/>
@@ -5463,7 +5700,39 @@
                 <a:latin typeface="Poppins Light" panose="00000400000000000000" pitchFamily="2" charset="0"/>
                 <a:cs typeface="Poppins Light" panose="00000400000000000000" pitchFamily="2" charset="0"/>
               </a:rPr>
-              <a:t>grew by 553% in the year 2019 to November 2020, and users spent $2.36 billion on the adult </a:t>
+              <a:t>grew by </a:t>
+            </a:r>
+            <a:r>
+              <a:rPr lang="en-US" b="1" i="0" dirty="0">
+                <a:effectLst/>
+                <a:latin typeface="Poppins Light" panose="00000400000000000000" pitchFamily="2" charset="0"/>
+                <a:cs typeface="Poppins Light" panose="00000400000000000000" pitchFamily="2" charset="0"/>
+              </a:rPr>
+              <a:t>553%</a:t>
+            </a:r>
+            <a:r>
+              <a:rPr lang="en-US" b="0" i="0" dirty="0">
+                <a:effectLst/>
+                <a:latin typeface="Poppins Light" panose="00000400000000000000" pitchFamily="2" charset="0"/>
+                <a:cs typeface="Poppins Light" panose="00000400000000000000" pitchFamily="2" charset="0"/>
+              </a:rPr>
+              <a:t> in the year 2019 to November 2020, and users spent </a:t>
+            </a:r>
+            <a:r>
+              <a:rPr lang="en-US" b="1" i="0" dirty="0">
+                <a:effectLst/>
+                <a:latin typeface="Poppins Light" panose="00000400000000000000" pitchFamily="2" charset="0"/>
+                <a:cs typeface="Poppins Light" panose="00000400000000000000" pitchFamily="2" charset="0"/>
+              </a:rPr>
+              <a:t>$2.36 billion </a:t>
+            </a:r>
+            <a:r>
+              <a:rPr lang="en-US" b="0" i="0" dirty="0">
+                <a:effectLst/>
+                <a:latin typeface="Poppins Light" panose="00000400000000000000" pitchFamily="2" charset="0"/>
+                <a:cs typeface="Poppins Light" panose="00000400000000000000" pitchFamily="2" charset="0"/>
+              </a:rPr>
+              <a:t>on the adult </a:t>
             </a:r>
             <a:r>
               <a:rPr lang="en-US" dirty="0">
@@ -5501,7 +5770,7 @@
         </p:nvSpPr>
         <p:spPr>
           <a:xfrm>
-            <a:off x="4079651" y="5286833"/>
+            <a:off x="4079651" y="5275035"/>
             <a:ext cx="6096982" cy="923330"/>
           </a:xfrm>
           <a:prstGeom prst="rect">
@@ -5525,7 +5794,29 @@
                 <a:latin typeface="Poppins Light" panose="00000400000000000000" pitchFamily="2" charset="0"/>
                 <a:cs typeface="Poppins Light" panose="00000400000000000000" pitchFamily="2" charset="0"/>
               </a:rPr>
-              <a:t>NFTs have a nearly $28 billion market cap with sports-related NFTs — such as the NBA’s Top Shots trading cards — being the most popular.</a:t>
+              <a:t>NFTs have a nearly </a:t>
+            </a:r>
+            <a:r>
+              <a:rPr lang="en-US" b="1" i="0" dirty="0">
+                <a:solidFill>
+                  <a:srgbClr val="000000"/>
+                </a:solidFill>
+                <a:effectLst/>
+                <a:latin typeface="Poppins Light" panose="00000400000000000000" pitchFamily="2" charset="0"/>
+                <a:cs typeface="Poppins Light" panose="00000400000000000000" pitchFamily="2" charset="0"/>
+              </a:rPr>
+              <a:t>$28 billion </a:t>
+            </a:r>
+            <a:r>
+              <a:rPr lang="en-US" b="0" i="0" dirty="0">
+                <a:solidFill>
+                  <a:srgbClr val="000000"/>
+                </a:solidFill>
+                <a:effectLst/>
+                <a:latin typeface="Poppins Light" panose="00000400000000000000" pitchFamily="2" charset="0"/>
+                <a:cs typeface="Poppins Light" panose="00000400000000000000" pitchFamily="2" charset="0"/>
+              </a:rPr>
+              <a:t>market cap with sports-related NFTs — such as the NBA’s Top Shots trading cards — being the most popular.</a:t>
             </a:r>
           </a:p>
         </p:txBody>
@@ -5594,7 +5885,7 @@
         </p:blipFill>
         <p:spPr>
           <a:xfrm>
-            <a:off x="10821814" y="660728"/>
+            <a:off x="11353800" y="271371"/>
             <a:ext cx="531986" cy="531986"/>
           </a:xfrm>
           <a:prstGeom prst="rect">
@@ -5785,7 +6076,7 @@
         </p:blipFill>
         <p:spPr>
           <a:xfrm>
-            <a:off x="10870593" y="786302"/>
+            <a:off x="11353800" y="308455"/>
             <a:ext cx="483207" cy="483207"/>
           </a:xfrm>
         </p:spPr>
@@ -6398,56 +6689,141 @@
             <p:ph idx="1"/>
           </p:nvPr>
         </p:nvSpPr>
-        <p:spPr/>
-        <p:txBody>
-          <a:bodyPr/>
-          <a:lstStyle/>
-          <a:p>
-            <a:r>
-              <a:rPr lang="en-US" dirty="0"/>
+        <p:spPr>
+          <a:xfrm>
+            <a:off x="838200" y="1825625"/>
+            <a:ext cx="6860458" cy="4351338"/>
+          </a:xfrm>
+        </p:spPr>
+        <p:txBody>
+          <a:bodyPr>
+            <a:normAutofit fontScale="92500" lnSpcReduction="20000"/>
+          </a:bodyPr>
+          <a:lstStyle/>
+          <a:p>
+            <a:pPr>
+              <a:lnSpc>
+                <a:spcPct val="110000"/>
+              </a:lnSpc>
+            </a:pPr>
+            <a:r>
+              <a:rPr lang="en-US" dirty="0">
+                <a:latin typeface="Poppins Light" panose="00000400000000000000" pitchFamily="2" charset="0"/>
+                <a:cs typeface="Poppins Light" panose="00000400000000000000" pitchFamily="2" charset="0"/>
+              </a:rPr>
               <a:t>Influencer promotions.</a:t>
             </a:r>
           </a:p>
           <a:p>
-            <a:r>
-              <a:rPr lang="en-US" dirty="0"/>
+            <a:pPr>
+              <a:lnSpc>
+                <a:spcPct val="110000"/>
+              </a:lnSpc>
+            </a:pPr>
+            <a:r>
+              <a:rPr lang="en-US" dirty="0">
+                <a:latin typeface="Poppins Light" panose="00000400000000000000" pitchFamily="2" charset="0"/>
+                <a:cs typeface="Poppins Light" panose="00000400000000000000" pitchFamily="2" charset="0"/>
+              </a:rPr>
               <a:t>Advertisement / Marketing.</a:t>
             </a:r>
           </a:p>
           <a:p>
-            <a:r>
-              <a:rPr lang="en-US" dirty="0"/>
-              <a:t>Third party security audits of smart contracts and code.</a:t>
-            </a:r>
-          </a:p>
-          <a:p>
-            <a:r>
-              <a:rPr lang="en-US" dirty="0"/>
-              <a:t>Hire software developers.</a:t>
-            </a:r>
-          </a:p>
-          <a:p>
-            <a:r>
-              <a:rPr lang="en-US" dirty="0"/>
+            <a:pPr>
+              <a:lnSpc>
+                <a:spcPct val="110000"/>
+              </a:lnSpc>
+            </a:pPr>
+            <a:r>
+              <a:rPr lang="en-US" dirty="0">
+                <a:latin typeface="Poppins Light" panose="00000400000000000000" pitchFamily="2" charset="0"/>
+                <a:cs typeface="Poppins Light" panose="00000400000000000000" pitchFamily="2" charset="0"/>
+              </a:rPr>
+              <a:t>Third party security audits.</a:t>
+            </a:r>
+          </a:p>
+          <a:p>
+            <a:pPr>
+              <a:lnSpc>
+                <a:spcPct val="110000"/>
+              </a:lnSpc>
+            </a:pPr>
+            <a:r>
+              <a:rPr lang="en-US" dirty="0">
+                <a:latin typeface="Poppins Light" panose="00000400000000000000" pitchFamily="2" charset="0"/>
+                <a:cs typeface="Poppins Light" panose="00000400000000000000" pitchFamily="2" charset="0"/>
+              </a:rPr>
+              <a:t>Software developers.</a:t>
+            </a:r>
+          </a:p>
+          <a:p>
+            <a:pPr>
+              <a:lnSpc>
+                <a:spcPct val="110000"/>
+              </a:lnSpc>
+            </a:pPr>
+            <a:r>
+              <a:rPr lang="en-US" dirty="0">
+                <a:latin typeface="Poppins Light" panose="00000400000000000000" pitchFamily="2" charset="0"/>
+                <a:cs typeface="Poppins Light" panose="00000400000000000000" pitchFamily="2" charset="0"/>
+              </a:rPr>
+              <a:t>ID verification / moderation team.</a:t>
+            </a:r>
+          </a:p>
+          <a:p>
+            <a:pPr>
+              <a:lnSpc>
+                <a:spcPct val="110000"/>
+              </a:lnSpc>
+            </a:pPr>
+            <a:r>
+              <a:rPr lang="en-US" dirty="0">
+                <a:latin typeface="Poppins Light" panose="00000400000000000000" pitchFamily="2" charset="0"/>
+                <a:cs typeface="Poppins Light" panose="00000400000000000000" pitchFamily="2" charset="0"/>
+              </a:rPr>
               <a:t>Infrastructure costs.</a:t>
             </a:r>
           </a:p>
           <a:p>
-            <a:r>
-              <a:rPr lang="en-US" dirty="0"/>
+            <a:pPr>
+              <a:lnSpc>
+                <a:spcPct val="110000"/>
+              </a:lnSpc>
+            </a:pPr>
+            <a:r>
+              <a:rPr lang="en-US" dirty="0">
+                <a:latin typeface="Poppins Light" panose="00000400000000000000" pitchFamily="2" charset="0"/>
+                <a:cs typeface="Poppins Light" panose="00000400000000000000" pitchFamily="2" charset="0"/>
+              </a:rPr>
               <a:t>Legal costs.</a:t>
             </a:r>
           </a:p>
           <a:p>
-            <a:r>
-              <a:rPr lang="en-US" dirty="0"/>
-              <a:t>Grow the team and social medias.</a:t>
-            </a:r>
-          </a:p>
-          <a:p>
-            <a:r>
-              <a:rPr lang="en-US" dirty="0"/>
-              <a:t>Content creation.</a:t>
+            <a:pPr>
+              <a:lnSpc>
+                <a:spcPct val="110000"/>
+              </a:lnSpc>
+            </a:pPr>
+            <a:r>
+              <a:rPr lang="en-US" dirty="0">
+                <a:latin typeface="Poppins Light" panose="00000400000000000000" pitchFamily="2" charset="0"/>
+                <a:cs typeface="Poppins Light" panose="00000400000000000000" pitchFamily="2" charset="0"/>
+              </a:rPr>
+              <a:t>Content creation / video production.</a:t>
+            </a:r>
+          </a:p>
+          <a:p>
+            <a:pPr>
+              <a:lnSpc>
+                <a:spcPct val="110000"/>
+              </a:lnSpc>
+            </a:pPr>
+            <a:r>
+              <a:rPr lang="en-US" dirty="0">
+                <a:latin typeface="Poppins Light" panose="00000400000000000000" pitchFamily="2" charset="0"/>
+                <a:cs typeface="Poppins Light" panose="00000400000000000000" pitchFamily="2" charset="0"/>
+              </a:rPr>
+              <a:t>Compete with competition.</a:t>
             </a:r>
           </a:p>
           <a:p>
@@ -6483,8 +6859,44 @@
         </p:blipFill>
         <p:spPr>
           <a:xfrm>
-            <a:off x="10681578" y="627943"/>
-            <a:ext cx="672222" cy="672222"/>
+            <a:off x="11353800" y="365125"/>
+            <a:ext cx="439688" cy="439688"/>
+          </a:xfrm>
+          <a:prstGeom prst="rect">
+            <a:avLst/>
+          </a:prstGeom>
+        </p:spPr>
+      </p:pic>
+      <p:pic>
+        <p:nvPicPr>
+          <p:cNvPr id="6" name="Picture 5">
+            <a:extLst>
+              <a:ext uri="{FF2B5EF4-FFF2-40B4-BE49-F238E27FC236}">
+                <a16:creationId xmlns:a16="http://schemas.microsoft.com/office/drawing/2014/main" id="{A01BB6D9-F76D-4D97-90F0-B363F2E3288B}"/>
+              </a:ext>
+            </a:extLst>
+          </p:cNvPr>
+          <p:cNvPicPr>
+            <a:picLocks noChangeAspect="1"/>
+          </p:cNvPicPr>
+          <p:nvPr/>
+        </p:nvPicPr>
+        <p:blipFill>
+          <a:blip r:embed="rId3">
+            <a:extLst>
+              <a:ext uri="{28A0092B-C50C-407E-A947-70E740481C1C}">
+                <a14:useLocalDpi xmlns:a14="http://schemas.microsoft.com/office/drawing/2010/main" val="0"/>
+              </a:ext>
+            </a:extLst>
+          </a:blip>
+          <a:stretch>
+            <a:fillRect/>
+          </a:stretch>
+        </p:blipFill>
+        <p:spPr>
+          <a:xfrm>
+            <a:off x="8023428" y="2050549"/>
+            <a:ext cx="3080973" cy="3080973"/>
           </a:xfrm>
           <a:prstGeom prst="rect">
             <a:avLst/>
@@ -6571,7 +6983,7 @@
         <p:spPr>
           <a:xfrm>
             <a:off x="838200" y="1825625"/>
-            <a:ext cx="10016613" cy="4351338"/>
+            <a:ext cx="5969655" cy="4351338"/>
           </a:xfrm>
         </p:spPr>
         <p:txBody>
@@ -6579,37 +6991,55 @@
           <a:lstStyle/>
           <a:p>
             <a:r>
-              <a:rPr lang="en-US" dirty="0"/>
-              <a:t>10% on each transaction.</a:t>
-            </a:r>
-          </a:p>
-          <a:p>
-            <a:r>
-              <a:rPr lang="en-CA" dirty="0"/>
+              <a:rPr lang="en-US" dirty="0">
+                <a:latin typeface="Poppins Light" panose="00000400000000000000" pitchFamily="2" charset="0"/>
+                <a:cs typeface="Poppins Light" panose="00000400000000000000" pitchFamily="2" charset="0"/>
+              </a:rPr>
+              <a:t>10% cut on each transaction. </a:t>
+            </a:r>
+          </a:p>
+          <a:p>
+            <a:r>
+              <a:rPr lang="en-CA" dirty="0">
+                <a:latin typeface="Poppins Light" panose="00000400000000000000" pitchFamily="2" charset="0"/>
+                <a:cs typeface="Poppins Light" panose="00000400000000000000" pitchFamily="2" charset="0"/>
+              </a:rPr>
               <a:t>Celebrity promotions. </a:t>
             </a:r>
           </a:p>
           <a:p>
             <a:r>
-              <a:rPr lang="en-CA" dirty="0"/>
+              <a:rPr lang="en-CA" dirty="0">
+                <a:latin typeface="Poppins Light" panose="00000400000000000000" pitchFamily="2" charset="0"/>
+                <a:cs typeface="Poppins Light" panose="00000400000000000000" pitchFamily="2" charset="0"/>
+              </a:rPr>
               <a:t>Company plugs.</a:t>
             </a:r>
           </a:p>
           <a:p>
             <a:r>
-              <a:rPr lang="en-CA" dirty="0"/>
+              <a:rPr lang="en-CA" dirty="0">
+                <a:latin typeface="Poppins Light" panose="00000400000000000000" pitchFamily="2" charset="0"/>
+                <a:cs typeface="Poppins Light" panose="00000400000000000000" pitchFamily="2" charset="0"/>
+              </a:rPr>
               <a:t>Advertisements.</a:t>
             </a:r>
           </a:p>
           <a:p>
             <a:r>
-              <a:rPr lang="en-CA" dirty="0"/>
+              <a:rPr lang="en-CA" dirty="0">
+                <a:latin typeface="Poppins Light" panose="00000400000000000000" pitchFamily="2" charset="0"/>
+                <a:cs typeface="Poppins Light" panose="00000400000000000000" pitchFamily="2" charset="0"/>
+              </a:rPr>
               <a:t>Merch.</a:t>
             </a:r>
           </a:p>
           <a:p>
             <a:r>
-              <a:rPr lang="en-CA" dirty="0"/>
+              <a:rPr lang="en-CA" dirty="0">
+                <a:latin typeface="Poppins Light" panose="00000400000000000000" pitchFamily="2" charset="0"/>
+                <a:cs typeface="Poppins Light" panose="00000400000000000000" pitchFamily="2" charset="0"/>
+              </a:rPr>
               <a:t>Crypto. $NUDE token.</a:t>
             </a:r>
           </a:p>
@@ -6646,8 +7076,44 @@
         </p:blipFill>
         <p:spPr>
           <a:xfrm>
-            <a:off x="10689903" y="695957"/>
-            <a:ext cx="663897" cy="663897"/>
+            <a:off x="11300819" y="312780"/>
+            <a:ext cx="519030" cy="519030"/>
+          </a:xfrm>
+          <a:prstGeom prst="rect">
+            <a:avLst/>
+          </a:prstGeom>
+        </p:spPr>
+      </p:pic>
+      <p:pic>
+        <p:nvPicPr>
+          <p:cNvPr id="6" name="Picture 5">
+            <a:extLst>
+              <a:ext uri="{FF2B5EF4-FFF2-40B4-BE49-F238E27FC236}">
+                <a16:creationId xmlns:a16="http://schemas.microsoft.com/office/drawing/2014/main" id="{45BCCCF6-BDD6-4B6E-8769-7B01C1160510}"/>
+              </a:ext>
+            </a:extLst>
+          </p:cNvPr>
+          <p:cNvPicPr>
+            <a:picLocks noChangeAspect="1"/>
+          </p:cNvPicPr>
+          <p:nvPr/>
+        </p:nvPicPr>
+        <p:blipFill>
+          <a:blip r:embed="rId3">
+            <a:extLst>
+              <a:ext uri="{28A0092B-C50C-407E-A947-70E740481C1C}">
+                <a14:useLocalDpi xmlns:a14="http://schemas.microsoft.com/office/drawing/2010/main" val="0"/>
+              </a:ext>
+            </a:extLst>
+          </a:blip>
+          <a:stretch>
+            <a:fillRect/>
+          </a:stretch>
+        </p:blipFill>
+        <p:spPr>
+          <a:xfrm>
+            <a:off x="7505945" y="3002772"/>
+            <a:ext cx="2796442" cy="2796442"/>
           </a:xfrm>
           <a:prstGeom prst="rect">
             <a:avLst/>

--- a/own-me-pitch.pptx
+++ b/own-me-pitch.pptx
@@ -10,12 +10,13 @@
     <p:sldId id="258" r:id="rId4"/>
     <p:sldId id="259" r:id="rId5"/>
     <p:sldId id="265" r:id="rId6"/>
-    <p:sldId id="260" r:id="rId7"/>
-    <p:sldId id="261" r:id="rId8"/>
-    <p:sldId id="262" r:id="rId9"/>
-    <p:sldId id="263" r:id="rId10"/>
-    <p:sldId id="264" r:id="rId11"/>
-    <p:sldId id="266" r:id="rId12"/>
+    <p:sldId id="267" r:id="rId7"/>
+    <p:sldId id="268" r:id="rId8"/>
+    <p:sldId id="260" r:id="rId9"/>
+    <p:sldId id="261" r:id="rId10"/>
+    <p:sldId id="262" r:id="rId11"/>
+    <p:sldId id="263" r:id="rId12"/>
+    <p:sldId id="264" r:id="rId13"/>
   </p:sldIdLst>
   <p:sldSz cx="12192000" cy="6858000"/>
   <p:notesSz cx="6858000" cy="9144000"/>
@@ -3769,7 +3770,7 @@
           <p:cNvPr id="2" name="Title 1">
             <a:extLst>
               <a:ext uri="{FF2B5EF4-FFF2-40B4-BE49-F238E27FC236}">
-                <a16:creationId xmlns:a16="http://schemas.microsoft.com/office/drawing/2014/main" id="{A7BE9879-6337-419D-994C-BD4650A6FB10}"/>
+                <a16:creationId xmlns:a16="http://schemas.microsoft.com/office/drawing/2014/main" id="{73C4E103-203C-4E4F-97B0-23C6EF7FD9F2}"/>
               </a:ext>
             </a:extLst>
           </p:cNvPr>
@@ -3780,25 +3781,18 @@
             <p:ph type="title"/>
           </p:nvPr>
         </p:nvSpPr>
-        <p:spPr>
-          <a:xfrm>
-            <a:off x="838200" y="395257"/>
-            <a:ext cx="10246688" cy="1295431"/>
-          </a:xfrm>
-        </p:spPr>
-        <p:txBody>
-          <a:bodyPr>
-            <a:normAutofit/>
-          </a:bodyPr>
-          <a:lstStyle/>
-          <a:p>
-            <a:r>
-              <a:rPr lang="en-US" sz="4000" dirty="0">
+        <p:spPr/>
+        <p:txBody>
+          <a:bodyPr/>
+          <a:lstStyle/>
+          <a:p>
+            <a:r>
+              <a:rPr lang="en-US" dirty="0">
                 <a:latin typeface="Yeseva One" panose="00000500000000000000" pitchFamily="2" charset="0"/>
               </a:rPr>
-              <a:t>Why are we better then everyone else?</a:t>
-            </a:r>
-            <a:endParaRPr lang="en-CA" sz="4000" dirty="0"/>
+              <a:t>How do we make money?</a:t>
+            </a:r>
+            <a:endParaRPr lang="en-CA" dirty="0"/>
           </a:p>
         </p:txBody>
       </p:sp>
@@ -3807,7 +3801,7 @@
           <p:cNvPr id="3" name="Content Placeholder 2">
             <a:extLst>
               <a:ext uri="{FF2B5EF4-FFF2-40B4-BE49-F238E27FC236}">
-                <a16:creationId xmlns:a16="http://schemas.microsoft.com/office/drawing/2014/main" id="{2DA3F201-2856-41F8-9404-A21C6063907F}"/>
+                <a16:creationId xmlns:a16="http://schemas.microsoft.com/office/drawing/2014/main" id="{599A44D3-BED2-4D82-BD38-AC3F2CE02450}"/>
               </a:ext>
             </a:extLst>
           </p:cNvPr>
@@ -3818,130 +3812,150 @@
             <p:ph idx="1"/>
           </p:nvPr>
         </p:nvSpPr>
-        <p:spPr/>
-        <p:txBody>
-          <a:bodyPr>
-            <a:normAutofit fontScale="85000" lnSpcReduction="10000"/>
-          </a:bodyPr>
-          <a:lstStyle/>
-          <a:p>
-            <a:pPr>
-              <a:lnSpc>
-                <a:spcPct val="110000"/>
-              </a:lnSpc>
-            </a:pPr>
+        <p:spPr>
+          <a:xfrm>
+            <a:off x="838200" y="1825625"/>
+            <a:ext cx="5969655" cy="4351338"/>
+          </a:xfrm>
+        </p:spPr>
+        <p:txBody>
+          <a:bodyPr/>
+          <a:lstStyle/>
+          <a:p>
             <a:r>
               <a:rPr lang="en-US" dirty="0">
                 <a:latin typeface="Poppins Light" panose="00000400000000000000" pitchFamily="2" charset="0"/>
                 <a:cs typeface="Poppins Light" panose="00000400000000000000" pitchFamily="2" charset="0"/>
               </a:rPr>
-              <a:t>Lowball transaction fees. They charge 20%, we charge 10%.</a:t>
-            </a:r>
-          </a:p>
-          <a:p>
-            <a:pPr>
-              <a:lnSpc>
-                <a:spcPct val="110000"/>
-              </a:lnSpc>
-            </a:pPr>
-            <a:r>
-              <a:rPr lang="en-US" dirty="0">
-                <a:latin typeface="Poppins Light" panose="00000400000000000000" pitchFamily="2" charset="0"/>
-                <a:cs typeface="Poppins Light" panose="00000400000000000000" pitchFamily="2" charset="0"/>
-              </a:rPr>
-              <a:t>Blockchain, not dependent on big banks, hard to cancel.</a:t>
-            </a:r>
-          </a:p>
-          <a:p>
-            <a:pPr>
-              <a:lnSpc>
-                <a:spcPct val="110000"/>
-              </a:lnSpc>
-            </a:pPr>
-            <a:r>
-              <a:rPr lang="en-US" dirty="0">
-                <a:latin typeface="Poppins Light" panose="00000400000000000000" pitchFamily="2" charset="0"/>
-                <a:cs typeface="Poppins Light" panose="00000400000000000000" pitchFamily="2" charset="0"/>
-              </a:rPr>
-              <a:t>Lead founder / CEO is an experienced, talented, software engineer.</a:t>
-            </a:r>
-          </a:p>
-          <a:p>
-            <a:pPr>
-              <a:lnSpc>
-                <a:spcPct val="110000"/>
-              </a:lnSpc>
-            </a:pPr>
-            <a:r>
-              <a:rPr lang="en-US" dirty="0">
-                <a:latin typeface="Poppins Light" panose="00000400000000000000" pitchFamily="2" charset="0"/>
-                <a:cs typeface="Poppins Light" panose="00000400000000000000" pitchFamily="2" charset="0"/>
-              </a:rPr>
-              <a:t>We have a niched product design specific for adult content.</a:t>
-            </a:r>
-          </a:p>
-          <a:p>
-            <a:pPr>
-              <a:lnSpc>
-                <a:spcPct val="110000"/>
-              </a:lnSpc>
-            </a:pPr>
-            <a:r>
-              <a:rPr lang="en-US" dirty="0">
-                <a:latin typeface="Poppins Light" panose="00000400000000000000" pitchFamily="2" charset="0"/>
-                <a:cs typeface="Poppins Light" panose="00000400000000000000" pitchFamily="2" charset="0"/>
-              </a:rPr>
-              <a:t>We have innovative ideas that have never been done before.</a:t>
-            </a:r>
-          </a:p>
-          <a:p>
-            <a:pPr>
-              <a:lnSpc>
-                <a:spcPct val="110000"/>
-              </a:lnSpc>
-            </a:pPr>
-            <a:r>
-              <a:rPr lang="en-US" dirty="0">
-                <a:latin typeface="Poppins Light" panose="00000400000000000000" pitchFamily="2" charset="0"/>
-                <a:cs typeface="Poppins Light" panose="00000400000000000000" pitchFamily="2" charset="0"/>
-              </a:rPr>
-              <a:t>We are smaller, fresher, can pivot, adapt quicker.</a:t>
-            </a:r>
-          </a:p>
-          <a:p>
-            <a:pPr>
-              <a:lnSpc>
-                <a:spcPct val="110000"/>
-              </a:lnSpc>
-            </a:pPr>
+              <a:t>10% cut on each transaction. </a:t>
+            </a:r>
+          </a:p>
+          <a:p>
             <a:r>
               <a:rPr lang="en-CA" dirty="0">
                 <a:latin typeface="Poppins Light" panose="00000400000000000000" pitchFamily="2" charset="0"/>
                 <a:cs typeface="Poppins Light" panose="00000400000000000000" pitchFamily="2" charset="0"/>
               </a:rPr>
-              <a:t>We combine the crypto, social media and adult content industries.</a:t>
-            </a:r>
-          </a:p>
-          <a:p>
-            <a:pPr>
-              <a:lnSpc>
-                <a:spcPct val="110000"/>
-              </a:lnSpc>
-            </a:pPr>
+              <a:t>Celebrity promotions. </a:t>
+            </a:r>
+          </a:p>
+          <a:p>
             <a:r>
               <a:rPr lang="en-CA" dirty="0">
                 <a:latin typeface="Poppins Light" panose="00000400000000000000" pitchFamily="2" charset="0"/>
                 <a:cs typeface="Poppins Light" panose="00000400000000000000" pitchFamily="2" charset="0"/>
               </a:rPr>
-              <a:t>We are not rich yet and are more hungry then the fat cats.</a:t>
-            </a:r>
-          </a:p>
-        </p:txBody>
-      </p:sp>
+              <a:t>Company plugs.</a:t>
+            </a:r>
+          </a:p>
+          <a:p>
+            <a:r>
+              <a:rPr lang="en-CA" dirty="0">
+                <a:latin typeface="Poppins Light" panose="00000400000000000000" pitchFamily="2" charset="0"/>
+                <a:cs typeface="Poppins Light" panose="00000400000000000000" pitchFamily="2" charset="0"/>
+              </a:rPr>
+              <a:t>Advertisements.</a:t>
+            </a:r>
+          </a:p>
+          <a:p>
+            <a:r>
+              <a:rPr lang="en-CA" dirty="0">
+                <a:latin typeface="Poppins Light" panose="00000400000000000000" pitchFamily="2" charset="0"/>
+                <a:cs typeface="Poppins Light" panose="00000400000000000000" pitchFamily="2" charset="0"/>
+              </a:rPr>
+              <a:t>Merch.</a:t>
+            </a:r>
+          </a:p>
+          <a:p>
+            <a:r>
+              <a:rPr lang="en-CA" dirty="0">
+                <a:latin typeface="Poppins Light" panose="00000400000000000000" pitchFamily="2" charset="0"/>
+                <a:cs typeface="Poppins Light" panose="00000400000000000000" pitchFamily="2" charset="0"/>
+              </a:rPr>
+              <a:t>Crypto. $NUDE token.</a:t>
+            </a:r>
+          </a:p>
+          <a:p>
+            <a:endParaRPr lang="en-CA" dirty="0"/>
+          </a:p>
+        </p:txBody>
+      </p:sp>
+      <p:pic>
+        <p:nvPicPr>
+          <p:cNvPr id="5" name="Picture 4">
+            <a:extLst>
+              <a:ext uri="{FF2B5EF4-FFF2-40B4-BE49-F238E27FC236}">
+                <a16:creationId xmlns:a16="http://schemas.microsoft.com/office/drawing/2014/main" id="{313110A8-4B4D-43E9-A94D-69FF1E4BE2BB}"/>
+              </a:ext>
+            </a:extLst>
+          </p:cNvPr>
+          <p:cNvPicPr>
+            <a:picLocks noChangeAspect="1"/>
+          </p:cNvPicPr>
+          <p:nvPr/>
+        </p:nvPicPr>
+        <p:blipFill>
+          <a:blip r:embed="rId2">
+            <a:extLst>
+              <a:ext uri="{28A0092B-C50C-407E-A947-70E740481C1C}">
+                <a14:useLocalDpi xmlns:a14="http://schemas.microsoft.com/office/drawing/2010/main" val="0"/>
+              </a:ext>
+            </a:extLst>
+          </a:blip>
+          <a:stretch>
+            <a:fillRect/>
+          </a:stretch>
+        </p:blipFill>
+        <p:spPr>
+          <a:xfrm>
+            <a:off x="11300819" y="312780"/>
+            <a:ext cx="519030" cy="519030"/>
+          </a:xfrm>
+          <a:prstGeom prst="rect">
+            <a:avLst/>
+          </a:prstGeom>
+        </p:spPr>
+      </p:pic>
+      <p:pic>
+        <p:nvPicPr>
+          <p:cNvPr id="6" name="Picture 5">
+            <a:extLst>
+              <a:ext uri="{FF2B5EF4-FFF2-40B4-BE49-F238E27FC236}">
+                <a16:creationId xmlns:a16="http://schemas.microsoft.com/office/drawing/2014/main" id="{45BCCCF6-BDD6-4B6E-8769-7B01C1160510}"/>
+              </a:ext>
+            </a:extLst>
+          </p:cNvPr>
+          <p:cNvPicPr>
+            <a:picLocks noChangeAspect="1"/>
+          </p:cNvPicPr>
+          <p:nvPr/>
+        </p:nvPicPr>
+        <p:blipFill>
+          <a:blip r:embed="rId3">
+            <a:extLst>
+              <a:ext uri="{28A0092B-C50C-407E-A947-70E740481C1C}">
+                <a14:useLocalDpi xmlns:a14="http://schemas.microsoft.com/office/drawing/2010/main" val="0"/>
+              </a:ext>
+            </a:extLst>
+          </a:blip>
+          <a:stretch>
+            <a:fillRect/>
+          </a:stretch>
+        </p:blipFill>
+        <p:spPr>
+          <a:xfrm>
+            <a:off x="7505945" y="3002772"/>
+            <a:ext cx="2796442" cy="2796442"/>
+          </a:xfrm>
+          <a:prstGeom prst="rect">
+            <a:avLst/>
+          </a:prstGeom>
+        </p:spPr>
+      </p:pic>
     </p:spTree>
     <p:extLst>
       <p:ext uri="{BB962C8B-B14F-4D97-AF65-F5344CB8AC3E}">
-        <p14:creationId xmlns:p14="http://schemas.microsoft.com/office/powerpoint/2010/main" val="539992873"/>
+        <p14:creationId xmlns:p14="http://schemas.microsoft.com/office/powerpoint/2010/main" val="625031941"/>
       </p:ext>
     </p:extLst>
   </p:cSld>
@@ -3973,7 +3987,7 @@
           <p:cNvPr id="2" name="Title 1">
             <a:extLst>
               <a:ext uri="{FF2B5EF4-FFF2-40B4-BE49-F238E27FC236}">
-                <a16:creationId xmlns:a16="http://schemas.microsoft.com/office/drawing/2014/main" id="{9764E327-F01A-4B64-B8BE-0F5EA70B2BBA}"/>
+                <a16:creationId xmlns:a16="http://schemas.microsoft.com/office/drawing/2014/main" id="{5A7D9E14-614B-4A34-A711-812427B03D19}"/>
               </a:ext>
             </a:extLst>
           </p:cNvPr>
@@ -3990,19 +4004,314 @@
           <a:lstStyle/>
           <a:p>
             <a:r>
+              <a:rPr lang="en-US" dirty="0">
+                <a:latin typeface="Yeseva One" panose="00000500000000000000" pitchFamily="2" charset="0"/>
+              </a:rPr>
+              <a:t>Our Competition</a:t>
+            </a:r>
+            <a:endParaRPr lang="en-CA" dirty="0"/>
+          </a:p>
+        </p:txBody>
+      </p:sp>
+      <p:pic>
+        <p:nvPicPr>
+          <p:cNvPr id="5" name="Picture 4">
+            <a:extLst>
+              <a:ext uri="{FF2B5EF4-FFF2-40B4-BE49-F238E27FC236}">
+                <a16:creationId xmlns:a16="http://schemas.microsoft.com/office/drawing/2014/main" id="{0D8AA00E-2FA8-436C-93AF-81D3B677D479}"/>
+              </a:ext>
+            </a:extLst>
+          </p:cNvPr>
+          <p:cNvPicPr>
+            <a:picLocks noChangeAspect="1"/>
+          </p:cNvPicPr>
+          <p:nvPr/>
+        </p:nvPicPr>
+        <p:blipFill>
+          <a:blip r:embed="rId2">
+            <a:extLst>
+              <a:ext uri="{28A0092B-C50C-407E-A947-70E740481C1C}">
+                <a14:useLocalDpi xmlns:a14="http://schemas.microsoft.com/office/drawing/2010/main" val="0"/>
+              </a:ext>
+            </a:extLst>
+          </a:blip>
+          <a:stretch>
+            <a:fillRect/>
+          </a:stretch>
+        </p:blipFill>
+        <p:spPr>
+          <a:xfrm>
+            <a:off x="7275533" y="1873668"/>
+            <a:ext cx="2600325" cy="638175"/>
+          </a:xfrm>
+          <a:prstGeom prst="rect">
+            <a:avLst/>
+          </a:prstGeom>
+        </p:spPr>
+      </p:pic>
+      <p:pic>
+        <p:nvPicPr>
+          <p:cNvPr id="7" name="Picture 6">
+            <a:extLst>
+              <a:ext uri="{FF2B5EF4-FFF2-40B4-BE49-F238E27FC236}">
+                <a16:creationId xmlns:a16="http://schemas.microsoft.com/office/drawing/2014/main" id="{95D5B2F7-E7EA-4F59-9EBB-DBD901D8A269}"/>
+              </a:ext>
+            </a:extLst>
+          </p:cNvPr>
+          <p:cNvPicPr>
+            <a:picLocks noChangeAspect="1"/>
+          </p:cNvPicPr>
+          <p:nvPr/>
+        </p:nvPicPr>
+        <p:blipFill>
+          <a:blip r:embed="rId3">
+            <a:extLst>
+              <a:ext uri="{28A0092B-C50C-407E-A947-70E740481C1C}">
+                <a14:useLocalDpi xmlns:a14="http://schemas.microsoft.com/office/drawing/2010/main" val="0"/>
+              </a:ext>
+            </a:extLst>
+          </a:blip>
+          <a:stretch>
+            <a:fillRect/>
+          </a:stretch>
+        </p:blipFill>
+        <p:spPr>
+          <a:xfrm>
+            <a:off x="1875995" y="1902243"/>
+            <a:ext cx="2438400" cy="609600"/>
+          </a:xfrm>
+          <a:prstGeom prst="rect">
+            <a:avLst/>
+          </a:prstGeom>
+        </p:spPr>
+      </p:pic>
+      <p:pic>
+        <p:nvPicPr>
+          <p:cNvPr id="9" name="Picture 8">
+            <a:extLst>
+              <a:ext uri="{FF2B5EF4-FFF2-40B4-BE49-F238E27FC236}">
+                <a16:creationId xmlns:a16="http://schemas.microsoft.com/office/drawing/2014/main" id="{30C5F91F-6535-4CAC-83CB-8DFD72912499}"/>
+              </a:ext>
+            </a:extLst>
+          </p:cNvPr>
+          <p:cNvPicPr>
+            <a:picLocks noChangeAspect="1"/>
+          </p:cNvPicPr>
+          <p:nvPr/>
+        </p:nvPicPr>
+        <p:blipFill>
+          <a:blip r:embed="rId4">
+            <a:extLst>
+              <a:ext uri="{28A0092B-C50C-407E-A947-70E740481C1C}">
+                <a14:useLocalDpi xmlns:a14="http://schemas.microsoft.com/office/drawing/2010/main" val="0"/>
+              </a:ext>
+            </a:extLst>
+          </a:blip>
+          <a:stretch>
+            <a:fillRect/>
+          </a:stretch>
+        </p:blipFill>
+        <p:spPr>
+          <a:xfrm>
+            <a:off x="1675417" y="4400761"/>
+            <a:ext cx="2456096" cy="559333"/>
+          </a:xfrm>
+          <a:prstGeom prst="rect">
+            <a:avLst/>
+          </a:prstGeom>
+        </p:spPr>
+      </p:pic>
+      <p:sp>
+        <p:nvSpPr>
+          <p:cNvPr id="12" name="TextBox 11">
+            <a:extLst>
+              <a:ext uri="{FF2B5EF4-FFF2-40B4-BE49-F238E27FC236}">
+                <a16:creationId xmlns:a16="http://schemas.microsoft.com/office/drawing/2014/main" id="{1C3F524C-586F-47FA-AC6B-343DD406BACC}"/>
+              </a:ext>
+            </a:extLst>
+          </p:cNvPr>
+          <p:cNvSpPr txBox="1"/>
+          <p:nvPr/>
+        </p:nvSpPr>
+        <p:spPr>
+          <a:xfrm>
+            <a:off x="1280162" y="2694823"/>
+            <a:ext cx="4147246" cy="1323439"/>
+          </a:xfrm>
+          <a:prstGeom prst="rect">
+            <a:avLst/>
+          </a:prstGeom>
+          <a:noFill/>
+        </p:spPr>
+        <p:txBody>
+          <a:bodyPr wrap="square" rtlCol="0">
+            <a:spAutoFit/>
+          </a:bodyPr>
+          <a:lstStyle/>
+          <a:p>
+            <a:r>
+              <a:rPr lang="en-US" sz="1600" dirty="0">
+                <a:latin typeface="Poppins Light" panose="00000400000000000000" pitchFamily="2" charset="0"/>
+                <a:cs typeface="Poppins Light" panose="00000400000000000000" pitchFamily="2" charset="0"/>
+              </a:rPr>
+              <a:t>Only Fans suffers majorly by using traditional banking solutions. We are using the blockchain and do not have the same concerns. Not adult content niched. Trying to appeal to everyone</a:t>
+            </a:r>
+            <a:endParaRPr lang="en-CA" sz="1600" dirty="0">
+              <a:latin typeface="Poppins Light" panose="00000400000000000000" pitchFamily="2" charset="0"/>
+              <a:cs typeface="Poppins Light" panose="00000400000000000000" pitchFamily="2" charset="0"/>
+            </a:endParaRPr>
+          </a:p>
+        </p:txBody>
+      </p:sp>
+      <p:sp>
+        <p:nvSpPr>
+          <p:cNvPr id="13" name="TextBox 12">
+            <a:extLst>
+              <a:ext uri="{FF2B5EF4-FFF2-40B4-BE49-F238E27FC236}">
+                <a16:creationId xmlns:a16="http://schemas.microsoft.com/office/drawing/2014/main" id="{AE78E4DA-87B6-444E-8B28-3D20637E3824}"/>
+              </a:ext>
+            </a:extLst>
+          </p:cNvPr>
+          <p:cNvSpPr txBox="1"/>
+          <p:nvPr/>
+        </p:nvSpPr>
+        <p:spPr>
+          <a:xfrm>
+            <a:off x="6599410" y="2665106"/>
+            <a:ext cx="4208207" cy="1569660"/>
+          </a:xfrm>
+          <a:prstGeom prst="rect">
+            <a:avLst/>
+          </a:prstGeom>
+          <a:noFill/>
+        </p:spPr>
+        <p:txBody>
+          <a:bodyPr wrap="square" rtlCol="0">
+            <a:spAutoFit/>
+          </a:bodyPr>
+          <a:lstStyle/>
+          <a:p>
+            <a:r>
+              <a:rPr lang="en-US" sz="1600" dirty="0" err="1">
+                <a:latin typeface="Poppins Light" panose="00000400000000000000" pitchFamily="2" charset="0"/>
+                <a:cs typeface="Poppins Light" panose="00000400000000000000" pitchFamily="2" charset="0"/>
+              </a:rPr>
+              <a:t>Nafter</a:t>
+            </a:r>
+            <a:r>
+              <a:rPr lang="en-US" sz="1600" dirty="0">
+                <a:latin typeface="Poppins Light" panose="00000400000000000000" pitchFamily="2" charset="0"/>
+                <a:cs typeface="Poppins Light" panose="00000400000000000000" pitchFamily="2" charset="0"/>
+              </a:rPr>
+              <a:t> is using the </a:t>
+            </a:r>
+            <a:r>
+              <a:rPr lang="en-US" sz="1600" dirty="0" err="1">
+                <a:latin typeface="Poppins Light" panose="00000400000000000000" pitchFamily="2" charset="0"/>
+                <a:cs typeface="Poppins Light" panose="00000400000000000000" pitchFamily="2" charset="0"/>
+              </a:rPr>
+              <a:t>Binance</a:t>
+            </a:r>
+            <a:r>
+              <a:rPr lang="en-US" sz="1600" dirty="0">
+                <a:latin typeface="Poppins Light" panose="00000400000000000000" pitchFamily="2" charset="0"/>
+                <a:cs typeface="Poppins Light" panose="00000400000000000000" pitchFamily="2" charset="0"/>
+              </a:rPr>
+              <a:t> smart chain for their tokens. </a:t>
+            </a:r>
+            <a:r>
+              <a:rPr lang="en-US" sz="1600" dirty="0" err="1">
+                <a:latin typeface="Poppins Light" panose="00000400000000000000" pitchFamily="2" charset="0"/>
+                <a:cs typeface="Poppins Light" panose="00000400000000000000" pitchFamily="2" charset="0"/>
+              </a:rPr>
+              <a:t>Binance</a:t>
+            </a:r>
+            <a:r>
+              <a:rPr lang="en-US" sz="1600" dirty="0">
+                <a:latin typeface="Poppins Light" panose="00000400000000000000" pitchFamily="2" charset="0"/>
+                <a:cs typeface="Poppins Light" panose="00000400000000000000" pitchFamily="2" charset="0"/>
+              </a:rPr>
+              <a:t> has many centralized concerns and is in deep with controversial Tether. We just use regular Ethereum. Not adult content niched. Trying to appeal to everyone.</a:t>
+            </a:r>
+            <a:endParaRPr lang="en-CA" sz="1600" dirty="0">
+              <a:latin typeface="Poppins Light" panose="00000400000000000000" pitchFamily="2" charset="0"/>
+              <a:cs typeface="Poppins Light" panose="00000400000000000000" pitchFamily="2" charset="0"/>
+            </a:endParaRPr>
+          </a:p>
+        </p:txBody>
+      </p:sp>
+      <p:sp>
+        <p:nvSpPr>
+          <p:cNvPr id="14" name="TextBox 13">
+            <a:extLst>
+              <a:ext uri="{FF2B5EF4-FFF2-40B4-BE49-F238E27FC236}">
+                <a16:creationId xmlns:a16="http://schemas.microsoft.com/office/drawing/2014/main" id="{E242F2EA-3E63-4B2A-B9DA-0E6BF3894027}"/>
+              </a:ext>
+            </a:extLst>
+          </p:cNvPr>
+          <p:cNvSpPr txBox="1"/>
+          <p:nvPr/>
+        </p:nvSpPr>
+        <p:spPr>
+          <a:xfrm>
+            <a:off x="1510234" y="5291722"/>
+            <a:ext cx="3516016" cy="369332"/>
+          </a:xfrm>
+          <a:prstGeom prst="rect">
+            <a:avLst/>
+          </a:prstGeom>
+          <a:noFill/>
+        </p:spPr>
+        <p:txBody>
+          <a:bodyPr wrap="square" rtlCol="0">
+            <a:spAutoFit/>
+          </a:bodyPr>
+          <a:lstStyle/>
+          <a:p>
+            <a:r>
               <a:rPr lang="en-US" dirty="0"/>
-              <a:t>Conclusion</a:t>
+              <a:t>…</a:t>
             </a:r>
             <a:endParaRPr lang="en-CA" dirty="0"/>
           </a:p>
         </p:txBody>
       </p:sp>
-      <p:sp>
-        <p:nvSpPr>
-          <p:cNvPr id="3" name="Content Placeholder 2">
-            <a:extLst>
-              <a:ext uri="{FF2B5EF4-FFF2-40B4-BE49-F238E27FC236}">
-                <a16:creationId xmlns:a16="http://schemas.microsoft.com/office/drawing/2014/main" id="{9AE310D3-98D1-4584-B481-12741089C721}"/>
+    </p:spTree>
+    <p:extLst>
+      <p:ext uri="{BB962C8B-B14F-4D97-AF65-F5344CB8AC3E}">
+        <p14:creationId xmlns:p14="http://schemas.microsoft.com/office/powerpoint/2010/main" val="1638852775"/>
+      </p:ext>
+    </p:extLst>
+  </p:cSld>
+  <p:clrMapOvr>
+    <a:masterClrMapping/>
+  </p:clrMapOvr>
+</p:sld>
+</file>
+
+<file path=ppt/slides/slide12.xml><?xml version="1.0" encoding="utf-8"?>
+<p:sld xmlns:a="http://schemas.openxmlformats.org/drawingml/2006/main" xmlns:r="http://schemas.openxmlformats.org/officeDocument/2006/relationships" xmlns:p="http://schemas.openxmlformats.org/presentationml/2006/main">
+  <p:cSld>
+    <p:spTree>
+      <p:nvGrpSpPr>
+        <p:cNvPr id="1" name=""/>
+        <p:cNvGrpSpPr/>
+        <p:nvPr/>
+      </p:nvGrpSpPr>
+      <p:grpSpPr>
+        <a:xfrm>
+          <a:off x="0" y="0"/>
+          <a:ext cx="0" cy="0"/>
+          <a:chOff x="0" y="0"/>
+          <a:chExt cx="0" cy="0"/>
+        </a:xfrm>
+      </p:grpSpPr>
+      <p:sp>
+        <p:nvSpPr>
+          <p:cNvPr id="2" name="Title 1">
+            <a:extLst>
+              <a:ext uri="{FF2B5EF4-FFF2-40B4-BE49-F238E27FC236}">
+                <a16:creationId xmlns:a16="http://schemas.microsoft.com/office/drawing/2014/main" id="{A7BE9879-6337-419D-994C-BD4650A6FB10}"/>
               </a:ext>
             </a:extLst>
           </p:cNvPr>
@@ -4010,22 +4319,171 @@
             <a:spLocks noGrp="1"/>
           </p:cNvSpPr>
           <p:nvPr>
+            <p:ph type="title"/>
+          </p:nvPr>
+        </p:nvSpPr>
+        <p:spPr>
+          <a:xfrm>
+            <a:off x="838200" y="395257"/>
+            <a:ext cx="10246688" cy="1295431"/>
+          </a:xfrm>
+        </p:spPr>
+        <p:txBody>
+          <a:bodyPr>
+            <a:normAutofit/>
+          </a:bodyPr>
+          <a:lstStyle/>
+          <a:p>
+            <a:r>
+              <a:rPr lang="en-US" sz="4000" dirty="0">
+                <a:latin typeface="Yeseva One" panose="00000500000000000000" pitchFamily="2" charset="0"/>
+              </a:rPr>
+              <a:t>Why are we better then everyone else?</a:t>
+            </a:r>
+            <a:endParaRPr lang="en-CA" sz="4000" dirty="0"/>
+          </a:p>
+        </p:txBody>
+      </p:sp>
+      <p:sp>
+        <p:nvSpPr>
+          <p:cNvPr id="3" name="Content Placeholder 2">
+            <a:extLst>
+              <a:ext uri="{FF2B5EF4-FFF2-40B4-BE49-F238E27FC236}">
+                <a16:creationId xmlns:a16="http://schemas.microsoft.com/office/drawing/2014/main" id="{2DA3F201-2856-41F8-9404-A21C6063907F}"/>
+              </a:ext>
+            </a:extLst>
+          </p:cNvPr>
+          <p:cNvSpPr>
+            <a:spLocks noGrp="1"/>
+          </p:cNvSpPr>
+          <p:nvPr>
             <p:ph idx="1"/>
           </p:nvPr>
         </p:nvSpPr>
         <p:spPr/>
         <p:txBody>
-          <a:bodyPr/>
-          <a:lstStyle/>
-          <a:p>
-            <a:endParaRPr lang="en-CA" dirty="0"/>
+          <a:bodyPr>
+            <a:normAutofit fontScale="85000" lnSpcReduction="10000"/>
+          </a:bodyPr>
+          <a:lstStyle/>
+          <a:p>
+            <a:pPr>
+              <a:lnSpc>
+                <a:spcPct val="110000"/>
+              </a:lnSpc>
+            </a:pPr>
+            <a:r>
+              <a:rPr lang="en-US" dirty="0">
+                <a:latin typeface="Poppins Light" panose="00000400000000000000" pitchFamily="2" charset="0"/>
+                <a:cs typeface="Poppins Light" panose="00000400000000000000" pitchFamily="2" charset="0"/>
+              </a:rPr>
+              <a:t>Lowball transaction fees. They charge 20%, we charge 10%.</a:t>
+            </a:r>
+          </a:p>
+          <a:p>
+            <a:pPr>
+              <a:lnSpc>
+                <a:spcPct val="110000"/>
+              </a:lnSpc>
+            </a:pPr>
+            <a:r>
+              <a:rPr lang="en-US" dirty="0">
+                <a:latin typeface="Poppins Light" panose="00000400000000000000" pitchFamily="2" charset="0"/>
+                <a:cs typeface="Poppins Light" panose="00000400000000000000" pitchFamily="2" charset="0"/>
+              </a:rPr>
+              <a:t>Blockchain, not dependent on big banks, hard to cancel.</a:t>
+            </a:r>
+          </a:p>
+          <a:p>
+            <a:pPr>
+              <a:lnSpc>
+                <a:spcPct val="110000"/>
+              </a:lnSpc>
+            </a:pPr>
+            <a:r>
+              <a:rPr lang="en-US" dirty="0">
+                <a:latin typeface="Poppins Light" panose="00000400000000000000" pitchFamily="2" charset="0"/>
+                <a:cs typeface="Poppins Light" panose="00000400000000000000" pitchFamily="2" charset="0"/>
+              </a:rPr>
+              <a:t>Lead founder / CEO is an experienced, talented, software engineer.</a:t>
+            </a:r>
+          </a:p>
+          <a:p>
+            <a:pPr>
+              <a:lnSpc>
+                <a:spcPct val="110000"/>
+              </a:lnSpc>
+            </a:pPr>
+            <a:r>
+              <a:rPr lang="en-US" dirty="0">
+                <a:latin typeface="Poppins Light" panose="00000400000000000000" pitchFamily="2" charset="0"/>
+                <a:cs typeface="Poppins Light" panose="00000400000000000000" pitchFamily="2" charset="0"/>
+              </a:rPr>
+              <a:t>We have a niched product design specific for adult content.</a:t>
+            </a:r>
+          </a:p>
+          <a:p>
+            <a:pPr>
+              <a:lnSpc>
+                <a:spcPct val="110000"/>
+              </a:lnSpc>
+            </a:pPr>
+            <a:r>
+              <a:rPr lang="en-US" dirty="0">
+                <a:latin typeface="Poppins Light" panose="00000400000000000000" pitchFamily="2" charset="0"/>
+                <a:cs typeface="Poppins Light" panose="00000400000000000000" pitchFamily="2" charset="0"/>
+              </a:rPr>
+              <a:t>We have innovative ideas that have never been done before.</a:t>
+            </a:r>
+          </a:p>
+          <a:p>
+            <a:pPr>
+              <a:lnSpc>
+                <a:spcPct val="110000"/>
+              </a:lnSpc>
+            </a:pPr>
+            <a:r>
+              <a:rPr lang="en-US" dirty="0">
+                <a:latin typeface="Poppins Light" panose="00000400000000000000" pitchFamily="2" charset="0"/>
+                <a:cs typeface="Poppins Light" panose="00000400000000000000" pitchFamily="2" charset="0"/>
+              </a:rPr>
+              <a:t>We are smaller, fresher, can pivot, adapt quicker.</a:t>
+            </a:r>
+          </a:p>
+          <a:p>
+            <a:pPr>
+              <a:lnSpc>
+                <a:spcPct val="110000"/>
+              </a:lnSpc>
+            </a:pPr>
+            <a:r>
+              <a:rPr lang="en-CA" dirty="0">
+                <a:latin typeface="Poppins Light" panose="00000400000000000000" pitchFamily="2" charset="0"/>
+                <a:cs typeface="Poppins Light" panose="00000400000000000000" pitchFamily="2" charset="0"/>
+              </a:rPr>
+              <a:t>We combine the crypto, social media and adult content industries.</a:t>
+            </a:r>
+          </a:p>
+          <a:p>
+            <a:pPr>
+              <a:lnSpc>
+                <a:spcPct val="110000"/>
+              </a:lnSpc>
+            </a:pPr>
+            <a:r>
+              <a:rPr lang="en-CA" dirty="0">
+                <a:latin typeface="Poppins Light" panose="00000400000000000000" pitchFamily="2" charset="0"/>
+                <a:cs typeface="Poppins Light" panose="00000400000000000000" pitchFamily="2" charset="0"/>
+              </a:rPr>
+              <a:t>We are not rich yet and are more hungry then the fat cats.</a:t>
+            </a:r>
           </a:p>
         </p:txBody>
       </p:sp>
     </p:spTree>
     <p:extLst>
       <p:ext uri="{BB962C8B-B14F-4D97-AF65-F5344CB8AC3E}">
-        <p14:creationId xmlns:p14="http://schemas.microsoft.com/office/powerpoint/2010/main" val="3318940678"/>
+        <p14:creationId xmlns:p14="http://schemas.microsoft.com/office/powerpoint/2010/main" val="539992873"/>
       </p:ext>
     </p:extLst>
   </p:cSld>
@@ -5182,7 +5640,7 @@
                 </a:solidFill>
                 <a:latin typeface="Rock Salt" pitchFamily="2" charset="0"/>
               </a:rPr>
-              <a:t>$5 Billion</a:t>
+              <a:t>$25 Billion</a:t>
             </a:r>
             <a:endParaRPr lang="en-CA" sz="1600" dirty="0">
               <a:solidFill>
@@ -5923,104 +6381,12 @@
           <a:chExt cx="0" cy="0"/>
         </a:xfrm>
       </p:grpSpPr>
-      <p:cxnSp>
-        <p:nvCxnSpPr>
-          <p:cNvPr id="27" name="Straight Connector 26">
-            <a:extLst>
-              <a:ext uri="{FF2B5EF4-FFF2-40B4-BE49-F238E27FC236}">
-                <a16:creationId xmlns:a16="http://schemas.microsoft.com/office/drawing/2014/main" id="{5E824EAC-ADEC-43E9-BD94-ADFF2DFD5F85}"/>
-              </a:ext>
-            </a:extLst>
-          </p:cNvPr>
-          <p:cNvCxnSpPr>
-            <a:cxnSpLocks/>
-          </p:cNvCxnSpPr>
-          <p:nvPr/>
-        </p:nvCxnSpPr>
-        <p:spPr>
-          <a:xfrm flipV="1">
-            <a:off x="973029" y="2799795"/>
-            <a:ext cx="2601615" cy="24582"/>
-          </a:xfrm>
-          <a:prstGeom prst="line">
-            <a:avLst/>
-          </a:prstGeom>
-          <a:ln>
-            <a:solidFill>
-              <a:schemeClr val="accent3">
-                <a:lumMod val="60000"/>
-                <a:lumOff val="40000"/>
-              </a:schemeClr>
-            </a:solidFill>
-          </a:ln>
-        </p:spPr>
-        <p:style>
-          <a:lnRef idx="1">
-            <a:schemeClr val="accent1"/>
-          </a:lnRef>
-          <a:fillRef idx="0">
-            <a:schemeClr val="accent1"/>
-          </a:fillRef>
-          <a:effectRef idx="0">
-            <a:schemeClr val="accent1"/>
-          </a:effectRef>
-          <a:fontRef idx="minor">
-            <a:schemeClr val="tx1"/>
-          </a:fontRef>
-        </p:style>
-      </p:cxnSp>
-      <p:cxnSp>
-        <p:nvCxnSpPr>
-          <p:cNvPr id="16" name="Straight Connector 15">
-            <a:extLst>
-              <a:ext uri="{FF2B5EF4-FFF2-40B4-BE49-F238E27FC236}">
-                <a16:creationId xmlns:a16="http://schemas.microsoft.com/office/drawing/2014/main" id="{2E784507-2A90-41F4-914A-2E0D3C25F17F}"/>
-              </a:ext>
-            </a:extLst>
-          </p:cNvPr>
-          <p:cNvCxnSpPr>
-            <a:cxnSpLocks/>
-          </p:cNvCxnSpPr>
-          <p:nvPr/>
-        </p:nvCxnSpPr>
-        <p:spPr>
-          <a:xfrm flipV="1">
-            <a:off x="973031" y="3357677"/>
-            <a:ext cx="2601615" cy="24582"/>
-          </a:xfrm>
-          <a:prstGeom prst="line">
-            <a:avLst/>
-          </a:prstGeom>
-          <a:ln>
-            <a:solidFill>
-              <a:schemeClr val="accent3">
-                <a:lumMod val="60000"/>
-                <a:lumOff val="40000"/>
-              </a:schemeClr>
-            </a:solidFill>
-          </a:ln>
-        </p:spPr>
-        <p:style>
-          <a:lnRef idx="1">
-            <a:schemeClr val="accent1"/>
-          </a:lnRef>
-          <a:fillRef idx="0">
-            <a:schemeClr val="accent1"/>
-          </a:fillRef>
-          <a:effectRef idx="0">
-            <a:schemeClr val="accent1"/>
-          </a:effectRef>
-          <a:fontRef idx="minor">
-            <a:schemeClr val="tx1"/>
-          </a:fontRef>
-        </p:style>
-      </p:cxnSp>
       <p:sp>
         <p:nvSpPr>
           <p:cNvPr id="2" name="Title 1">
             <a:extLst>
               <a:ext uri="{FF2B5EF4-FFF2-40B4-BE49-F238E27FC236}">
-                <a16:creationId xmlns:a16="http://schemas.microsoft.com/office/drawing/2014/main" id="{E0F8078E-5BC4-41A6-B505-9FDF374A8BB5}"/>
+                <a16:creationId xmlns:a16="http://schemas.microsoft.com/office/drawing/2014/main" id="{7C49461A-2F85-4C60-86E6-44DF52CB756B}"/>
               </a:ext>
             </a:extLst>
           </p:cNvPr>
@@ -6040,145 +6406,116 @@
               <a:rPr lang="en-US" dirty="0">
                 <a:latin typeface="Yeseva One" panose="00000500000000000000" pitchFamily="2" charset="0"/>
               </a:rPr>
-              <a:t>Our Team</a:t>
+              <a:t>Our Product</a:t>
             </a:r>
             <a:endParaRPr lang="en-CA" dirty="0"/>
+          </a:p>
+        </p:txBody>
+      </p:sp>
+      <p:sp>
+        <p:nvSpPr>
+          <p:cNvPr id="3" name="Content Placeholder 2">
+            <a:extLst>
+              <a:ext uri="{FF2B5EF4-FFF2-40B4-BE49-F238E27FC236}">
+                <a16:creationId xmlns:a16="http://schemas.microsoft.com/office/drawing/2014/main" id="{0573CEC2-DD9B-499A-BAF7-A21F1825FB61}"/>
+              </a:ext>
+            </a:extLst>
+          </p:cNvPr>
+          <p:cNvSpPr>
+            <a:spLocks noGrp="1"/>
+          </p:cNvSpPr>
+          <p:nvPr>
+            <p:ph idx="1"/>
+          </p:nvPr>
+        </p:nvSpPr>
+        <p:spPr>
+          <a:xfrm>
+            <a:off x="914892" y="1852397"/>
+            <a:ext cx="8140618" cy="4324566"/>
+          </a:xfrm>
+        </p:spPr>
+        <p:txBody>
+          <a:bodyPr>
+            <a:normAutofit fontScale="85000" lnSpcReduction="20000"/>
+          </a:bodyPr>
+          <a:lstStyle/>
+          <a:p>
+            <a:r>
+              <a:rPr lang="en-US" dirty="0"/>
+              <a:t>$NUDE token.</a:t>
+            </a:r>
+          </a:p>
+          <a:p>
+            <a:r>
+              <a:rPr lang="en-US" dirty="0"/>
+              <a:t>NFTs.</a:t>
+            </a:r>
+          </a:p>
+          <a:p>
+            <a:r>
+              <a:rPr lang="en-US" dirty="0"/>
+              <a:t>Auction House.</a:t>
+            </a:r>
+          </a:p>
+          <a:p>
+            <a:r>
+              <a:rPr lang="en-US" dirty="0"/>
+              <a:t>Candy shop.</a:t>
+            </a:r>
+          </a:p>
+          <a:p>
+            <a:r>
+              <a:rPr lang="en-US" dirty="0"/>
+              <a:t>Gumball machine.</a:t>
+            </a:r>
+          </a:p>
+          <a:p>
+            <a:r>
+              <a:rPr lang="en-US" dirty="0"/>
+              <a:t>Profiles.</a:t>
+            </a:r>
+          </a:p>
+          <a:p>
+            <a:r>
+              <a:rPr lang="en-US" dirty="0"/>
+              <a:t>Subscriptions.</a:t>
+            </a:r>
+          </a:p>
+          <a:p>
+            <a:r>
+              <a:rPr lang="en-US" dirty="0"/>
+              <a:t>Followers / Likes.</a:t>
+            </a:r>
+          </a:p>
+          <a:p>
+            <a:r>
+              <a:rPr lang="en-US" dirty="0"/>
+              <a:t>Timeline.</a:t>
+            </a:r>
+          </a:p>
+          <a:p>
+            <a:r>
+              <a:rPr lang="en-US" dirty="0"/>
+              <a:t>Featured creators.</a:t>
+            </a:r>
+          </a:p>
+          <a:p>
+            <a:r>
+              <a:rPr lang="en-US" dirty="0"/>
+              <a:t>Hidden / encrypted NFTs.</a:t>
+            </a:r>
+          </a:p>
+          <a:p>
+            <a:endParaRPr lang="en-US" dirty="0"/>
           </a:p>
         </p:txBody>
       </p:sp>
       <p:pic>
         <p:nvPicPr>
-          <p:cNvPr id="5" name="Content Placeholder 4">
-            <a:extLst>
-              <a:ext uri="{FF2B5EF4-FFF2-40B4-BE49-F238E27FC236}">
-                <a16:creationId xmlns:a16="http://schemas.microsoft.com/office/drawing/2014/main" id="{E8B79BEB-C0A3-4987-83FF-C0BD91A1E4E2}"/>
-              </a:ext>
-            </a:extLst>
-          </p:cNvPr>
-          <p:cNvPicPr>
-            <a:picLocks noGrp="1" noChangeAspect="1"/>
-          </p:cNvPicPr>
-          <p:nvPr>
-            <p:ph idx="1"/>
-          </p:nvPr>
-        </p:nvPicPr>
-        <p:blipFill>
-          <a:blip r:embed="rId2">
-            <a:extLst>
-              <a:ext uri="{28A0092B-C50C-407E-A947-70E740481C1C}">
-                <a14:useLocalDpi xmlns:a14="http://schemas.microsoft.com/office/drawing/2010/main" val="0"/>
-              </a:ext>
-            </a:extLst>
-          </a:blip>
-          <a:stretch>
-            <a:fillRect/>
-          </a:stretch>
-        </p:blipFill>
-        <p:spPr>
-          <a:xfrm>
-            <a:off x="11353800" y="308455"/>
-            <a:ext cx="483207" cy="483207"/>
-          </a:xfrm>
-        </p:spPr>
-      </p:pic>
-      <p:cxnSp>
-        <p:nvCxnSpPr>
-          <p:cNvPr id="14" name="Straight Connector 13">
-            <a:extLst>
-              <a:ext uri="{FF2B5EF4-FFF2-40B4-BE49-F238E27FC236}">
-                <a16:creationId xmlns:a16="http://schemas.microsoft.com/office/drawing/2014/main" id="{CF0A6EC9-05A2-41D5-A4D9-F813EF56724A}"/>
-              </a:ext>
-            </a:extLst>
-          </p:cNvPr>
-          <p:cNvCxnSpPr>
-            <a:cxnSpLocks/>
-          </p:cNvCxnSpPr>
-          <p:nvPr/>
-        </p:nvCxnSpPr>
-        <p:spPr>
-          <a:xfrm>
-            <a:off x="725259" y="3094763"/>
-            <a:ext cx="3126658" cy="0"/>
-          </a:xfrm>
-          <a:prstGeom prst="line">
-            <a:avLst/>
-          </a:prstGeom>
-          <a:ln>
-            <a:solidFill>
-              <a:srgbClr val="FFC000"/>
-            </a:solidFill>
-          </a:ln>
-        </p:spPr>
-        <p:style>
-          <a:lnRef idx="2">
-            <a:schemeClr val="accent3"/>
-          </a:lnRef>
-          <a:fillRef idx="0">
-            <a:schemeClr val="accent3"/>
-          </a:fillRef>
-          <a:effectRef idx="1">
-            <a:schemeClr val="accent3"/>
-          </a:effectRef>
-          <a:fontRef idx="minor">
-            <a:schemeClr val="tx1"/>
-          </a:fontRef>
-        </p:style>
-      </p:cxnSp>
-      <p:sp>
-        <p:nvSpPr>
-          <p:cNvPr id="15" name="Oval 14">
-            <a:extLst>
-              <a:ext uri="{FF2B5EF4-FFF2-40B4-BE49-F238E27FC236}">
-                <a16:creationId xmlns:a16="http://schemas.microsoft.com/office/drawing/2014/main" id="{4153D177-BF84-432C-99CC-F8159E5284AA}"/>
-              </a:ext>
-            </a:extLst>
-          </p:cNvPr>
-          <p:cNvSpPr/>
-          <p:nvPr/>
-        </p:nvSpPr>
-        <p:spPr>
-          <a:xfrm>
-            <a:off x="1188358" y="2091267"/>
-            <a:ext cx="2170962" cy="2006993"/>
-          </a:xfrm>
-          <a:prstGeom prst="ellipse">
-            <a:avLst/>
-          </a:prstGeom>
-          <a:solidFill>
-            <a:schemeClr val="accent2"/>
-          </a:solidFill>
-        </p:spPr>
-        <p:style>
-          <a:lnRef idx="2">
-            <a:schemeClr val="accent1">
-              <a:shade val="50000"/>
-            </a:schemeClr>
-          </a:lnRef>
-          <a:fillRef idx="1">
-            <a:schemeClr val="accent1"/>
-          </a:fillRef>
-          <a:effectRef idx="0">
-            <a:schemeClr val="accent1"/>
-          </a:effectRef>
-          <a:fontRef idx="minor">
-            <a:schemeClr val="lt1"/>
-          </a:fontRef>
-        </p:style>
-        <p:txBody>
-          <a:bodyPr rtlCol="0" anchor="ctr"/>
-          <a:lstStyle/>
-          <a:p>
-            <a:pPr algn="ctr"/>
-            <a:endParaRPr lang="en-CA"/>
-          </a:p>
-        </p:txBody>
-      </p:sp>
-      <p:pic>
-        <p:nvPicPr>
-          <p:cNvPr id="23" name="Picture 22">
-            <a:extLst>
-              <a:ext uri="{FF2B5EF4-FFF2-40B4-BE49-F238E27FC236}">
-                <a16:creationId xmlns:a16="http://schemas.microsoft.com/office/drawing/2014/main" id="{42B44C66-2A8C-4C22-819F-CBD75B0DDCD6}"/>
+          <p:cNvPr id="5" name="Picture 4">
+            <a:extLst>
+              <a:ext uri="{FF2B5EF4-FFF2-40B4-BE49-F238E27FC236}">
+                <a16:creationId xmlns:a16="http://schemas.microsoft.com/office/drawing/2014/main" id="{3CACCE57-4EF4-4D03-AC6F-B827C68B7BDF}"/>
               </a:ext>
             </a:extLst>
           </p:cNvPr>
@@ -6188,7 +6525,7 @@
           <p:nvPr/>
         </p:nvPicPr>
         <p:blipFill>
-          <a:blip r:embed="rId3">
+          <a:blip r:embed="rId2">
             <a:extLst>
               <a:ext uri="{28A0092B-C50C-407E-A947-70E740481C1C}">
                 <a14:useLocalDpi xmlns:a14="http://schemas.microsoft.com/office/drawing/2010/main" val="0"/>
@@ -6201,411 +6538,8 @@
         </p:blipFill>
         <p:spPr>
           <a:xfrm>
-            <a:off x="1268853" y="2136887"/>
-            <a:ext cx="2009969" cy="1915751"/>
-          </a:xfrm>
-          <a:prstGeom prst="rect">
-            <a:avLst/>
-          </a:prstGeom>
-        </p:spPr>
-      </p:pic>
-      <p:sp>
-        <p:nvSpPr>
-          <p:cNvPr id="24" name="TextBox 23">
-            <a:extLst>
-              <a:ext uri="{FF2B5EF4-FFF2-40B4-BE49-F238E27FC236}">
-                <a16:creationId xmlns:a16="http://schemas.microsoft.com/office/drawing/2014/main" id="{D5A321C3-FFC0-4C5F-AC4A-246C9A8E11BB}"/>
-              </a:ext>
-            </a:extLst>
-          </p:cNvPr>
-          <p:cNvSpPr txBox="1"/>
-          <p:nvPr/>
-        </p:nvSpPr>
-        <p:spPr>
-          <a:xfrm>
-            <a:off x="995772" y="4630139"/>
-            <a:ext cx="2688630" cy="276999"/>
-          </a:xfrm>
-          <a:prstGeom prst="rect">
-            <a:avLst/>
-          </a:prstGeom>
-          <a:noFill/>
-        </p:spPr>
-        <p:txBody>
-          <a:bodyPr wrap="square" rtlCol="0">
-            <a:spAutoFit/>
-          </a:bodyPr>
-          <a:lstStyle/>
-          <a:p>
-            <a:r>
-              <a:rPr lang="en-US" sz="1200" dirty="0">
-                <a:latin typeface="Poppins Medium" panose="00000600000000000000" pitchFamily="2" charset="0"/>
-                <a:cs typeface="Poppins Medium" panose="00000600000000000000" pitchFamily="2" charset="0"/>
-              </a:rPr>
-              <a:t>Founder / CEO / Lead Engineer</a:t>
-            </a:r>
-            <a:endParaRPr lang="en-CA" sz="1200" dirty="0">
-              <a:latin typeface="Poppins Medium" panose="00000600000000000000" pitchFamily="2" charset="0"/>
-              <a:cs typeface="Poppins Medium" panose="00000600000000000000" pitchFamily="2" charset="0"/>
-            </a:endParaRPr>
-          </a:p>
-        </p:txBody>
-      </p:sp>
-      <p:sp>
-        <p:nvSpPr>
-          <p:cNvPr id="26" name="TextBox 25">
-            <a:extLst>
-              <a:ext uri="{FF2B5EF4-FFF2-40B4-BE49-F238E27FC236}">
-                <a16:creationId xmlns:a16="http://schemas.microsoft.com/office/drawing/2014/main" id="{CDE202D1-9ACD-4802-A37B-54804F6CC221}"/>
-              </a:ext>
-            </a:extLst>
-          </p:cNvPr>
-          <p:cNvSpPr txBox="1"/>
-          <p:nvPr/>
-        </p:nvSpPr>
-        <p:spPr>
-          <a:xfrm>
-            <a:off x="973030" y="4199500"/>
-            <a:ext cx="2711371" cy="369332"/>
-          </a:xfrm>
-          <a:prstGeom prst="rect">
-            <a:avLst/>
-          </a:prstGeom>
-          <a:noFill/>
-        </p:spPr>
-        <p:txBody>
-          <a:bodyPr wrap="square">
-            <a:spAutoFit/>
-          </a:bodyPr>
-          <a:lstStyle/>
-          <a:p>
-            <a:r>
-              <a:rPr lang="en-US" dirty="0">
-                <a:latin typeface="Yeseva One" panose="00000500000000000000" pitchFamily="2" charset="0"/>
-                <a:cs typeface="Poppins Medium" panose="00000600000000000000" pitchFamily="2" charset="0"/>
-              </a:rPr>
-              <a:t>Christopher </a:t>
-            </a:r>
-            <a:r>
-              <a:rPr lang="en-US" dirty="0" err="1">
-                <a:latin typeface="Yeseva One" panose="00000500000000000000" pitchFamily="2" charset="0"/>
-                <a:cs typeface="Poppins Medium" panose="00000600000000000000" pitchFamily="2" charset="0"/>
-              </a:rPr>
-              <a:t>Trimboli</a:t>
-            </a:r>
-            <a:endParaRPr lang="en-CA" dirty="0">
-              <a:latin typeface="Yeseva One" panose="00000500000000000000" pitchFamily="2" charset="0"/>
-              <a:cs typeface="Poppins Medium" panose="00000600000000000000" pitchFamily="2" charset="0"/>
-            </a:endParaRPr>
-          </a:p>
-        </p:txBody>
-      </p:sp>
-      <p:cxnSp>
-        <p:nvCxnSpPr>
-          <p:cNvPr id="42" name="Straight Connector 41">
-            <a:extLst>
-              <a:ext uri="{FF2B5EF4-FFF2-40B4-BE49-F238E27FC236}">
-                <a16:creationId xmlns:a16="http://schemas.microsoft.com/office/drawing/2014/main" id="{C7FEB43B-6C76-41DC-8609-A6E9B07F2357}"/>
-              </a:ext>
-            </a:extLst>
-          </p:cNvPr>
-          <p:cNvCxnSpPr>
-            <a:cxnSpLocks/>
-          </p:cNvCxnSpPr>
-          <p:nvPr/>
-        </p:nvCxnSpPr>
-        <p:spPr>
-          <a:xfrm flipV="1">
-            <a:off x="4795191" y="2799795"/>
-            <a:ext cx="2601615" cy="24582"/>
-          </a:xfrm>
-          <a:prstGeom prst="line">
-            <a:avLst/>
-          </a:prstGeom>
-          <a:ln>
-            <a:solidFill>
-              <a:schemeClr val="accent3">
-                <a:lumMod val="60000"/>
-                <a:lumOff val="40000"/>
-              </a:schemeClr>
-            </a:solidFill>
-          </a:ln>
-        </p:spPr>
-        <p:style>
-          <a:lnRef idx="1">
-            <a:schemeClr val="accent1"/>
-          </a:lnRef>
-          <a:fillRef idx="0">
-            <a:schemeClr val="accent1"/>
-          </a:fillRef>
-          <a:effectRef idx="0">
-            <a:schemeClr val="accent1"/>
-          </a:effectRef>
-          <a:fontRef idx="minor">
-            <a:schemeClr val="tx1"/>
-          </a:fontRef>
-        </p:style>
-      </p:cxnSp>
-      <p:cxnSp>
-        <p:nvCxnSpPr>
-          <p:cNvPr id="43" name="Straight Connector 42">
-            <a:extLst>
-              <a:ext uri="{FF2B5EF4-FFF2-40B4-BE49-F238E27FC236}">
-                <a16:creationId xmlns:a16="http://schemas.microsoft.com/office/drawing/2014/main" id="{8A0CA6D1-065B-4201-9574-0BDA1EEC0952}"/>
-              </a:ext>
-            </a:extLst>
-          </p:cNvPr>
-          <p:cNvCxnSpPr>
-            <a:cxnSpLocks/>
-          </p:cNvCxnSpPr>
-          <p:nvPr/>
-        </p:nvCxnSpPr>
-        <p:spPr>
-          <a:xfrm flipV="1">
-            <a:off x="4795193" y="3357677"/>
-            <a:ext cx="2601615" cy="24582"/>
-          </a:xfrm>
-          <a:prstGeom prst="line">
-            <a:avLst/>
-          </a:prstGeom>
-          <a:ln>
-            <a:solidFill>
-              <a:schemeClr val="accent3">
-                <a:lumMod val="60000"/>
-                <a:lumOff val="40000"/>
-              </a:schemeClr>
-            </a:solidFill>
-          </a:ln>
-        </p:spPr>
-        <p:style>
-          <a:lnRef idx="1">
-            <a:schemeClr val="accent1"/>
-          </a:lnRef>
-          <a:fillRef idx="0">
-            <a:schemeClr val="accent1"/>
-          </a:fillRef>
-          <a:effectRef idx="0">
-            <a:schemeClr val="accent1"/>
-          </a:effectRef>
-          <a:fontRef idx="minor">
-            <a:schemeClr val="tx1"/>
-          </a:fontRef>
-        </p:style>
-      </p:cxnSp>
-      <p:cxnSp>
-        <p:nvCxnSpPr>
-          <p:cNvPr id="44" name="Straight Connector 43">
-            <a:extLst>
-              <a:ext uri="{FF2B5EF4-FFF2-40B4-BE49-F238E27FC236}">
-                <a16:creationId xmlns:a16="http://schemas.microsoft.com/office/drawing/2014/main" id="{55D905D5-597F-4FCB-AD16-B031C1764589}"/>
-              </a:ext>
-            </a:extLst>
-          </p:cNvPr>
-          <p:cNvCxnSpPr>
-            <a:cxnSpLocks/>
-          </p:cNvCxnSpPr>
-          <p:nvPr/>
-        </p:nvCxnSpPr>
-        <p:spPr>
-          <a:xfrm>
-            <a:off x="4547421" y="3094763"/>
-            <a:ext cx="3126658" cy="0"/>
-          </a:xfrm>
-          <a:prstGeom prst="line">
-            <a:avLst/>
-          </a:prstGeom>
-          <a:ln>
-            <a:solidFill>
-              <a:srgbClr val="FB74FE"/>
-            </a:solidFill>
-          </a:ln>
-        </p:spPr>
-        <p:style>
-          <a:lnRef idx="2">
-            <a:schemeClr val="accent3"/>
-          </a:lnRef>
-          <a:fillRef idx="0">
-            <a:schemeClr val="accent3"/>
-          </a:fillRef>
-          <a:effectRef idx="1">
-            <a:schemeClr val="accent3"/>
-          </a:effectRef>
-          <a:fontRef idx="minor">
-            <a:schemeClr val="tx1"/>
-          </a:fontRef>
-        </p:style>
-      </p:cxnSp>
-      <p:sp>
-        <p:nvSpPr>
-          <p:cNvPr id="45" name="Oval 44">
-            <a:extLst>
-              <a:ext uri="{FF2B5EF4-FFF2-40B4-BE49-F238E27FC236}">
-                <a16:creationId xmlns:a16="http://schemas.microsoft.com/office/drawing/2014/main" id="{7E1B78C5-F887-491D-8D3F-1315B786C1C8}"/>
-              </a:ext>
-            </a:extLst>
-          </p:cNvPr>
-          <p:cNvSpPr/>
-          <p:nvPr/>
-        </p:nvSpPr>
-        <p:spPr>
-          <a:xfrm>
-            <a:off x="5010520" y="2091267"/>
-            <a:ext cx="2170962" cy="2006993"/>
-          </a:xfrm>
-          <a:prstGeom prst="ellipse">
-            <a:avLst/>
-          </a:prstGeom>
-          <a:solidFill>
-            <a:srgbClr val="FB74FE"/>
-          </a:solidFill>
-        </p:spPr>
-        <p:style>
-          <a:lnRef idx="2">
-            <a:schemeClr val="accent1">
-              <a:shade val="50000"/>
-            </a:schemeClr>
-          </a:lnRef>
-          <a:fillRef idx="1">
-            <a:schemeClr val="accent1"/>
-          </a:fillRef>
-          <a:effectRef idx="0">
-            <a:schemeClr val="accent1"/>
-          </a:effectRef>
-          <a:fontRef idx="minor">
-            <a:schemeClr val="lt1"/>
-          </a:fontRef>
-        </p:style>
-        <p:txBody>
-          <a:bodyPr rtlCol="0" anchor="ctr"/>
-          <a:lstStyle/>
-          <a:p>
-            <a:pPr algn="ctr"/>
-            <a:endParaRPr lang="en-CA"/>
-          </a:p>
-        </p:txBody>
-      </p:sp>
-      <p:sp>
-        <p:nvSpPr>
-          <p:cNvPr id="47" name="TextBox 46">
-            <a:extLst>
-              <a:ext uri="{FF2B5EF4-FFF2-40B4-BE49-F238E27FC236}">
-                <a16:creationId xmlns:a16="http://schemas.microsoft.com/office/drawing/2014/main" id="{B1E60453-717B-4F8A-92F4-81315775A76D}"/>
-              </a:ext>
-            </a:extLst>
-          </p:cNvPr>
-          <p:cNvSpPr txBox="1"/>
-          <p:nvPr/>
-        </p:nvSpPr>
-        <p:spPr>
-          <a:xfrm>
-            <a:off x="5010520" y="4622666"/>
-            <a:ext cx="2780435" cy="276999"/>
-          </a:xfrm>
-          <a:prstGeom prst="rect">
-            <a:avLst/>
-          </a:prstGeom>
-          <a:noFill/>
-        </p:spPr>
-        <p:txBody>
-          <a:bodyPr wrap="square" rtlCol="0">
-            <a:spAutoFit/>
-          </a:bodyPr>
-          <a:lstStyle/>
-          <a:p>
-            <a:r>
-              <a:rPr lang="en-US" sz="1200" dirty="0">
-                <a:latin typeface="Poppins Medium" panose="00000600000000000000" pitchFamily="2" charset="0"/>
-                <a:cs typeface="Poppins Medium" panose="00000600000000000000" pitchFamily="2" charset="0"/>
-              </a:rPr>
-              <a:t>Lead Designer / Digital Artist</a:t>
-            </a:r>
-            <a:endParaRPr lang="en-CA" sz="1200" dirty="0">
-              <a:latin typeface="Poppins Medium" panose="00000600000000000000" pitchFamily="2" charset="0"/>
-              <a:cs typeface="Poppins Medium" panose="00000600000000000000" pitchFamily="2" charset="0"/>
-            </a:endParaRPr>
-          </a:p>
-        </p:txBody>
-      </p:sp>
-      <p:sp>
-        <p:nvSpPr>
-          <p:cNvPr id="48" name="TextBox 47">
-            <a:extLst>
-              <a:ext uri="{FF2B5EF4-FFF2-40B4-BE49-F238E27FC236}">
-                <a16:creationId xmlns:a16="http://schemas.microsoft.com/office/drawing/2014/main" id="{50A24164-1B87-458B-B9BF-66EF8DE0310D}"/>
-              </a:ext>
-            </a:extLst>
-          </p:cNvPr>
-          <p:cNvSpPr txBox="1"/>
-          <p:nvPr/>
-        </p:nvSpPr>
-        <p:spPr>
-          <a:xfrm>
-            <a:off x="4795192" y="4199500"/>
-            <a:ext cx="2711371" cy="369332"/>
-          </a:xfrm>
-          <a:prstGeom prst="rect">
-            <a:avLst/>
-          </a:prstGeom>
-          <a:noFill/>
-        </p:spPr>
-        <p:txBody>
-          <a:bodyPr wrap="square">
-            <a:spAutoFit/>
-          </a:bodyPr>
-          <a:lstStyle/>
-          <a:p>
-            <a:pPr algn="ctr"/>
-            <a:r>
-              <a:rPr lang="en-US" dirty="0">
-                <a:latin typeface="Yeseva One" panose="00000500000000000000" pitchFamily="2" charset="0"/>
-                <a:cs typeface="Poppins Medium" panose="00000600000000000000" pitchFamily="2" charset="0"/>
-              </a:rPr>
-              <a:t>Sylvia </a:t>
-            </a:r>
-            <a:r>
-              <a:rPr lang="en-US" dirty="0" err="1">
-                <a:latin typeface="Yeseva One" panose="00000500000000000000" pitchFamily="2" charset="0"/>
-                <a:cs typeface="Poppins Medium" panose="00000600000000000000" pitchFamily="2" charset="0"/>
-              </a:rPr>
-              <a:t>Makuch</a:t>
-            </a:r>
-            <a:endParaRPr lang="en-CA" dirty="0">
-              <a:latin typeface="Yeseva One" panose="00000500000000000000" pitchFamily="2" charset="0"/>
-              <a:cs typeface="Poppins Medium" panose="00000600000000000000" pitchFamily="2" charset="0"/>
-            </a:endParaRPr>
-          </a:p>
-        </p:txBody>
-      </p:sp>
-      <p:pic>
-        <p:nvPicPr>
-          <p:cNvPr id="4" name="Picture 3">
-            <a:extLst>
-              <a:ext uri="{FF2B5EF4-FFF2-40B4-BE49-F238E27FC236}">
-                <a16:creationId xmlns:a16="http://schemas.microsoft.com/office/drawing/2014/main" id="{0A812C7D-57E2-4A7C-AF75-550ADB94F130}"/>
-              </a:ext>
-            </a:extLst>
-          </p:cNvPr>
-          <p:cNvPicPr>
-            <a:picLocks noChangeAspect="1"/>
-          </p:cNvPicPr>
-          <p:nvPr/>
-        </p:nvPicPr>
-        <p:blipFill>
-          <a:blip r:embed="rId4">
-            <a:extLst>
-              <a:ext uri="{28A0092B-C50C-407E-A947-70E740481C1C}">
-                <a14:useLocalDpi xmlns:a14="http://schemas.microsoft.com/office/drawing/2010/main" val="0"/>
-              </a:ext>
-            </a:extLst>
-          </a:blip>
-          <a:stretch>
-            <a:fillRect/>
-          </a:stretch>
-        </p:blipFill>
-        <p:spPr>
-          <a:xfrm>
-            <a:off x="5102975" y="2163003"/>
-            <a:ext cx="1986045" cy="1889635"/>
+            <a:off x="11311870" y="297775"/>
+            <a:ext cx="534034" cy="534034"/>
           </a:xfrm>
           <a:prstGeom prst="rect">
             <a:avLst/>
@@ -6615,7 +6549,7 @@
     </p:spTree>
     <p:extLst>
       <p:ext uri="{BB962C8B-B14F-4D97-AF65-F5344CB8AC3E}">
-        <p14:creationId xmlns:p14="http://schemas.microsoft.com/office/powerpoint/2010/main" val="4070166939"/>
+        <p14:creationId xmlns:p14="http://schemas.microsoft.com/office/powerpoint/2010/main" val="3048307854"/>
       </p:ext>
     </p:extLst>
   </p:cSld>
@@ -6647,7 +6581,7 @@
           <p:cNvPr id="2" name="Title 1">
             <a:extLst>
               <a:ext uri="{FF2B5EF4-FFF2-40B4-BE49-F238E27FC236}">
-                <a16:creationId xmlns:a16="http://schemas.microsoft.com/office/drawing/2014/main" id="{51946F17-B9A7-44C3-AA12-1D71D446F010}"/>
+                <a16:creationId xmlns:a16="http://schemas.microsoft.com/office/drawing/2014/main" id="{B1CA3D10-1EDE-4448-8FB1-98C0966E40A7}"/>
               </a:ext>
             </a:extLst>
           </p:cNvPr>
@@ -6667,7 +6601,7 @@
               <a:rPr lang="en-US" dirty="0">
                 <a:latin typeface="Yeseva One" panose="00000500000000000000" pitchFamily="2" charset="0"/>
               </a:rPr>
-              <a:t>Why we need investment?</a:t>
+              <a:t>Our Progress</a:t>
             </a:r>
             <a:endParaRPr lang="en-CA" dirty="0"/>
           </a:p>
@@ -6678,7 +6612,7 @@
           <p:cNvPr id="3" name="Content Placeholder 2">
             <a:extLst>
               <a:ext uri="{FF2B5EF4-FFF2-40B4-BE49-F238E27FC236}">
-                <a16:creationId xmlns:a16="http://schemas.microsoft.com/office/drawing/2014/main" id="{BED8E52F-06EC-423A-B182-0E4F00189AC1}"/>
+                <a16:creationId xmlns:a16="http://schemas.microsoft.com/office/drawing/2014/main" id="{B3AAF731-D3EC-418E-8A97-636521124C74}"/>
               </a:ext>
             </a:extLst>
           </p:cNvPr>
@@ -6689,224 +6623,66 @@
             <p:ph idx="1"/>
           </p:nvPr>
         </p:nvSpPr>
-        <p:spPr>
-          <a:xfrm>
-            <a:off x="838200" y="1825625"/>
-            <a:ext cx="6860458" cy="4351338"/>
-          </a:xfrm>
-        </p:spPr>
-        <p:txBody>
-          <a:bodyPr>
-            <a:normAutofit fontScale="92500" lnSpcReduction="20000"/>
-          </a:bodyPr>
-          <a:lstStyle/>
-          <a:p>
-            <a:pPr>
-              <a:lnSpc>
-                <a:spcPct val="110000"/>
-              </a:lnSpc>
-            </a:pPr>
-            <a:r>
-              <a:rPr lang="en-US" dirty="0">
-                <a:latin typeface="Poppins Light" panose="00000400000000000000" pitchFamily="2" charset="0"/>
-                <a:cs typeface="Poppins Light" panose="00000400000000000000" pitchFamily="2" charset="0"/>
-              </a:rPr>
-              <a:t>Influencer promotions.</a:t>
-            </a:r>
-          </a:p>
-          <a:p>
-            <a:pPr>
-              <a:lnSpc>
-                <a:spcPct val="110000"/>
-              </a:lnSpc>
-            </a:pPr>
-            <a:r>
-              <a:rPr lang="en-US" dirty="0">
-                <a:latin typeface="Poppins Light" panose="00000400000000000000" pitchFamily="2" charset="0"/>
-                <a:cs typeface="Poppins Light" panose="00000400000000000000" pitchFamily="2" charset="0"/>
-              </a:rPr>
-              <a:t>Advertisement / Marketing.</a:t>
-            </a:r>
-          </a:p>
-          <a:p>
-            <a:pPr>
-              <a:lnSpc>
-                <a:spcPct val="110000"/>
-              </a:lnSpc>
-            </a:pPr>
-            <a:r>
-              <a:rPr lang="en-US" dirty="0">
-                <a:latin typeface="Poppins Light" panose="00000400000000000000" pitchFamily="2" charset="0"/>
-                <a:cs typeface="Poppins Light" panose="00000400000000000000" pitchFamily="2" charset="0"/>
-              </a:rPr>
-              <a:t>Third party security audits.</a:t>
-            </a:r>
-          </a:p>
-          <a:p>
-            <a:pPr>
-              <a:lnSpc>
-                <a:spcPct val="110000"/>
-              </a:lnSpc>
-            </a:pPr>
-            <a:r>
-              <a:rPr lang="en-US" dirty="0">
-                <a:latin typeface="Poppins Light" panose="00000400000000000000" pitchFamily="2" charset="0"/>
-                <a:cs typeface="Poppins Light" panose="00000400000000000000" pitchFamily="2" charset="0"/>
-              </a:rPr>
-              <a:t>Software developers.</a:t>
-            </a:r>
-          </a:p>
-          <a:p>
-            <a:pPr>
-              <a:lnSpc>
-                <a:spcPct val="110000"/>
-              </a:lnSpc>
-            </a:pPr>
-            <a:r>
-              <a:rPr lang="en-US" dirty="0">
-                <a:latin typeface="Poppins Light" panose="00000400000000000000" pitchFamily="2" charset="0"/>
-                <a:cs typeface="Poppins Light" panose="00000400000000000000" pitchFamily="2" charset="0"/>
-              </a:rPr>
-              <a:t>ID verification / moderation team.</a:t>
-            </a:r>
-          </a:p>
-          <a:p>
-            <a:pPr>
-              <a:lnSpc>
-                <a:spcPct val="110000"/>
-              </a:lnSpc>
-            </a:pPr>
-            <a:r>
-              <a:rPr lang="en-US" dirty="0">
-                <a:latin typeface="Poppins Light" panose="00000400000000000000" pitchFamily="2" charset="0"/>
-                <a:cs typeface="Poppins Light" panose="00000400000000000000" pitchFamily="2" charset="0"/>
-              </a:rPr>
-              <a:t>Infrastructure costs.</a:t>
-            </a:r>
-          </a:p>
-          <a:p>
-            <a:pPr>
-              <a:lnSpc>
-                <a:spcPct val="110000"/>
-              </a:lnSpc>
-            </a:pPr>
-            <a:r>
-              <a:rPr lang="en-US" dirty="0">
-                <a:latin typeface="Poppins Light" panose="00000400000000000000" pitchFamily="2" charset="0"/>
-                <a:cs typeface="Poppins Light" panose="00000400000000000000" pitchFamily="2" charset="0"/>
-              </a:rPr>
-              <a:t>Legal costs.</a:t>
-            </a:r>
-          </a:p>
-          <a:p>
-            <a:pPr>
-              <a:lnSpc>
-                <a:spcPct val="110000"/>
-              </a:lnSpc>
-            </a:pPr>
-            <a:r>
-              <a:rPr lang="en-US" dirty="0">
-                <a:latin typeface="Poppins Light" panose="00000400000000000000" pitchFamily="2" charset="0"/>
-                <a:cs typeface="Poppins Light" panose="00000400000000000000" pitchFamily="2" charset="0"/>
-              </a:rPr>
-              <a:t>Content creation / video production.</a:t>
-            </a:r>
-          </a:p>
-          <a:p>
-            <a:pPr>
-              <a:lnSpc>
-                <a:spcPct val="110000"/>
-              </a:lnSpc>
-            </a:pPr>
-            <a:r>
-              <a:rPr lang="en-US" dirty="0">
-                <a:latin typeface="Poppins Light" panose="00000400000000000000" pitchFamily="2" charset="0"/>
-                <a:cs typeface="Poppins Light" panose="00000400000000000000" pitchFamily="2" charset="0"/>
-              </a:rPr>
-              <a:t>Compete with competition.</a:t>
-            </a:r>
-          </a:p>
-          <a:p>
+        <p:spPr/>
+        <p:txBody>
+          <a:bodyPr/>
+          <a:lstStyle/>
+          <a:p>
+            <a:r>
+              <a:rPr lang="en-US" dirty="0" err="1"/>
+              <a:t>Figmas</a:t>
+            </a:r>
+            <a:endParaRPr lang="en-US" dirty="0"/>
+          </a:p>
+          <a:p>
+            <a:r>
+              <a:rPr lang="en-US" dirty="0"/>
+              <a:t>Web app frontend</a:t>
+            </a:r>
+          </a:p>
+          <a:p>
+            <a:r>
+              <a:rPr lang="en-US" dirty="0"/>
+              <a:t>Server backend</a:t>
+            </a:r>
+          </a:p>
+          <a:p>
+            <a:r>
+              <a:rPr lang="en-US" dirty="0"/>
+              <a:t>Smart contracts, $NUDE.</a:t>
+            </a:r>
+          </a:p>
+          <a:p>
+            <a:r>
+              <a:rPr lang="en-US" dirty="0"/>
+              <a:t>Social media</a:t>
+            </a:r>
+          </a:p>
+          <a:p>
+            <a:r>
+              <a:rPr lang="en-US" dirty="0"/>
+              <a:t>Custom art</a:t>
+            </a:r>
+          </a:p>
+          <a:p>
+            <a:r>
+              <a:rPr lang="en-US" dirty="0"/>
+              <a:t>Pitch deck</a:t>
+            </a:r>
+          </a:p>
+          <a:p>
+            <a:r>
+              <a:rPr lang="en-US" dirty="0"/>
+              <a:t>Twitch streaming</a:t>
+            </a:r>
             <a:endParaRPr lang="en-CA" dirty="0"/>
           </a:p>
         </p:txBody>
       </p:sp>
-      <p:pic>
-        <p:nvPicPr>
-          <p:cNvPr id="5" name="Picture 4">
-            <a:extLst>
-              <a:ext uri="{FF2B5EF4-FFF2-40B4-BE49-F238E27FC236}">
-                <a16:creationId xmlns:a16="http://schemas.microsoft.com/office/drawing/2014/main" id="{B20C5808-1A2C-4FF1-9B30-424D73E4B3A8}"/>
-              </a:ext>
-            </a:extLst>
-          </p:cNvPr>
-          <p:cNvPicPr>
-            <a:picLocks noChangeAspect="1"/>
-          </p:cNvPicPr>
-          <p:nvPr/>
-        </p:nvPicPr>
-        <p:blipFill>
-          <a:blip r:embed="rId2">
-            <a:extLst>
-              <a:ext uri="{28A0092B-C50C-407E-A947-70E740481C1C}">
-                <a14:useLocalDpi xmlns:a14="http://schemas.microsoft.com/office/drawing/2010/main" val="0"/>
-              </a:ext>
-            </a:extLst>
-          </a:blip>
-          <a:stretch>
-            <a:fillRect/>
-          </a:stretch>
-        </p:blipFill>
-        <p:spPr>
-          <a:xfrm>
-            <a:off x="11353800" y="365125"/>
-            <a:ext cx="439688" cy="439688"/>
-          </a:xfrm>
-          <a:prstGeom prst="rect">
-            <a:avLst/>
-          </a:prstGeom>
-        </p:spPr>
-      </p:pic>
-      <p:pic>
-        <p:nvPicPr>
-          <p:cNvPr id="6" name="Picture 5">
-            <a:extLst>
-              <a:ext uri="{FF2B5EF4-FFF2-40B4-BE49-F238E27FC236}">
-                <a16:creationId xmlns:a16="http://schemas.microsoft.com/office/drawing/2014/main" id="{A01BB6D9-F76D-4D97-90F0-B363F2E3288B}"/>
-              </a:ext>
-            </a:extLst>
-          </p:cNvPr>
-          <p:cNvPicPr>
-            <a:picLocks noChangeAspect="1"/>
-          </p:cNvPicPr>
-          <p:nvPr/>
-        </p:nvPicPr>
-        <p:blipFill>
-          <a:blip r:embed="rId3">
-            <a:extLst>
-              <a:ext uri="{28A0092B-C50C-407E-A947-70E740481C1C}">
-                <a14:useLocalDpi xmlns:a14="http://schemas.microsoft.com/office/drawing/2010/main" val="0"/>
-              </a:ext>
-            </a:extLst>
-          </a:blip>
-          <a:stretch>
-            <a:fillRect/>
-          </a:stretch>
-        </p:blipFill>
-        <p:spPr>
-          <a:xfrm>
-            <a:off x="8023428" y="2050549"/>
-            <a:ext cx="3080973" cy="3080973"/>
-          </a:xfrm>
-          <a:prstGeom prst="rect">
-            <a:avLst/>
-          </a:prstGeom>
-        </p:spPr>
-      </p:pic>
     </p:spTree>
     <p:extLst>
       <p:ext uri="{BB962C8B-B14F-4D97-AF65-F5344CB8AC3E}">
-        <p14:creationId xmlns:p14="http://schemas.microsoft.com/office/powerpoint/2010/main" val="1145575828"/>
+        <p14:creationId xmlns:p14="http://schemas.microsoft.com/office/powerpoint/2010/main" val="1446048498"/>
       </p:ext>
     </p:extLst>
   </p:cSld>
@@ -6933,12 +6709,104 @@
           <a:chExt cx="0" cy="0"/>
         </a:xfrm>
       </p:grpSpPr>
+      <p:cxnSp>
+        <p:nvCxnSpPr>
+          <p:cNvPr id="27" name="Straight Connector 26">
+            <a:extLst>
+              <a:ext uri="{FF2B5EF4-FFF2-40B4-BE49-F238E27FC236}">
+                <a16:creationId xmlns:a16="http://schemas.microsoft.com/office/drawing/2014/main" id="{5E824EAC-ADEC-43E9-BD94-ADFF2DFD5F85}"/>
+              </a:ext>
+            </a:extLst>
+          </p:cNvPr>
+          <p:cNvCxnSpPr>
+            <a:cxnSpLocks/>
+          </p:cNvCxnSpPr>
+          <p:nvPr/>
+        </p:nvCxnSpPr>
+        <p:spPr>
+          <a:xfrm flipV="1">
+            <a:off x="973029" y="2799795"/>
+            <a:ext cx="2601615" cy="24582"/>
+          </a:xfrm>
+          <a:prstGeom prst="line">
+            <a:avLst/>
+          </a:prstGeom>
+          <a:ln>
+            <a:solidFill>
+              <a:schemeClr val="accent3">
+                <a:lumMod val="60000"/>
+                <a:lumOff val="40000"/>
+              </a:schemeClr>
+            </a:solidFill>
+          </a:ln>
+        </p:spPr>
+        <p:style>
+          <a:lnRef idx="1">
+            <a:schemeClr val="accent1"/>
+          </a:lnRef>
+          <a:fillRef idx="0">
+            <a:schemeClr val="accent1"/>
+          </a:fillRef>
+          <a:effectRef idx="0">
+            <a:schemeClr val="accent1"/>
+          </a:effectRef>
+          <a:fontRef idx="minor">
+            <a:schemeClr val="tx1"/>
+          </a:fontRef>
+        </p:style>
+      </p:cxnSp>
+      <p:cxnSp>
+        <p:nvCxnSpPr>
+          <p:cNvPr id="16" name="Straight Connector 15">
+            <a:extLst>
+              <a:ext uri="{FF2B5EF4-FFF2-40B4-BE49-F238E27FC236}">
+                <a16:creationId xmlns:a16="http://schemas.microsoft.com/office/drawing/2014/main" id="{2E784507-2A90-41F4-914A-2E0D3C25F17F}"/>
+              </a:ext>
+            </a:extLst>
+          </p:cNvPr>
+          <p:cNvCxnSpPr>
+            <a:cxnSpLocks/>
+          </p:cNvCxnSpPr>
+          <p:nvPr/>
+        </p:nvCxnSpPr>
+        <p:spPr>
+          <a:xfrm flipV="1">
+            <a:off x="973031" y="3357677"/>
+            <a:ext cx="2601615" cy="24582"/>
+          </a:xfrm>
+          <a:prstGeom prst="line">
+            <a:avLst/>
+          </a:prstGeom>
+          <a:ln>
+            <a:solidFill>
+              <a:schemeClr val="accent3">
+                <a:lumMod val="60000"/>
+                <a:lumOff val="40000"/>
+              </a:schemeClr>
+            </a:solidFill>
+          </a:ln>
+        </p:spPr>
+        <p:style>
+          <a:lnRef idx="1">
+            <a:schemeClr val="accent1"/>
+          </a:lnRef>
+          <a:fillRef idx="0">
+            <a:schemeClr val="accent1"/>
+          </a:fillRef>
+          <a:effectRef idx="0">
+            <a:schemeClr val="accent1"/>
+          </a:effectRef>
+          <a:fontRef idx="minor">
+            <a:schemeClr val="tx1"/>
+          </a:fontRef>
+        </p:style>
+      </p:cxnSp>
       <p:sp>
         <p:nvSpPr>
           <p:cNvPr id="2" name="Title 1">
             <a:extLst>
               <a:ext uri="{FF2B5EF4-FFF2-40B4-BE49-F238E27FC236}">
-                <a16:creationId xmlns:a16="http://schemas.microsoft.com/office/drawing/2014/main" id="{73C4E103-203C-4E4F-97B0-23C6EF7FD9F2}"/>
+                <a16:creationId xmlns:a16="http://schemas.microsoft.com/office/drawing/2014/main" id="{E0F8078E-5BC4-41A6-B505-9FDF374A8BB5}"/>
               </a:ext>
             </a:extLst>
           </p:cNvPr>
@@ -6958,109 +6826,27 @@
               <a:rPr lang="en-US" dirty="0">
                 <a:latin typeface="Yeseva One" panose="00000500000000000000" pitchFamily="2" charset="0"/>
               </a:rPr>
-              <a:t>How do we make money?</a:t>
-            </a:r>
-            <a:endParaRPr lang="en-CA" dirty="0"/>
-          </a:p>
-        </p:txBody>
-      </p:sp>
-      <p:sp>
-        <p:nvSpPr>
-          <p:cNvPr id="3" name="Content Placeholder 2">
-            <a:extLst>
-              <a:ext uri="{FF2B5EF4-FFF2-40B4-BE49-F238E27FC236}">
-                <a16:creationId xmlns:a16="http://schemas.microsoft.com/office/drawing/2014/main" id="{599A44D3-BED2-4D82-BD38-AC3F2CE02450}"/>
-              </a:ext>
-            </a:extLst>
-          </p:cNvPr>
-          <p:cNvSpPr>
-            <a:spLocks noGrp="1"/>
-          </p:cNvSpPr>
-          <p:nvPr>
-            <p:ph idx="1"/>
-          </p:nvPr>
-        </p:nvSpPr>
-        <p:spPr>
-          <a:xfrm>
-            <a:off x="838200" y="1825625"/>
-            <a:ext cx="5969655" cy="4351338"/>
-          </a:xfrm>
-        </p:spPr>
-        <p:txBody>
-          <a:bodyPr/>
-          <a:lstStyle/>
-          <a:p>
-            <a:r>
-              <a:rPr lang="en-US" dirty="0">
-                <a:latin typeface="Poppins Light" panose="00000400000000000000" pitchFamily="2" charset="0"/>
-                <a:cs typeface="Poppins Light" panose="00000400000000000000" pitchFamily="2" charset="0"/>
-              </a:rPr>
-              <a:t>10% cut on each transaction. </a:t>
-            </a:r>
-          </a:p>
-          <a:p>
-            <a:r>
-              <a:rPr lang="en-CA" dirty="0">
-                <a:latin typeface="Poppins Light" panose="00000400000000000000" pitchFamily="2" charset="0"/>
-                <a:cs typeface="Poppins Light" panose="00000400000000000000" pitchFamily="2" charset="0"/>
-              </a:rPr>
-              <a:t>Celebrity promotions. </a:t>
-            </a:r>
-          </a:p>
-          <a:p>
-            <a:r>
-              <a:rPr lang="en-CA" dirty="0">
-                <a:latin typeface="Poppins Light" panose="00000400000000000000" pitchFamily="2" charset="0"/>
-                <a:cs typeface="Poppins Light" panose="00000400000000000000" pitchFamily="2" charset="0"/>
-              </a:rPr>
-              <a:t>Company plugs.</a:t>
-            </a:r>
-          </a:p>
-          <a:p>
-            <a:r>
-              <a:rPr lang="en-CA" dirty="0">
-                <a:latin typeface="Poppins Light" panose="00000400000000000000" pitchFamily="2" charset="0"/>
-                <a:cs typeface="Poppins Light" panose="00000400000000000000" pitchFamily="2" charset="0"/>
-              </a:rPr>
-              <a:t>Advertisements.</a:t>
-            </a:r>
-          </a:p>
-          <a:p>
-            <a:r>
-              <a:rPr lang="en-CA" dirty="0">
-                <a:latin typeface="Poppins Light" panose="00000400000000000000" pitchFamily="2" charset="0"/>
-                <a:cs typeface="Poppins Light" panose="00000400000000000000" pitchFamily="2" charset="0"/>
-              </a:rPr>
-              <a:t>Merch.</a:t>
-            </a:r>
-          </a:p>
-          <a:p>
-            <a:r>
-              <a:rPr lang="en-CA" dirty="0">
-                <a:latin typeface="Poppins Light" panose="00000400000000000000" pitchFamily="2" charset="0"/>
-                <a:cs typeface="Poppins Light" panose="00000400000000000000" pitchFamily="2" charset="0"/>
-              </a:rPr>
-              <a:t>Crypto. $NUDE token.</a:t>
-            </a:r>
-          </a:p>
-          <a:p>
+              <a:t>Our Team</a:t>
+            </a:r>
             <a:endParaRPr lang="en-CA" dirty="0"/>
           </a:p>
         </p:txBody>
       </p:sp>
       <p:pic>
         <p:nvPicPr>
-          <p:cNvPr id="5" name="Picture 4">
-            <a:extLst>
-              <a:ext uri="{FF2B5EF4-FFF2-40B4-BE49-F238E27FC236}">
-                <a16:creationId xmlns:a16="http://schemas.microsoft.com/office/drawing/2014/main" id="{313110A8-4B4D-43E9-A94D-69FF1E4BE2BB}"/>
+          <p:cNvPr id="5" name="Content Placeholder 4">
+            <a:extLst>
+              <a:ext uri="{FF2B5EF4-FFF2-40B4-BE49-F238E27FC236}">
+                <a16:creationId xmlns:a16="http://schemas.microsoft.com/office/drawing/2014/main" id="{E8B79BEB-C0A3-4987-83FF-C0BD91A1E4E2}"/>
               </a:ext>
             </a:extLst>
           </p:cNvPr>
           <p:cNvPicPr>
-            <a:picLocks noChangeAspect="1"/>
+            <a:picLocks noGrp="1" noChangeAspect="1"/>
           </p:cNvPicPr>
-          <p:nvPr/>
+          <p:nvPr>
+            <p:ph idx="1"/>
+          </p:nvPr>
         </p:nvPicPr>
         <p:blipFill>
           <a:blip r:embed="rId2">
@@ -7076,20 +6862,109 @@
         </p:blipFill>
         <p:spPr>
           <a:xfrm>
-            <a:off x="11300819" y="312780"/>
-            <a:ext cx="519030" cy="519030"/>
-          </a:xfrm>
-          <a:prstGeom prst="rect">
+            <a:off x="11353800" y="308455"/>
+            <a:ext cx="483207" cy="483207"/>
+          </a:xfrm>
+        </p:spPr>
+      </p:pic>
+      <p:cxnSp>
+        <p:nvCxnSpPr>
+          <p:cNvPr id="14" name="Straight Connector 13">
+            <a:extLst>
+              <a:ext uri="{FF2B5EF4-FFF2-40B4-BE49-F238E27FC236}">
+                <a16:creationId xmlns:a16="http://schemas.microsoft.com/office/drawing/2014/main" id="{CF0A6EC9-05A2-41D5-A4D9-F813EF56724A}"/>
+              </a:ext>
+            </a:extLst>
+          </p:cNvPr>
+          <p:cNvCxnSpPr>
+            <a:cxnSpLocks/>
+          </p:cNvCxnSpPr>
+          <p:nvPr/>
+        </p:nvCxnSpPr>
+        <p:spPr>
+          <a:xfrm>
+            <a:off x="725259" y="3094763"/>
+            <a:ext cx="3126658" cy="0"/>
+          </a:xfrm>
+          <a:prstGeom prst="line">
             <a:avLst/>
           </a:prstGeom>
-        </p:spPr>
-      </p:pic>
+          <a:ln>
+            <a:solidFill>
+              <a:srgbClr val="FFC000"/>
+            </a:solidFill>
+          </a:ln>
+        </p:spPr>
+        <p:style>
+          <a:lnRef idx="2">
+            <a:schemeClr val="accent3"/>
+          </a:lnRef>
+          <a:fillRef idx="0">
+            <a:schemeClr val="accent3"/>
+          </a:fillRef>
+          <a:effectRef idx="1">
+            <a:schemeClr val="accent3"/>
+          </a:effectRef>
+          <a:fontRef idx="minor">
+            <a:schemeClr val="tx1"/>
+          </a:fontRef>
+        </p:style>
+      </p:cxnSp>
+      <p:sp>
+        <p:nvSpPr>
+          <p:cNvPr id="15" name="Oval 14">
+            <a:extLst>
+              <a:ext uri="{FF2B5EF4-FFF2-40B4-BE49-F238E27FC236}">
+                <a16:creationId xmlns:a16="http://schemas.microsoft.com/office/drawing/2014/main" id="{4153D177-BF84-432C-99CC-F8159E5284AA}"/>
+              </a:ext>
+            </a:extLst>
+          </p:cNvPr>
+          <p:cNvSpPr/>
+          <p:nvPr/>
+        </p:nvSpPr>
+        <p:spPr>
+          <a:xfrm>
+            <a:off x="1188358" y="2091267"/>
+            <a:ext cx="2170962" cy="2006993"/>
+          </a:xfrm>
+          <a:prstGeom prst="ellipse">
+            <a:avLst/>
+          </a:prstGeom>
+          <a:solidFill>
+            <a:schemeClr val="accent2"/>
+          </a:solidFill>
+        </p:spPr>
+        <p:style>
+          <a:lnRef idx="2">
+            <a:schemeClr val="accent1">
+              <a:shade val="50000"/>
+            </a:schemeClr>
+          </a:lnRef>
+          <a:fillRef idx="1">
+            <a:schemeClr val="accent1"/>
+          </a:fillRef>
+          <a:effectRef idx="0">
+            <a:schemeClr val="accent1"/>
+          </a:effectRef>
+          <a:fontRef idx="minor">
+            <a:schemeClr val="lt1"/>
+          </a:fontRef>
+        </p:style>
+        <p:txBody>
+          <a:bodyPr rtlCol="0" anchor="ctr"/>
+          <a:lstStyle/>
+          <a:p>
+            <a:pPr algn="ctr"/>
+            <a:endParaRPr lang="en-CA"/>
+          </a:p>
+        </p:txBody>
+      </p:sp>
       <p:pic>
         <p:nvPicPr>
-          <p:cNvPr id="6" name="Picture 5">
-            <a:extLst>
-              <a:ext uri="{FF2B5EF4-FFF2-40B4-BE49-F238E27FC236}">
-                <a16:creationId xmlns:a16="http://schemas.microsoft.com/office/drawing/2014/main" id="{45BCCCF6-BDD6-4B6E-8769-7B01C1160510}"/>
+          <p:cNvPr id="23" name="Picture 22">
+            <a:extLst>
+              <a:ext uri="{FF2B5EF4-FFF2-40B4-BE49-F238E27FC236}">
+                <a16:creationId xmlns:a16="http://schemas.microsoft.com/office/drawing/2014/main" id="{42B44C66-2A8C-4C22-819F-CBD75B0DDCD6}"/>
               </a:ext>
             </a:extLst>
           </p:cNvPr>
@@ -7112,8 +6987,411 @@
         </p:blipFill>
         <p:spPr>
           <a:xfrm>
-            <a:off x="7505945" y="3002772"/>
-            <a:ext cx="2796442" cy="2796442"/>
+            <a:off x="1268853" y="2136887"/>
+            <a:ext cx="2009969" cy="1915751"/>
+          </a:xfrm>
+          <a:prstGeom prst="rect">
+            <a:avLst/>
+          </a:prstGeom>
+        </p:spPr>
+      </p:pic>
+      <p:sp>
+        <p:nvSpPr>
+          <p:cNvPr id="24" name="TextBox 23">
+            <a:extLst>
+              <a:ext uri="{FF2B5EF4-FFF2-40B4-BE49-F238E27FC236}">
+                <a16:creationId xmlns:a16="http://schemas.microsoft.com/office/drawing/2014/main" id="{D5A321C3-FFC0-4C5F-AC4A-246C9A8E11BB}"/>
+              </a:ext>
+            </a:extLst>
+          </p:cNvPr>
+          <p:cNvSpPr txBox="1"/>
+          <p:nvPr/>
+        </p:nvSpPr>
+        <p:spPr>
+          <a:xfrm>
+            <a:off x="995772" y="4630139"/>
+            <a:ext cx="2688630" cy="276999"/>
+          </a:xfrm>
+          <a:prstGeom prst="rect">
+            <a:avLst/>
+          </a:prstGeom>
+          <a:noFill/>
+        </p:spPr>
+        <p:txBody>
+          <a:bodyPr wrap="square" rtlCol="0">
+            <a:spAutoFit/>
+          </a:bodyPr>
+          <a:lstStyle/>
+          <a:p>
+            <a:r>
+              <a:rPr lang="en-US" sz="1200" dirty="0">
+                <a:latin typeface="Poppins Medium" panose="00000600000000000000" pitchFamily="2" charset="0"/>
+                <a:cs typeface="Poppins Medium" panose="00000600000000000000" pitchFamily="2" charset="0"/>
+              </a:rPr>
+              <a:t>Founder / CEO / Lead Engineer</a:t>
+            </a:r>
+            <a:endParaRPr lang="en-CA" sz="1200" dirty="0">
+              <a:latin typeface="Poppins Medium" panose="00000600000000000000" pitchFamily="2" charset="0"/>
+              <a:cs typeface="Poppins Medium" panose="00000600000000000000" pitchFamily="2" charset="0"/>
+            </a:endParaRPr>
+          </a:p>
+        </p:txBody>
+      </p:sp>
+      <p:sp>
+        <p:nvSpPr>
+          <p:cNvPr id="26" name="TextBox 25">
+            <a:extLst>
+              <a:ext uri="{FF2B5EF4-FFF2-40B4-BE49-F238E27FC236}">
+                <a16:creationId xmlns:a16="http://schemas.microsoft.com/office/drawing/2014/main" id="{CDE202D1-9ACD-4802-A37B-54804F6CC221}"/>
+              </a:ext>
+            </a:extLst>
+          </p:cNvPr>
+          <p:cNvSpPr txBox="1"/>
+          <p:nvPr/>
+        </p:nvSpPr>
+        <p:spPr>
+          <a:xfrm>
+            <a:off x="973030" y="4199500"/>
+            <a:ext cx="2711371" cy="369332"/>
+          </a:xfrm>
+          <a:prstGeom prst="rect">
+            <a:avLst/>
+          </a:prstGeom>
+          <a:noFill/>
+        </p:spPr>
+        <p:txBody>
+          <a:bodyPr wrap="square">
+            <a:spAutoFit/>
+          </a:bodyPr>
+          <a:lstStyle/>
+          <a:p>
+            <a:r>
+              <a:rPr lang="en-US" dirty="0">
+                <a:latin typeface="Yeseva One" panose="00000500000000000000" pitchFamily="2" charset="0"/>
+                <a:cs typeface="Poppins Medium" panose="00000600000000000000" pitchFamily="2" charset="0"/>
+              </a:rPr>
+              <a:t>Christopher </a:t>
+            </a:r>
+            <a:r>
+              <a:rPr lang="en-US" dirty="0" err="1">
+                <a:latin typeface="Yeseva One" panose="00000500000000000000" pitchFamily="2" charset="0"/>
+                <a:cs typeface="Poppins Medium" panose="00000600000000000000" pitchFamily="2" charset="0"/>
+              </a:rPr>
+              <a:t>Trimboli</a:t>
+            </a:r>
+            <a:endParaRPr lang="en-CA" dirty="0">
+              <a:latin typeface="Yeseva One" panose="00000500000000000000" pitchFamily="2" charset="0"/>
+              <a:cs typeface="Poppins Medium" panose="00000600000000000000" pitchFamily="2" charset="0"/>
+            </a:endParaRPr>
+          </a:p>
+        </p:txBody>
+      </p:sp>
+      <p:cxnSp>
+        <p:nvCxnSpPr>
+          <p:cNvPr id="42" name="Straight Connector 41">
+            <a:extLst>
+              <a:ext uri="{FF2B5EF4-FFF2-40B4-BE49-F238E27FC236}">
+                <a16:creationId xmlns:a16="http://schemas.microsoft.com/office/drawing/2014/main" id="{C7FEB43B-6C76-41DC-8609-A6E9B07F2357}"/>
+              </a:ext>
+            </a:extLst>
+          </p:cNvPr>
+          <p:cNvCxnSpPr>
+            <a:cxnSpLocks/>
+          </p:cNvCxnSpPr>
+          <p:nvPr/>
+        </p:nvCxnSpPr>
+        <p:spPr>
+          <a:xfrm flipV="1">
+            <a:off x="4795191" y="2799795"/>
+            <a:ext cx="2601615" cy="24582"/>
+          </a:xfrm>
+          <a:prstGeom prst="line">
+            <a:avLst/>
+          </a:prstGeom>
+          <a:ln>
+            <a:solidFill>
+              <a:schemeClr val="accent3">
+                <a:lumMod val="60000"/>
+                <a:lumOff val="40000"/>
+              </a:schemeClr>
+            </a:solidFill>
+          </a:ln>
+        </p:spPr>
+        <p:style>
+          <a:lnRef idx="1">
+            <a:schemeClr val="accent1"/>
+          </a:lnRef>
+          <a:fillRef idx="0">
+            <a:schemeClr val="accent1"/>
+          </a:fillRef>
+          <a:effectRef idx="0">
+            <a:schemeClr val="accent1"/>
+          </a:effectRef>
+          <a:fontRef idx="minor">
+            <a:schemeClr val="tx1"/>
+          </a:fontRef>
+        </p:style>
+      </p:cxnSp>
+      <p:cxnSp>
+        <p:nvCxnSpPr>
+          <p:cNvPr id="43" name="Straight Connector 42">
+            <a:extLst>
+              <a:ext uri="{FF2B5EF4-FFF2-40B4-BE49-F238E27FC236}">
+                <a16:creationId xmlns:a16="http://schemas.microsoft.com/office/drawing/2014/main" id="{8A0CA6D1-065B-4201-9574-0BDA1EEC0952}"/>
+              </a:ext>
+            </a:extLst>
+          </p:cNvPr>
+          <p:cNvCxnSpPr>
+            <a:cxnSpLocks/>
+          </p:cNvCxnSpPr>
+          <p:nvPr/>
+        </p:nvCxnSpPr>
+        <p:spPr>
+          <a:xfrm flipV="1">
+            <a:off x="4795193" y="3357677"/>
+            <a:ext cx="2601615" cy="24582"/>
+          </a:xfrm>
+          <a:prstGeom prst="line">
+            <a:avLst/>
+          </a:prstGeom>
+          <a:ln>
+            <a:solidFill>
+              <a:schemeClr val="accent3">
+                <a:lumMod val="60000"/>
+                <a:lumOff val="40000"/>
+              </a:schemeClr>
+            </a:solidFill>
+          </a:ln>
+        </p:spPr>
+        <p:style>
+          <a:lnRef idx="1">
+            <a:schemeClr val="accent1"/>
+          </a:lnRef>
+          <a:fillRef idx="0">
+            <a:schemeClr val="accent1"/>
+          </a:fillRef>
+          <a:effectRef idx="0">
+            <a:schemeClr val="accent1"/>
+          </a:effectRef>
+          <a:fontRef idx="minor">
+            <a:schemeClr val="tx1"/>
+          </a:fontRef>
+        </p:style>
+      </p:cxnSp>
+      <p:cxnSp>
+        <p:nvCxnSpPr>
+          <p:cNvPr id="44" name="Straight Connector 43">
+            <a:extLst>
+              <a:ext uri="{FF2B5EF4-FFF2-40B4-BE49-F238E27FC236}">
+                <a16:creationId xmlns:a16="http://schemas.microsoft.com/office/drawing/2014/main" id="{55D905D5-597F-4FCB-AD16-B031C1764589}"/>
+              </a:ext>
+            </a:extLst>
+          </p:cNvPr>
+          <p:cNvCxnSpPr>
+            <a:cxnSpLocks/>
+          </p:cNvCxnSpPr>
+          <p:nvPr/>
+        </p:nvCxnSpPr>
+        <p:spPr>
+          <a:xfrm>
+            <a:off x="4547421" y="3094763"/>
+            <a:ext cx="3126658" cy="0"/>
+          </a:xfrm>
+          <a:prstGeom prst="line">
+            <a:avLst/>
+          </a:prstGeom>
+          <a:ln>
+            <a:solidFill>
+              <a:srgbClr val="FB74FE"/>
+            </a:solidFill>
+          </a:ln>
+        </p:spPr>
+        <p:style>
+          <a:lnRef idx="2">
+            <a:schemeClr val="accent3"/>
+          </a:lnRef>
+          <a:fillRef idx="0">
+            <a:schemeClr val="accent3"/>
+          </a:fillRef>
+          <a:effectRef idx="1">
+            <a:schemeClr val="accent3"/>
+          </a:effectRef>
+          <a:fontRef idx="minor">
+            <a:schemeClr val="tx1"/>
+          </a:fontRef>
+        </p:style>
+      </p:cxnSp>
+      <p:sp>
+        <p:nvSpPr>
+          <p:cNvPr id="45" name="Oval 44">
+            <a:extLst>
+              <a:ext uri="{FF2B5EF4-FFF2-40B4-BE49-F238E27FC236}">
+                <a16:creationId xmlns:a16="http://schemas.microsoft.com/office/drawing/2014/main" id="{7E1B78C5-F887-491D-8D3F-1315B786C1C8}"/>
+              </a:ext>
+            </a:extLst>
+          </p:cNvPr>
+          <p:cNvSpPr/>
+          <p:nvPr/>
+        </p:nvSpPr>
+        <p:spPr>
+          <a:xfrm>
+            <a:off x="5010520" y="2091267"/>
+            <a:ext cx="2170962" cy="2006993"/>
+          </a:xfrm>
+          <a:prstGeom prst="ellipse">
+            <a:avLst/>
+          </a:prstGeom>
+          <a:solidFill>
+            <a:srgbClr val="FB74FE"/>
+          </a:solidFill>
+        </p:spPr>
+        <p:style>
+          <a:lnRef idx="2">
+            <a:schemeClr val="accent1">
+              <a:shade val="50000"/>
+            </a:schemeClr>
+          </a:lnRef>
+          <a:fillRef idx="1">
+            <a:schemeClr val="accent1"/>
+          </a:fillRef>
+          <a:effectRef idx="0">
+            <a:schemeClr val="accent1"/>
+          </a:effectRef>
+          <a:fontRef idx="minor">
+            <a:schemeClr val="lt1"/>
+          </a:fontRef>
+        </p:style>
+        <p:txBody>
+          <a:bodyPr rtlCol="0" anchor="ctr"/>
+          <a:lstStyle/>
+          <a:p>
+            <a:pPr algn="ctr"/>
+            <a:endParaRPr lang="en-CA"/>
+          </a:p>
+        </p:txBody>
+      </p:sp>
+      <p:sp>
+        <p:nvSpPr>
+          <p:cNvPr id="47" name="TextBox 46">
+            <a:extLst>
+              <a:ext uri="{FF2B5EF4-FFF2-40B4-BE49-F238E27FC236}">
+                <a16:creationId xmlns:a16="http://schemas.microsoft.com/office/drawing/2014/main" id="{B1E60453-717B-4F8A-92F4-81315775A76D}"/>
+              </a:ext>
+            </a:extLst>
+          </p:cNvPr>
+          <p:cNvSpPr txBox="1"/>
+          <p:nvPr/>
+        </p:nvSpPr>
+        <p:spPr>
+          <a:xfrm>
+            <a:off x="5010520" y="4622666"/>
+            <a:ext cx="2780435" cy="276999"/>
+          </a:xfrm>
+          <a:prstGeom prst="rect">
+            <a:avLst/>
+          </a:prstGeom>
+          <a:noFill/>
+        </p:spPr>
+        <p:txBody>
+          <a:bodyPr wrap="square" rtlCol="0">
+            <a:spAutoFit/>
+          </a:bodyPr>
+          <a:lstStyle/>
+          <a:p>
+            <a:r>
+              <a:rPr lang="en-US" sz="1200" dirty="0">
+                <a:latin typeface="Poppins Medium" panose="00000600000000000000" pitchFamily="2" charset="0"/>
+                <a:cs typeface="Poppins Medium" panose="00000600000000000000" pitchFamily="2" charset="0"/>
+              </a:rPr>
+              <a:t>Lead Designer / Digital Artist</a:t>
+            </a:r>
+            <a:endParaRPr lang="en-CA" sz="1200" dirty="0">
+              <a:latin typeface="Poppins Medium" panose="00000600000000000000" pitchFamily="2" charset="0"/>
+              <a:cs typeface="Poppins Medium" panose="00000600000000000000" pitchFamily="2" charset="0"/>
+            </a:endParaRPr>
+          </a:p>
+        </p:txBody>
+      </p:sp>
+      <p:sp>
+        <p:nvSpPr>
+          <p:cNvPr id="48" name="TextBox 47">
+            <a:extLst>
+              <a:ext uri="{FF2B5EF4-FFF2-40B4-BE49-F238E27FC236}">
+                <a16:creationId xmlns:a16="http://schemas.microsoft.com/office/drawing/2014/main" id="{50A24164-1B87-458B-B9BF-66EF8DE0310D}"/>
+              </a:ext>
+            </a:extLst>
+          </p:cNvPr>
+          <p:cNvSpPr txBox="1"/>
+          <p:nvPr/>
+        </p:nvSpPr>
+        <p:spPr>
+          <a:xfrm>
+            <a:off x="4795192" y="4199500"/>
+            <a:ext cx="2711371" cy="369332"/>
+          </a:xfrm>
+          <a:prstGeom prst="rect">
+            <a:avLst/>
+          </a:prstGeom>
+          <a:noFill/>
+        </p:spPr>
+        <p:txBody>
+          <a:bodyPr wrap="square">
+            <a:spAutoFit/>
+          </a:bodyPr>
+          <a:lstStyle/>
+          <a:p>
+            <a:pPr algn="ctr"/>
+            <a:r>
+              <a:rPr lang="en-US" dirty="0">
+                <a:latin typeface="Yeseva One" panose="00000500000000000000" pitchFamily="2" charset="0"/>
+                <a:cs typeface="Poppins Medium" panose="00000600000000000000" pitchFamily="2" charset="0"/>
+              </a:rPr>
+              <a:t>Sylvia </a:t>
+            </a:r>
+            <a:r>
+              <a:rPr lang="en-US" dirty="0" err="1">
+                <a:latin typeface="Yeseva One" panose="00000500000000000000" pitchFamily="2" charset="0"/>
+                <a:cs typeface="Poppins Medium" panose="00000600000000000000" pitchFamily="2" charset="0"/>
+              </a:rPr>
+              <a:t>Makuch</a:t>
+            </a:r>
+            <a:endParaRPr lang="en-CA" dirty="0">
+              <a:latin typeface="Yeseva One" panose="00000500000000000000" pitchFamily="2" charset="0"/>
+              <a:cs typeface="Poppins Medium" panose="00000600000000000000" pitchFamily="2" charset="0"/>
+            </a:endParaRPr>
+          </a:p>
+        </p:txBody>
+      </p:sp>
+      <p:pic>
+        <p:nvPicPr>
+          <p:cNvPr id="4" name="Picture 3">
+            <a:extLst>
+              <a:ext uri="{FF2B5EF4-FFF2-40B4-BE49-F238E27FC236}">
+                <a16:creationId xmlns:a16="http://schemas.microsoft.com/office/drawing/2014/main" id="{0A812C7D-57E2-4A7C-AF75-550ADB94F130}"/>
+              </a:ext>
+            </a:extLst>
+          </p:cNvPr>
+          <p:cNvPicPr>
+            <a:picLocks noChangeAspect="1"/>
+          </p:cNvPicPr>
+          <p:nvPr/>
+        </p:nvPicPr>
+        <p:blipFill>
+          <a:blip r:embed="rId4">
+            <a:extLst>
+              <a:ext uri="{28A0092B-C50C-407E-A947-70E740481C1C}">
+                <a14:useLocalDpi xmlns:a14="http://schemas.microsoft.com/office/drawing/2010/main" val="0"/>
+              </a:ext>
+            </a:extLst>
+          </a:blip>
+          <a:stretch>
+            <a:fillRect/>
+          </a:stretch>
+        </p:blipFill>
+        <p:spPr>
+          <a:xfrm>
+            <a:off x="5102975" y="2163003"/>
+            <a:ext cx="1986045" cy="1889635"/>
           </a:xfrm>
           <a:prstGeom prst="rect">
             <a:avLst/>
@@ -7123,7 +7401,7 @@
     </p:spTree>
     <p:extLst>
       <p:ext uri="{BB962C8B-B14F-4D97-AF65-F5344CB8AC3E}">
-        <p14:creationId xmlns:p14="http://schemas.microsoft.com/office/powerpoint/2010/main" val="625031941"/>
+        <p14:creationId xmlns:p14="http://schemas.microsoft.com/office/powerpoint/2010/main" val="4070166939"/>
       </p:ext>
     </p:extLst>
   </p:cSld>
@@ -7155,7 +7433,7 @@
           <p:cNvPr id="2" name="Title 1">
             <a:extLst>
               <a:ext uri="{FF2B5EF4-FFF2-40B4-BE49-F238E27FC236}">
-                <a16:creationId xmlns:a16="http://schemas.microsoft.com/office/drawing/2014/main" id="{5A7D9E14-614B-4A34-A711-812427B03D19}"/>
+                <a16:creationId xmlns:a16="http://schemas.microsoft.com/office/drawing/2014/main" id="{51946F17-B9A7-44C3-AA12-1D71D446F010}"/>
               </a:ext>
             </a:extLst>
           </p:cNvPr>
@@ -7175,8 +7453,166 @@
               <a:rPr lang="en-US" dirty="0">
                 <a:latin typeface="Yeseva One" panose="00000500000000000000" pitchFamily="2" charset="0"/>
               </a:rPr>
-              <a:t>Our Competition</a:t>
-            </a:r>
+              <a:t>Why we need investment?</a:t>
+            </a:r>
+            <a:endParaRPr lang="en-CA" dirty="0"/>
+          </a:p>
+        </p:txBody>
+      </p:sp>
+      <p:sp>
+        <p:nvSpPr>
+          <p:cNvPr id="3" name="Content Placeholder 2">
+            <a:extLst>
+              <a:ext uri="{FF2B5EF4-FFF2-40B4-BE49-F238E27FC236}">
+                <a16:creationId xmlns:a16="http://schemas.microsoft.com/office/drawing/2014/main" id="{BED8E52F-06EC-423A-B182-0E4F00189AC1}"/>
+              </a:ext>
+            </a:extLst>
+          </p:cNvPr>
+          <p:cNvSpPr>
+            <a:spLocks noGrp="1"/>
+          </p:cNvSpPr>
+          <p:nvPr>
+            <p:ph idx="1"/>
+          </p:nvPr>
+        </p:nvSpPr>
+        <p:spPr>
+          <a:xfrm>
+            <a:off x="838200" y="1825625"/>
+            <a:ext cx="6860458" cy="4351338"/>
+          </a:xfrm>
+        </p:spPr>
+        <p:txBody>
+          <a:bodyPr>
+            <a:normAutofit fontScale="92500" lnSpcReduction="20000"/>
+          </a:bodyPr>
+          <a:lstStyle/>
+          <a:p>
+            <a:pPr>
+              <a:lnSpc>
+                <a:spcPct val="110000"/>
+              </a:lnSpc>
+            </a:pPr>
+            <a:r>
+              <a:rPr lang="en-US" dirty="0">
+                <a:latin typeface="Poppins Light" panose="00000400000000000000" pitchFamily="2" charset="0"/>
+                <a:cs typeface="Poppins Light" panose="00000400000000000000" pitchFamily="2" charset="0"/>
+              </a:rPr>
+              <a:t>Influencer promotions.</a:t>
+            </a:r>
+          </a:p>
+          <a:p>
+            <a:pPr>
+              <a:lnSpc>
+                <a:spcPct val="110000"/>
+              </a:lnSpc>
+            </a:pPr>
+            <a:r>
+              <a:rPr lang="en-US" dirty="0">
+                <a:latin typeface="Poppins Light" panose="00000400000000000000" pitchFamily="2" charset="0"/>
+                <a:cs typeface="Poppins Light" panose="00000400000000000000" pitchFamily="2" charset="0"/>
+              </a:rPr>
+              <a:t>Advertisement / Marketing.</a:t>
+            </a:r>
+          </a:p>
+          <a:p>
+            <a:pPr>
+              <a:lnSpc>
+                <a:spcPct val="110000"/>
+              </a:lnSpc>
+            </a:pPr>
+            <a:r>
+              <a:rPr lang="en-US" dirty="0">
+                <a:latin typeface="Poppins Light" panose="00000400000000000000" pitchFamily="2" charset="0"/>
+                <a:cs typeface="Poppins Light" panose="00000400000000000000" pitchFamily="2" charset="0"/>
+              </a:rPr>
+              <a:t>Third party security audits.</a:t>
+            </a:r>
+          </a:p>
+          <a:p>
+            <a:pPr>
+              <a:lnSpc>
+                <a:spcPct val="110000"/>
+              </a:lnSpc>
+            </a:pPr>
+            <a:r>
+              <a:rPr lang="en-US" dirty="0">
+                <a:latin typeface="Poppins Light" panose="00000400000000000000" pitchFamily="2" charset="0"/>
+                <a:cs typeface="Poppins Light" panose="00000400000000000000" pitchFamily="2" charset="0"/>
+              </a:rPr>
+              <a:t>Software developers.</a:t>
+            </a:r>
+          </a:p>
+          <a:p>
+            <a:pPr>
+              <a:lnSpc>
+                <a:spcPct val="110000"/>
+              </a:lnSpc>
+            </a:pPr>
+            <a:r>
+              <a:rPr lang="en-US" dirty="0">
+                <a:latin typeface="Poppins Light" panose="00000400000000000000" pitchFamily="2" charset="0"/>
+                <a:cs typeface="Poppins Light" panose="00000400000000000000" pitchFamily="2" charset="0"/>
+              </a:rPr>
+              <a:t>ID verification / moderation team.</a:t>
+            </a:r>
+          </a:p>
+          <a:p>
+            <a:pPr>
+              <a:lnSpc>
+                <a:spcPct val="110000"/>
+              </a:lnSpc>
+            </a:pPr>
+            <a:r>
+              <a:rPr lang="en-US" dirty="0">
+                <a:latin typeface="Poppins Light" panose="00000400000000000000" pitchFamily="2" charset="0"/>
+                <a:cs typeface="Poppins Light" panose="00000400000000000000" pitchFamily="2" charset="0"/>
+              </a:rPr>
+              <a:t>Infrastructure costs.</a:t>
+            </a:r>
+          </a:p>
+          <a:p>
+            <a:pPr>
+              <a:lnSpc>
+                <a:spcPct val="110000"/>
+              </a:lnSpc>
+            </a:pPr>
+            <a:r>
+              <a:rPr lang="en-US" dirty="0">
+                <a:latin typeface="Poppins Light" panose="00000400000000000000" pitchFamily="2" charset="0"/>
+                <a:cs typeface="Poppins Light" panose="00000400000000000000" pitchFamily="2" charset="0"/>
+              </a:rPr>
+              <a:t>Legal costs.</a:t>
+            </a:r>
+          </a:p>
+          <a:p>
+            <a:pPr>
+              <a:lnSpc>
+                <a:spcPct val="110000"/>
+              </a:lnSpc>
+            </a:pPr>
+            <a:r>
+              <a:rPr lang="en-US" dirty="0">
+                <a:latin typeface="Poppins Light" panose="00000400000000000000" pitchFamily="2" charset="0"/>
+                <a:cs typeface="Poppins Light" panose="00000400000000000000" pitchFamily="2" charset="0"/>
+              </a:rPr>
+              <a:t>Content creation / video production.</a:t>
+            </a:r>
+          </a:p>
+          <a:p>
+            <a:pPr>
+              <a:lnSpc>
+                <a:spcPct val="110000"/>
+              </a:lnSpc>
+            </a:pPr>
+            <a:r>
+              <a:rPr lang="en-US" dirty="0">
+                <a:latin typeface="Poppins Light" panose="00000400000000000000" pitchFamily="2" charset="0"/>
+                <a:cs typeface="Poppins Light" panose="00000400000000000000" pitchFamily="2" charset="0"/>
+              </a:rPr>
+              <a:t>Compete with funded competition.</a:t>
+            </a:r>
+          </a:p>
+          <a:p>
             <a:endParaRPr lang="en-CA" dirty="0"/>
           </a:p>
         </p:txBody>
@@ -7186,7 +7622,7 @@
           <p:cNvPr id="5" name="Picture 4">
             <a:extLst>
               <a:ext uri="{FF2B5EF4-FFF2-40B4-BE49-F238E27FC236}">
-                <a16:creationId xmlns:a16="http://schemas.microsoft.com/office/drawing/2014/main" id="{0D8AA00E-2FA8-436C-93AF-81D3B677D479}"/>
+                <a16:creationId xmlns:a16="http://schemas.microsoft.com/office/drawing/2014/main" id="{B20C5808-1A2C-4FF1-9B30-424D73E4B3A8}"/>
               </a:ext>
             </a:extLst>
           </p:cNvPr>
@@ -7209,8 +7645,8 @@
         </p:blipFill>
         <p:spPr>
           <a:xfrm>
-            <a:off x="7145747" y="1714589"/>
-            <a:ext cx="2600325" cy="638175"/>
+            <a:off x="11353800" y="365125"/>
+            <a:ext cx="439688" cy="439688"/>
           </a:xfrm>
           <a:prstGeom prst="rect">
             <a:avLst/>
@@ -7219,10 +7655,10 @@
       </p:pic>
       <p:pic>
         <p:nvPicPr>
-          <p:cNvPr id="7" name="Picture 6">
-            <a:extLst>
-              <a:ext uri="{FF2B5EF4-FFF2-40B4-BE49-F238E27FC236}">
-                <a16:creationId xmlns:a16="http://schemas.microsoft.com/office/drawing/2014/main" id="{95D5B2F7-E7EA-4F59-9EBB-DBD901D8A269}"/>
+          <p:cNvPr id="6" name="Picture 5">
+            <a:extLst>
+              <a:ext uri="{FF2B5EF4-FFF2-40B4-BE49-F238E27FC236}">
+                <a16:creationId xmlns:a16="http://schemas.microsoft.com/office/drawing/2014/main" id="{A01BB6D9-F76D-4D97-90F0-B363F2E3288B}"/>
               </a:ext>
             </a:extLst>
           </p:cNvPr>
@@ -7245,186 +7681,18 @@
         </p:blipFill>
         <p:spPr>
           <a:xfrm>
-            <a:off x="1911391" y="1855117"/>
-            <a:ext cx="2438400" cy="609600"/>
+            <a:off x="8023428" y="2050549"/>
+            <a:ext cx="3080973" cy="3080973"/>
           </a:xfrm>
           <a:prstGeom prst="rect">
             <a:avLst/>
           </a:prstGeom>
         </p:spPr>
       </p:pic>
-      <p:pic>
-        <p:nvPicPr>
-          <p:cNvPr id="9" name="Picture 8">
-            <a:extLst>
-              <a:ext uri="{FF2B5EF4-FFF2-40B4-BE49-F238E27FC236}">
-                <a16:creationId xmlns:a16="http://schemas.microsoft.com/office/drawing/2014/main" id="{30C5F91F-6535-4CAC-83CB-8DFD72912499}"/>
-              </a:ext>
-            </a:extLst>
-          </p:cNvPr>
-          <p:cNvPicPr>
-            <a:picLocks noChangeAspect="1"/>
-          </p:cNvPicPr>
-          <p:nvPr/>
-        </p:nvPicPr>
-        <p:blipFill>
-          <a:blip r:embed="rId4">
-            <a:extLst>
-              <a:ext uri="{28A0092B-C50C-407E-A947-70E740481C1C}">
-                <a14:useLocalDpi xmlns:a14="http://schemas.microsoft.com/office/drawing/2010/main" val="0"/>
-              </a:ext>
-            </a:extLst>
-          </a:blip>
-          <a:stretch>
-            <a:fillRect/>
-          </a:stretch>
-        </p:blipFill>
-        <p:spPr>
-          <a:xfrm>
-            <a:off x="1628222" y="4282774"/>
-            <a:ext cx="2456096" cy="559333"/>
-          </a:xfrm>
-          <a:prstGeom prst="rect">
-            <a:avLst/>
-          </a:prstGeom>
-        </p:spPr>
-      </p:pic>
-      <p:sp>
-        <p:nvSpPr>
-          <p:cNvPr id="12" name="TextBox 11">
-            <a:extLst>
-              <a:ext uri="{FF2B5EF4-FFF2-40B4-BE49-F238E27FC236}">
-                <a16:creationId xmlns:a16="http://schemas.microsoft.com/office/drawing/2014/main" id="{1C3F524C-586F-47FA-AC6B-343DD406BACC}"/>
-              </a:ext>
-            </a:extLst>
-          </p:cNvPr>
-          <p:cNvSpPr txBox="1"/>
-          <p:nvPr/>
-        </p:nvSpPr>
-        <p:spPr>
-          <a:xfrm>
-            <a:off x="1575128" y="2721371"/>
-            <a:ext cx="3516016" cy="1200329"/>
-          </a:xfrm>
-          <a:prstGeom prst="rect">
-            <a:avLst/>
-          </a:prstGeom>
-          <a:noFill/>
-        </p:spPr>
-        <p:txBody>
-          <a:bodyPr wrap="square" rtlCol="0">
-            <a:spAutoFit/>
-          </a:bodyPr>
-          <a:lstStyle/>
-          <a:p>
-            <a:r>
-              <a:rPr lang="en-US" dirty="0" err="1"/>
-              <a:t>OnyFans</a:t>
-            </a:r>
-            <a:r>
-              <a:rPr lang="en-US" dirty="0"/>
-              <a:t> suffers majorly by using traditional banking solutions. We are using the blockchain and do not have the same concerns.</a:t>
-            </a:r>
-            <a:endParaRPr lang="en-CA" dirty="0"/>
-          </a:p>
-        </p:txBody>
-      </p:sp>
-      <p:sp>
-        <p:nvSpPr>
-          <p:cNvPr id="13" name="TextBox 12">
-            <a:extLst>
-              <a:ext uri="{FF2B5EF4-FFF2-40B4-BE49-F238E27FC236}">
-                <a16:creationId xmlns:a16="http://schemas.microsoft.com/office/drawing/2014/main" id="{AE78E4DA-87B6-444E-8B28-3D20637E3824}"/>
-              </a:ext>
-            </a:extLst>
-          </p:cNvPr>
-          <p:cNvSpPr txBox="1"/>
-          <p:nvPr/>
-        </p:nvSpPr>
-        <p:spPr>
-          <a:xfrm>
-            <a:off x="6764593" y="2556324"/>
-            <a:ext cx="3516016" cy="1477328"/>
-          </a:xfrm>
-          <a:prstGeom prst="rect">
-            <a:avLst/>
-          </a:prstGeom>
-          <a:noFill/>
-        </p:spPr>
-        <p:txBody>
-          <a:bodyPr wrap="square" rtlCol="0">
-            <a:spAutoFit/>
-          </a:bodyPr>
-          <a:lstStyle/>
-          <a:p>
-            <a:r>
-              <a:rPr lang="en-US" dirty="0" err="1"/>
-              <a:t>Nafter</a:t>
-            </a:r>
-            <a:r>
-              <a:rPr lang="en-US" dirty="0"/>
-              <a:t> is using the </a:t>
-            </a:r>
-            <a:r>
-              <a:rPr lang="en-US" dirty="0" err="1"/>
-              <a:t>Binance</a:t>
-            </a:r>
-            <a:r>
-              <a:rPr lang="en-US" dirty="0"/>
-              <a:t> smart chain for their tokens. </a:t>
-            </a:r>
-            <a:r>
-              <a:rPr lang="en-US" dirty="0" err="1"/>
-              <a:t>Binance</a:t>
-            </a:r>
-            <a:r>
-              <a:rPr lang="en-US" dirty="0"/>
-              <a:t> has many centralized concerns and is in deep with controversial Tether. We just use regular Ethereum.</a:t>
-            </a:r>
-            <a:endParaRPr lang="en-CA" dirty="0"/>
-          </a:p>
-        </p:txBody>
-      </p:sp>
-      <p:sp>
-        <p:nvSpPr>
-          <p:cNvPr id="14" name="TextBox 13">
-            <a:extLst>
-              <a:ext uri="{FF2B5EF4-FFF2-40B4-BE49-F238E27FC236}">
-                <a16:creationId xmlns:a16="http://schemas.microsoft.com/office/drawing/2014/main" id="{E242F2EA-3E63-4B2A-B9DA-0E6BF3894027}"/>
-              </a:ext>
-            </a:extLst>
-          </p:cNvPr>
-          <p:cNvSpPr txBox="1"/>
-          <p:nvPr/>
-        </p:nvSpPr>
-        <p:spPr>
-          <a:xfrm>
-            <a:off x="1522033" y="5043949"/>
-            <a:ext cx="3516016" cy="369332"/>
-          </a:xfrm>
-          <a:prstGeom prst="rect">
-            <a:avLst/>
-          </a:prstGeom>
-          <a:noFill/>
-        </p:spPr>
-        <p:txBody>
-          <a:bodyPr wrap="square" rtlCol="0">
-            <a:spAutoFit/>
-          </a:bodyPr>
-          <a:lstStyle/>
-          <a:p>
-            <a:r>
-              <a:rPr lang="en-US" dirty="0"/>
-              <a:t>…</a:t>
-            </a:r>
-            <a:endParaRPr lang="en-CA" dirty="0"/>
-          </a:p>
-        </p:txBody>
-      </p:sp>
     </p:spTree>
     <p:extLst>
       <p:ext uri="{BB962C8B-B14F-4D97-AF65-F5344CB8AC3E}">
-        <p14:creationId xmlns:p14="http://schemas.microsoft.com/office/powerpoint/2010/main" val="1638852775"/>
+        <p14:creationId xmlns:p14="http://schemas.microsoft.com/office/powerpoint/2010/main" val="1145575828"/>
       </p:ext>
     </p:extLst>
   </p:cSld>

--- a/own-me-pitch.pptx
+++ b/own-me-pitch.pptx
@@ -272,7 +272,7 @@
           <a:p>
             <a:fld id="{6F0444B0-A3CD-4285-B1AE-FEC941C62C7C}" type="datetimeFigureOut">
               <a:rPr lang="en-CA" smtClean="0"/>
-              <a:t>2021-08-23</a:t>
+              <a:t>2021-10-03</a:t>
             </a:fld>
             <a:endParaRPr lang="en-CA"/>
           </a:p>
@@ -472,7 +472,7 @@
           <a:p>
             <a:fld id="{6F0444B0-A3CD-4285-B1AE-FEC941C62C7C}" type="datetimeFigureOut">
               <a:rPr lang="en-CA" smtClean="0"/>
-              <a:t>2021-08-23</a:t>
+              <a:t>2021-10-03</a:t>
             </a:fld>
             <a:endParaRPr lang="en-CA"/>
           </a:p>
@@ -682,7 +682,7 @@
           <a:p>
             <a:fld id="{6F0444B0-A3CD-4285-B1AE-FEC941C62C7C}" type="datetimeFigureOut">
               <a:rPr lang="en-CA" smtClean="0"/>
-              <a:t>2021-08-23</a:t>
+              <a:t>2021-10-03</a:t>
             </a:fld>
             <a:endParaRPr lang="en-CA"/>
           </a:p>
@@ -882,7 +882,7 @@
           <a:p>
             <a:fld id="{6F0444B0-A3CD-4285-B1AE-FEC941C62C7C}" type="datetimeFigureOut">
               <a:rPr lang="en-CA" smtClean="0"/>
-              <a:t>2021-08-23</a:t>
+              <a:t>2021-10-03</a:t>
             </a:fld>
             <a:endParaRPr lang="en-CA"/>
           </a:p>
@@ -1158,7 +1158,7 @@
           <a:p>
             <a:fld id="{6F0444B0-A3CD-4285-B1AE-FEC941C62C7C}" type="datetimeFigureOut">
               <a:rPr lang="en-CA" smtClean="0"/>
-              <a:t>2021-08-23</a:t>
+              <a:t>2021-10-03</a:t>
             </a:fld>
             <a:endParaRPr lang="en-CA"/>
           </a:p>
@@ -1426,7 +1426,7 @@
           <a:p>
             <a:fld id="{6F0444B0-A3CD-4285-B1AE-FEC941C62C7C}" type="datetimeFigureOut">
               <a:rPr lang="en-CA" smtClean="0"/>
-              <a:t>2021-08-23</a:t>
+              <a:t>2021-10-03</a:t>
             </a:fld>
             <a:endParaRPr lang="en-CA"/>
           </a:p>
@@ -1841,7 +1841,7 @@
           <a:p>
             <a:fld id="{6F0444B0-A3CD-4285-B1AE-FEC941C62C7C}" type="datetimeFigureOut">
               <a:rPr lang="en-CA" smtClean="0"/>
-              <a:t>2021-08-23</a:t>
+              <a:t>2021-10-03</a:t>
             </a:fld>
             <a:endParaRPr lang="en-CA"/>
           </a:p>
@@ -1983,7 +1983,7 @@
           <a:p>
             <a:fld id="{6F0444B0-A3CD-4285-B1AE-FEC941C62C7C}" type="datetimeFigureOut">
               <a:rPr lang="en-CA" smtClean="0"/>
-              <a:t>2021-08-23</a:t>
+              <a:t>2021-10-03</a:t>
             </a:fld>
             <a:endParaRPr lang="en-CA"/>
           </a:p>
@@ -2096,7 +2096,7 @@
           <a:p>
             <a:fld id="{6F0444B0-A3CD-4285-B1AE-FEC941C62C7C}" type="datetimeFigureOut">
               <a:rPr lang="en-CA" smtClean="0"/>
-              <a:t>2021-08-23</a:t>
+              <a:t>2021-10-03</a:t>
             </a:fld>
             <a:endParaRPr lang="en-CA"/>
           </a:p>
@@ -2409,7 +2409,7 @@
           <a:p>
             <a:fld id="{6F0444B0-A3CD-4285-B1AE-FEC941C62C7C}" type="datetimeFigureOut">
               <a:rPr lang="en-CA" smtClean="0"/>
-              <a:t>2021-08-23</a:t>
+              <a:t>2021-10-03</a:t>
             </a:fld>
             <a:endParaRPr lang="en-CA"/>
           </a:p>
@@ -2698,7 +2698,7 @@
           <a:p>
             <a:fld id="{6F0444B0-A3CD-4285-B1AE-FEC941C62C7C}" type="datetimeFigureOut">
               <a:rPr lang="en-CA" smtClean="0"/>
-              <a:t>2021-08-23</a:t>
+              <a:t>2021-10-03</a:t>
             </a:fld>
             <a:endParaRPr lang="en-CA"/>
           </a:p>
@@ -2941,7 +2941,7 @@
           <a:p>
             <a:fld id="{6F0444B0-A3CD-4285-B1AE-FEC941C62C7C}" type="datetimeFigureOut">
               <a:rPr lang="en-CA" smtClean="0"/>
-              <a:t>2021-08-23</a:t>
+              <a:t>2021-10-03</a:t>
             </a:fld>
             <a:endParaRPr lang="en-CA"/>
           </a:p>
@@ -3876,6 +3876,15 @@
             </a:r>
           </a:p>
           <a:p>
+            <a:r>
+              <a:rPr lang="en-CA" dirty="0">
+                <a:latin typeface="Poppins Light" panose="00000400000000000000" pitchFamily="2" charset="0"/>
+                <a:cs typeface="Poppins Light" panose="00000400000000000000" pitchFamily="2" charset="0"/>
+              </a:rPr>
+              <a:t>Gumball Machine</a:t>
+            </a:r>
+          </a:p>
+          <a:p>
             <a:endParaRPr lang="en-CA" dirty="0"/>
           </a:p>
         </p:txBody>
@@ -4041,7 +4050,7 @@
         </p:blipFill>
         <p:spPr>
           <a:xfrm>
-            <a:off x="7275533" y="1873668"/>
+            <a:off x="7202647" y="2728434"/>
             <a:ext cx="2600325" cy="638175"/>
           </a:xfrm>
           <a:prstGeom prst="rect">
@@ -4077,7 +4086,7 @@
         </p:blipFill>
         <p:spPr>
           <a:xfrm>
-            <a:off x="1875995" y="1902243"/>
+            <a:off x="1803109" y="2757009"/>
             <a:ext cx="2438400" cy="609600"/>
           </a:xfrm>
           <a:prstGeom prst="rect">
@@ -4085,42 +4094,6 @@
           </a:prstGeom>
         </p:spPr>
       </p:pic>
-      <p:pic>
-        <p:nvPicPr>
-          <p:cNvPr id="9" name="Picture 8">
-            <a:extLst>
-              <a:ext uri="{FF2B5EF4-FFF2-40B4-BE49-F238E27FC236}">
-                <a16:creationId xmlns:a16="http://schemas.microsoft.com/office/drawing/2014/main" id="{30C5F91F-6535-4CAC-83CB-8DFD72912499}"/>
-              </a:ext>
-            </a:extLst>
-          </p:cNvPr>
-          <p:cNvPicPr>
-            <a:picLocks noChangeAspect="1"/>
-          </p:cNvPicPr>
-          <p:nvPr/>
-        </p:nvPicPr>
-        <p:blipFill>
-          <a:blip r:embed="rId4">
-            <a:extLst>
-              <a:ext uri="{28A0092B-C50C-407E-A947-70E740481C1C}">
-                <a14:useLocalDpi xmlns:a14="http://schemas.microsoft.com/office/drawing/2010/main" val="0"/>
-              </a:ext>
-            </a:extLst>
-          </a:blip>
-          <a:stretch>
-            <a:fillRect/>
-          </a:stretch>
-        </p:blipFill>
-        <p:spPr>
-          <a:xfrm>
-            <a:off x="1675417" y="4400761"/>
-            <a:ext cx="2456096" cy="559333"/>
-          </a:xfrm>
-          <a:prstGeom prst="rect">
-            <a:avLst/>
-          </a:prstGeom>
-        </p:spPr>
-      </p:pic>
       <p:sp>
         <p:nvSpPr>
           <p:cNvPr id="12" name="TextBox 11">
@@ -4135,7 +4108,7 @@
         </p:nvSpPr>
         <p:spPr>
           <a:xfrm>
-            <a:off x="1280162" y="2694823"/>
+            <a:off x="1207276" y="3549589"/>
             <a:ext cx="4147246" cy="1323439"/>
           </a:xfrm>
           <a:prstGeom prst="rect">
@@ -4177,7 +4150,7 @@
         </p:nvSpPr>
         <p:spPr>
           <a:xfrm>
-            <a:off x="6599410" y="2665106"/>
+            <a:off x="6526524" y="3519872"/>
             <a:ext cx="4208207" cy="1569660"/>
           </a:xfrm>
           <a:prstGeom prst="rect">
@@ -4237,42 +4210,6 @@
               <a:latin typeface="Poppins Light" panose="00000400000000000000" pitchFamily="2" charset="0"/>
               <a:cs typeface="Poppins Light" panose="00000400000000000000" pitchFamily="2" charset="0"/>
             </a:endParaRPr>
-          </a:p>
-        </p:txBody>
-      </p:sp>
-      <p:sp>
-        <p:nvSpPr>
-          <p:cNvPr id="14" name="TextBox 13">
-            <a:extLst>
-              <a:ext uri="{FF2B5EF4-FFF2-40B4-BE49-F238E27FC236}">
-                <a16:creationId xmlns:a16="http://schemas.microsoft.com/office/drawing/2014/main" id="{E242F2EA-3E63-4B2A-B9DA-0E6BF3894027}"/>
-              </a:ext>
-            </a:extLst>
-          </p:cNvPr>
-          <p:cNvSpPr txBox="1"/>
-          <p:nvPr/>
-        </p:nvSpPr>
-        <p:spPr>
-          <a:xfrm>
-            <a:off x="1510234" y="5291722"/>
-            <a:ext cx="3516016" cy="369332"/>
-          </a:xfrm>
-          <a:prstGeom prst="rect">
-            <a:avLst/>
-          </a:prstGeom>
-          <a:noFill/>
-        </p:spPr>
-        <p:txBody>
-          <a:bodyPr wrap="square" rtlCol="0">
-            <a:spAutoFit/>
-          </a:bodyPr>
-          <a:lstStyle/>
-          <a:p>
-            <a:r>
-              <a:rPr lang="en-US" dirty="0"/>
-              <a:t>…</a:t>
-            </a:r>
-            <a:endParaRPr lang="en-CA" dirty="0"/>
           </a:p>
         </p:txBody>
       </p:sp>
@@ -7398,6 +7335,41 @@
           </a:prstGeom>
         </p:spPr>
       </p:pic>
+      <p:sp>
+        <p:nvSpPr>
+          <p:cNvPr id="3" name="TextBox 2">
+            <a:extLst>
+              <a:ext uri="{FF2B5EF4-FFF2-40B4-BE49-F238E27FC236}">
+                <a16:creationId xmlns:a16="http://schemas.microsoft.com/office/drawing/2014/main" id="{0DA6CF2E-926C-4441-AE36-0B05CBDE694A}"/>
+              </a:ext>
+            </a:extLst>
+          </p:cNvPr>
+          <p:cNvSpPr txBox="1"/>
+          <p:nvPr/>
+        </p:nvSpPr>
+        <p:spPr>
+          <a:xfrm>
+            <a:off x="9028044" y="4579794"/>
+            <a:ext cx="2325756" cy="377687"/>
+          </a:xfrm>
+          <a:prstGeom prst="rect">
+            <a:avLst/>
+          </a:prstGeom>
+          <a:noFill/>
+        </p:spPr>
+        <p:txBody>
+          <a:bodyPr wrap="square" rtlCol="0">
+            <a:spAutoFit/>
+          </a:bodyPr>
+          <a:lstStyle/>
+          <a:p>
+            <a:r>
+              <a:rPr lang="en-CA" dirty="0"/>
+              <a:t>Looking for more…</a:t>
+            </a:r>
+          </a:p>
+        </p:txBody>
+      </p:sp>
     </p:spTree>
     <p:extLst>
       <p:ext uri="{BB962C8B-B14F-4D97-AF65-F5344CB8AC3E}">

--- a/own-me-pitch.pptx
+++ b/own-me-pitch.pptx
@@ -272,7 +272,7 @@
           <a:p>
             <a:fld id="{6F0444B0-A3CD-4285-B1AE-FEC941C62C7C}" type="datetimeFigureOut">
               <a:rPr lang="en-CA" smtClean="0"/>
-              <a:t>2021-10-03</a:t>
+              <a:t>2022-06-11</a:t>
             </a:fld>
             <a:endParaRPr lang="en-CA"/>
           </a:p>
@@ -472,7 +472,7 @@
           <a:p>
             <a:fld id="{6F0444B0-A3CD-4285-B1AE-FEC941C62C7C}" type="datetimeFigureOut">
               <a:rPr lang="en-CA" smtClean="0"/>
-              <a:t>2021-10-03</a:t>
+              <a:t>2022-06-11</a:t>
             </a:fld>
             <a:endParaRPr lang="en-CA"/>
           </a:p>
@@ -682,7 +682,7 @@
           <a:p>
             <a:fld id="{6F0444B0-A3CD-4285-B1AE-FEC941C62C7C}" type="datetimeFigureOut">
               <a:rPr lang="en-CA" smtClean="0"/>
-              <a:t>2021-10-03</a:t>
+              <a:t>2022-06-11</a:t>
             </a:fld>
             <a:endParaRPr lang="en-CA"/>
           </a:p>
@@ -882,7 +882,7 @@
           <a:p>
             <a:fld id="{6F0444B0-A3CD-4285-B1AE-FEC941C62C7C}" type="datetimeFigureOut">
               <a:rPr lang="en-CA" smtClean="0"/>
-              <a:t>2021-10-03</a:t>
+              <a:t>2022-06-11</a:t>
             </a:fld>
             <a:endParaRPr lang="en-CA"/>
           </a:p>
@@ -1158,7 +1158,7 @@
           <a:p>
             <a:fld id="{6F0444B0-A3CD-4285-B1AE-FEC941C62C7C}" type="datetimeFigureOut">
               <a:rPr lang="en-CA" smtClean="0"/>
-              <a:t>2021-10-03</a:t>
+              <a:t>2022-06-11</a:t>
             </a:fld>
             <a:endParaRPr lang="en-CA"/>
           </a:p>
@@ -1426,7 +1426,7 @@
           <a:p>
             <a:fld id="{6F0444B0-A3CD-4285-B1AE-FEC941C62C7C}" type="datetimeFigureOut">
               <a:rPr lang="en-CA" smtClean="0"/>
-              <a:t>2021-10-03</a:t>
+              <a:t>2022-06-11</a:t>
             </a:fld>
             <a:endParaRPr lang="en-CA"/>
           </a:p>
@@ -1841,7 +1841,7 @@
           <a:p>
             <a:fld id="{6F0444B0-A3CD-4285-B1AE-FEC941C62C7C}" type="datetimeFigureOut">
               <a:rPr lang="en-CA" smtClean="0"/>
-              <a:t>2021-10-03</a:t>
+              <a:t>2022-06-11</a:t>
             </a:fld>
             <a:endParaRPr lang="en-CA"/>
           </a:p>
@@ -1983,7 +1983,7 @@
           <a:p>
             <a:fld id="{6F0444B0-A3CD-4285-B1AE-FEC941C62C7C}" type="datetimeFigureOut">
               <a:rPr lang="en-CA" smtClean="0"/>
-              <a:t>2021-10-03</a:t>
+              <a:t>2022-06-11</a:t>
             </a:fld>
             <a:endParaRPr lang="en-CA"/>
           </a:p>
@@ -2096,7 +2096,7 @@
           <a:p>
             <a:fld id="{6F0444B0-A3CD-4285-B1AE-FEC941C62C7C}" type="datetimeFigureOut">
               <a:rPr lang="en-CA" smtClean="0"/>
-              <a:t>2021-10-03</a:t>
+              <a:t>2022-06-11</a:t>
             </a:fld>
             <a:endParaRPr lang="en-CA"/>
           </a:p>
@@ -2409,7 +2409,7 @@
           <a:p>
             <a:fld id="{6F0444B0-A3CD-4285-B1AE-FEC941C62C7C}" type="datetimeFigureOut">
               <a:rPr lang="en-CA" smtClean="0"/>
-              <a:t>2021-10-03</a:t>
+              <a:t>2022-06-11</a:t>
             </a:fld>
             <a:endParaRPr lang="en-CA"/>
           </a:p>
@@ -2698,7 +2698,7 @@
           <a:p>
             <a:fld id="{6F0444B0-A3CD-4285-B1AE-FEC941C62C7C}" type="datetimeFigureOut">
               <a:rPr lang="en-CA" smtClean="0"/>
-              <a:t>2021-10-03</a:t>
+              <a:t>2022-06-11</a:t>
             </a:fld>
             <a:endParaRPr lang="en-CA"/>
           </a:p>
@@ -2941,7 +2941,7 @@
           <a:p>
             <a:fld id="{6F0444B0-A3CD-4285-B1AE-FEC941C62C7C}" type="datetimeFigureOut">
               <a:rPr lang="en-CA" smtClean="0"/>
-              <a:t>2021-10-03</a:t>
+              <a:t>2022-06-11</a:t>
             </a:fld>
             <a:endParaRPr lang="en-CA"/>
           </a:p>
@@ -3523,9 +3523,9 @@
         <p:grpSpPr>
           <a:xfrm>
             <a:off x="5068561" y="2259542"/>
-            <a:ext cx="6469380" cy="2987308"/>
+            <a:ext cx="6469380" cy="3331218"/>
             <a:chOff x="5466126" y="2279420"/>
-            <a:chExt cx="6469380" cy="2987308"/>
+            <a:chExt cx="6469380" cy="3331218"/>
           </a:xfrm>
         </p:grpSpPr>
         <p:sp>
@@ -3678,8 +3678,8 @@
           </p:nvSpPr>
           <p:spPr>
             <a:xfrm>
-              <a:off x="5909001" y="4702786"/>
-              <a:ext cx="3486519" cy="377559"/>
+              <a:off x="5843486" y="4687308"/>
+              <a:ext cx="4715406" cy="923330"/>
             </a:xfrm>
             <a:prstGeom prst="rect">
               <a:avLst/>
@@ -3692,42 +3692,65 @@
             </a:bodyPr>
             <a:lstStyle/>
             <a:p>
+              <a:pPr algn="l"/>
               <a:r>
-                <a:rPr lang="en-US" dirty="0">
+                <a:rPr lang="en-US" b="0" i="0" dirty="0">
+                  <a:solidFill>
+                    <a:srgbClr val="2A2825"/>
+                  </a:solidFill>
+                  <a:effectLst/>
                   <a:latin typeface="Shadows Into Light" panose="02000000000000000000" pitchFamily="2" charset="0"/>
                 </a:rPr>
-                <a:t>Promiscuous </a:t>
+                <a:t>Our home for </a:t>
               </a:r>
               <a:r>
-                <a:rPr lang="en-US" dirty="0">
+                <a:rPr lang="en-US" b="0" i="0" dirty="0">
                   <a:solidFill>
                     <a:srgbClr val="FB74FE"/>
                   </a:solidFill>
+                  <a:effectLst/>
                   <a:latin typeface="Shadows Into Light" panose="02000000000000000000" pitchFamily="2" charset="0"/>
                 </a:rPr>
-                <a:t>*</a:t>
+                <a:t>adult content </a:t>
               </a:r>
               <a:r>
-                <a:rPr lang="en-US" dirty="0">
+                <a:rPr lang="en-US" b="0" i="0" dirty="0">
+                  <a:solidFill>
+                    <a:srgbClr val="2A2825"/>
+                  </a:solidFill>
+                  <a:effectLst/>
                   <a:latin typeface="Shadows Into Light" panose="02000000000000000000" pitchFamily="2" charset="0"/>
                 </a:rPr>
-                <a:t> Dangerous </a:t>
+                <a:t>in the </a:t>
               </a:r>
               <a:r>
-                <a:rPr lang="en-US" dirty="0">
+                <a:rPr lang="en-US" b="0" i="0" dirty="0">
                   <a:solidFill>
-                    <a:srgbClr val="FB74FE"/>
+                    <a:srgbClr val="4B48FD"/>
                   </a:solidFill>
+                  <a:effectLst/>
                   <a:latin typeface="Shadows Into Light" panose="02000000000000000000" pitchFamily="2" charset="0"/>
                 </a:rPr>
-                <a:t>*</a:t>
+                <a:t>web3 metaverse</a:t>
               </a:r>
-              <a:r>
-                <a:rPr lang="en-US" dirty="0">
-                  <a:latin typeface="Shadows Into Light" panose="02000000000000000000" pitchFamily="2" charset="0"/>
+              <a:endParaRPr lang="en-US" b="0" i="0" dirty="0">
+                <a:solidFill>
+                  <a:srgbClr val="2A2825"/>
+                </a:solidFill>
+                <a:effectLst/>
+                <a:latin typeface="Shadows Into Light" panose="02000000000000000000" pitchFamily="2" charset="0"/>
+              </a:endParaRPr>
+            </a:p>
+            <a:p>
+              <a:br>
+                <a:rPr lang="en-US" b="0" i="0" dirty="0">
+                  <a:solidFill>
+                    <a:srgbClr val="2A2825"/>
+                  </a:solidFill>
+                  <a:effectLst/>
+                  <a:latin typeface="Times New Roman" panose="02020603050405020304" pitchFamily="18" charset="0"/>
                 </a:rPr>
-                <a:t> Lucrative</a:t>
-              </a:r>
+              </a:br>
               <a:endParaRPr lang="en-CA" dirty="0">
                 <a:latin typeface="Shadows Into Light" panose="02000000000000000000" pitchFamily="2" charset="0"/>
               </a:endParaRPr>
@@ -4498,13 +4521,13 @@
         </p:nvSpPr>
         <p:spPr>
           <a:xfrm>
-            <a:off x="928284" y="1586415"/>
-            <a:ext cx="9761347" cy="1923702"/>
+            <a:off x="928284" y="1586414"/>
+            <a:ext cx="10796490" cy="3899985"/>
           </a:xfrm>
         </p:spPr>
         <p:txBody>
           <a:bodyPr>
-            <a:normAutofit fontScale="62500" lnSpcReduction="20000"/>
+            <a:normAutofit lnSpcReduction="10000"/>
           </a:bodyPr>
           <a:lstStyle/>
           <a:p>
@@ -4515,12 +4538,110 @@
               <a:buNone/>
             </a:pPr>
             <a:r>
-              <a:rPr lang="en-US" dirty="0">
+              <a:rPr lang="en-US" sz="1800" dirty="0">
                 <a:latin typeface="Poppins Light" panose="00000400000000000000" pitchFamily="2" charset="0"/>
                 <a:cs typeface="Poppins Light" panose="00000400000000000000" pitchFamily="2" charset="0"/>
               </a:rPr>
-              <a:t>Traditional payment processors are denying adult content creators.</a:t>
-            </a:r>
+              <a:t>Traditional web2 payment processors are denying adult content creators.</a:t>
+            </a:r>
+            <a:br>
+              <a:rPr lang="en-US" sz="1800" dirty="0">
+                <a:latin typeface="Poppins Light" panose="00000400000000000000" pitchFamily="2" charset="0"/>
+                <a:cs typeface="Poppins Light" panose="00000400000000000000" pitchFamily="2" charset="0"/>
+              </a:rPr>
+            </a:br>
+            <a:br>
+              <a:rPr lang="en-US" sz="1800" dirty="0">
+                <a:latin typeface="Poppins Light" panose="00000400000000000000" pitchFamily="2" charset="0"/>
+                <a:cs typeface="Poppins Light" panose="00000400000000000000" pitchFamily="2" charset="0"/>
+              </a:rPr>
+            </a:br>
+            <a:r>
+              <a:rPr lang="en-US" sz="1800" dirty="0">
+                <a:latin typeface="Poppins Light" panose="00000400000000000000" pitchFamily="2" charset="0"/>
+                <a:cs typeface="Poppins Light" panose="00000400000000000000" pitchFamily="2" charset="0"/>
+              </a:rPr>
+              <a:t>People love porn and adult content. Demand is biological.</a:t>
+            </a:r>
+            <a:br>
+              <a:rPr lang="en-US" sz="1800" dirty="0">
+                <a:latin typeface="Poppins Light" panose="00000400000000000000" pitchFamily="2" charset="0"/>
+                <a:cs typeface="Poppins Light" panose="00000400000000000000" pitchFamily="2" charset="0"/>
+              </a:rPr>
+            </a:br>
+            <a:br>
+              <a:rPr lang="en-US" sz="1800" dirty="0">
+                <a:latin typeface="Poppins Light" panose="00000400000000000000" pitchFamily="2" charset="0"/>
+                <a:cs typeface="Poppins Light" panose="00000400000000000000" pitchFamily="2" charset="0"/>
+              </a:rPr>
+            </a:br>
+            <a:r>
+              <a:rPr lang="en-US" sz="1800" dirty="0">
+                <a:latin typeface="Poppins Light" panose="00000400000000000000" pitchFamily="2" charset="0"/>
+                <a:cs typeface="Poppins Light" panose="00000400000000000000" pitchFamily="2" charset="0"/>
+              </a:rPr>
+              <a:t>Current companies charge users high fees. (5-20%).</a:t>
+            </a:r>
+            <a:br>
+              <a:rPr lang="en-US" sz="1800" dirty="0">
+                <a:latin typeface="Poppins Light" panose="00000400000000000000" pitchFamily="2" charset="0"/>
+                <a:cs typeface="Poppins Light" panose="00000400000000000000" pitchFamily="2" charset="0"/>
+              </a:rPr>
+            </a:br>
+            <a:br>
+              <a:rPr lang="en-US" sz="1800" dirty="0">
+                <a:latin typeface="Poppins Light" panose="00000400000000000000" pitchFamily="2" charset="0"/>
+                <a:cs typeface="Poppins Light" panose="00000400000000000000" pitchFamily="2" charset="0"/>
+              </a:rPr>
+            </a:br>
+            <a:r>
+              <a:rPr lang="en-US" sz="1800" dirty="0">
+                <a:latin typeface="Poppins Light" panose="00000400000000000000" pitchFamily="2" charset="0"/>
+                <a:cs typeface="Poppins Light" panose="00000400000000000000" pitchFamily="2" charset="0"/>
+              </a:rPr>
+              <a:t>Old Google ad revenue style business models need to die in porn industry.</a:t>
+            </a:r>
+            <a:br>
+              <a:rPr lang="en-US" sz="1800" dirty="0">
+                <a:latin typeface="Poppins Light" panose="00000400000000000000" pitchFamily="2" charset="0"/>
+                <a:cs typeface="Poppins Light" panose="00000400000000000000" pitchFamily="2" charset="0"/>
+              </a:rPr>
+            </a:br>
+            <a:br>
+              <a:rPr lang="en-US" sz="1800" dirty="0">
+                <a:latin typeface="Poppins Light" panose="00000400000000000000" pitchFamily="2" charset="0"/>
+                <a:cs typeface="Poppins Light" panose="00000400000000000000" pitchFamily="2" charset="0"/>
+              </a:rPr>
+            </a:br>
+            <a:r>
+              <a:rPr lang="en-US" sz="1800" dirty="0">
+                <a:latin typeface="Poppins Light" panose="00000400000000000000" pitchFamily="2" charset="0"/>
+                <a:cs typeface="Poppins Light" panose="00000400000000000000" pitchFamily="2" charset="0"/>
+              </a:rPr>
+              <a:t>Web3 is here. Adult content in the blockchain is an obvious progression.</a:t>
+            </a:r>
+            <a:br>
+              <a:rPr lang="en-US" sz="1800" dirty="0">
+                <a:latin typeface="Poppins Light" panose="00000400000000000000" pitchFamily="2" charset="0"/>
+                <a:cs typeface="Poppins Light" panose="00000400000000000000" pitchFamily="2" charset="0"/>
+              </a:rPr>
+            </a:br>
+            <a:br>
+              <a:rPr lang="en-US" sz="1800" dirty="0">
+                <a:latin typeface="Poppins Light" panose="00000400000000000000" pitchFamily="2" charset="0"/>
+                <a:cs typeface="Poppins Light" panose="00000400000000000000" pitchFamily="2" charset="0"/>
+              </a:rPr>
+            </a:br>
+            <a:br>
+              <a:rPr lang="en-US" sz="1800" dirty="0">
+                <a:latin typeface="Poppins Light" panose="00000400000000000000" pitchFamily="2" charset="0"/>
+                <a:cs typeface="Poppins Light" panose="00000400000000000000" pitchFamily="2" charset="0"/>
+              </a:rPr>
+            </a:br>
+            <a:endParaRPr lang="en-US" sz="1800" dirty="0">
+              <a:latin typeface="Poppins Light" panose="00000400000000000000" pitchFamily="2" charset="0"/>
+              <a:cs typeface="Poppins Light" panose="00000400000000000000" pitchFamily="2" charset="0"/>
+            </a:endParaRPr>
           </a:p>
           <a:p>
             <a:pPr marL="0" indent="0">
@@ -4529,13 +4650,10 @@
               </a:lnSpc>
               <a:buNone/>
             </a:pPr>
-            <a:r>
-              <a:rPr lang="en-US" dirty="0">
-                <a:latin typeface="Poppins Light" panose="00000400000000000000" pitchFamily="2" charset="0"/>
-                <a:cs typeface="Poppins Light" panose="00000400000000000000" pitchFamily="2" charset="0"/>
-              </a:rPr>
-              <a:t>Demand has not disappeared. Creators and consumers are looking for alternatives.</a:t>
-            </a:r>
+            <a:endParaRPr lang="en-US" dirty="0">
+              <a:latin typeface="Poppins Light" panose="00000400000000000000" pitchFamily="2" charset="0"/>
+              <a:cs typeface="Poppins Light" panose="00000400000000000000" pitchFamily="2" charset="0"/>
+            </a:endParaRPr>
           </a:p>
           <a:p>
             <a:pPr marL="0" indent="0">
@@ -4544,28 +4662,10 @@
               </a:lnSpc>
               <a:buNone/>
             </a:pPr>
-            <a:r>
-              <a:rPr lang="en-US" dirty="0">
-                <a:latin typeface="Poppins Light" panose="00000400000000000000" pitchFamily="2" charset="0"/>
-                <a:cs typeface="Poppins Light" panose="00000400000000000000" pitchFamily="2" charset="0"/>
-              </a:rPr>
-              <a:t>NFTs and Crypto are continuing to explode and grow market capital.</a:t>
-            </a:r>
-          </a:p>
-          <a:p>
-            <a:pPr marL="0" indent="0">
-              <a:lnSpc>
-                <a:spcPct val="120000"/>
-              </a:lnSpc>
-              <a:buNone/>
-            </a:pPr>
-            <a:r>
-              <a:rPr lang="en-CA" dirty="0">
-                <a:latin typeface="Poppins Light" panose="00000400000000000000" pitchFamily="2" charset="0"/>
-                <a:cs typeface="Poppins Light" panose="00000400000000000000" pitchFamily="2" charset="0"/>
-              </a:rPr>
-              <a:t>Adult content is always in demand. Covid-19 has changed the game.</a:t>
-            </a:r>
+            <a:endParaRPr lang="en-US" dirty="0">
+              <a:latin typeface="Poppins Light" panose="00000400000000000000" pitchFamily="2" charset="0"/>
+              <a:cs typeface="Poppins Light" panose="00000400000000000000" pitchFamily="2" charset="0"/>
+            </a:endParaRPr>
           </a:p>
         </p:txBody>
       </p:sp>
@@ -4597,7 +4697,7 @@
         </p:blipFill>
         <p:spPr>
           <a:xfrm>
-            <a:off x="678663" y="3637605"/>
+            <a:off x="928284" y="4798482"/>
             <a:ext cx="3222480" cy="1327795"/>
           </a:xfrm>
           <a:prstGeom prst="rect">
@@ -4633,8 +4733,8 @@
         </p:blipFill>
         <p:spPr>
           <a:xfrm>
-            <a:off x="667118" y="5069556"/>
-            <a:ext cx="3751853" cy="1200723"/>
+            <a:off x="8041238" y="4858463"/>
+            <a:ext cx="3632105" cy="1162400"/>
           </a:xfrm>
           <a:prstGeom prst="rect">
             <a:avLst/>
@@ -4669,7 +4769,7 @@
         </p:blipFill>
         <p:spPr>
           <a:xfrm>
-            <a:off x="11291364" y="317930"/>
+            <a:off x="11161379" y="618720"/>
             <a:ext cx="563395" cy="563395"/>
           </a:xfrm>
           <a:prstGeom prst="rect">
@@ -4679,10 +4779,10 @@
       </p:pic>
       <p:pic>
         <p:nvPicPr>
-          <p:cNvPr id="5" name="Picture 4">
-            <a:extLst>
-              <a:ext uri="{FF2B5EF4-FFF2-40B4-BE49-F238E27FC236}">
-                <a16:creationId xmlns:a16="http://schemas.microsoft.com/office/drawing/2014/main" id="{70D0B9DD-CB9F-4676-AC9E-4B5394B3C48B}"/>
+          <p:cNvPr id="9" name="Picture 8">
+            <a:extLst>
+              <a:ext uri="{FF2B5EF4-FFF2-40B4-BE49-F238E27FC236}">
+                <a16:creationId xmlns:a16="http://schemas.microsoft.com/office/drawing/2014/main" id="{7C95C04D-F67B-4645-8865-48941DB2B323}"/>
               </a:ext>
             </a:extLst>
           </p:cNvPr>
@@ -4705,116 +4805,8 @@
         </p:blipFill>
         <p:spPr>
           <a:xfrm>
-            <a:off x="4013109" y="3701141"/>
-            <a:ext cx="3618507" cy="1200724"/>
-          </a:xfrm>
-          <a:prstGeom prst="rect">
-            <a:avLst/>
-          </a:prstGeom>
-        </p:spPr>
-      </p:pic>
-      <p:pic>
-        <p:nvPicPr>
-          <p:cNvPr id="9" name="Picture 8">
-            <a:extLst>
-              <a:ext uri="{FF2B5EF4-FFF2-40B4-BE49-F238E27FC236}">
-                <a16:creationId xmlns:a16="http://schemas.microsoft.com/office/drawing/2014/main" id="{7C95C04D-F67B-4645-8865-48941DB2B323}"/>
-              </a:ext>
-            </a:extLst>
-          </p:cNvPr>
-          <p:cNvPicPr>
-            <a:picLocks noChangeAspect="1"/>
-          </p:cNvPicPr>
-          <p:nvPr/>
-        </p:nvPicPr>
-        <p:blipFill>
-          <a:blip r:embed="rId6">
-            <a:extLst>
-              <a:ext uri="{28A0092B-C50C-407E-A947-70E740481C1C}">
-                <a14:useLocalDpi xmlns:a14="http://schemas.microsoft.com/office/drawing/2010/main" val="0"/>
-              </a:ext>
-            </a:extLst>
-          </a:blip>
-          <a:stretch>
-            <a:fillRect/>
-          </a:stretch>
-        </p:blipFill>
-        <p:spPr>
-          <a:xfrm>
-            <a:off x="4552819" y="5007135"/>
-            <a:ext cx="4735344" cy="1325563"/>
-          </a:xfrm>
-          <a:prstGeom prst="rect">
-            <a:avLst/>
-          </a:prstGeom>
-        </p:spPr>
-      </p:pic>
-      <p:pic>
-        <p:nvPicPr>
-          <p:cNvPr id="13" name="Picture 12">
-            <a:extLst>
-              <a:ext uri="{FF2B5EF4-FFF2-40B4-BE49-F238E27FC236}">
-                <a16:creationId xmlns:a16="http://schemas.microsoft.com/office/drawing/2014/main" id="{6E2431DE-B3A9-4479-943C-118DE352D0AC}"/>
-              </a:ext>
-            </a:extLst>
-          </p:cNvPr>
-          <p:cNvPicPr>
-            <a:picLocks noChangeAspect="1"/>
-          </p:cNvPicPr>
-          <p:nvPr/>
-        </p:nvPicPr>
-        <p:blipFill>
-          <a:blip r:embed="rId7">
-            <a:extLst>
-              <a:ext uri="{28A0092B-C50C-407E-A947-70E740481C1C}">
-                <a14:useLocalDpi xmlns:a14="http://schemas.microsoft.com/office/drawing/2010/main" val="0"/>
-              </a:ext>
-            </a:extLst>
-          </a:blip>
-          <a:stretch>
-            <a:fillRect/>
-          </a:stretch>
-        </p:blipFill>
-        <p:spPr>
-          <a:xfrm>
-            <a:off x="9150059" y="5294918"/>
-            <a:ext cx="2559398" cy="779970"/>
-          </a:xfrm>
-          <a:prstGeom prst="rect">
-            <a:avLst/>
-          </a:prstGeom>
-        </p:spPr>
-      </p:pic>
-      <p:pic>
-        <p:nvPicPr>
-          <p:cNvPr id="16" name="Picture 15">
-            <a:extLst>
-              <a:ext uri="{FF2B5EF4-FFF2-40B4-BE49-F238E27FC236}">
-                <a16:creationId xmlns:a16="http://schemas.microsoft.com/office/drawing/2014/main" id="{4FD47F44-DEC4-4710-AF5D-924D52571079}"/>
-              </a:ext>
-            </a:extLst>
-          </p:cNvPr>
-          <p:cNvPicPr>
-            <a:picLocks noChangeAspect="1"/>
-          </p:cNvPicPr>
-          <p:nvPr/>
-        </p:nvPicPr>
-        <p:blipFill>
-          <a:blip r:embed="rId8">
-            <a:extLst>
-              <a:ext uri="{28A0092B-C50C-407E-A947-70E740481C1C}">
-                <a14:useLocalDpi xmlns:a14="http://schemas.microsoft.com/office/drawing/2010/main" val="0"/>
-              </a:ext>
-            </a:extLst>
-          </a:blip>
-          <a:stretch>
-            <a:fillRect/>
-          </a:stretch>
-        </p:blipFill>
-        <p:spPr>
-          <a:xfrm>
-            <a:off x="7743582" y="3510117"/>
-            <a:ext cx="3684086" cy="1520352"/>
+            <a:off x="4082574" y="4798482"/>
+            <a:ext cx="4152473" cy="1162400"/>
           </a:xfrm>
           <a:prstGeom prst="rect">
             <a:avLst/>
@@ -4897,7 +4889,7 @@
         <p:spPr>
           <a:xfrm>
             <a:off x="838200" y="4362209"/>
-            <a:ext cx="2689614" cy="1508105"/>
+            <a:ext cx="2644942" cy="1508105"/>
           </a:xfrm>
           <a:prstGeom prst="rect">
             <a:avLst/>
@@ -4922,7 +4914,7 @@
                 <a:latin typeface="Poppins Light" panose="00000400000000000000" pitchFamily="2" charset="0"/>
                 <a:cs typeface="Poppins Light" panose="00000400000000000000" pitchFamily="2" charset="0"/>
               </a:rPr>
-              <a:t>Use the Ethereum blockchain instead of traditional banking solutions. Create the $NUDE token.</a:t>
+              <a:t>Use the Ethereum blockchain instead of traditional banking solutions. Launch the $NUDE token.</a:t>
             </a:r>
             <a:endParaRPr lang="en-CA" sz="2000" dirty="0">
               <a:latin typeface="Poppins Light" panose="00000400000000000000" pitchFamily="2" charset="0"/>
@@ -4946,7 +4938,7 @@
         <p:spPr>
           <a:xfrm>
             <a:off x="4487532" y="4362210"/>
-            <a:ext cx="2775372" cy="1231106"/>
+            <a:ext cx="2996110" cy="1508105"/>
           </a:xfrm>
           <a:prstGeom prst="rect">
             <a:avLst/>
@@ -4971,7 +4963,7 @@
                 <a:latin typeface="Poppins Light" panose="00000400000000000000" pitchFamily="2" charset="0"/>
                 <a:cs typeface="Poppins Light" panose="00000400000000000000" pitchFamily="2" charset="0"/>
               </a:rPr>
-              <a:t>Use decentralized blockchain NFT technology to store adult creators content.</a:t>
+              <a:t>Use decentralized NFT technology to store adult creators content. Give ownership back to creators.</a:t>
             </a:r>
             <a:endParaRPr lang="en-CA" dirty="0">
               <a:latin typeface="Poppins Light" panose="00000400000000000000" pitchFamily="2" charset="0"/>
@@ -4995,7 +4987,7 @@
         <p:spPr>
           <a:xfrm>
             <a:off x="8416994" y="4362209"/>
-            <a:ext cx="3171157" cy="1508105"/>
+            <a:ext cx="3171157" cy="1231106"/>
           </a:xfrm>
           <a:prstGeom prst="rect">
             <a:avLst/>
@@ -5020,7 +5012,7 @@
                 <a:latin typeface="Poppins Light" panose="00000400000000000000" pitchFamily="2" charset="0"/>
                 <a:cs typeface="Poppins Light" panose="00000400000000000000" pitchFamily="2" charset="0"/>
               </a:rPr>
-              <a:t>Create a trendy designed social app experience tailored specifically for the adult content industry.</a:t>
+              <a:t>Create a trendy social d-app experience tailored specifically for the adult content industry.</a:t>
             </a:r>
             <a:endParaRPr lang="en-CA" sz="2000" dirty="0">
               <a:latin typeface="Poppins Light" panose="00000400000000000000" pitchFamily="2" charset="0"/>
@@ -6562,7 +6554,9 @@
         </p:nvSpPr>
         <p:spPr/>
         <p:txBody>
-          <a:bodyPr/>
+          <a:bodyPr>
+            <a:normAutofit lnSpcReduction="10000"/>
+          </a:bodyPr>
           <a:lstStyle/>
           <a:p>
             <a:r>
@@ -6612,7 +6606,12 @@
               <a:rPr lang="en-US" dirty="0"/>
               <a:t>Twitch streaming</a:t>
             </a:r>
-            <a:endParaRPr lang="en-CA" dirty="0"/>
+          </a:p>
+          <a:p>
+            <a:r>
+              <a:rPr lang="en-CA" dirty="0"/>
+              <a:t>$NUDE, NUDE_NFT, NUDE_DEX, NUDE_DAO</a:t>
+            </a:r>
           </a:p>
         </p:txBody>
       </p:sp>

--- a/own-me-pitch.pptx
+++ b/own-me-pitch.pptx
@@ -6645,98 +6645,6 @@
           <a:chExt cx="0" cy="0"/>
         </a:xfrm>
       </p:grpSpPr>
-      <p:cxnSp>
-        <p:nvCxnSpPr>
-          <p:cNvPr id="27" name="Straight Connector 26">
-            <a:extLst>
-              <a:ext uri="{FF2B5EF4-FFF2-40B4-BE49-F238E27FC236}">
-                <a16:creationId xmlns:a16="http://schemas.microsoft.com/office/drawing/2014/main" id="{5E824EAC-ADEC-43E9-BD94-ADFF2DFD5F85}"/>
-              </a:ext>
-            </a:extLst>
-          </p:cNvPr>
-          <p:cNvCxnSpPr>
-            <a:cxnSpLocks/>
-          </p:cNvCxnSpPr>
-          <p:nvPr/>
-        </p:nvCxnSpPr>
-        <p:spPr>
-          <a:xfrm flipV="1">
-            <a:off x="973029" y="2799795"/>
-            <a:ext cx="2601615" cy="24582"/>
-          </a:xfrm>
-          <a:prstGeom prst="line">
-            <a:avLst/>
-          </a:prstGeom>
-          <a:ln>
-            <a:solidFill>
-              <a:schemeClr val="accent3">
-                <a:lumMod val="60000"/>
-                <a:lumOff val="40000"/>
-              </a:schemeClr>
-            </a:solidFill>
-          </a:ln>
-        </p:spPr>
-        <p:style>
-          <a:lnRef idx="1">
-            <a:schemeClr val="accent1"/>
-          </a:lnRef>
-          <a:fillRef idx="0">
-            <a:schemeClr val="accent1"/>
-          </a:fillRef>
-          <a:effectRef idx="0">
-            <a:schemeClr val="accent1"/>
-          </a:effectRef>
-          <a:fontRef idx="minor">
-            <a:schemeClr val="tx1"/>
-          </a:fontRef>
-        </p:style>
-      </p:cxnSp>
-      <p:cxnSp>
-        <p:nvCxnSpPr>
-          <p:cNvPr id="16" name="Straight Connector 15">
-            <a:extLst>
-              <a:ext uri="{FF2B5EF4-FFF2-40B4-BE49-F238E27FC236}">
-                <a16:creationId xmlns:a16="http://schemas.microsoft.com/office/drawing/2014/main" id="{2E784507-2A90-41F4-914A-2E0D3C25F17F}"/>
-              </a:ext>
-            </a:extLst>
-          </p:cNvPr>
-          <p:cNvCxnSpPr>
-            <a:cxnSpLocks/>
-          </p:cNvCxnSpPr>
-          <p:nvPr/>
-        </p:nvCxnSpPr>
-        <p:spPr>
-          <a:xfrm flipV="1">
-            <a:off x="973031" y="3357677"/>
-            <a:ext cx="2601615" cy="24582"/>
-          </a:xfrm>
-          <a:prstGeom prst="line">
-            <a:avLst/>
-          </a:prstGeom>
-          <a:ln>
-            <a:solidFill>
-              <a:schemeClr val="accent3">
-                <a:lumMod val="60000"/>
-                <a:lumOff val="40000"/>
-              </a:schemeClr>
-            </a:solidFill>
-          </a:ln>
-        </p:spPr>
-        <p:style>
-          <a:lnRef idx="1">
-            <a:schemeClr val="accent1"/>
-          </a:lnRef>
-          <a:fillRef idx="0">
-            <a:schemeClr val="accent1"/>
-          </a:fillRef>
-          <a:effectRef idx="0">
-            <a:schemeClr val="accent1"/>
-          </a:effectRef>
-          <a:fontRef idx="minor">
-            <a:schemeClr val="tx1"/>
-          </a:fontRef>
-        </p:style>
-      </p:cxnSp>
       <p:sp>
         <p:nvSpPr>
           <p:cNvPr id="2" name="Title 1">
@@ -6768,185 +6676,262 @@
           </a:p>
         </p:txBody>
       </p:sp>
-      <p:pic>
-        <p:nvPicPr>
-          <p:cNvPr id="5" name="Content Placeholder 4">
-            <a:extLst>
-              <a:ext uri="{FF2B5EF4-FFF2-40B4-BE49-F238E27FC236}">
-                <a16:creationId xmlns:a16="http://schemas.microsoft.com/office/drawing/2014/main" id="{E8B79BEB-C0A3-4987-83FF-C0BD91A1E4E2}"/>
-              </a:ext>
-            </a:extLst>
-          </p:cNvPr>
-          <p:cNvPicPr>
-            <a:picLocks noGrp="1" noChangeAspect="1"/>
-          </p:cNvPicPr>
-          <p:nvPr>
-            <p:ph idx="1"/>
-          </p:nvPr>
-        </p:nvPicPr>
-        <p:blipFill>
-          <a:blip r:embed="rId2">
-            <a:extLst>
-              <a:ext uri="{28A0092B-C50C-407E-A947-70E740481C1C}">
-                <a14:useLocalDpi xmlns:a14="http://schemas.microsoft.com/office/drawing/2010/main" val="0"/>
-              </a:ext>
-            </a:extLst>
-          </a:blip>
-          <a:stretch>
-            <a:fillRect/>
-          </a:stretch>
-        </p:blipFill>
+      <p:grpSp>
+        <p:nvGrpSpPr>
+          <p:cNvPr id="13" name="Group 12">
+            <a:extLst>
+              <a:ext uri="{FF2B5EF4-FFF2-40B4-BE49-F238E27FC236}">
+                <a16:creationId xmlns:a16="http://schemas.microsoft.com/office/drawing/2014/main" id="{FFE68998-39FA-DADE-A6FA-5844F4059C93}"/>
+              </a:ext>
+            </a:extLst>
+          </p:cNvPr>
+          <p:cNvGrpSpPr/>
+          <p:nvPr/>
+        </p:nvGrpSpPr>
+        <p:grpSpPr>
+          <a:xfrm>
+            <a:off x="1325547" y="2091267"/>
+            <a:ext cx="2126225" cy="1370201"/>
+            <a:chOff x="725259" y="2091267"/>
+            <a:chExt cx="3126658" cy="2006993"/>
+          </a:xfrm>
+        </p:grpSpPr>
+        <p:cxnSp>
+          <p:nvCxnSpPr>
+            <p:cNvPr id="27" name="Straight Connector 26">
+              <a:extLst>
+                <a:ext uri="{FF2B5EF4-FFF2-40B4-BE49-F238E27FC236}">
+                  <a16:creationId xmlns:a16="http://schemas.microsoft.com/office/drawing/2014/main" id="{5E824EAC-ADEC-43E9-BD94-ADFF2DFD5F85}"/>
+                </a:ext>
+              </a:extLst>
+            </p:cNvPr>
+            <p:cNvCxnSpPr>
+              <a:cxnSpLocks/>
+            </p:cNvCxnSpPr>
+            <p:nvPr/>
+          </p:nvCxnSpPr>
+          <p:spPr>
+            <a:xfrm flipV="1">
+              <a:off x="973029" y="2799795"/>
+              <a:ext cx="2601615" cy="24582"/>
+            </a:xfrm>
+            <a:prstGeom prst="line">
+              <a:avLst/>
+            </a:prstGeom>
+            <a:ln>
+              <a:solidFill>
+                <a:schemeClr val="accent3">
+                  <a:lumMod val="60000"/>
+                  <a:lumOff val="40000"/>
+                </a:schemeClr>
+              </a:solidFill>
+            </a:ln>
+          </p:spPr>
+          <p:style>
+            <a:lnRef idx="1">
+              <a:schemeClr val="accent1"/>
+            </a:lnRef>
+            <a:fillRef idx="0">
+              <a:schemeClr val="accent1"/>
+            </a:fillRef>
+            <a:effectRef idx="0">
+              <a:schemeClr val="accent1"/>
+            </a:effectRef>
+            <a:fontRef idx="minor">
+              <a:schemeClr val="tx1"/>
+            </a:fontRef>
+          </p:style>
+        </p:cxnSp>
+        <p:cxnSp>
+          <p:nvCxnSpPr>
+            <p:cNvPr id="16" name="Straight Connector 15">
+              <a:extLst>
+                <a:ext uri="{FF2B5EF4-FFF2-40B4-BE49-F238E27FC236}">
+                  <a16:creationId xmlns:a16="http://schemas.microsoft.com/office/drawing/2014/main" id="{2E784507-2A90-41F4-914A-2E0D3C25F17F}"/>
+                </a:ext>
+              </a:extLst>
+            </p:cNvPr>
+            <p:cNvCxnSpPr>
+              <a:cxnSpLocks/>
+            </p:cNvCxnSpPr>
+            <p:nvPr/>
+          </p:nvCxnSpPr>
+          <p:spPr>
+            <a:xfrm flipV="1">
+              <a:off x="973031" y="3357677"/>
+              <a:ext cx="2601615" cy="24582"/>
+            </a:xfrm>
+            <a:prstGeom prst="line">
+              <a:avLst/>
+            </a:prstGeom>
+            <a:ln>
+              <a:solidFill>
+                <a:schemeClr val="accent3">
+                  <a:lumMod val="60000"/>
+                  <a:lumOff val="40000"/>
+                </a:schemeClr>
+              </a:solidFill>
+            </a:ln>
+          </p:spPr>
+          <p:style>
+            <a:lnRef idx="1">
+              <a:schemeClr val="accent1"/>
+            </a:lnRef>
+            <a:fillRef idx="0">
+              <a:schemeClr val="accent1"/>
+            </a:fillRef>
+            <a:effectRef idx="0">
+              <a:schemeClr val="accent1"/>
+            </a:effectRef>
+            <a:fontRef idx="minor">
+              <a:schemeClr val="tx1"/>
+            </a:fontRef>
+          </p:style>
+        </p:cxnSp>
+        <p:cxnSp>
+          <p:nvCxnSpPr>
+            <p:cNvPr id="14" name="Straight Connector 13">
+              <a:extLst>
+                <a:ext uri="{FF2B5EF4-FFF2-40B4-BE49-F238E27FC236}">
+                  <a16:creationId xmlns:a16="http://schemas.microsoft.com/office/drawing/2014/main" id="{CF0A6EC9-05A2-41D5-A4D9-F813EF56724A}"/>
+                </a:ext>
+              </a:extLst>
+            </p:cNvPr>
+            <p:cNvCxnSpPr>
+              <a:cxnSpLocks/>
+            </p:cNvCxnSpPr>
+            <p:nvPr/>
+          </p:nvCxnSpPr>
+          <p:spPr>
+            <a:xfrm>
+              <a:off x="725259" y="3094763"/>
+              <a:ext cx="3126658" cy="0"/>
+            </a:xfrm>
+            <a:prstGeom prst="line">
+              <a:avLst/>
+            </a:prstGeom>
+            <a:ln>
+              <a:solidFill>
+                <a:srgbClr val="FFC000"/>
+              </a:solidFill>
+            </a:ln>
+          </p:spPr>
+          <p:style>
+            <a:lnRef idx="2">
+              <a:schemeClr val="accent3"/>
+            </a:lnRef>
+            <a:fillRef idx="0">
+              <a:schemeClr val="accent3"/>
+            </a:fillRef>
+            <a:effectRef idx="1">
+              <a:schemeClr val="accent3"/>
+            </a:effectRef>
+            <a:fontRef idx="minor">
+              <a:schemeClr val="tx1"/>
+            </a:fontRef>
+          </p:style>
+        </p:cxnSp>
+        <p:sp>
+          <p:nvSpPr>
+            <p:cNvPr id="15" name="Oval 14">
+              <a:extLst>
+                <a:ext uri="{FF2B5EF4-FFF2-40B4-BE49-F238E27FC236}">
+                  <a16:creationId xmlns:a16="http://schemas.microsoft.com/office/drawing/2014/main" id="{4153D177-BF84-432C-99CC-F8159E5284AA}"/>
+                </a:ext>
+              </a:extLst>
+            </p:cNvPr>
+            <p:cNvSpPr/>
+            <p:nvPr/>
+          </p:nvSpPr>
+          <p:spPr>
+            <a:xfrm>
+              <a:off x="1188358" y="2091267"/>
+              <a:ext cx="2170962" cy="2006993"/>
+            </a:xfrm>
+            <a:prstGeom prst="ellipse">
+              <a:avLst/>
+            </a:prstGeom>
+            <a:solidFill>
+              <a:schemeClr val="accent2"/>
+            </a:solidFill>
+          </p:spPr>
+          <p:style>
+            <a:lnRef idx="2">
+              <a:schemeClr val="accent1">
+                <a:shade val="50000"/>
+              </a:schemeClr>
+            </a:lnRef>
+            <a:fillRef idx="1">
+              <a:schemeClr val="accent1"/>
+            </a:fillRef>
+            <a:effectRef idx="0">
+              <a:schemeClr val="accent1"/>
+            </a:effectRef>
+            <a:fontRef idx="minor">
+              <a:schemeClr val="lt1"/>
+            </a:fontRef>
+          </p:style>
+          <p:txBody>
+            <a:bodyPr rtlCol="0" anchor="ctr"/>
+            <a:lstStyle/>
+            <a:p>
+              <a:pPr algn="ctr"/>
+              <a:endParaRPr lang="en-CA"/>
+            </a:p>
+          </p:txBody>
+        </p:sp>
+        <p:pic>
+          <p:nvPicPr>
+            <p:cNvPr id="23" name="Picture 22">
+              <a:extLst>
+                <a:ext uri="{FF2B5EF4-FFF2-40B4-BE49-F238E27FC236}">
+                  <a16:creationId xmlns:a16="http://schemas.microsoft.com/office/drawing/2014/main" id="{42B44C66-2A8C-4C22-819F-CBD75B0DDCD6}"/>
+                </a:ext>
+              </a:extLst>
+            </p:cNvPr>
+            <p:cNvPicPr>
+              <a:picLocks noChangeAspect="1"/>
+            </p:cNvPicPr>
+            <p:nvPr/>
+          </p:nvPicPr>
+          <p:blipFill>
+            <a:blip r:embed="rId2">
+              <a:extLst>
+                <a:ext uri="{28A0092B-C50C-407E-A947-70E740481C1C}">
+                  <a14:useLocalDpi xmlns:a14="http://schemas.microsoft.com/office/drawing/2010/main" val="0"/>
+                </a:ext>
+              </a:extLst>
+            </a:blip>
+            <a:srcRect/>
+            <a:stretch/>
+          </p:blipFill>
+          <p:spPr>
+            <a:xfrm>
+              <a:off x="1315962" y="2136887"/>
+              <a:ext cx="1915751" cy="1915751"/>
+            </a:xfrm>
+            <a:prstGeom prst="flowChartConnector">
+              <a:avLst/>
+            </a:prstGeom>
+          </p:spPr>
+        </p:pic>
+      </p:grpSp>
+      <p:sp>
+        <p:nvSpPr>
+          <p:cNvPr id="24" name="TextBox 23">
+            <a:extLst>
+              <a:ext uri="{FF2B5EF4-FFF2-40B4-BE49-F238E27FC236}">
+                <a16:creationId xmlns:a16="http://schemas.microsoft.com/office/drawing/2014/main" id="{D5A321C3-FFC0-4C5F-AC4A-246C9A8E11BB}"/>
+              </a:ext>
+            </a:extLst>
+          </p:cNvPr>
+          <p:cNvSpPr txBox="1"/>
+          <p:nvPr/>
+        </p:nvSpPr>
         <p:spPr>
           <a:xfrm>
-            <a:off x="11353800" y="308455"/>
-            <a:ext cx="483207" cy="483207"/>
-          </a:xfrm>
-        </p:spPr>
-      </p:pic>
-      <p:cxnSp>
-        <p:nvCxnSpPr>
-          <p:cNvPr id="14" name="Straight Connector 13">
-            <a:extLst>
-              <a:ext uri="{FF2B5EF4-FFF2-40B4-BE49-F238E27FC236}">
-                <a16:creationId xmlns:a16="http://schemas.microsoft.com/office/drawing/2014/main" id="{CF0A6EC9-05A2-41D5-A4D9-F813EF56724A}"/>
-              </a:ext>
-            </a:extLst>
-          </p:cNvPr>
-          <p:cNvCxnSpPr>
-            <a:cxnSpLocks/>
-          </p:cNvCxnSpPr>
-          <p:nvPr/>
-        </p:nvCxnSpPr>
-        <p:spPr>
-          <a:xfrm>
-            <a:off x="725259" y="3094763"/>
-            <a:ext cx="3126658" cy="0"/>
-          </a:xfrm>
-          <a:prstGeom prst="line">
-            <a:avLst/>
-          </a:prstGeom>
-          <a:ln>
-            <a:solidFill>
-              <a:srgbClr val="FFC000"/>
-            </a:solidFill>
-          </a:ln>
-        </p:spPr>
-        <p:style>
-          <a:lnRef idx="2">
-            <a:schemeClr val="accent3"/>
-          </a:lnRef>
-          <a:fillRef idx="0">
-            <a:schemeClr val="accent3"/>
-          </a:fillRef>
-          <a:effectRef idx="1">
-            <a:schemeClr val="accent3"/>
-          </a:effectRef>
-          <a:fontRef idx="minor">
-            <a:schemeClr val="tx1"/>
-          </a:fontRef>
-        </p:style>
-      </p:cxnSp>
-      <p:sp>
-        <p:nvSpPr>
-          <p:cNvPr id="15" name="Oval 14">
-            <a:extLst>
-              <a:ext uri="{FF2B5EF4-FFF2-40B4-BE49-F238E27FC236}">
-                <a16:creationId xmlns:a16="http://schemas.microsoft.com/office/drawing/2014/main" id="{4153D177-BF84-432C-99CC-F8159E5284AA}"/>
-              </a:ext>
-            </a:extLst>
-          </p:cNvPr>
-          <p:cNvSpPr/>
-          <p:nvPr/>
-        </p:nvSpPr>
-        <p:spPr>
-          <a:xfrm>
-            <a:off x="1188358" y="2091267"/>
-            <a:ext cx="2170962" cy="2006993"/>
-          </a:xfrm>
-          <a:prstGeom prst="ellipse">
-            <a:avLst/>
-          </a:prstGeom>
-          <a:solidFill>
-            <a:schemeClr val="accent2"/>
-          </a:solidFill>
-        </p:spPr>
-        <p:style>
-          <a:lnRef idx="2">
-            <a:schemeClr val="accent1">
-              <a:shade val="50000"/>
-            </a:schemeClr>
-          </a:lnRef>
-          <a:fillRef idx="1">
-            <a:schemeClr val="accent1"/>
-          </a:fillRef>
-          <a:effectRef idx="0">
-            <a:schemeClr val="accent1"/>
-          </a:effectRef>
-          <a:fontRef idx="minor">
-            <a:schemeClr val="lt1"/>
-          </a:fontRef>
-        </p:style>
-        <p:txBody>
-          <a:bodyPr rtlCol="0" anchor="ctr"/>
-          <a:lstStyle/>
-          <a:p>
-            <a:pPr algn="ctr"/>
-            <a:endParaRPr lang="en-CA"/>
-          </a:p>
-        </p:txBody>
-      </p:sp>
-      <p:pic>
-        <p:nvPicPr>
-          <p:cNvPr id="23" name="Picture 22">
-            <a:extLst>
-              <a:ext uri="{FF2B5EF4-FFF2-40B4-BE49-F238E27FC236}">
-                <a16:creationId xmlns:a16="http://schemas.microsoft.com/office/drawing/2014/main" id="{42B44C66-2A8C-4C22-819F-CBD75B0DDCD6}"/>
-              </a:ext>
-            </a:extLst>
-          </p:cNvPr>
-          <p:cNvPicPr>
-            <a:picLocks noChangeAspect="1"/>
-          </p:cNvPicPr>
-          <p:nvPr/>
-        </p:nvPicPr>
-        <p:blipFill>
-          <a:blip r:embed="rId3">
-            <a:extLst>
-              <a:ext uri="{28A0092B-C50C-407E-A947-70E740481C1C}">
-                <a14:useLocalDpi xmlns:a14="http://schemas.microsoft.com/office/drawing/2010/main" val="0"/>
-              </a:ext>
-            </a:extLst>
-          </a:blip>
-          <a:stretch>
-            <a:fillRect/>
-          </a:stretch>
-        </p:blipFill>
-        <p:spPr>
-          <a:xfrm>
-            <a:off x="1268853" y="2136887"/>
-            <a:ext cx="2009969" cy="1915751"/>
-          </a:xfrm>
-          <a:prstGeom prst="rect">
-            <a:avLst/>
-          </a:prstGeom>
-        </p:spPr>
-      </p:pic>
-      <p:sp>
-        <p:nvSpPr>
-          <p:cNvPr id="24" name="TextBox 23">
-            <a:extLst>
-              <a:ext uri="{FF2B5EF4-FFF2-40B4-BE49-F238E27FC236}">
-                <a16:creationId xmlns:a16="http://schemas.microsoft.com/office/drawing/2014/main" id="{D5A321C3-FFC0-4C5F-AC4A-246C9A8E11BB}"/>
-              </a:ext>
-            </a:extLst>
-          </p:cNvPr>
-          <p:cNvSpPr txBox="1"/>
-          <p:nvPr/>
-        </p:nvSpPr>
-        <p:spPr>
-          <a:xfrm>
-            <a:off x="995772" y="4630139"/>
-            <a:ext cx="2688630" cy="276999"/>
+            <a:off x="1325547" y="3862047"/>
+            <a:ext cx="2688630" cy="261610"/>
           </a:xfrm>
           <a:prstGeom prst="rect">
             <a:avLst/>
@@ -6960,13 +6945,13 @@
           <a:lstStyle/>
           <a:p>
             <a:r>
-              <a:rPr lang="en-US" sz="1200" dirty="0">
+              <a:rPr lang="en-US" sz="1100" dirty="0">
                 <a:latin typeface="Poppins Medium" panose="00000600000000000000" pitchFamily="2" charset="0"/>
                 <a:cs typeface="Poppins Medium" panose="00000600000000000000" pitchFamily="2" charset="0"/>
               </a:rPr>
-              <a:t>Founder / CEO / Lead Engineer</a:t>
-            </a:r>
-            <a:endParaRPr lang="en-CA" sz="1200" dirty="0">
+              <a:t>Founder | Lead Web3 Engineer</a:t>
+            </a:r>
+            <a:endParaRPr lang="en-CA" sz="1100" dirty="0">
               <a:latin typeface="Poppins Medium" panose="00000600000000000000" pitchFamily="2" charset="0"/>
               <a:cs typeface="Poppins Medium" panose="00000600000000000000" pitchFamily="2" charset="0"/>
             </a:endParaRPr>
@@ -6987,8 +6972,8 @@
         </p:nvSpPr>
         <p:spPr>
           <a:xfrm>
-            <a:off x="973030" y="4199500"/>
-            <a:ext cx="2711371" cy="369332"/>
+            <a:off x="1387905" y="3566643"/>
+            <a:ext cx="2711371" cy="307777"/>
           </a:xfrm>
           <a:prstGeom prst="rect">
             <a:avLst/>
@@ -7002,226 +6987,42 @@
           <a:lstStyle/>
           <a:p>
             <a:r>
-              <a:rPr lang="en-US" dirty="0">
+              <a:rPr lang="en-US" sz="1400" dirty="0">
                 <a:latin typeface="Yeseva One" panose="00000500000000000000" pitchFamily="2" charset="0"/>
                 <a:cs typeface="Poppins Medium" panose="00000600000000000000" pitchFamily="2" charset="0"/>
               </a:rPr>
               <a:t>Christopher </a:t>
             </a:r>
             <a:r>
-              <a:rPr lang="en-US" dirty="0" err="1">
+              <a:rPr lang="en-US" sz="1400" dirty="0" err="1">
                 <a:latin typeface="Yeseva One" panose="00000500000000000000" pitchFamily="2" charset="0"/>
                 <a:cs typeface="Poppins Medium" panose="00000600000000000000" pitchFamily="2" charset="0"/>
               </a:rPr>
               <a:t>Trimboli</a:t>
             </a:r>
-            <a:endParaRPr lang="en-CA" dirty="0">
+            <a:endParaRPr lang="en-CA" sz="1400" dirty="0">
               <a:latin typeface="Yeseva One" panose="00000500000000000000" pitchFamily="2" charset="0"/>
               <a:cs typeface="Poppins Medium" panose="00000600000000000000" pitchFamily="2" charset="0"/>
             </a:endParaRPr>
           </a:p>
         </p:txBody>
       </p:sp>
-      <p:cxnSp>
-        <p:nvCxnSpPr>
-          <p:cNvPr id="42" name="Straight Connector 41">
-            <a:extLst>
-              <a:ext uri="{FF2B5EF4-FFF2-40B4-BE49-F238E27FC236}">
-                <a16:creationId xmlns:a16="http://schemas.microsoft.com/office/drawing/2014/main" id="{C7FEB43B-6C76-41DC-8609-A6E9B07F2357}"/>
-              </a:ext>
-            </a:extLst>
-          </p:cNvPr>
-          <p:cNvCxnSpPr>
-            <a:cxnSpLocks/>
-          </p:cNvCxnSpPr>
+      <p:sp>
+        <p:nvSpPr>
+          <p:cNvPr id="47" name="TextBox 46">
+            <a:extLst>
+              <a:ext uri="{FF2B5EF4-FFF2-40B4-BE49-F238E27FC236}">
+                <a16:creationId xmlns:a16="http://schemas.microsoft.com/office/drawing/2014/main" id="{B1E60453-717B-4F8A-92F4-81315775A76D}"/>
+              </a:ext>
+            </a:extLst>
+          </p:cNvPr>
+          <p:cNvSpPr txBox="1"/>
           <p:nvPr/>
-        </p:nvCxnSpPr>
-        <p:spPr>
-          <a:xfrm flipV="1">
-            <a:off x="4795191" y="2799795"/>
-            <a:ext cx="2601615" cy="24582"/>
-          </a:xfrm>
-          <a:prstGeom prst="line">
-            <a:avLst/>
-          </a:prstGeom>
-          <a:ln>
-            <a:solidFill>
-              <a:schemeClr val="accent3">
-                <a:lumMod val="60000"/>
-                <a:lumOff val="40000"/>
-              </a:schemeClr>
-            </a:solidFill>
-          </a:ln>
-        </p:spPr>
-        <p:style>
-          <a:lnRef idx="1">
-            <a:schemeClr val="accent1"/>
-          </a:lnRef>
-          <a:fillRef idx="0">
-            <a:schemeClr val="accent1"/>
-          </a:fillRef>
-          <a:effectRef idx="0">
-            <a:schemeClr val="accent1"/>
-          </a:effectRef>
-          <a:fontRef idx="minor">
-            <a:schemeClr val="tx1"/>
-          </a:fontRef>
-        </p:style>
-      </p:cxnSp>
-      <p:cxnSp>
-        <p:nvCxnSpPr>
-          <p:cNvPr id="43" name="Straight Connector 42">
-            <a:extLst>
-              <a:ext uri="{FF2B5EF4-FFF2-40B4-BE49-F238E27FC236}">
-                <a16:creationId xmlns:a16="http://schemas.microsoft.com/office/drawing/2014/main" id="{8A0CA6D1-065B-4201-9574-0BDA1EEC0952}"/>
-              </a:ext>
-            </a:extLst>
-          </p:cNvPr>
-          <p:cNvCxnSpPr>
-            <a:cxnSpLocks/>
-          </p:cNvCxnSpPr>
-          <p:nvPr/>
-        </p:nvCxnSpPr>
-        <p:spPr>
-          <a:xfrm flipV="1">
-            <a:off x="4795193" y="3357677"/>
-            <a:ext cx="2601615" cy="24582"/>
-          </a:xfrm>
-          <a:prstGeom prst="line">
-            <a:avLst/>
-          </a:prstGeom>
-          <a:ln>
-            <a:solidFill>
-              <a:schemeClr val="accent3">
-                <a:lumMod val="60000"/>
-                <a:lumOff val="40000"/>
-              </a:schemeClr>
-            </a:solidFill>
-          </a:ln>
-        </p:spPr>
-        <p:style>
-          <a:lnRef idx="1">
-            <a:schemeClr val="accent1"/>
-          </a:lnRef>
-          <a:fillRef idx="0">
-            <a:schemeClr val="accent1"/>
-          </a:fillRef>
-          <a:effectRef idx="0">
-            <a:schemeClr val="accent1"/>
-          </a:effectRef>
-          <a:fontRef idx="minor">
-            <a:schemeClr val="tx1"/>
-          </a:fontRef>
-        </p:style>
-      </p:cxnSp>
-      <p:cxnSp>
-        <p:nvCxnSpPr>
-          <p:cNvPr id="44" name="Straight Connector 43">
-            <a:extLst>
-              <a:ext uri="{FF2B5EF4-FFF2-40B4-BE49-F238E27FC236}">
-                <a16:creationId xmlns:a16="http://schemas.microsoft.com/office/drawing/2014/main" id="{55D905D5-597F-4FCB-AD16-B031C1764589}"/>
-              </a:ext>
-            </a:extLst>
-          </p:cNvPr>
-          <p:cNvCxnSpPr>
-            <a:cxnSpLocks/>
-          </p:cNvCxnSpPr>
-          <p:nvPr/>
-        </p:nvCxnSpPr>
+        </p:nvSpPr>
         <p:spPr>
           <a:xfrm>
-            <a:off x="4547421" y="3094763"/>
-            <a:ext cx="3126658" cy="0"/>
-          </a:xfrm>
-          <a:prstGeom prst="line">
-            <a:avLst/>
-          </a:prstGeom>
-          <a:ln>
-            <a:solidFill>
-              <a:srgbClr val="FB74FE"/>
-            </a:solidFill>
-          </a:ln>
-        </p:spPr>
-        <p:style>
-          <a:lnRef idx="2">
-            <a:schemeClr val="accent3"/>
-          </a:lnRef>
-          <a:fillRef idx="0">
-            <a:schemeClr val="accent3"/>
-          </a:fillRef>
-          <a:effectRef idx="1">
-            <a:schemeClr val="accent3"/>
-          </a:effectRef>
-          <a:fontRef idx="minor">
-            <a:schemeClr val="tx1"/>
-          </a:fontRef>
-        </p:style>
-      </p:cxnSp>
-      <p:sp>
-        <p:nvSpPr>
-          <p:cNvPr id="45" name="Oval 44">
-            <a:extLst>
-              <a:ext uri="{FF2B5EF4-FFF2-40B4-BE49-F238E27FC236}">
-                <a16:creationId xmlns:a16="http://schemas.microsoft.com/office/drawing/2014/main" id="{7E1B78C5-F887-491D-8D3F-1315B786C1C8}"/>
-              </a:ext>
-            </a:extLst>
-          </p:cNvPr>
-          <p:cNvSpPr/>
-          <p:nvPr/>
-        </p:nvSpPr>
-        <p:spPr>
-          <a:xfrm>
-            <a:off x="5010520" y="2091267"/>
-            <a:ext cx="2170962" cy="2006993"/>
-          </a:xfrm>
-          <a:prstGeom prst="ellipse">
-            <a:avLst/>
-          </a:prstGeom>
-          <a:solidFill>
-            <a:srgbClr val="FB74FE"/>
-          </a:solidFill>
-        </p:spPr>
-        <p:style>
-          <a:lnRef idx="2">
-            <a:schemeClr val="accent1">
-              <a:shade val="50000"/>
-            </a:schemeClr>
-          </a:lnRef>
-          <a:fillRef idx="1">
-            <a:schemeClr val="accent1"/>
-          </a:fillRef>
-          <a:effectRef idx="0">
-            <a:schemeClr val="accent1"/>
-          </a:effectRef>
-          <a:fontRef idx="minor">
-            <a:schemeClr val="lt1"/>
-          </a:fontRef>
-        </p:style>
-        <p:txBody>
-          <a:bodyPr rtlCol="0" anchor="ctr"/>
-          <a:lstStyle/>
-          <a:p>
-            <a:pPr algn="ctr"/>
-            <a:endParaRPr lang="en-CA"/>
-          </a:p>
-        </p:txBody>
-      </p:sp>
-      <p:sp>
-        <p:nvSpPr>
-          <p:cNvPr id="47" name="TextBox 46">
-            <a:extLst>
-              <a:ext uri="{FF2B5EF4-FFF2-40B4-BE49-F238E27FC236}">
-                <a16:creationId xmlns:a16="http://schemas.microsoft.com/office/drawing/2014/main" id="{B1E60453-717B-4F8A-92F4-81315775A76D}"/>
-              </a:ext>
-            </a:extLst>
-          </p:cNvPr>
-          <p:cNvSpPr txBox="1"/>
-          <p:nvPr/>
-        </p:nvSpPr>
-        <p:spPr>
-          <a:xfrm>
-            <a:off x="5010520" y="4622666"/>
-            <a:ext cx="2780435" cy="276999"/>
+            <a:off x="4736843" y="3858790"/>
+            <a:ext cx="3126658" cy="261610"/>
           </a:xfrm>
           <a:prstGeom prst="rect">
             <a:avLst/>
@@ -7235,13 +7036,13 @@
           <a:lstStyle/>
           <a:p>
             <a:r>
-              <a:rPr lang="en-US" sz="1200" dirty="0">
+              <a:rPr lang="en-US" sz="1100" dirty="0">
                 <a:latin typeface="Poppins Medium" panose="00000600000000000000" pitchFamily="2" charset="0"/>
                 <a:cs typeface="Poppins Medium" panose="00000600000000000000" pitchFamily="2" charset="0"/>
               </a:rPr>
-              <a:t>Lead Designer / Digital Artist</a:t>
-            </a:r>
-            <a:endParaRPr lang="en-CA" sz="1200" dirty="0">
+              <a:t>Digital Artist | Frontend Developer</a:t>
+            </a:r>
+            <a:endParaRPr lang="en-CA" sz="1100" dirty="0">
               <a:latin typeface="Poppins Medium" panose="00000600000000000000" pitchFamily="2" charset="0"/>
               <a:cs typeface="Poppins Medium" panose="00000600000000000000" pitchFamily="2" charset="0"/>
             </a:endParaRPr>
@@ -7262,8 +7063,8 @@
         </p:nvSpPr>
         <p:spPr>
           <a:xfrm>
-            <a:off x="4795192" y="4199500"/>
-            <a:ext cx="2711371" cy="369332"/>
+            <a:off x="4625703" y="3563706"/>
+            <a:ext cx="2711371" cy="307777"/>
           </a:xfrm>
           <a:prstGeom prst="rect">
             <a:avLst/>
@@ -7278,77 +7079,282 @@
           <a:p>
             <a:pPr algn="ctr"/>
             <a:r>
-              <a:rPr lang="en-US" dirty="0">
+              <a:rPr lang="en-US" sz="1400" dirty="0">
                 <a:latin typeface="Yeseva One" panose="00000500000000000000" pitchFamily="2" charset="0"/>
                 <a:cs typeface="Poppins Medium" panose="00000600000000000000" pitchFamily="2" charset="0"/>
               </a:rPr>
               <a:t>Sylvia </a:t>
             </a:r>
             <a:r>
-              <a:rPr lang="en-US" dirty="0" err="1">
+              <a:rPr lang="en-US" sz="1400" dirty="0" err="1">
                 <a:latin typeface="Yeseva One" panose="00000500000000000000" pitchFamily="2" charset="0"/>
                 <a:cs typeface="Poppins Medium" panose="00000600000000000000" pitchFamily="2" charset="0"/>
               </a:rPr>
               <a:t>Makuch</a:t>
             </a:r>
-            <a:endParaRPr lang="en-CA" dirty="0">
+            <a:endParaRPr lang="en-CA" sz="1400" dirty="0">
               <a:latin typeface="Yeseva One" panose="00000500000000000000" pitchFamily="2" charset="0"/>
               <a:cs typeface="Poppins Medium" panose="00000600000000000000" pitchFamily="2" charset="0"/>
             </a:endParaRPr>
           </a:p>
         </p:txBody>
       </p:sp>
-      <p:pic>
-        <p:nvPicPr>
-          <p:cNvPr id="4" name="Picture 3">
-            <a:extLst>
-              <a:ext uri="{FF2B5EF4-FFF2-40B4-BE49-F238E27FC236}">
-                <a16:creationId xmlns:a16="http://schemas.microsoft.com/office/drawing/2014/main" id="{0A812C7D-57E2-4A7C-AF75-550ADB94F130}"/>
-              </a:ext>
-            </a:extLst>
-          </p:cNvPr>
-          <p:cNvPicPr>
-            <a:picLocks noChangeAspect="1"/>
-          </p:cNvPicPr>
+      <p:grpSp>
+        <p:nvGrpSpPr>
+          <p:cNvPr id="17" name="Group 16">
+            <a:extLst>
+              <a:ext uri="{FF2B5EF4-FFF2-40B4-BE49-F238E27FC236}">
+                <a16:creationId xmlns:a16="http://schemas.microsoft.com/office/drawing/2014/main" id="{4E9BB54E-768D-322B-7F1D-603A142A6907}"/>
+              </a:ext>
+            </a:extLst>
+          </p:cNvPr>
+          <p:cNvGrpSpPr/>
           <p:nvPr/>
-        </p:nvPicPr>
-        <p:blipFill>
-          <a:blip r:embed="rId4">
-            <a:extLst>
-              <a:ext uri="{28A0092B-C50C-407E-A947-70E740481C1C}">
-                <a14:useLocalDpi xmlns:a14="http://schemas.microsoft.com/office/drawing/2010/main" val="0"/>
-              </a:ext>
-            </a:extLst>
-          </a:blip>
-          <a:stretch>
-            <a:fillRect/>
-          </a:stretch>
-        </p:blipFill>
+        </p:nvGrpSpPr>
+        <p:grpSpPr>
+          <a:xfrm>
+            <a:off x="4991534" y="2083302"/>
+            <a:ext cx="1979711" cy="1370201"/>
+            <a:chOff x="4547421" y="2091267"/>
+            <a:chExt cx="3126658" cy="2006993"/>
+          </a:xfrm>
+        </p:grpSpPr>
+        <p:cxnSp>
+          <p:nvCxnSpPr>
+            <p:cNvPr id="42" name="Straight Connector 41">
+              <a:extLst>
+                <a:ext uri="{FF2B5EF4-FFF2-40B4-BE49-F238E27FC236}">
+                  <a16:creationId xmlns:a16="http://schemas.microsoft.com/office/drawing/2014/main" id="{C7FEB43B-6C76-41DC-8609-A6E9B07F2357}"/>
+                </a:ext>
+              </a:extLst>
+            </p:cNvPr>
+            <p:cNvCxnSpPr>
+              <a:cxnSpLocks/>
+            </p:cNvCxnSpPr>
+            <p:nvPr/>
+          </p:nvCxnSpPr>
+          <p:spPr>
+            <a:xfrm flipV="1">
+              <a:off x="4795191" y="2799795"/>
+              <a:ext cx="2601615" cy="24582"/>
+            </a:xfrm>
+            <a:prstGeom prst="line">
+              <a:avLst/>
+            </a:prstGeom>
+            <a:ln>
+              <a:solidFill>
+                <a:schemeClr val="accent3">
+                  <a:lumMod val="60000"/>
+                  <a:lumOff val="40000"/>
+                </a:schemeClr>
+              </a:solidFill>
+            </a:ln>
+          </p:spPr>
+          <p:style>
+            <a:lnRef idx="1">
+              <a:schemeClr val="accent1"/>
+            </a:lnRef>
+            <a:fillRef idx="0">
+              <a:schemeClr val="accent1"/>
+            </a:fillRef>
+            <a:effectRef idx="0">
+              <a:schemeClr val="accent1"/>
+            </a:effectRef>
+            <a:fontRef idx="minor">
+              <a:schemeClr val="tx1"/>
+            </a:fontRef>
+          </p:style>
+        </p:cxnSp>
+        <p:cxnSp>
+          <p:nvCxnSpPr>
+            <p:cNvPr id="43" name="Straight Connector 42">
+              <a:extLst>
+                <a:ext uri="{FF2B5EF4-FFF2-40B4-BE49-F238E27FC236}">
+                  <a16:creationId xmlns:a16="http://schemas.microsoft.com/office/drawing/2014/main" id="{8A0CA6D1-065B-4201-9574-0BDA1EEC0952}"/>
+                </a:ext>
+              </a:extLst>
+            </p:cNvPr>
+            <p:cNvCxnSpPr>
+              <a:cxnSpLocks/>
+            </p:cNvCxnSpPr>
+            <p:nvPr/>
+          </p:nvCxnSpPr>
+          <p:spPr>
+            <a:xfrm flipV="1">
+              <a:off x="4795193" y="3357677"/>
+              <a:ext cx="2601615" cy="24582"/>
+            </a:xfrm>
+            <a:prstGeom prst="line">
+              <a:avLst/>
+            </a:prstGeom>
+            <a:ln>
+              <a:solidFill>
+                <a:schemeClr val="accent3">
+                  <a:lumMod val="60000"/>
+                  <a:lumOff val="40000"/>
+                </a:schemeClr>
+              </a:solidFill>
+            </a:ln>
+          </p:spPr>
+          <p:style>
+            <a:lnRef idx="1">
+              <a:schemeClr val="accent1"/>
+            </a:lnRef>
+            <a:fillRef idx="0">
+              <a:schemeClr val="accent1"/>
+            </a:fillRef>
+            <a:effectRef idx="0">
+              <a:schemeClr val="accent1"/>
+            </a:effectRef>
+            <a:fontRef idx="minor">
+              <a:schemeClr val="tx1"/>
+            </a:fontRef>
+          </p:style>
+        </p:cxnSp>
+        <p:cxnSp>
+          <p:nvCxnSpPr>
+            <p:cNvPr id="44" name="Straight Connector 43">
+              <a:extLst>
+                <a:ext uri="{FF2B5EF4-FFF2-40B4-BE49-F238E27FC236}">
+                  <a16:creationId xmlns:a16="http://schemas.microsoft.com/office/drawing/2014/main" id="{55D905D5-597F-4FCB-AD16-B031C1764589}"/>
+                </a:ext>
+              </a:extLst>
+            </p:cNvPr>
+            <p:cNvCxnSpPr>
+              <a:cxnSpLocks/>
+            </p:cNvCxnSpPr>
+            <p:nvPr/>
+          </p:nvCxnSpPr>
+          <p:spPr>
+            <a:xfrm>
+              <a:off x="4547421" y="3094763"/>
+              <a:ext cx="3126658" cy="0"/>
+            </a:xfrm>
+            <a:prstGeom prst="line">
+              <a:avLst/>
+            </a:prstGeom>
+            <a:ln>
+              <a:solidFill>
+                <a:srgbClr val="FB74FE"/>
+              </a:solidFill>
+            </a:ln>
+          </p:spPr>
+          <p:style>
+            <a:lnRef idx="2">
+              <a:schemeClr val="accent3"/>
+            </a:lnRef>
+            <a:fillRef idx="0">
+              <a:schemeClr val="accent3"/>
+            </a:fillRef>
+            <a:effectRef idx="1">
+              <a:schemeClr val="accent3"/>
+            </a:effectRef>
+            <a:fontRef idx="minor">
+              <a:schemeClr val="tx1"/>
+            </a:fontRef>
+          </p:style>
+        </p:cxnSp>
+        <p:sp>
+          <p:nvSpPr>
+            <p:cNvPr id="45" name="Oval 44">
+              <a:extLst>
+                <a:ext uri="{FF2B5EF4-FFF2-40B4-BE49-F238E27FC236}">
+                  <a16:creationId xmlns:a16="http://schemas.microsoft.com/office/drawing/2014/main" id="{7E1B78C5-F887-491D-8D3F-1315B786C1C8}"/>
+                </a:ext>
+              </a:extLst>
+            </p:cNvPr>
+            <p:cNvSpPr/>
+            <p:nvPr/>
+          </p:nvSpPr>
+          <p:spPr>
+            <a:xfrm>
+              <a:off x="5010520" y="2091267"/>
+              <a:ext cx="2170962" cy="2006993"/>
+            </a:xfrm>
+            <a:prstGeom prst="ellipse">
+              <a:avLst/>
+            </a:prstGeom>
+            <a:solidFill>
+              <a:srgbClr val="FB74FE"/>
+            </a:solidFill>
+          </p:spPr>
+          <p:style>
+            <a:lnRef idx="2">
+              <a:schemeClr val="accent1">
+                <a:shade val="50000"/>
+              </a:schemeClr>
+            </a:lnRef>
+            <a:fillRef idx="1">
+              <a:schemeClr val="accent1"/>
+            </a:fillRef>
+            <a:effectRef idx="0">
+              <a:schemeClr val="accent1"/>
+            </a:effectRef>
+            <a:fontRef idx="minor">
+              <a:schemeClr val="lt1"/>
+            </a:fontRef>
+          </p:style>
+          <p:txBody>
+            <a:bodyPr rtlCol="0" anchor="ctr"/>
+            <a:lstStyle/>
+            <a:p>
+              <a:pPr algn="ctr"/>
+              <a:endParaRPr lang="en-CA"/>
+            </a:p>
+          </p:txBody>
+        </p:sp>
+        <p:pic>
+          <p:nvPicPr>
+            <p:cNvPr id="4" name="Picture 3">
+              <a:extLst>
+                <a:ext uri="{FF2B5EF4-FFF2-40B4-BE49-F238E27FC236}">
+                  <a16:creationId xmlns:a16="http://schemas.microsoft.com/office/drawing/2014/main" id="{0A812C7D-57E2-4A7C-AF75-550ADB94F130}"/>
+                </a:ext>
+              </a:extLst>
+            </p:cNvPr>
+            <p:cNvPicPr>
+              <a:picLocks noChangeAspect="1"/>
+            </p:cNvPicPr>
+            <p:nvPr/>
+          </p:nvPicPr>
+          <p:blipFill>
+            <a:blip r:embed="rId3">
+              <a:extLst>
+                <a:ext uri="{28A0092B-C50C-407E-A947-70E740481C1C}">
+                  <a14:useLocalDpi xmlns:a14="http://schemas.microsoft.com/office/drawing/2010/main" val="0"/>
+                </a:ext>
+              </a:extLst>
+            </a:blip>
+            <a:stretch>
+              <a:fillRect/>
+            </a:stretch>
+          </p:blipFill>
+          <p:spPr>
+            <a:xfrm>
+              <a:off x="5102977" y="2163003"/>
+              <a:ext cx="1986045" cy="1889635"/>
+            </a:xfrm>
+            <a:prstGeom prst="rect">
+              <a:avLst/>
+            </a:prstGeom>
+          </p:spPr>
+        </p:pic>
+      </p:grpSp>
+      <p:sp>
+        <p:nvSpPr>
+          <p:cNvPr id="3" name="TextBox 2">
+            <a:extLst>
+              <a:ext uri="{FF2B5EF4-FFF2-40B4-BE49-F238E27FC236}">
+                <a16:creationId xmlns:a16="http://schemas.microsoft.com/office/drawing/2014/main" id="{0DA6CF2E-926C-4441-AE36-0B05CBDE694A}"/>
+              </a:ext>
+            </a:extLst>
+          </p:cNvPr>
+          <p:cNvSpPr txBox="1"/>
+          <p:nvPr/>
+        </p:nvSpPr>
         <p:spPr>
           <a:xfrm>
-            <a:off x="5102975" y="2163003"/>
-            <a:ext cx="1986045" cy="1889635"/>
-          </a:xfrm>
-          <a:prstGeom prst="rect">
-            <a:avLst/>
-          </a:prstGeom>
-        </p:spPr>
-      </p:pic>
-      <p:sp>
-        <p:nvSpPr>
-          <p:cNvPr id="3" name="TextBox 2">
-            <a:extLst>
-              <a:ext uri="{FF2B5EF4-FFF2-40B4-BE49-F238E27FC236}">
-                <a16:creationId xmlns:a16="http://schemas.microsoft.com/office/drawing/2014/main" id="{0DA6CF2E-926C-4441-AE36-0B05CBDE694A}"/>
-              </a:ext>
-            </a:extLst>
-          </p:cNvPr>
-          <p:cNvSpPr txBox="1"/>
-          <p:nvPr/>
-        </p:nvSpPr>
-        <p:spPr>
-          <a:xfrm>
-            <a:off x="9028044" y="4579794"/>
+            <a:off x="9607642" y="6110872"/>
             <a:ext cx="2325756" cy="377687"/>
           </a:xfrm>
           <a:prstGeom prst="rect">
@@ -7366,6 +7372,402 @@
               <a:rPr lang="en-CA" dirty="0"/>
               <a:t>Looking for more…</a:t>
             </a:r>
+          </a:p>
+        </p:txBody>
+      </p:sp>
+      <p:grpSp>
+        <p:nvGrpSpPr>
+          <p:cNvPr id="18" name="Group 17">
+            <a:extLst>
+              <a:ext uri="{FF2B5EF4-FFF2-40B4-BE49-F238E27FC236}">
+                <a16:creationId xmlns:a16="http://schemas.microsoft.com/office/drawing/2014/main" id="{82A1252A-85F7-23D9-698C-2FB505ED4AC2}"/>
+              </a:ext>
+            </a:extLst>
+          </p:cNvPr>
+          <p:cNvGrpSpPr/>
+          <p:nvPr/>
+        </p:nvGrpSpPr>
+        <p:grpSpPr>
+          <a:xfrm>
+            <a:off x="8824821" y="2082323"/>
+            <a:ext cx="2039953" cy="1370202"/>
+            <a:chOff x="8277126" y="2019531"/>
+            <a:chExt cx="3126658" cy="2006993"/>
+          </a:xfrm>
+        </p:grpSpPr>
+        <p:cxnSp>
+          <p:nvCxnSpPr>
+            <p:cNvPr id="19" name="Straight Connector 18">
+              <a:extLst>
+                <a:ext uri="{FF2B5EF4-FFF2-40B4-BE49-F238E27FC236}">
+                  <a16:creationId xmlns:a16="http://schemas.microsoft.com/office/drawing/2014/main" id="{19AAA280-F24B-CE9D-FB0C-2D80750CF19A}"/>
+                </a:ext>
+              </a:extLst>
+            </p:cNvPr>
+            <p:cNvCxnSpPr>
+              <a:cxnSpLocks/>
+            </p:cNvCxnSpPr>
+            <p:nvPr/>
+          </p:nvCxnSpPr>
+          <p:spPr>
+            <a:xfrm flipV="1">
+              <a:off x="8524896" y="2728059"/>
+              <a:ext cx="2601615" cy="24582"/>
+            </a:xfrm>
+            <a:prstGeom prst="line">
+              <a:avLst/>
+            </a:prstGeom>
+            <a:ln>
+              <a:solidFill>
+                <a:schemeClr val="accent3">
+                  <a:lumMod val="60000"/>
+                  <a:lumOff val="40000"/>
+                </a:schemeClr>
+              </a:solidFill>
+            </a:ln>
+          </p:spPr>
+          <p:style>
+            <a:lnRef idx="1">
+              <a:schemeClr val="accent1"/>
+            </a:lnRef>
+            <a:fillRef idx="0">
+              <a:schemeClr val="accent1"/>
+            </a:fillRef>
+            <a:effectRef idx="0">
+              <a:schemeClr val="accent1"/>
+            </a:effectRef>
+            <a:fontRef idx="minor">
+              <a:schemeClr val="tx1"/>
+            </a:fontRef>
+          </p:style>
+        </p:cxnSp>
+        <p:cxnSp>
+          <p:nvCxnSpPr>
+            <p:cNvPr id="20" name="Straight Connector 19">
+              <a:extLst>
+                <a:ext uri="{FF2B5EF4-FFF2-40B4-BE49-F238E27FC236}">
+                  <a16:creationId xmlns:a16="http://schemas.microsoft.com/office/drawing/2014/main" id="{26B09446-2979-8026-CA05-9CA4804E3088}"/>
+                </a:ext>
+              </a:extLst>
+            </p:cNvPr>
+            <p:cNvCxnSpPr>
+              <a:cxnSpLocks/>
+            </p:cNvCxnSpPr>
+            <p:nvPr/>
+          </p:nvCxnSpPr>
+          <p:spPr>
+            <a:xfrm flipV="1">
+              <a:off x="8524898" y="3285941"/>
+              <a:ext cx="2601615" cy="24582"/>
+            </a:xfrm>
+            <a:prstGeom prst="line">
+              <a:avLst/>
+            </a:prstGeom>
+            <a:ln>
+              <a:solidFill>
+                <a:schemeClr val="accent3">
+                  <a:lumMod val="60000"/>
+                  <a:lumOff val="40000"/>
+                </a:schemeClr>
+              </a:solidFill>
+            </a:ln>
+          </p:spPr>
+          <p:style>
+            <a:lnRef idx="1">
+              <a:schemeClr val="accent1"/>
+            </a:lnRef>
+            <a:fillRef idx="0">
+              <a:schemeClr val="accent1"/>
+            </a:fillRef>
+            <a:effectRef idx="0">
+              <a:schemeClr val="accent1"/>
+            </a:effectRef>
+            <a:fontRef idx="minor">
+              <a:schemeClr val="tx1"/>
+            </a:fontRef>
+          </p:style>
+        </p:cxnSp>
+        <p:cxnSp>
+          <p:nvCxnSpPr>
+            <p:cNvPr id="21" name="Straight Connector 20">
+              <a:extLst>
+                <a:ext uri="{FF2B5EF4-FFF2-40B4-BE49-F238E27FC236}">
+                  <a16:creationId xmlns:a16="http://schemas.microsoft.com/office/drawing/2014/main" id="{D28906BD-17DB-6D29-A15F-730C66CFC29E}"/>
+                </a:ext>
+              </a:extLst>
+            </p:cNvPr>
+            <p:cNvCxnSpPr>
+              <a:cxnSpLocks/>
+            </p:cNvCxnSpPr>
+            <p:nvPr/>
+          </p:nvCxnSpPr>
+          <p:spPr>
+            <a:xfrm>
+              <a:off x="8277126" y="3023027"/>
+              <a:ext cx="3126658" cy="0"/>
+            </a:xfrm>
+            <a:prstGeom prst="line">
+              <a:avLst/>
+            </a:prstGeom>
+            <a:ln>
+              <a:solidFill>
+                <a:srgbClr val="00B050"/>
+              </a:solidFill>
+            </a:ln>
+          </p:spPr>
+          <p:style>
+            <a:lnRef idx="2">
+              <a:schemeClr val="accent3"/>
+            </a:lnRef>
+            <a:fillRef idx="0">
+              <a:schemeClr val="accent3"/>
+            </a:fillRef>
+            <a:effectRef idx="1">
+              <a:schemeClr val="accent3"/>
+            </a:effectRef>
+            <a:fontRef idx="minor">
+              <a:schemeClr val="tx1"/>
+            </a:fontRef>
+          </p:style>
+        </p:cxnSp>
+        <p:sp>
+          <p:nvSpPr>
+            <p:cNvPr id="22" name="Oval 21">
+              <a:extLst>
+                <a:ext uri="{FF2B5EF4-FFF2-40B4-BE49-F238E27FC236}">
+                  <a16:creationId xmlns:a16="http://schemas.microsoft.com/office/drawing/2014/main" id="{B61FCAAD-AF7E-30C2-41B6-9EA0B9E30892}"/>
+                </a:ext>
+              </a:extLst>
+            </p:cNvPr>
+            <p:cNvSpPr/>
+            <p:nvPr/>
+          </p:nvSpPr>
+          <p:spPr>
+            <a:xfrm>
+              <a:off x="8740225" y="2019531"/>
+              <a:ext cx="2135813" cy="2006993"/>
+            </a:xfrm>
+            <a:prstGeom prst="ellipse">
+              <a:avLst/>
+            </a:prstGeom>
+            <a:solidFill>
+              <a:srgbClr val="92D050"/>
+            </a:solidFill>
+          </p:spPr>
+          <p:style>
+            <a:lnRef idx="2">
+              <a:schemeClr val="accent1">
+                <a:shade val="50000"/>
+              </a:schemeClr>
+            </a:lnRef>
+            <a:fillRef idx="1">
+              <a:schemeClr val="accent1"/>
+            </a:fillRef>
+            <a:effectRef idx="0">
+              <a:schemeClr val="accent1"/>
+            </a:effectRef>
+            <a:fontRef idx="minor">
+              <a:schemeClr val="lt1"/>
+            </a:fontRef>
+          </p:style>
+          <p:txBody>
+            <a:bodyPr rtlCol="0" anchor="ctr"/>
+            <a:lstStyle/>
+            <a:p>
+              <a:pPr algn="ctr"/>
+              <a:endParaRPr lang="en-CA"/>
+            </a:p>
+          </p:txBody>
+        </p:sp>
+        <p:pic>
+          <p:nvPicPr>
+            <p:cNvPr id="25" name="Picture 24">
+              <a:extLst>
+                <a:ext uri="{FF2B5EF4-FFF2-40B4-BE49-F238E27FC236}">
+                  <a16:creationId xmlns:a16="http://schemas.microsoft.com/office/drawing/2014/main" id="{D0ABB941-4581-4D2A-B727-BF8753685D11}"/>
+                </a:ext>
+              </a:extLst>
+            </p:cNvPr>
+            <p:cNvPicPr>
+              <a:picLocks noChangeAspect="1"/>
+            </p:cNvPicPr>
+            <p:nvPr/>
+          </p:nvPicPr>
+          <p:blipFill rotWithShape="1">
+            <a:blip r:embed="rId4">
+              <a:extLst>
+                <a:ext uri="{28A0092B-C50C-407E-A947-70E740481C1C}">
+                  <a14:useLocalDpi xmlns:a14="http://schemas.microsoft.com/office/drawing/2010/main" val="0"/>
+                </a:ext>
+              </a:extLst>
+            </a:blip>
+            <a:srcRect/>
+            <a:stretch/>
+          </p:blipFill>
+          <p:spPr>
+            <a:xfrm>
+              <a:off x="8846081" y="2060977"/>
+              <a:ext cx="1924099" cy="1924099"/>
+            </a:xfrm>
+            <a:prstGeom prst="flowChartConnector">
+              <a:avLst/>
+            </a:prstGeom>
+          </p:spPr>
+        </p:pic>
+      </p:grpSp>
+      <p:sp>
+        <p:nvSpPr>
+          <p:cNvPr id="28" name="TextBox 27">
+            <a:extLst>
+              <a:ext uri="{FF2B5EF4-FFF2-40B4-BE49-F238E27FC236}">
+                <a16:creationId xmlns:a16="http://schemas.microsoft.com/office/drawing/2014/main" id="{3131FE7C-02CA-9836-2704-BBF0641ABA0B}"/>
+              </a:ext>
+            </a:extLst>
+          </p:cNvPr>
+          <p:cNvSpPr txBox="1"/>
+          <p:nvPr/>
+        </p:nvSpPr>
+        <p:spPr>
+          <a:xfrm>
+            <a:off x="8898932" y="3871483"/>
+            <a:ext cx="2863922" cy="261610"/>
+          </a:xfrm>
+          <a:prstGeom prst="rect">
+            <a:avLst/>
+          </a:prstGeom>
+          <a:noFill/>
+        </p:spPr>
+        <p:txBody>
+          <a:bodyPr wrap="square" rtlCol="0">
+            <a:spAutoFit/>
+          </a:bodyPr>
+          <a:lstStyle/>
+          <a:p>
+            <a:r>
+              <a:rPr lang="en-US" sz="1100" dirty="0" err="1">
+                <a:latin typeface="Poppins Medium" panose="00000600000000000000" pitchFamily="2" charset="0"/>
+                <a:cs typeface="Poppins Medium" panose="00000600000000000000" pitchFamily="2" charset="0"/>
+              </a:rPr>
+              <a:t>Fullstack</a:t>
+            </a:r>
+            <a:r>
+              <a:rPr lang="en-US" sz="1100" dirty="0">
+                <a:latin typeface="Poppins Medium" panose="00000600000000000000" pitchFamily="2" charset="0"/>
+                <a:cs typeface="Poppins Medium" panose="00000600000000000000" pitchFamily="2" charset="0"/>
+              </a:rPr>
+              <a:t> Web3 Engineer</a:t>
+            </a:r>
+            <a:endParaRPr lang="en-CA" sz="1100" dirty="0">
+              <a:latin typeface="Poppins Medium" panose="00000600000000000000" pitchFamily="2" charset="0"/>
+              <a:cs typeface="Poppins Medium" panose="00000600000000000000" pitchFamily="2" charset="0"/>
+            </a:endParaRPr>
+          </a:p>
+        </p:txBody>
+      </p:sp>
+      <p:sp>
+        <p:nvSpPr>
+          <p:cNvPr id="29" name="TextBox 28">
+            <a:extLst>
+              <a:ext uri="{FF2B5EF4-FFF2-40B4-BE49-F238E27FC236}">
+                <a16:creationId xmlns:a16="http://schemas.microsoft.com/office/drawing/2014/main" id="{3970281A-E582-ADCB-32B2-FF8EC85EAFC2}"/>
+              </a:ext>
+            </a:extLst>
+          </p:cNvPr>
+          <p:cNvSpPr txBox="1"/>
+          <p:nvPr/>
+        </p:nvSpPr>
+        <p:spPr>
+          <a:xfrm>
+            <a:off x="8479487" y="3586523"/>
+            <a:ext cx="2711371" cy="307777"/>
+          </a:xfrm>
+          <a:prstGeom prst="rect">
+            <a:avLst/>
+          </a:prstGeom>
+          <a:noFill/>
+        </p:spPr>
+        <p:txBody>
+          <a:bodyPr wrap="square">
+            <a:spAutoFit/>
+          </a:bodyPr>
+          <a:lstStyle/>
+          <a:p>
+            <a:pPr algn="ctr"/>
+            <a:r>
+              <a:rPr lang="en-US" sz="1400" dirty="0">
+                <a:latin typeface="Yeseva One" panose="00000500000000000000" pitchFamily="2" charset="0"/>
+                <a:cs typeface="Poppins Medium" panose="00000600000000000000" pitchFamily="2" charset="0"/>
+              </a:rPr>
+              <a:t>Wei Yan</a:t>
+            </a:r>
+            <a:endParaRPr lang="en-CA" sz="1400" dirty="0">
+              <a:latin typeface="Yeseva One" panose="00000500000000000000" pitchFamily="2" charset="0"/>
+              <a:cs typeface="Poppins Medium" panose="00000600000000000000" pitchFamily="2" charset="0"/>
+            </a:endParaRPr>
+          </a:p>
+        </p:txBody>
+      </p:sp>
+      <p:sp>
+        <p:nvSpPr>
+          <p:cNvPr id="30" name="TextBox 29">
+            <a:extLst>
+              <a:ext uri="{FF2B5EF4-FFF2-40B4-BE49-F238E27FC236}">
+                <a16:creationId xmlns:a16="http://schemas.microsoft.com/office/drawing/2014/main" id="{F472E723-0743-0B51-C0DA-32D0E10E8511}"/>
+              </a:ext>
+            </a:extLst>
+          </p:cNvPr>
+          <p:cNvSpPr txBox="1"/>
+          <p:nvPr/>
+        </p:nvSpPr>
+        <p:spPr>
+          <a:xfrm>
+            <a:off x="1118937" y="4169824"/>
+            <a:ext cx="2787532" cy="2308324"/>
+          </a:xfrm>
+          <a:prstGeom prst="rect">
+            <a:avLst/>
+          </a:prstGeom>
+          <a:noFill/>
+        </p:spPr>
+        <p:txBody>
+          <a:bodyPr wrap="square" rtlCol="0">
+            <a:spAutoFit/>
+          </a:bodyPr>
+          <a:lstStyle/>
+          <a:p>
+            <a:r>
+              <a:rPr lang="en-US" sz="1200" dirty="0"/>
+              <a:t>Christopher was born in the underground, open-source, metaverse. Coding since 19 years old, computer science dropout, senior web2/3 engineer at startup and enterprise</a:t>
+            </a:r>
+            <a:r>
+              <a:rPr lang="en-US" sz="1200" b="1" dirty="0"/>
+              <a:t> </a:t>
+            </a:r>
+            <a:r>
+              <a:rPr lang="en-US" sz="1200" dirty="0"/>
+              <a:t>levels.</a:t>
+            </a:r>
+            <a:br>
+              <a:rPr lang="en-US" sz="1200" dirty="0"/>
+            </a:br>
+            <a:br>
+              <a:rPr lang="en-US" sz="1200" dirty="0"/>
+            </a:br>
+            <a:r>
+              <a:rPr lang="en-US" sz="1200" dirty="0"/>
+              <a:t>Founded Own Me Inc. to bring adult content into the web3 paradigm. </a:t>
+            </a:r>
+            <a:br>
+              <a:rPr lang="en-US" sz="1200" dirty="0"/>
+            </a:br>
+            <a:br>
+              <a:rPr lang="en-US" sz="1200" dirty="0"/>
+            </a:br>
+            <a:r>
+              <a:rPr lang="en-US" sz="1200" dirty="0"/>
+              <a:t>A ruthless, determined and uncompromising technical founder and  businessman.</a:t>
+            </a:r>
+            <a:endParaRPr lang="en-CA" sz="1200" dirty="0"/>
           </a:p>
         </p:txBody>
       </p:sp>

--- a/own-me-pitch.pptx
+++ b/own-me-pitch.pptx
@@ -272,7 +272,7 @@
           <a:p>
             <a:fld id="{6F0444B0-A3CD-4285-B1AE-FEC941C62C7C}" type="datetimeFigureOut">
               <a:rPr lang="en-CA" smtClean="0"/>
-              <a:t>2022-06-11</a:t>
+              <a:t>2022-06-12</a:t>
             </a:fld>
             <a:endParaRPr lang="en-CA"/>
           </a:p>
@@ -472,7 +472,7 @@
           <a:p>
             <a:fld id="{6F0444B0-A3CD-4285-B1AE-FEC941C62C7C}" type="datetimeFigureOut">
               <a:rPr lang="en-CA" smtClean="0"/>
-              <a:t>2022-06-11</a:t>
+              <a:t>2022-06-12</a:t>
             </a:fld>
             <a:endParaRPr lang="en-CA"/>
           </a:p>
@@ -682,7 +682,7 @@
           <a:p>
             <a:fld id="{6F0444B0-A3CD-4285-B1AE-FEC941C62C7C}" type="datetimeFigureOut">
               <a:rPr lang="en-CA" smtClean="0"/>
-              <a:t>2022-06-11</a:t>
+              <a:t>2022-06-12</a:t>
             </a:fld>
             <a:endParaRPr lang="en-CA"/>
           </a:p>
@@ -882,7 +882,7 @@
           <a:p>
             <a:fld id="{6F0444B0-A3CD-4285-B1AE-FEC941C62C7C}" type="datetimeFigureOut">
               <a:rPr lang="en-CA" smtClean="0"/>
-              <a:t>2022-06-11</a:t>
+              <a:t>2022-06-12</a:t>
             </a:fld>
             <a:endParaRPr lang="en-CA"/>
           </a:p>
@@ -1158,7 +1158,7 @@
           <a:p>
             <a:fld id="{6F0444B0-A3CD-4285-B1AE-FEC941C62C7C}" type="datetimeFigureOut">
               <a:rPr lang="en-CA" smtClean="0"/>
-              <a:t>2022-06-11</a:t>
+              <a:t>2022-06-12</a:t>
             </a:fld>
             <a:endParaRPr lang="en-CA"/>
           </a:p>
@@ -1426,7 +1426,7 @@
           <a:p>
             <a:fld id="{6F0444B0-A3CD-4285-B1AE-FEC941C62C7C}" type="datetimeFigureOut">
               <a:rPr lang="en-CA" smtClean="0"/>
-              <a:t>2022-06-11</a:t>
+              <a:t>2022-06-12</a:t>
             </a:fld>
             <a:endParaRPr lang="en-CA"/>
           </a:p>
@@ -1841,7 +1841,7 @@
           <a:p>
             <a:fld id="{6F0444B0-A3CD-4285-B1AE-FEC941C62C7C}" type="datetimeFigureOut">
               <a:rPr lang="en-CA" smtClean="0"/>
-              <a:t>2022-06-11</a:t>
+              <a:t>2022-06-12</a:t>
             </a:fld>
             <a:endParaRPr lang="en-CA"/>
           </a:p>
@@ -1983,7 +1983,7 @@
           <a:p>
             <a:fld id="{6F0444B0-A3CD-4285-B1AE-FEC941C62C7C}" type="datetimeFigureOut">
               <a:rPr lang="en-CA" smtClean="0"/>
-              <a:t>2022-06-11</a:t>
+              <a:t>2022-06-12</a:t>
             </a:fld>
             <a:endParaRPr lang="en-CA"/>
           </a:p>
@@ -2096,7 +2096,7 @@
           <a:p>
             <a:fld id="{6F0444B0-A3CD-4285-B1AE-FEC941C62C7C}" type="datetimeFigureOut">
               <a:rPr lang="en-CA" smtClean="0"/>
-              <a:t>2022-06-11</a:t>
+              <a:t>2022-06-12</a:t>
             </a:fld>
             <a:endParaRPr lang="en-CA"/>
           </a:p>
@@ -2409,7 +2409,7 @@
           <a:p>
             <a:fld id="{6F0444B0-A3CD-4285-B1AE-FEC941C62C7C}" type="datetimeFigureOut">
               <a:rPr lang="en-CA" smtClean="0"/>
-              <a:t>2022-06-11</a:t>
+              <a:t>2022-06-12</a:t>
             </a:fld>
             <a:endParaRPr lang="en-CA"/>
           </a:p>
@@ -2698,7 +2698,7 @@
           <a:p>
             <a:fld id="{6F0444B0-A3CD-4285-B1AE-FEC941C62C7C}" type="datetimeFigureOut">
               <a:rPr lang="en-CA" smtClean="0"/>
-              <a:t>2022-06-11</a:t>
+              <a:t>2022-06-12</a:t>
             </a:fld>
             <a:endParaRPr lang="en-CA"/>
           </a:p>
@@ -2941,7 +2941,7 @@
           <a:p>
             <a:fld id="{6F0444B0-A3CD-4285-B1AE-FEC941C62C7C}" type="datetimeFigureOut">
               <a:rPr lang="en-CA" smtClean="0"/>
-              <a:t>2022-06-11</a:t>
+              <a:t>2022-06-12</a:t>
             </a:fld>
             <a:endParaRPr lang="en-CA"/>
           </a:p>
@@ -6690,7 +6690,7 @@
         </p:nvGrpSpPr>
         <p:grpSpPr>
           <a:xfrm>
-            <a:off x="1325547" y="2091267"/>
+            <a:off x="1241468" y="1835868"/>
             <a:ext cx="2126225" cy="1370201"/>
             <a:chOff x="725259" y="2091267"/>
             <a:chExt cx="3126658" cy="2006993"/>
@@ -6930,7 +6930,7 @@
         </p:nvSpPr>
         <p:spPr>
           <a:xfrm>
-            <a:off x="1325547" y="3862047"/>
+            <a:off x="1241468" y="3606648"/>
             <a:ext cx="2688630" cy="261610"/>
           </a:xfrm>
           <a:prstGeom prst="rect">
@@ -6972,7 +6972,7 @@
         </p:nvSpPr>
         <p:spPr>
           <a:xfrm>
-            <a:off x="1387905" y="3566643"/>
+            <a:off x="1303826" y="3311244"/>
             <a:ext cx="2711371" cy="307777"/>
           </a:xfrm>
           <a:prstGeom prst="rect">
@@ -7021,7 +7021,7 @@
         </p:nvSpPr>
         <p:spPr>
           <a:xfrm>
-            <a:off x="4736843" y="3858790"/>
+            <a:off x="4867083" y="3586523"/>
             <a:ext cx="3126658" cy="261610"/>
           </a:xfrm>
           <a:prstGeom prst="rect">
@@ -7063,7 +7063,7 @@
         </p:nvSpPr>
         <p:spPr>
           <a:xfrm>
-            <a:off x="4625703" y="3563706"/>
+            <a:off x="4755943" y="3291439"/>
             <a:ext cx="2711371" cy="307777"/>
           </a:xfrm>
           <a:prstGeom prst="rect">
@@ -7113,7 +7113,7 @@
         </p:nvGrpSpPr>
         <p:grpSpPr>
           <a:xfrm>
-            <a:off x="4991534" y="2083302"/>
+            <a:off x="5121774" y="1811035"/>
             <a:ext cx="1979711" cy="1370201"/>
             <a:chOff x="4547421" y="2091267"/>
             <a:chExt cx="3126658" cy="2006993"/>
@@ -7721,8 +7721,8 @@
         </p:nvSpPr>
         <p:spPr>
           <a:xfrm>
-            <a:off x="1118937" y="4169824"/>
-            <a:ext cx="2787532" cy="2308324"/>
+            <a:off x="838200" y="4169824"/>
+            <a:ext cx="3244732" cy="1938992"/>
           </a:xfrm>
           <a:prstGeom prst="rect">
             <a:avLst/>
@@ -7765,7 +7765,63 @@
             </a:br>
             <a:r>
               <a:rPr lang="en-US" sz="1200" dirty="0"/>
-              <a:t>A ruthless, determined and uncompromising technical founder and  businessman.</a:t>
+              <a:t>A ruthless, determined and uncompromising technical founder.</a:t>
+            </a:r>
+            <a:endParaRPr lang="en-CA" sz="1200" dirty="0"/>
+          </a:p>
+        </p:txBody>
+      </p:sp>
+      <p:sp>
+        <p:nvSpPr>
+          <p:cNvPr id="33" name="TextBox 32">
+            <a:extLst>
+              <a:ext uri="{FF2B5EF4-FFF2-40B4-BE49-F238E27FC236}">
+                <a16:creationId xmlns:a16="http://schemas.microsoft.com/office/drawing/2014/main" id="{79728DF3-4658-B00E-6A03-C64B34D13DD8}"/>
+              </a:ext>
+            </a:extLst>
+          </p:cNvPr>
+          <p:cNvSpPr txBox="1"/>
+          <p:nvPr/>
+        </p:nvSpPr>
+        <p:spPr>
+          <a:xfrm>
+            <a:off x="4684295" y="4107575"/>
+            <a:ext cx="3244732" cy="1754326"/>
+          </a:xfrm>
+          <a:prstGeom prst="rect">
+            <a:avLst/>
+          </a:prstGeom>
+          <a:noFill/>
+        </p:spPr>
+        <p:txBody>
+          <a:bodyPr wrap="square" rtlCol="0">
+            <a:spAutoFit/>
+          </a:bodyPr>
+          <a:lstStyle/>
+          <a:p>
+            <a:r>
+              <a:rPr lang="en-US" sz="1200" dirty="0"/>
+              <a:t>Sylvia brings the visual and artistic weaponry. iPad Pro digital artist, React developer, designer and medical field dropout.</a:t>
+            </a:r>
+            <a:br>
+              <a:rPr lang="en-US" sz="1200" dirty="0"/>
+            </a:br>
+            <a:br>
+              <a:rPr lang="en-US" sz="1200" dirty="0"/>
+            </a:br>
+            <a:r>
+              <a:rPr lang="en-US" sz="1200" dirty="0"/>
+              <a:t>Joined forces with Own Me and has created the founding style and art direction for our company.</a:t>
+            </a:r>
+            <a:br>
+              <a:rPr lang="en-US" sz="1200" dirty="0"/>
+            </a:br>
+            <a:br>
+              <a:rPr lang="en-US" sz="1200" dirty="0"/>
+            </a:br>
+            <a:r>
+              <a:rPr lang="en-US" sz="1200" dirty="0"/>
+              <a:t>A charming, educated, talented artist and keen businesswoman.</a:t>
             </a:r>
             <a:endParaRPr lang="en-CA" sz="1200" dirty="0"/>
           </a:p>

--- a/own-me-pitch.pptx
+++ b/own-me-pitch.pptx
@@ -6690,7 +6690,7 @@
         </p:nvGrpSpPr>
         <p:grpSpPr>
           <a:xfrm>
-            <a:off x="1241468" y="1835868"/>
+            <a:off x="1426723" y="1871772"/>
             <a:ext cx="2126225" cy="1370201"/>
             <a:chOff x="725259" y="2091267"/>
             <a:chExt cx="3126658" cy="2006993"/>
@@ -6930,7 +6930,7 @@
         </p:nvSpPr>
         <p:spPr>
           <a:xfrm>
-            <a:off x="1241468" y="3606648"/>
+            <a:off x="1426723" y="3642552"/>
             <a:ext cx="2688630" cy="261610"/>
           </a:xfrm>
           <a:prstGeom prst="rect">
@@ -6972,7 +6972,7 @@
         </p:nvSpPr>
         <p:spPr>
           <a:xfrm>
-            <a:off x="1303826" y="3311244"/>
+            <a:off x="1489081" y="3347148"/>
             <a:ext cx="2711371" cy="307777"/>
           </a:xfrm>
           <a:prstGeom prst="rect">
@@ -6986,6 +6986,7 @@
           </a:bodyPr>
           <a:lstStyle/>
           <a:p>
+            <a:pPr algn="just"/>
             <a:r>
               <a:rPr lang="en-US" sz="1400" dirty="0">
                 <a:latin typeface="Yeseva One" panose="00000500000000000000" pitchFamily="2" charset="0"/>
@@ -7021,8 +7022,8 @@
         </p:nvSpPr>
         <p:spPr>
           <a:xfrm>
-            <a:off x="4867083" y="3586523"/>
-            <a:ext cx="3126658" cy="261610"/>
+            <a:off x="4941320" y="3643147"/>
+            <a:ext cx="2570598" cy="261610"/>
           </a:xfrm>
           <a:prstGeom prst="rect">
             <a:avLst/>
@@ -7063,7 +7064,7 @@
         </p:nvSpPr>
         <p:spPr>
           <a:xfrm>
-            <a:off x="4755943" y="3291439"/>
+            <a:off x="4800547" y="3353918"/>
             <a:ext cx="2711371" cy="307777"/>
           </a:xfrm>
           <a:prstGeom prst="rect">
@@ -7113,8 +7114,8 @@
         </p:nvGrpSpPr>
         <p:grpSpPr>
           <a:xfrm>
-            <a:off x="5121774" y="1811035"/>
-            <a:ext cx="1979711" cy="1370201"/>
+            <a:off x="5050831" y="1847600"/>
+            <a:ext cx="2126225" cy="1463615"/>
             <a:chOff x="4547421" y="2091267"/>
             <a:chExt cx="3126658" cy="2006993"/>
           </a:xfrm>
@@ -7354,7 +7355,7 @@
         </p:nvSpPr>
         <p:spPr>
           <a:xfrm>
-            <a:off x="9607642" y="6110872"/>
+            <a:off x="9689297" y="6219156"/>
             <a:ext cx="2325756" cy="377687"/>
           </a:xfrm>
           <a:prstGeom prst="rect">
@@ -7389,8 +7390,8 @@
         </p:nvGrpSpPr>
         <p:grpSpPr>
           <a:xfrm>
-            <a:off x="8824821" y="2082323"/>
-            <a:ext cx="2039953" cy="1370202"/>
+            <a:off x="8654880" y="1847600"/>
+            <a:ext cx="2126225" cy="1419367"/>
             <a:chOff x="8277126" y="2019531"/>
             <a:chExt cx="3126658" cy="2006993"/>
           </a:xfrm>
@@ -7606,8 +7607,8 @@
           </p:blipFill>
           <p:spPr>
             <a:xfrm>
-              <a:off x="8846081" y="2060977"/>
-              <a:ext cx="1924099" cy="1924099"/>
+              <a:off x="8836209" y="2060977"/>
+              <a:ext cx="1924098" cy="1924098"/>
             </a:xfrm>
             <a:prstGeom prst="flowChartConnector">
               <a:avLst/>
@@ -7629,7 +7630,7 @@
         </p:nvSpPr>
         <p:spPr>
           <a:xfrm>
-            <a:off x="8898932" y="3871483"/>
+            <a:off x="8768117" y="3611894"/>
             <a:ext cx="2863922" cy="261610"/>
           </a:xfrm>
           <a:prstGeom prst="rect">
@@ -7678,7 +7679,7 @@
         </p:nvSpPr>
         <p:spPr>
           <a:xfrm>
-            <a:off x="8479487" y="3586523"/>
+            <a:off x="8348672" y="3326934"/>
             <a:ext cx="2711371" cy="307777"/>
           </a:xfrm>
           <a:prstGeom prst="rect">
@@ -7721,8 +7722,8 @@
         </p:nvSpPr>
         <p:spPr>
           <a:xfrm>
-            <a:off x="838200" y="4169824"/>
-            <a:ext cx="3244732" cy="1938992"/>
+            <a:off x="1123066" y="4005422"/>
+            <a:ext cx="2992287" cy="2123658"/>
           </a:xfrm>
           <a:prstGeom prst="rect">
             <a:avLst/>
@@ -7785,8 +7786,8 @@
         </p:nvSpPr>
         <p:spPr>
           <a:xfrm>
-            <a:off x="4684295" y="4107575"/>
-            <a:ext cx="3244732" cy="1754326"/>
+            <a:off x="4759794" y="4005422"/>
+            <a:ext cx="2992288" cy="1754326"/>
           </a:xfrm>
           <a:prstGeom prst="rect">
             <a:avLst/>
@@ -7811,7 +7812,7 @@
             </a:br>
             <a:r>
               <a:rPr lang="en-US" sz="1200" dirty="0"/>
-              <a:t>Joined forces with Own Me and has created the founding style and art direction for our company.</a:t>
+              <a:t>Elegantly created the founding style and art direction for our company.</a:t>
             </a:r>
             <a:br>
               <a:rPr lang="en-US" sz="1200" dirty="0"/>
@@ -7821,9 +7822,64 @@
             </a:br>
             <a:r>
               <a:rPr lang="en-US" sz="1200" dirty="0"/>
-              <a:t>A charming, educated, talented artist and keen businesswoman.</a:t>
+              <a:t>A charming, educated, talented artist and adventurous creative.</a:t>
             </a:r>
             <a:endParaRPr lang="en-CA" sz="1200" dirty="0"/>
+          </a:p>
+        </p:txBody>
+      </p:sp>
+      <p:sp>
+        <p:nvSpPr>
+          <p:cNvPr id="31" name="TextBox 30">
+            <a:extLst>
+              <a:ext uri="{FF2B5EF4-FFF2-40B4-BE49-F238E27FC236}">
+                <a16:creationId xmlns:a16="http://schemas.microsoft.com/office/drawing/2014/main" id="{9BF88752-0241-CF2E-8B41-FEEBDE9C5093}"/>
+              </a:ext>
+            </a:extLst>
+          </p:cNvPr>
+          <p:cNvSpPr txBox="1"/>
+          <p:nvPr/>
+        </p:nvSpPr>
+        <p:spPr>
+          <a:xfrm>
+            <a:off x="8348672" y="4002310"/>
+            <a:ext cx="3068459" cy="1569660"/>
+          </a:xfrm>
+          <a:prstGeom prst="rect">
+            <a:avLst/>
+          </a:prstGeom>
+          <a:noFill/>
+        </p:spPr>
+        <p:txBody>
+          <a:bodyPr wrap="square" rtlCol="0">
+            <a:spAutoFit/>
+          </a:bodyPr>
+          <a:lstStyle/>
+          <a:p>
+            <a:r>
+              <a:rPr lang="en-US" sz="1200" dirty="0"/>
+              <a:t>Wei is a professional senior web2/3 engineer who prefers to code rather then talk. </a:t>
+            </a:r>
+            <a:br>
+              <a:rPr lang="en-US" sz="1200" dirty="0"/>
+            </a:br>
+            <a:br>
+              <a:rPr lang="en-US" sz="1200" dirty="0"/>
+            </a:br>
+            <a:r>
+              <a:rPr lang="en-US" sz="1200" dirty="0"/>
+              <a:t>Christopher and Wei worked for 2 years as co-workers before creating Own Me.</a:t>
+            </a:r>
+            <a:br>
+              <a:rPr lang="en-US" sz="1200" dirty="0"/>
+            </a:br>
+            <a:br>
+              <a:rPr lang="en-US" sz="1200" dirty="0"/>
+            </a:br>
+            <a:r>
+              <a:rPr lang="en-US" sz="1200" dirty="0"/>
+              <a:t>Inventor of our most complex NUDE_DEX and NUDE_DAO Solidity smart contracts.</a:t>
+            </a:r>
           </a:p>
         </p:txBody>
       </p:sp>
